--- a/Project/Microarchitecture.pptx
+++ b/Project/Microarchitecture.pptx
@@ -11,6 +11,8 @@
     <p:sldId id="259" r:id="rId5"/>
     <p:sldId id="256" r:id="rId6"/>
     <p:sldId id="260" r:id="rId7"/>
+    <p:sldId id="263" r:id="rId8"/>
+    <p:sldId id="264" r:id="rId9"/>
   </p:sldIdLst>
   <p:sldSz cx="12192000" cy="6858000"/>
   <p:notesSz cx="6858000" cy="9144000"/>
@@ -266,7 +268,7 @@
           <a:p>
             <a:fld id="{C3DF540D-BFD1-4779-A317-A8400AF9AE68}" type="datetimeFigureOut">
               <a:rPr lang="LID4096" smtClean="0"/>
-              <a:t>10/05/2023</a:t>
+              <a:t>10/06/2023</a:t>
             </a:fld>
             <a:endParaRPr lang="LID4096"/>
           </a:p>
@@ -466,7 +468,7 @@
           <a:p>
             <a:fld id="{C3DF540D-BFD1-4779-A317-A8400AF9AE68}" type="datetimeFigureOut">
               <a:rPr lang="LID4096" smtClean="0"/>
-              <a:t>10/05/2023</a:t>
+              <a:t>10/06/2023</a:t>
             </a:fld>
             <a:endParaRPr lang="LID4096"/>
           </a:p>
@@ -676,7 +678,7 @@
           <a:p>
             <a:fld id="{C3DF540D-BFD1-4779-A317-A8400AF9AE68}" type="datetimeFigureOut">
               <a:rPr lang="LID4096" smtClean="0"/>
-              <a:t>10/05/2023</a:t>
+              <a:t>10/06/2023</a:t>
             </a:fld>
             <a:endParaRPr lang="LID4096"/>
           </a:p>
@@ -876,7 +878,7 @@
           <a:p>
             <a:fld id="{C3DF540D-BFD1-4779-A317-A8400AF9AE68}" type="datetimeFigureOut">
               <a:rPr lang="LID4096" smtClean="0"/>
-              <a:t>10/05/2023</a:t>
+              <a:t>10/06/2023</a:t>
             </a:fld>
             <a:endParaRPr lang="LID4096"/>
           </a:p>
@@ -1152,7 +1154,7 @@
           <a:p>
             <a:fld id="{C3DF540D-BFD1-4779-A317-A8400AF9AE68}" type="datetimeFigureOut">
               <a:rPr lang="LID4096" smtClean="0"/>
-              <a:t>10/05/2023</a:t>
+              <a:t>10/06/2023</a:t>
             </a:fld>
             <a:endParaRPr lang="LID4096"/>
           </a:p>
@@ -1420,7 +1422,7 @@
           <a:p>
             <a:fld id="{C3DF540D-BFD1-4779-A317-A8400AF9AE68}" type="datetimeFigureOut">
               <a:rPr lang="LID4096" smtClean="0"/>
-              <a:t>10/05/2023</a:t>
+              <a:t>10/06/2023</a:t>
             </a:fld>
             <a:endParaRPr lang="LID4096"/>
           </a:p>
@@ -1835,7 +1837,7 @@
           <a:p>
             <a:fld id="{C3DF540D-BFD1-4779-A317-A8400AF9AE68}" type="datetimeFigureOut">
               <a:rPr lang="LID4096" smtClean="0"/>
-              <a:t>10/05/2023</a:t>
+              <a:t>10/06/2023</a:t>
             </a:fld>
             <a:endParaRPr lang="LID4096"/>
           </a:p>
@@ -1977,7 +1979,7 @@
           <a:p>
             <a:fld id="{C3DF540D-BFD1-4779-A317-A8400AF9AE68}" type="datetimeFigureOut">
               <a:rPr lang="LID4096" smtClean="0"/>
-              <a:t>10/05/2023</a:t>
+              <a:t>10/06/2023</a:t>
             </a:fld>
             <a:endParaRPr lang="LID4096"/>
           </a:p>
@@ -2090,7 +2092,7 @@
           <a:p>
             <a:fld id="{C3DF540D-BFD1-4779-A317-A8400AF9AE68}" type="datetimeFigureOut">
               <a:rPr lang="LID4096" smtClean="0"/>
-              <a:t>10/05/2023</a:t>
+              <a:t>10/06/2023</a:t>
             </a:fld>
             <a:endParaRPr lang="LID4096"/>
           </a:p>
@@ -2403,7 +2405,7 @@
           <a:p>
             <a:fld id="{C3DF540D-BFD1-4779-A317-A8400AF9AE68}" type="datetimeFigureOut">
               <a:rPr lang="LID4096" smtClean="0"/>
-              <a:t>10/05/2023</a:t>
+              <a:t>10/06/2023</a:t>
             </a:fld>
             <a:endParaRPr lang="LID4096"/>
           </a:p>
@@ -2692,7 +2694,7 @@
           <a:p>
             <a:fld id="{C3DF540D-BFD1-4779-A317-A8400AF9AE68}" type="datetimeFigureOut">
               <a:rPr lang="LID4096" smtClean="0"/>
-              <a:t>10/05/2023</a:t>
+              <a:t>10/06/2023</a:t>
             </a:fld>
             <a:endParaRPr lang="LID4096"/>
           </a:p>
@@ -2935,7 +2937,7 @@
           <a:p>
             <a:fld id="{C3DF540D-BFD1-4779-A317-A8400AF9AE68}" type="datetimeFigureOut">
               <a:rPr lang="LID4096" smtClean="0"/>
-              <a:t>10/05/2023</a:t>
+              <a:t>10/06/2023</a:t>
             </a:fld>
             <a:endParaRPr lang="LID4096"/>
           </a:p>
@@ -7329,6 +7331,395 @@
           </a:p>
         </p:txBody>
       </p:sp>
+      <p:cxnSp>
+        <p:nvCxnSpPr>
+          <p:cNvPr id="17" name="Straight Arrow Connector 16">
+            <a:extLst>
+              <a:ext uri="{FF2B5EF4-FFF2-40B4-BE49-F238E27FC236}">
+                <a16:creationId xmlns:a16="http://schemas.microsoft.com/office/drawing/2014/main" id="{E95F4C07-0B95-2FF3-0996-1C3670D9BBC2}"/>
+              </a:ext>
+            </a:extLst>
+          </p:cNvPr>
+          <p:cNvCxnSpPr>
+            <a:stCxn id="11" idx="0"/>
+            <a:endCxn id="7" idx="1"/>
+          </p:cNvCxnSpPr>
+          <p:nvPr/>
+        </p:nvCxnSpPr>
+        <p:spPr>
+          <a:xfrm>
+            <a:off x="2334925" y="1094267"/>
+            <a:ext cx="405618" cy="1"/>
+          </a:xfrm>
+          <a:prstGeom prst="straightConnector1">
+            <a:avLst/>
+          </a:prstGeom>
+          <a:ln w="28575">
+            <a:tailEnd type="triangle"/>
+          </a:ln>
+        </p:spPr>
+        <p:style>
+          <a:lnRef idx="1">
+            <a:schemeClr val="accent1"/>
+          </a:lnRef>
+          <a:fillRef idx="0">
+            <a:schemeClr val="accent1"/>
+          </a:fillRef>
+          <a:effectRef idx="0">
+            <a:schemeClr val="accent1"/>
+          </a:effectRef>
+          <a:fontRef idx="minor">
+            <a:schemeClr val="tx1"/>
+          </a:fontRef>
+        </p:style>
+      </p:cxnSp>
+      <p:cxnSp>
+        <p:nvCxnSpPr>
+          <p:cNvPr id="18" name="Straight Arrow Connector 17">
+            <a:extLst>
+              <a:ext uri="{FF2B5EF4-FFF2-40B4-BE49-F238E27FC236}">
+                <a16:creationId xmlns:a16="http://schemas.microsoft.com/office/drawing/2014/main" id="{761933EF-9B2E-689B-09C0-F51A8ACEC759}"/>
+              </a:ext>
+            </a:extLst>
+          </p:cNvPr>
+          <p:cNvCxnSpPr/>
+          <p:nvPr/>
+        </p:nvCxnSpPr>
+        <p:spPr>
+          <a:xfrm>
+            <a:off x="2336684" y="2253215"/>
+            <a:ext cx="405618" cy="1"/>
+          </a:xfrm>
+          <a:prstGeom prst="straightConnector1">
+            <a:avLst/>
+          </a:prstGeom>
+          <a:ln w="28575">
+            <a:tailEnd type="triangle"/>
+          </a:ln>
+        </p:spPr>
+        <p:style>
+          <a:lnRef idx="1">
+            <a:schemeClr val="accent1"/>
+          </a:lnRef>
+          <a:fillRef idx="0">
+            <a:schemeClr val="accent1"/>
+          </a:fillRef>
+          <a:effectRef idx="0">
+            <a:schemeClr val="accent1"/>
+          </a:effectRef>
+          <a:fontRef idx="minor">
+            <a:schemeClr val="tx1"/>
+          </a:fontRef>
+        </p:style>
+      </p:cxnSp>
+      <p:cxnSp>
+        <p:nvCxnSpPr>
+          <p:cNvPr id="23" name="Straight Arrow Connector 22">
+            <a:extLst>
+              <a:ext uri="{FF2B5EF4-FFF2-40B4-BE49-F238E27FC236}">
+                <a16:creationId xmlns:a16="http://schemas.microsoft.com/office/drawing/2014/main" id="{14F06537-7CD9-58FE-63DB-220E59E6BE90}"/>
+              </a:ext>
+            </a:extLst>
+          </p:cNvPr>
+          <p:cNvCxnSpPr>
+            <a:cxnSpLocks/>
+          </p:cNvCxnSpPr>
+          <p:nvPr/>
+        </p:nvCxnSpPr>
+        <p:spPr>
+          <a:xfrm>
+            <a:off x="5791409" y="6676223"/>
+            <a:ext cx="899999" cy="0"/>
+          </a:xfrm>
+          <a:prstGeom prst="straightConnector1">
+            <a:avLst/>
+          </a:prstGeom>
+          <a:ln>
+            <a:tailEnd type="triangle"/>
+          </a:ln>
+        </p:spPr>
+        <p:style>
+          <a:lnRef idx="1">
+            <a:schemeClr val="accent1"/>
+          </a:lnRef>
+          <a:fillRef idx="0">
+            <a:schemeClr val="accent1"/>
+          </a:fillRef>
+          <a:effectRef idx="0">
+            <a:schemeClr val="accent1"/>
+          </a:effectRef>
+          <a:fontRef idx="minor">
+            <a:schemeClr val="tx1"/>
+          </a:fontRef>
+        </p:style>
+      </p:cxnSp>
+      <p:sp>
+        <p:nvSpPr>
+          <p:cNvPr id="24" name="TextBox 23">
+            <a:extLst>
+              <a:ext uri="{FF2B5EF4-FFF2-40B4-BE49-F238E27FC236}">
+                <a16:creationId xmlns:a16="http://schemas.microsoft.com/office/drawing/2014/main" id="{FBD5A42B-0E94-43BE-8EEB-97B2696A5523}"/>
+              </a:ext>
+            </a:extLst>
+          </p:cNvPr>
+          <p:cNvSpPr txBox="1"/>
+          <p:nvPr/>
+        </p:nvSpPr>
+        <p:spPr>
+          <a:xfrm>
+            <a:off x="5805080" y="6427734"/>
+            <a:ext cx="581890" cy="276999"/>
+          </a:xfrm>
+          <a:prstGeom prst="rect">
+            <a:avLst/>
+          </a:prstGeom>
+          <a:noFill/>
+        </p:spPr>
+        <p:txBody>
+          <a:bodyPr wrap="square" rtlCol="0">
+            <a:spAutoFit/>
+          </a:bodyPr>
+          <a:lstStyle/>
+          <a:p>
+            <a:r>
+              <a:rPr lang="en-US" sz="1200" dirty="0"/>
+              <a:t>Done</a:t>
+            </a:r>
+            <a:endParaRPr lang="LID4096" sz="1200" dirty="0"/>
+          </a:p>
+        </p:txBody>
+      </p:sp>
+      <p:sp>
+        <p:nvSpPr>
+          <p:cNvPr id="45" name="Oval 44">
+            <a:extLst>
+              <a:ext uri="{FF2B5EF4-FFF2-40B4-BE49-F238E27FC236}">
+                <a16:creationId xmlns:a16="http://schemas.microsoft.com/office/drawing/2014/main" id="{3E8D08D1-E1D2-9A76-EEAF-054BFFF7CCEB}"/>
+              </a:ext>
+            </a:extLst>
+          </p:cNvPr>
+          <p:cNvSpPr/>
+          <p:nvPr/>
+        </p:nvSpPr>
+        <p:spPr>
+          <a:xfrm>
+            <a:off x="5792976" y="6389903"/>
+            <a:ext cx="795219" cy="439375"/>
+          </a:xfrm>
+          <a:prstGeom prst="ellipse">
+            <a:avLst/>
+          </a:prstGeom>
+          <a:noFill/>
+          <a:ln>
+            <a:solidFill>
+              <a:srgbClr val="FF0000"/>
+            </a:solidFill>
+          </a:ln>
+        </p:spPr>
+        <p:style>
+          <a:lnRef idx="2">
+            <a:schemeClr val="accent1">
+              <a:shade val="15000"/>
+            </a:schemeClr>
+          </a:lnRef>
+          <a:fillRef idx="1">
+            <a:schemeClr val="accent1"/>
+          </a:fillRef>
+          <a:effectRef idx="0">
+            <a:schemeClr val="accent1"/>
+          </a:effectRef>
+          <a:fontRef idx="minor">
+            <a:schemeClr val="lt1"/>
+          </a:fontRef>
+        </p:style>
+        <p:txBody>
+          <a:bodyPr rtlCol="0" anchor="ctr"/>
+          <a:lstStyle/>
+          <a:p>
+            <a:pPr algn="ctr"/>
+            <a:endParaRPr lang="LID4096"/>
+          </a:p>
+        </p:txBody>
+      </p:sp>
+      <p:sp>
+        <p:nvSpPr>
+          <p:cNvPr id="46" name="Oval 45">
+            <a:extLst>
+              <a:ext uri="{FF2B5EF4-FFF2-40B4-BE49-F238E27FC236}">
+                <a16:creationId xmlns:a16="http://schemas.microsoft.com/office/drawing/2014/main" id="{DC0095EC-3054-49C1-B996-8BE8CDD0FA72}"/>
+              </a:ext>
+            </a:extLst>
+          </p:cNvPr>
+          <p:cNvSpPr/>
+          <p:nvPr/>
+        </p:nvSpPr>
+        <p:spPr>
+          <a:xfrm>
+            <a:off x="2556203" y="869216"/>
+            <a:ext cx="795219" cy="439375"/>
+          </a:xfrm>
+          <a:prstGeom prst="ellipse">
+            <a:avLst/>
+          </a:prstGeom>
+          <a:noFill/>
+          <a:ln>
+            <a:solidFill>
+              <a:srgbClr val="FF0000"/>
+            </a:solidFill>
+          </a:ln>
+        </p:spPr>
+        <p:style>
+          <a:lnRef idx="2">
+            <a:schemeClr val="accent1">
+              <a:shade val="15000"/>
+            </a:schemeClr>
+          </a:lnRef>
+          <a:fillRef idx="1">
+            <a:schemeClr val="accent1"/>
+          </a:fillRef>
+          <a:effectRef idx="0">
+            <a:schemeClr val="accent1"/>
+          </a:effectRef>
+          <a:fontRef idx="minor">
+            <a:schemeClr val="lt1"/>
+          </a:fontRef>
+        </p:style>
+        <p:txBody>
+          <a:bodyPr rtlCol="0" anchor="ctr"/>
+          <a:lstStyle/>
+          <a:p>
+            <a:pPr algn="ctr"/>
+            <a:endParaRPr lang="LID4096"/>
+          </a:p>
+        </p:txBody>
+      </p:sp>
+      <p:sp>
+        <p:nvSpPr>
+          <p:cNvPr id="55" name="TextBox 54">
+            <a:extLst>
+              <a:ext uri="{FF2B5EF4-FFF2-40B4-BE49-F238E27FC236}">
+                <a16:creationId xmlns:a16="http://schemas.microsoft.com/office/drawing/2014/main" id="{A5982172-CB23-87E8-4B44-125E4BAAEFB6}"/>
+              </a:ext>
+            </a:extLst>
+          </p:cNvPr>
+          <p:cNvSpPr txBox="1"/>
+          <p:nvPr/>
+        </p:nvSpPr>
+        <p:spPr>
+          <a:xfrm>
+            <a:off x="9994605" y="1823484"/>
+            <a:ext cx="1275907" cy="461665"/>
+          </a:xfrm>
+          <a:prstGeom prst="rect">
+            <a:avLst/>
+          </a:prstGeom>
+          <a:noFill/>
+        </p:spPr>
+        <p:txBody>
+          <a:bodyPr wrap="square" rtlCol="0">
+            <a:spAutoFit/>
+          </a:bodyPr>
+          <a:lstStyle/>
+          <a:p>
+            <a:r>
+              <a:rPr lang="en-US" sz="2400" b="1" dirty="0"/>
+              <a:t>Outputs</a:t>
+            </a:r>
+            <a:endParaRPr lang="LID4096" sz="2400" b="1" dirty="0"/>
+          </a:p>
+        </p:txBody>
+      </p:sp>
+      <p:cxnSp>
+        <p:nvCxnSpPr>
+          <p:cNvPr id="58" name="Straight Arrow Connector 57">
+            <a:extLst>
+              <a:ext uri="{FF2B5EF4-FFF2-40B4-BE49-F238E27FC236}">
+                <a16:creationId xmlns:a16="http://schemas.microsoft.com/office/drawing/2014/main" id="{8474153C-AB82-B626-ACAE-C6686E7E45CC}"/>
+              </a:ext>
+            </a:extLst>
+          </p:cNvPr>
+          <p:cNvCxnSpPr>
+            <a:stCxn id="55" idx="1"/>
+            <a:endCxn id="46" idx="6"/>
+          </p:cNvCxnSpPr>
+          <p:nvPr/>
+        </p:nvCxnSpPr>
+        <p:spPr>
+          <a:xfrm flipH="1" flipV="1">
+            <a:off x="3351422" y="1088904"/>
+            <a:ext cx="6643183" cy="965413"/>
+          </a:xfrm>
+          <a:prstGeom prst="straightConnector1">
+            <a:avLst/>
+          </a:prstGeom>
+          <a:ln>
+            <a:solidFill>
+              <a:srgbClr val="FF0000"/>
+            </a:solidFill>
+            <a:tailEnd type="triangle"/>
+          </a:ln>
+        </p:spPr>
+        <p:style>
+          <a:lnRef idx="1">
+            <a:schemeClr val="accent1"/>
+          </a:lnRef>
+          <a:fillRef idx="0">
+            <a:schemeClr val="accent1"/>
+          </a:fillRef>
+          <a:effectRef idx="0">
+            <a:schemeClr val="accent1"/>
+          </a:effectRef>
+          <a:fontRef idx="minor">
+            <a:schemeClr val="tx1"/>
+          </a:fontRef>
+        </p:style>
+      </p:cxnSp>
+      <p:cxnSp>
+        <p:nvCxnSpPr>
+          <p:cNvPr id="59" name="Straight Arrow Connector 58">
+            <a:extLst>
+              <a:ext uri="{FF2B5EF4-FFF2-40B4-BE49-F238E27FC236}">
+                <a16:creationId xmlns:a16="http://schemas.microsoft.com/office/drawing/2014/main" id="{FA2CE826-0B58-09A1-A85F-20C04C910A54}"/>
+              </a:ext>
+            </a:extLst>
+          </p:cNvPr>
+          <p:cNvCxnSpPr>
+            <a:cxnSpLocks/>
+            <a:stCxn id="55" idx="1"/>
+            <a:endCxn id="45" idx="7"/>
+          </p:cNvCxnSpPr>
+          <p:nvPr/>
+        </p:nvCxnSpPr>
+        <p:spPr>
+          <a:xfrm flipH="1">
+            <a:off x="6471738" y="2054317"/>
+            <a:ext cx="3522867" cy="4399931"/>
+          </a:xfrm>
+          <a:prstGeom prst="straightConnector1">
+            <a:avLst/>
+          </a:prstGeom>
+          <a:ln>
+            <a:solidFill>
+              <a:srgbClr val="FF0000"/>
+            </a:solidFill>
+            <a:tailEnd type="triangle"/>
+          </a:ln>
+        </p:spPr>
+        <p:style>
+          <a:lnRef idx="1">
+            <a:schemeClr val="accent1"/>
+          </a:lnRef>
+          <a:fillRef idx="0">
+            <a:schemeClr val="accent1"/>
+          </a:fillRef>
+          <a:effectRef idx="0">
+            <a:schemeClr val="accent1"/>
+          </a:effectRef>
+          <a:fontRef idx="minor">
+            <a:schemeClr val="tx1"/>
+          </a:fontRef>
+        </p:style>
+      </p:cxnSp>
     </p:spTree>
     <p:extLst>
       <p:ext uri="{BB962C8B-B14F-4D97-AF65-F5344CB8AC3E}">
@@ -7339,6 +7730,194 @@
   <p:clrMapOvr>
     <a:masterClrMapping/>
   </p:clrMapOvr>
+  <p:timing>
+    <p:tnLst>
+      <p:par>
+        <p:cTn id="1" dur="indefinite" restart="never" nodeType="tmRoot">
+          <p:childTnLst>
+            <p:seq concurrent="1" nextAc="seek">
+              <p:cTn id="2" dur="indefinite" nodeType="mainSeq">
+                <p:childTnLst>
+                  <p:par>
+                    <p:cTn id="3" fill="hold">
+                      <p:stCondLst>
+                        <p:cond delay="indefinite"/>
+                      </p:stCondLst>
+                      <p:childTnLst>
+                        <p:par>
+                          <p:cTn id="4" fill="hold">
+                            <p:stCondLst>
+                              <p:cond delay="0"/>
+                            </p:stCondLst>
+                            <p:childTnLst>
+                              <p:par>
+                                <p:cTn id="5" presetID="1" presetClass="entr" presetSubtype="0" fill="hold" grpId="0" nodeType="clickEffect">
+                                  <p:stCondLst>
+                                    <p:cond delay="0"/>
+                                  </p:stCondLst>
+                                  <p:childTnLst>
+                                    <p:set>
+                                      <p:cBhvr>
+                                        <p:cTn id="6" dur="1" fill="hold">
+                                          <p:stCondLst>
+                                            <p:cond delay="0"/>
+                                          </p:stCondLst>
+                                        </p:cTn>
+                                        <p:tgtEl>
+                                          <p:spTgt spid="46"/>
+                                        </p:tgtEl>
+                                        <p:attrNameLst>
+                                          <p:attrName>style.visibility</p:attrName>
+                                        </p:attrNameLst>
+                                      </p:cBhvr>
+                                      <p:to>
+                                        <p:strVal val="visible"/>
+                                      </p:to>
+                                    </p:set>
+                                  </p:childTnLst>
+                                </p:cTn>
+                              </p:par>
+                              <p:par>
+                                <p:cTn id="7" presetID="1" presetClass="entr" presetSubtype="0" fill="hold" nodeType="withEffect">
+                                  <p:stCondLst>
+                                    <p:cond delay="0"/>
+                                  </p:stCondLst>
+                                  <p:childTnLst>
+                                    <p:set>
+                                      <p:cBhvr>
+                                        <p:cTn id="8" dur="1" fill="hold">
+                                          <p:stCondLst>
+                                            <p:cond delay="0"/>
+                                          </p:stCondLst>
+                                        </p:cTn>
+                                        <p:tgtEl>
+                                          <p:spTgt spid="58"/>
+                                        </p:tgtEl>
+                                        <p:attrNameLst>
+                                          <p:attrName>style.visibility</p:attrName>
+                                        </p:attrNameLst>
+                                      </p:cBhvr>
+                                      <p:to>
+                                        <p:strVal val="visible"/>
+                                      </p:to>
+                                    </p:set>
+                                  </p:childTnLst>
+                                </p:cTn>
+                              </p:par>
+                              <p:par>
+                                <p:cTn id="9" presetID="1" presetClass="entr" presetSubtype="0" fill="hold" nodeType="withEffect">
+                                  <p:stCondLst>
+                                    <p:cond delay="0"/>
+                                  </p:stCondLst>
+                                  <p:childTnLst>
+                                    <p:set>
+                                      <p:cBhvr>
+                                        <p:cTn id="10" dur="1" fill="hold">
+                                          <p:stCondLst>
+                                            <p:cond delay="0"/>
+                                          </p:stCondLst>
+                                        </p:cTn>
+                                        <p:tgtEl>
+                                          <p:spTgt spid="59"/>
+                                        </p:tgtEl>
+                                        <p:attrNameLst>
+                                          <p:attrName>style.visibility</p:attrName>
+                                        </p:attrNameLst>
+                                      </p:cBhvr>
+                                      <p:to>
+                                        <p:strVal val="visible"/>
+                                      </p:to>
+                                    </p:set>
+                                  </p:childTnLst>
+                                </p:cTn>
+                              </p:par>
+                              <p:par>
+                                <p:cTn id="11" presetID="1" presetClass="entr" presetSubtype="0" fill="hold" grpId="0" nodeType="withEffect">
+                                  <p:stCondLst>
+                                    <p:cond delay="0"/>
+                                  </p:stCondLst>
+                                  <p:childTnLst>
+                                    <p:set>
+                                      <p:cBhvr>
+                                        <p:cTn id="12" dur="1" fill="hold">
+                                          <p:stCondLst>
+                                            <p:cond delay="0"/>
+                                          </p:stCondLst>
+                                        </p:cTn>
+                                        <p:tgtEl>
+                                          <p:spTgt spid="55"/>
+                                        </p:tgtEl>
+                                        <p:attrNameLst>
+                                          <p:attrName>style.visibility</p:attrName>
+                                        </p:attrNameLst>
+                                      </p:cBhvr>
+                                      <p:to>
+                                        <p:strVal val="visible"/>
+                                      </p:to>
+                                    </p:set>
+                                  </p:childTnLst>
+                                </p:cTn>
+                              </p:par>
+                              <p:par>
+                                <p:cTn id="13" presetID="1" presetClass="entr" presetSubtype="0" fill="hold" grpId="0" nodeType="withEffect">
+                                  <p:stCondLst>
+                                    <p:cond delay="0"/>
+                                  </p:stCondLst>
+                                  <p:childTnLst>
+                                    <p:set>
+                                      <p:cBhvr>
+                                        <p:cTn id="14" dur="1" fill="hold">
+                                          <p:stCondLst>
+                                            <p:cond delay="0"/>
+                                          </p:stCondLst>
+                                        </p:cTn>
+                                        <p:tgtEl>
+                                          <p:spTgt spid="45"/>
+                                        </p:tgtEl>
+                                        <p:attrNameLst>
+                                          <p:attrName>style.visibility</p:attrName>
+                                        </p:attrNameLst>
+                                      </p:cBhvr>
+                                      <p:to>
+                                        <p:strVal val="visible"/>
+                                      </p:to>
+                                    </p:set>
+                                  </p:childTnLst>
+                                </p:cTn>
+                              </p:par>
+                            </p:childTnLst>
+                          </p:cTn>
+                        </p:par>
+                      </p:childTnLst>
+                    </p:cTn>
+                  </p:par>
+                </p:childTnLst>
+              </p:cTn>
+              <p:prevCondLst>
+                <p:cond evt="onPrev" delay="0">
+                  <p:tgtEl>
+                    <p:sldTgt/>
+                  </p:tgtEl>
+                </p:cond>
+              </p:prevCondLst>
+              <p:nextCondLst>
+                <p:cond evt="onNext" delay="0">
+                  <p:tgtEl>
+                    <p:sldTgt/>
+                  </p:tgtEl>
+                </p:cond>
+              </p:nextCondLst>
+            </p:seq>
+          </p:childTnLst>
+        </p:cTn>
+      </p:par>
+    </p:tnLst>
+    <p:bldLst>
+      <p:bldP spid="45" grpId="0" animBg="1"/>
+      <p:bldP spid="46" grpId="0" animBg="1"/>
+      <p:bldP spid="55" grpId="0"/>
+    </p:bldLst>
+  </p:timing>
 </p:sld>
 </file>
 
@@ -9594,7 +10173,7 @@
             <a:avLst>
               <a:gd name="adj1" fmla="val -9948"/>
               <a:gd name="adj2" fmla="val 143294"/>
-              <a:gd name="adj3" fmla="val 102540"/>
+              <a:gd name="adj3" fmla="val 104903"/>
             </a:avLst>
           </a:prstGeom>
           <a:ln w="28575">
@@ -9865,250 +10444,6 @@
       </p:cxnSp>
       <p:cxnSp>
         <p:nvCxnSpPr>
-          <p:cNvPr id="113" name="Straight Arrow Connector 112">
-            <a:extLst>
-              <a:ext uri="{FF2B5EF4-FFF2-40B4-BE49-F238E27FC236}">
-                <a16:creationId xmlns:a16="http://schemas.microsoft.com/office/drawing/2014/main" id="{B0BB78DC-455B-3A84-2135-8DBB62D94ACB}"/>
-              </a:ext>
-            </a:extLst>
-          </p:cNvPr>
-          <p:cNvCxnSpPr>
-            <a:cxnSpLocks/>
-          </p:cNvCxnSpPr>
-          <p:nvPr/>
-        </p:nvCxnSpPr>
-        <p:spPr>
-          <a:xfrm>
-            <a:off x="6905847" y="3398730"/>
-            <a:ext cx="541376" cy="0"/>
-          </a:xfrm>
-          <a:prstGeom prst="straightConnector1">
-            <a:avLst/>
-          </a:prstGeom>
-          <a:ln w="28575">
-            <a:tailEnd type="triangle"/>
-          </a:ln>
-        </p:spPr>
-        <p:style>
-          <a:lnRef idx="1">
-            <a:schemeClr val="accent1"/>
-          </a:lnRef>
-          <a:fillRef idx="0">
-            <a:schemeClr val="accent1"/>
-          </a:fillRef>
-          <a:effectRef idx="0">
-            <a:schemeClr val="accent1"/>
-          </a:effectRef>
-          <a:fontRef idx="minor">
-            <a:schemeClr val="tx1"/>
-          </a:fontRef>
-        </p:style>
-      </p:cxnSp>
-      <p:sp>
-        <p:nvSpPr>
-          <p:cNvPr id="116" name="Subtitle 13">
-            <a:extLst>
-              <a:ext uri="{FF2B5EF4-FFF2-40B4-BE49-F238E27FC236}">
-                <a16:creationId xmlns:a16="http://schemas.microsoft.com/office/drawing/2014/main" id="{71E972A5-5E58-CEA1-4380-D75317AEAA14}"/>
-              </a:ext>
-            </a:extLst>
-          </p:cNvPr>
-          <p:cNvSpPr txBox="1">
-            <a:spLocks/>
-          </p:cNvSpPr>
-          <p:nvPr/>
-        </p:nvSpPr>
-        <p:spPr>
-          <a:xfrm>
-            <a:off x="6945721" y="3165415"/>
-            <a:ext cx="444782" cy="305920"/>
-          </a:xfrm>
-          <a:prstGeom prst="rect">
-            <a:avLst/>
-          </a:prstGeom>
-          <a:ln w="28575">
-            <a:noFill/>
-          </a:ln>
-        </p:spPr>
-        <p:txBody>
-          <a:bodyPr vert="horz" lIns="91440" tIns="45720" rIns="91440" bIns="45720" rtlCol="0">
-            <a:normAutofit/>
-          </a:bodyPr>
-          <a:lstStyle>
-            <a:lvl1pPr marL="0" indent="0" algn="ctr" defTabSz="914400" rtl="0" eaLnBrk="1" latinLnBrk="0" hangingPunct="1">
-              <a:lnSpc>
-                <a:spcPct val="90000"/>
-              </a:lnSpc>
-              <a:spcBef>
-                <a:spcPts val="1000"/>
-              </a:spcBef>
-              <a:buFont typeface="Arial" panose="020B0604020202020204" pitchFamily="34" charset="0"/>
-              <a:buNone/>
-              <a:defRPr sz="2400" kern="1200">
-                <a:solidFill>
-                  <a:schemeClr val="tx1"/>
-                </a:solidFill>
-                <a:latin typeface="+mn-lt"/>
-                <a:ea typeface="+mn-ea"/>
-                <a:cs typeface="+mn-cs"/>
-              </a:defRPr>
-            </a:lvl1pPr>
-            <a:lvl2pPr marL="457200" indent="0" algn="ctr" defTabSz="914400" rtl="0" eaLnBrk="1" latinLnBrk="0" hangingPunct="1">
-              <a:lnSpc>
-                <a:spcPct val="90000"/>
-              </a:lnSpc>
-              <a:spcBef>
-                <a:spcPts val="500"/>
-              </a:spcBef>
-              <a:buFont typeface="Arial" panose="020B0604020202020204" pitchFamily="34" charset="0"/>
-              <a:buNone/>
-              <a:defRPr sz="2000" kern="1200">
-                <a:solidFill>
-                  <a:schemeClr val="tx1"/>
-                </a:solidFill>
-                <a:latin typeface="+mn-lt"/>
-                <a:ea typeface="+mn-ea"/>
-                <a:cs typeface="+mn-cs"/>
-              </a:defRPr>
-            </a:lvl2pPr>
-            <a:lvl3pPr marL="914400" indent="0" algn="ctr" defTabSz="914400" rtl="0" eaLnBrk="1" latinLnBrk="0" hangingPunct="1">
-              <a:lnSpc>
-                <a:spcPct val="90000"/>
-              </a:lnSpc>
-              <a:spcBef>
-                <a:spcPts val="500"/>
-              </a:spcBef>
-              <a:buFont typeface="Arial" panose="020B0604020202020204" pitchFamily="34" charset="0"/>
-              <a:buNone/>
-              <a:defRPr sz="1800" kern="1200">
-                <a:solidFill>
-                  <a:schemeClr val="tx1"/>
-                </a:solidFill>
-                <a:latin typeface="+mn-lt"/>
-                <a:ea typeface="+mn-ea"/>
-                <a:cs typeface="+mn-cs"/>
-              </a:defRPr>
-            </a:lvl3pPr>
-            <a:lvl4pPr marL="1371600" indent="0" algn="ctr" defTabSz="914400" rtl="0" eaLnBrk="1" latinLnBrk="0" hangingPunct="1">
-              <a:lnSpc>
-                <a:spcPct val="90000"/>
-              </a:lnSpc>
-              <a:spcBef>
-                <a:spcPts val="500"/>
-              </a:spcBef>
-              <a:buFont typeface="Arial" panose="020B0604020202020204" pitchFamily="34" charset="0"/>
-              <a:buNone/>
-              <a:defRPr sz="1600" kern="1200">
-                <a:solidFill>
-                  <a:schemeClr val="tx1"/>
-                </a:solidFill>
-                <a:latin typeface="+mn-lt"/>
-                <a:ea typeface="+mn-ea"/>
-                <a:cs typeface="+mn-cs"/>
-              </a:defRPr>
-            </a:lvl4pPr>
-            <a:lvl5pPr marL="1828800" indent="0" algn="ctr" defTabSz="914400" rtl="0" eaLnBrk="1" latinLnBrk="0" hangingPunct="1">
-              <a:lnSpc>
-                <a:spcPct val="90000"/>
-              </a:lnSpc>
-              <a:spcBef>
-                <a:spcPts val="500"/>
-              </a:spcBef>
-              <a:buFont typeface="Arial" panose="020B0604020202020204" pitchFamily="34" charset="0"/>
-              <a:buNone/>
-              <a:defRPr sz="1600" kern="1200">
-                <a:solidFill>
-                  <a:schemeClr val="tx1"/>
-                </a:solidFill>
-                <a:latin typeface="+mn-lt"/>
-                <a:ea typeface="+mn-ea"/>
-                <a:cs typeface="+mn-cs"/>
-              </a:defRPr>
-            </a:lvl5pPr>
-            <a:lvl6pPr marL="2286000" indent="0" algn="ctr" defTabSz="914400" rtl="0" eaLnBrk="1" latinLnBrk="0" hangingPunct="1">
-              <a:lnSpc>
-                <a:spcPct val="90000"/>
-              </a:lnSpc>
-              <a:spcBef>
-                <a:spcPts val="500"/>
-              </a:spcBef>
-              <a:buFont typeface="Arial" panose="020B0604020202020204" pitchFamily="34" charset="0"/>
-              <a:buNone/>
-              <a:defRPr sz="1600" kern="1200">
-                <a:solidFill>
-                  <a:schemeClr val="tx1"/>
-                </a:solidFill>
-                <a:latin typeface="+mn-lt"/>
-                <a:ea typeface="+mn-ea"/>
-                <a:cs typeface="+mn-cs"/>
-              </a:defRPr>
-            </a:lvl6pPr>
-            <a:lvl7pPr marL="2743200" indent="0" algn="ctr" defTabSz="914400" rtl="0" eaLnBrk="1" latinLnBrk="0" hangingPunct="1">
-              <a:lnSpc>
-                <a:spcPct val="90000"/>
-              </a:lnSpc>
-              <a:spcBef>
-                <a:spcPts val="500"/>
-              </a:spcBef>
-              <a:buFont typeface="Arial" panose="020B0604020202020204" pitchFamily="34" charset="0"/>
-              <a:buNone/>
-              <a:defRPr sz="1600" kern="1200">
-                <a:solidFill>
-                  <a:schemeClr val="tx1"/>
-                </a:solidFill>
-                <a:latin typeface="+mn-lt"/>
-                <a:ea typeface="+mn-ea"/>
-                <a:cs typeface="+mn-cs"/>
-              </a:defRPr>
-            </a:lvl7pPr>
-            <a:lvl8pPr marL="3200400" indent="0" algn="ctr" defTabSz="914400" rtl="0" eaLnBrk="1" latinLnBrk="0" hangingPunct="1">
-              <a:lnSpc>
-                <a:spcPct val="90000"/>
-              </a:lnSpc>
-              <a:spcBef>
-                <a:spcPts val="500"/>
-              </a:spcBef>
-              <a:buFont typeface="Arial" panose="020B0604020202020204" pitchFamily="34" charset="0"/>
-              <a:buNone/>
-              <a:defRPr sz="1600" kern="1200">
-                <a:solidFill>
-                  <a:schemeClr val="tx1"/>
-                </a:solidFill>
-                <a:latin typeface="+mn-lt"/>
-                <a:ea typeface="+mn-ea"/>
-                <a:cs typeface="+mn-cs"/>
-              </a:defRPr>
-            </a:lvl8pPr>
-            <a:lvl9pPr marL="3657600" indent="0" algn="ctr" defTabSz="914400" rtl="0" eaLnBrk="1" latinLnBrk="0" hangingPunct="1">
-              <a:lnSpc>
-                <a:spcPct val="90000"/>
-              </a:lnSpc>
-              <a:spcBef>
-                <a:spcPts val="500"/>
-              </a:spcBef>
-              <a:buFont typeface="Arial" panose="020B0604020202020204" pitchFamily="34" charset="0"/>
-              <a:buNone/>
-              <a:defRPr sz="1600" kern="1200">
-                <a:solidFill>
-                  <a:schemeClr val="tx1"/>
-                </a:solidFill>
-                <a:latin typeface="+mn-lt"/>
-                <a:ea typeface="+mn-ea"/>
-                <a:cs typeface="+mn-cs"/>
-              </a:defRPr>
-            </a:lvl9pPr>
-          </a:lstStyle>
-          <a:p>
-            <a:r>
-              <a:rPr lang="en-US" sz="1200" b="1" dirty="0"/>
-              <a:t>0</a:t>
-            </a:r>
-            <a:endParaRPr lang="LID4096" sz="1400" b="1" dirty="0"/>
-          </a:p>
-        </p:txBody>
-      </p:sp>
-      <p:cxnSp>
-        <p:nvCxnSpPr>
           <p:cNvPr id="122" name="Straight Arrow Connector 121">
             <a:extLst>
               <a:ext uri="{FF2B5EF4-FFF2-40B4-BE49-F238E27FC236}">
@@ -11494,7 +11829,7 @@
           <a:prstGeom prst="straightConnector1">
             <a:avLst/>
           </a:prstGeom>
-          <a:ln>
+          <a:ln w="28575">
             <a:tailEnd type="triangle"/>
           </a:ln>
         </p:spPr>
@@ -12731,6 +13066,252 @@
           </a:fontRef>
         </p:style>
       </p:cxnSp>
+      <p:cxnSp>
+        <p:nvCxnSpPr>
+          <p:cNvPr id="17" name="Connector: Elbow 16">
+            <a:extLst>
+              <a:ext uri="{FF2B5EF4-FFF2-40B4-BE49-F238E27FC236}">
+                <a16:creationId xmlns:a16="http://schemas.microsoft.com/office/drawing/2014/main" id="{5776E43A-4708-AFD2-1D93-68EB87DCA30F}"/>
+              </a:ext>
+            </a:extLst>
+          </p:cNvPr>
+          <p:cNvCxnSpPr>
+            <a:cxnSpLocks/>
+            <a:stCxn id="7" idx="3"/>
+          </p:cNvCxnSpPr>
+          <p:nvPr/>
+        </p:nvCxnSpPr>
+        <p:spPr>
+          <a:xfrm flipH="1" flipV="1">
+            <a:off x="849932" y="794784"/>
+            <a:ext cx="960261" cy="299484"/>
+          </a:xfrm>
+          <a:prstGeom prst="bentConnector5">
+            <a:avLst>
+              <a:gd name="adj1" fmla="val -23806"/>
+              <a:gd name="adj2" fmla="val 243503"/>
+              <a:gd name="adj3" fmla="val 127938"/>
+            </a:avLst>
+          </a:prstGeom>
+          <a:ln w="28575">
+            <a:tailEnd type="triangle"/>
+          </a:ln>
+        </p:spPr>
+        <p:style>
+          <a:lnRef idx="1">
+            <a:schemeClr val="accent1"/>
+          </a:lnRef>
+          <a:fillRef idx="0">
+            <a:schemeClr val="accent1"/>
+          </a:fillRef>
+          <a:effectRef idx="0">
+            <a:schemeClr val="accent1"/>
+          </a:effectRef>
+          <a:fontRef idx="minor">
+            <a:schemeClr val="tx1"/>
+          </a:fontRef>
+        </p:style>
+      </p:cxnSp>
+      <p:sp>
+        <p:nvSpPr>
+          <p:cNvPr id="25" name="Subtitle 13">
+            <a:extLst>
+              <a:ext uri="{FF2B5EF4-FFF2-40B4-BE49-F238E27FC236}">
+                <a16:creationId xmlns:a16="http://schemas.microsoft.com/office/drawing/2014/main" id="{28C310FA-470F-A757-FA94-C0428003457A}"/>
+              </a:ext>
+            </a:extLst>
+          </p:cNvPr>
+          <p:cNvSpPr txBox="1">
+            <a:spLocks/>
+          </p:cNvSpPr>
+          <p:nvPr/>
+        </p:nvSpPr>
+        <p:spPr>
+          <a:xfrm rot="16200000">
+            <a:off x="1620570" y="567928"/>
+            <a:ext cx="1136605" cy="305920"/>
+          </a:xfrm>
+          <a:prstGeom prst="rect">
+            <a:avLst/>
+          </a:prstGeom>
+        </p:spPr>
+        <p:txBody>
+          <a:bodyPr vert="horz" lIns="91440" tIns="45720" rIns="91440" bIns="45720" rtlCol="0">
+            <a:normAutofit/>
+          </a:bodyPr>
+          <a:lstStyle>
+            <a:lvl1pPr marL="0" indent="0" algn="ctr" defTabSz="914400" rtl="0" eaLnBrk="1" latinLnBrk="0" hangingPunct="1">
+              <a:lnSpc>
+                <a:spcPct val="90000"/>
+              </a:lnSpc>
+              <a:spcBef>
+                <a:spcPts val="1000"/>
+              </a:spcBef>
+              <a:buFont typeface="Arial" panose="020B0604020202020204" pitchFamily="34" charset="0"/>
+              <a:buNone/>
+              <a:defRPr sz="2400" kern="1200">
+                <a:solidFill>
+                  <a:schemeClr val="tx1"/>
+                </a:solidFill>
+                <a:latin typeface="+mn-lt"/>
+                <a:ea typeface="+mn-ea"/>
+                <a:cs typeface="+mn-cs"/>
+              </a:defRPr>
+            </a:lvl1pPr>
+            <a:lvl2pPr marL="457200" indent="0" algn="ctr" defTabSz="914400" rtl="0" eaLnBrk="1" latinLnBrk="0" hangingPunct="1">
+              <a:lnSpc>
+                <a:spcPct val="90000"/>
+              </a:lnSpc>
+              <a:spcBef>
+                <a:spcPts val="500"/>
+              </a:spcBef>
+              <a:buFont typeface="Arial" panose="020B0604020202020204" pitchFamily="34" charset="0"/>
+              <a:buNone/>
+              <a:defRPr sz="2000" kern="1200">
+                <a:solidFill>
+                  <a:schemeClr val="tx1"/>
+                </a:solidFill>
+                <a:latin typeface="+mn-lt"/>
+                <a:ea typeface="+mn-ea"/>
+                <a:cs typeface="+mn-cs"/>
+              </a:defRPr>
+            </a:lvl2pPr>
+            <a:lvl3pPr marL="914400" indent="0" algn="ctr" defTabSz="914400" rtl="0" eaLnBrk="1" latinLnBrk="0" hangingPunct="1">
+              <a:lnSpc>
+                <a:spcPct val="90000"/>
+              </a:lnSpc>
+              <a:spcBef>
+                <a:spcPts val="500"/>
+              </a:spcBef>
+              <a:buFont typeface="Arial" panose="020B0604020202020204" pitchFamily="34" charset="0"/>
+              <a:buNone/>
+              <a:defRPr sz="1800" kern="1200">
+                <a:solidFill>
+                  <a:schemeClr val="tx1"/>
+                </a:solidFill>
+                <a:latin typeface="+mn-lt"/>
+                <a:ea typeface="+mn-ea"/>
+                <a:cs typeface="+mn-cs"/>
+              </a:defRPr>
+            </a:lvl3pPr>
+            <a:lvl4pPr marL="1371600" indent="0" algn="ctr" defTabSz="914400" rtl="0" eaLnBrk="1" latinLnBrk="0" hangingPunct="1">
+              <a:lnSpc>
+                <a:spcPct val="90000"/>
+              </a:lnSpc>
+              <a:spcBef>
+                <a:spcPts val="500"/>
+              </a:spcBef>
+              <a:buFont typeface="Arial" panose="020B0604020202020204" pitchFamily="34" charset="0"/>
+              <a:buNone/>
+              <a:defRPr sz="1600" kern="1200">
+                <a:solidFill>
+                  <a:schemeClr val="tx1"/>
+                </a:solidFill>
+                <a:latin typeface="+mn-lt"/>
+                <a:ea typeface="+mn-ea"/>
+                <a:cs typeface="+mn-cs"/>
+              </a:defRPr>
+            </a:lvl4pPr>
+            <a:lvl5pPr marL="1828800" indent="0" algn="ctr" defTabSz="914400" rtl="0" eaLnBrk="1" latinLnBrk="0" hangingPunct="1">
+              <a:lnSpc>
+                <a:spcPct val="90000"/>
+              </a:lnSpc>
+              <a:spcBef>
+                <a:spcPts val="500"/>
+              </a:spcBef>
+              <a:buFont typeface="Arial" panose="020B0604020202020204" pitchFamily="34" charset="0"/>
+              <a:buNone/>
+              <a:defRPr sz="1600" kern="1200">
+                <a:solidFill>
+                  <a:schemeClr val="tx1"/>
+                </a:solidFill>
+                <a:latin typeface="+mn-lt"/>
+                <a:ea typeface="+mn-ea"/>
+                <a:cs typeface="+mn-cs"/>
+              </a:defRPr>
+            </a:lvl5pPr>
+            <a:lvl6pPr marL="2286000" indent="0" algn="ctr" defTabSz="914400" rtl="0" eaLnBrk="1" latinLnBrk="0" hangingPunct="1">
+              <a:lnSpc>
+                <a:spcPct val="90000"/>
+              </a:lnSpc>
+              <a:spcBef>
+                <a:spcPts val="500"/>
+              </a:spcBef>
+              <a:buFont typeface="Arial" panose="020B0604020202020204" pitchFamily="34" charset="0"/>
+              <a:buNone/>
+              <a:defRPr sz="1600" kern="1200">
+                <a:solidFill>
+                  <a:schemeClr val="tx1"/>
+                </a:solidFill>
+                <a:latin typeface="+mn-lt"/>
+                <a:ea typeface="+mn-ea"/>
+                <a:cs typeface="+mn-cs"/>
+              </a:defRPr>
+            </a:lvl6pPr>
+            <a:lvl7pPr marL="2743200" indent="0" algn="ctr" defTabSz="914400" rtl="0" eaLnBrk="1" latinLnBrk="0" hangingPunct="1">
+              <a:lnSpc>
+                <a:spcPct val="90000"/>
+              </a:lnSpc>
+              <a:spcBef>
+                <a:spcPts val="500"/>
+              </a:spcBef>
+              <a:buFont typeface="Arial" panose="020B0604020202020204" pitchFamily="34" charset="0"/>
+              <a:buNone/>
+              <a:defRPr sz="1600" kern="1200">
+                <a:solidFill>
+                  <a:schemeClr val="tx1"/>
+                </a:solidFill>
+                <a:latin typeface="+mn-lt"/>
+                <a:ea typeface="+mn-ea"/>
+                <a:cs typeface="+mn-cs"/>
+              </a:defRPr>
+            </a:lvl7pPr>
+            <a:lvl8pPr marL="3200400" indent="0" algn="ctr" defTabSz="914400" rtl="0" eaLnBrk="1" latinLnBrk="0" hangingPunct="1">
+              <a:lnSpc>
+                <a:spcPct val="90000"/>
+              </a:lnSpc>
+              <a:spcBef>
+                <a:spcPts val="500"/>
+              </a:spcBef>
+              <a:buFont typeface="Arial" panose="020B0604020202020204" pitchFamily="34" charset="0"/>
+              <a:buNone/>
+              <a:defRPr sz="1600" kern="1200">
+                <a:solidFill>
+                  <a:schemeClr val="tx1"/>
+                </a:solidFill>
+                <a:latin typeface="+mn-lt"/>
+                <a:ea typeface="+mn-ea"/>
+                <a:cs typeface="+mn-cs"/>
+              </a:defRPr>
+            </a:lvl8pPr>
+            <a:lvl9pPr marL="3657600" indent="0" algn="ctr" defTabSz="914400" rtl="0" eaLnBrk="1" latinLnBrk="0" hangingPunct="1">
+              <a:lnSpc>
+                <a:spcPct val="90000"/>
+              </a:lnSpc>
+              <a:spcBef>
+                <a:spcPts val="500"/>
+              </a:spcBef>
+              <a:buFont typeface="Arial" panose="020B0604020202020204" pitchFamily="34" charset="0"/>
+              <a:buNone/>
+              <a:defRPr sz="1600" kern="1200">
+                <a:solidFill>
+                  <a:schemeClr val="tx1"/>
+                </a:solidFill>
+                <a:latin typeface="+mn-lt"/>
+                <a:ea typeface="+mn-ea"/>
+                <a:cs typeface="+mn-cs"/>
+              </a:defRPr>
+            </a:lvl9pPr>
+          </a:lstStyle>
+          <a:p>
+            <a:r>
+              <a:rPr lang="en-US" sz="1050" dirty="0"/>
+              <a:t>U[255:1]</a:t>
+            </a:r>
+            <a:endParaRPr lang="LID4096" sz="1100" dirty="0"/>
+          </a:p>
+        </p:txBody>
+      </p:sp>
     </p:spTree>
     <p:extLst>
       <p:ext uri="{BB962C8B-B14F-4D97-AF65-F5344CB8AC3E}">
@@ -12855,7 +13436,7 @@
                 </a:solidFill>
                 <a:latin typeface="Calibri"/>
               </a:rPr>
-              <a:t>Estimated frequency: 118MHz</a:t>
+              <a:t>Estimated frequency: 120MHz</a:t>
             </a:r>
           </a:p>
           <a:p>
@@ -12960,6 +13541,8689 @@
     <p:extLst>
       <p:ext uri="{BB962C8B-B14F-4D97-AF65-F5344CB8AC3E}">
         <p14:creationId xmlns:p14="http://schemas.microsoft.com/office/powerpoint/2010/main" val="953111240"/>
+      </p:ext>
+    </p:extLst>
+  </p:cSld>
+  <p:clrMapOvr>
+    <a:masterClrMapping/>
+  </p:clrMapOvr>
+</p:sld>
+</file>
+
+<file path=ppt/slides/slide7.xml><?xml version="1.0" encoding="utf-8"?>
+<p:sld xmlns:a="http://schemas.openxmlformats.org/drawingml/2006/main" xmlns:r="http://schemas.openxmlformats.org/officeDocument/2006/relationships" xmlns:p="http://schemas.openxmlformats.org/presentationml/2006/main">
+  <p:cSld>
+    <p:spTree>
+      <p:nvGrpSpPr>
+        <p:cNvPr id="1" name=""/>
+        <p:cNvGrpSpPr/>
+        <p:nvPr/>
+      </p:nvGrpSpPr>
+      <p:grpSpPr>
+        <a:xfrm>
+          <a:off x="0" y="0"/>
+          <a:ext cx="0" cy="0"/>
+          <a:chOff x="0" y="0"/>
+          <a:chExt cx="0" cy="0"/>
+        </a:xfrm>
+      </p:grpSpPr>
+      <p:sp>
+        <p:nvSpPr>
+          <p:cNvPr id="4" name="Rectangle 3">
+            <a:extLst>
+              <a:ext uri="{FF2B5EF4-FFF2-40B4-BE49-F238E27FC236}">
+                <a16:creationId xmlns:a16="http://schemas.microsoft.com/office/drawing/2014/main" id="{238E1BC9-E4A2-9EE6-DAAD-06E3BDF501DB}"/>
+              </a:ext>
+            </a:extLst>
+          </p:cNvPr>
+          <p:cNvSpPr/>
+          <p:nvPr/>
+        </p:nvSpPr>
+        <p:spPr>
+          <a:xfrm>
+            <a:off x="2740543" y="1780953"/>
+            <a:ext cx="364164" cy="887819"/>
+          </a:xfrm>
+          <a:prstGeom prst="rect">
+            <a:avLst/>
+          </a:prstGeom>
+          <a:solidFill>
+            <a:schemeClr val="bg2"/>
+          </a:solidFill>
+          <a:ln>
+            <a:solidFill>
+              <a:schemeClr val="accent1">
+                <a:lumMod val="50000"/>
+              </a:schemeClr>
+            </a:solidFill>
+          </a:ln>
+        </p:spPr>
+        <p:style>
+          <a:lnRef idx="2">
+            <a:schemeClr val="accent1">
+              <a:shade val="15000"/>
+            </a:schemeClr>
+          </a:lnRef>
+          <a:fillRef idx="1">
+            <a:schemeClr val="accent1"/>
+          </a:fillRef>
+          <a:effectRef idx="0">
+            <a:schemeClr val="accent1"/>
+          </a:effectRef>
+          <a:fontRef idx="minor">
+            <a:schemeClr val="lt1"/>
+          </a:fontRef>
+        </p:style>
+        <p:txBody>
+          <a:bodyPr rtlCol="0" anchor="ctr"/>
+          <a:lstStyle/>
+          <a:p>
+            <a:pPr algn="ctr"/>
+            <a:r>
+              <a:rPr lang="en-US" dirty="0">
+                <a:solidFill>
+                  <a:schemeClr val="tx1"/>
+                </a:solidFill>
+              </a:rPr>
+              <a:t>P</a:t>
+            </a:r>
+            <a:endParaRPr lang="LID4096" dirty="0">
+              <a:solidFill>
+                <a:schemeClr val="tx1"/>
+              </a:solidFill>
+            </a:endParaRPr>
+          </a:p>
+        </p:txBody>
+      </p:sp>
+      <p:sp>
+        <p:nvSpPr>
+          <p:cNvPr id="5" name="Rectangle 4">
+            <a:extLst>
+              <a:ext uri="{FF2B5EF4-FFF2-40B4-BE49-F238E27FC236}">
+                <a16:creationId xmlns:a16="http://schemas.microsoft.com/office/drawing/2014/main" id="{71041D3B-EF1E-A342-6FA2-AE5DA348DBA9}"/>
+              </a:ext>
+            </a:extLst>
+          </p:cNvPr>
+          <p:cNvSpPr/>
+          <p:nvPr/>
+        </p:nvSpPr>
+        <p:spPr>
+          <a:xfrm>
+            <a:off x="2740542" y="2968255"/>
+            <a:ext cx="364165" cy="887819"/>
+          </a:xfrm>
+          <a:prstGeom prst="rect">
+            <a:avLst/>
+          </a:prstGeom>
+          <a:solidFill>
+            <a:schemeClr val="bg2"/>
+          </a:solidFill>
+          <a:ln>
+            <a:solidFill>
+              <a:schemeClr val="accent1">
+                <a:lumMod val="50000"/>
+              </a:schemeClr>
+            </a:solidFill>
+          </a:ln>
+        </p:spPr>
+        <p:style>
+          <a:lnRef idx="2">
+            <a:schemeClr val="accent1">
+              <a:shade val="15000"/>
+            </a:schemeClr>
+          </a:lnRef>
+          <a:fillRef idx="1">
+            <a:schemeClr val="accent1"/>
+          </a:fillRef>
+          <a:effectRef idx="0">
+            <a:schemeClr val="accent1"/>
+          </a:effectRef>
+          <a:fontRef idx="minor">
+            <a:schemeClr val="lt1"/>
+          </a:fontRef>
+        </p:style>
+        <p:txBody>
+          <a:bodyPr rtlCol="0" anchor="ctr"/>
+          <a:lstStyle/>
+          <a:p>
+            <a:pPr algn="ctr"/>
+            <a:r>
+              <a:rPr lang="en-US" sz="1600" dirty="0">
+                <a:solidFill>
+                  <a:schemeClr val="tx1"/>
+                </a:solidFill>
+              </a:rPr>
+              <a:t>r2</a:t>
+            </a:r>
+            <a:endParaRPr lang="LID4096" sz="1600" dirty="0">
+              <a:solidFill>
+                <a:schemeClr val="tx1"/>
+              </a:solidFill>
+            </a:endParaRPr>
+          </a:p>
+        </p:txBody>
+      </p:sp>
+      <p:sp>
+        <p:nvSpPr>
+          <p:cNvPr id="6" name="Rectangle 5">
+            <a:extLst>
+              <a:ext uri="{FF2B5EF4-FFF2-40B4-BE49-F238E27FC236}">
+                <a16:creationId xmlns:a16="http://schemas.microsoft.com/office/drawing/2014/main" id="{CC07ED63-189B-0C71-651D-9B3EFDA019E8}"/>
+              </a:ext>
+            </a:extLst>
+          </p:cNvPr>
+          <p:cNvSpPr/>
+          <p:nvPr/>
+        </p:nvSpPr>
+        <p:spPr>
+          <a:xfrm>
+            <a:off x="978985" y="5252705"/>
+            <a:ext cx="364164" cy="887819"/>
+          </a:xfrm>
+          <a:prstGeom prst="rect">
+            <a:avLst/>
+          </a:prstGeom>
+          <a:solidFill>
+            <a:schemeClr val="bg2"/>
+          </a:solidFill>
+          <a:ln>
+            <a:solidFill>
+              <a:schemeClr val="accent1">
+                <a:lumMod val="50000"/>
+              </a:schemeClr>
+            </a:solidFill>
+          </a:ln>
+        </p:spPr>
+        <p:style>
+          <a:lnRef idx="2">
+            <a:schemeClr val="accent1">
+              <a:shade val="15000"/>
+            </a:schemeClr>
+          </a:lnRef>
+          <a:fillRef idx="1">
+            <a:schemeClr val="accent1"/>
+          </a:fillRef>
+          <a:effectRef idx="0">
+            <a:schemeClr val="accent1"/>
+          </a:effectRef>
+          <a:fontRef idx="minor">
+            <a:schemeClr val="lt1"/>
+          </a:fontRef>
+        </p:style>
+        <p:txBody>
+          <a:bodyPr rtlCol="0" anchor="ctr"/>
+          <a:lstStyle/>
+          <a:p>
+            <a:pPr algn="ctr"/>
+            <a:r>
+              <a:rPr lang="en-US" dirty="0">
+                <a:solidFill>
+                  <a:schemeClr val="tx1"/>
+                </a:solidFill>
+              </a:rPr>
+              <a:t>e</a:t>
+            </a:r>
+            <a:endParaRPr lang="LID4096" dirty="0">
+              <a:solidFill>
+                <a:schemeClr val="tx1"/>
+              </a:solidFill>
+            </a:endParaRPr>
+          </a:p>
+        </p:txBody>
+      </p:sp>
+      <p:sp>
+        <p:nvSpPr>
+          <p:cNvPr id="7" name="Rectangle 6">
+            <a:extLst>
+              <a:ext uri="{FF2B5EF4-FFF2-40B4-BE49-F238E27FC236}">
+                <a16:creationId xmlns:a16="http://schemas.microsoft.com/office/drawing/2014/main" id="{82DF0EAA-0C48-8924-3885-6B7E36203958}"/>
+              </a:ext>
+            </a:extLst>
+          </p:cNvPr>
+          <p:cNvSpPr/>
+          <p:nvPr/>
+        </p:nvSpPr>
+        <p:spPr>
+          <a:xfrm>
+            <a:off x="2740543" y="650358"/>
+            <a:ext cx="364164" cy="887819"/>
+          </a:xfrm>
+          <a:prstGeom prst="rect">
+            <a:avLst/>
+          </a:prstGeom>
+          <a:solidFill>
+            <a:schemeClr val="bg2"/>
+          </a:solidFill>
+          <a:ln>
+            <a:solidFill>
+              <a:schemeClr val="accent1">
+                <a:lumMod val="50000"/>
+              </a:schemeClr>
+            </a:solidFill>
+          </a:ln>
+        </p:spPr>
+        <p:style>
+          <a:lnRef idx="2">
+            <a:schemeClr val="accent1">
+              <a:shade val="15000"/>
+            </a:schemeClr>
+          </a:lnRef>
+          <a:fillRef idx="1">
+            <a:schemeClr val="accent1"/>
+          </a:fillRef>
+          <a:effectRef idx="0">
+            <a:schemeClr val="accent1"/>
+          </a:effectRef>
+          <a:fontRef idx="minor">
+            <a:schemeClr val="lt1"/>
+          </a:fontRef>
+        </p:style>
+        <p:txBody>
+          <a:bodyPr rtlCol="0" anchor="ctr"/>
+          <a:lstStyle/>
+          <a:p>
+            <a:pPr algn="ctr"/>
+            <a:r>
+              <a:rPr lang="en-US" dirty="0">
+                <a:solidFill>
+                  <a:schemeClr val="tx1"/>
+                </a:solidFill>
+              </a:rPr>
+              <a:t>R</a:t>
+            </a:r>
+            <a:endParaRPr lang="LID4096" dirty="0">
+              <a:solidFill>
+                <a:schemeClr val="tx1"/>
+              </a:solidFill>
+            </a:endParaRPr>
+          </a:p>
+        </p:txBody>
+      </p:sp>
+      <p:sp>
+        <p:nvSpPr>
+          <p:cNvPr id="8" name="Rectangle 7">
+            <a:extLst>
+              <a:ext uri="{FF2B5EF4-FFF2-40B4-BE49-F238E27FC236}">
+                <a16:creationId xmlns:a16="http://schemas.microsoft.com/office/drawing/2014/main" id="{1FFBEBAB-7E85-59E3-B94E-FA325C6F8A32}"/>
+              </a:ext>
+            </a:extLst>
+          </p:cNvPr>
+          <p:cNvSpPr/>
+          <p:nvPr/>
+        </p:nvSpPr>
+        <p:spPr>
+          <a:xfrm>
+            <a:off x="7363056" y="5727516"/>
+            <a:ext cx="364164" cy="887819"/>
+          </a:xfrm>
+          <a:prstGeom prst="rect">
+            <a:avLst/>
+          </a:prstGeom>
+          <a:solidFill>
+            <a:schemeClr val="bg2"/>
+          </a:solidFill>
+          <a:ln>
+            <a:solidFill>
+              <a:schemeClr val="accent1">
+                <a:lumMod val="50000"/>
+              </a:schemeClr>
+            </a:solidFill>
+          </a:ln>
+        </p:spPr>
+        <p:style>
+          <a:lnRef idx="2">
+            <a:schemeClr val="accent1">
+              <a:shade val="15000"/>
+            </a:schemeClr>
+          </a:lnRef>
+          <a:fillRef idx="1">
+            <a:schemeClr val="accent1"/>
+          </a:fillRef>
+          <a:effectRef idx="0">
+            <a:schemeClr val="accent1"/>
+          </a:effectRef>
+          <a:fontRef idx="minor">
+            <a:schemeClr val="lt1"/>
+          </a:fontRef>
+        </p:style>
+        <p:txBody>
+          <a:bodyPr rtlCol="0" anchor="ctr"/>
+          <a:lstStyle/>
+          <a:p>
+            <a:pPr algn="ctr"/>
+            <a:r>
+              <a:rPr lang="en-US" dirty="0">
+                <a:solidFill>
+                  <a:schemeClr val="tx1"/>
+                </a:solidFill>
+              </a:rPr>
+              <a:t>n</a:t>
+            </a:r>
+            <a:endParaRPr lang="LID4096" dirty="0">
+              <a:solidFill>
+                <a:schemeClr val="tx1"/>
+              </a:solidFill>
+            </a:endParaRPr>
+          </a:p>
+        </p:txBody>
+      </p:sp>
+      <p:sp>
+        <p:nvSpPr>
+          <p:cNvPr id="9" name="Rectangle 8">
+            <a:extLst>
+              <a:ext uri="{FF2B5EF4-FFF2-40B4-BE49-F238E27FC236}">
+                <a16:creationId xmlns:a16="http://schemas.microsoft.com/office/drawing/2014/main" id="{30DA17BB-52D7-3A7C-6D47-0D5C3C87A2DD}"/>
+              </a:ext>
+            </a:extLst>
+          </p:cNvPr>
+          <p:cNvSpPr/>
+          <p:nvPr/>
+        </p:nvSpPr>
+        <p:spPr>
+          <a:xfrm>
+            <a:off x="7110763" y="1238694"/>
+            <a:ext cx="1735525" cy="1430078"/>
+          </a:xfrm>
+          <a:prstGeom prst="rect">
+            <a:avLst/>
+          </a:prstGeom>
+          <a:solidFill>
+            <a:schemeClr val="bg2"/>
+          </a:solidFill>
+        </p:spPr>
+        <p:style>
+          <a:lnRef idx="2">
+            <a:schemeClr val="accent1">
+              <a:shade val="15000"/>
+            </a:schemeClr>
+          </a:lnRef>
+          <a:fillRef idx="1">
+            <a:schemeClr val="accent1"/>
+          </a:fillRef>
+          <a:effectRef idx="0">
+            <a:schemeClr val="accent1"/>
+          </a:effectRef>
+          <a:fontRef idx="minor">
+            <a:schemeClr val="lt1"/>
+          </a:fontRef>
+        </p:style>
+        <p:txBody>
+          <a:bodyPr rtlCol="0" anchor="ctr"/>
+          <a:lstStyle/>
+          <a:p>
+            <a:pPr algn="ctr"/>
+            <a:r>
+              <a:rPr lang="en-US" sz="2000" dirty="0" err="1">
+                <a:solidFill>
+                  <a:schemeClr val="tx1"/>
+                </a:solidFill>
+              </a:rPr>
+              <a:t>MonPro_R</a:t>
+            </a:r>
+            <a:endParaRPr lang="LID4096" sz="2000" dirty="0">
+              <a:solidFill>
+                <a:schemeClr val="tx1"/>
+              </a:solidFill>
+            </a:endParaRPr>
+          </a:p>
+        </p:txBody>
+      </p:sp>
+      <p:sp>
+        <p:nvSpPr>
+          <p:cNvPr id="11" name="Trapezium 10">
+            <a:extLst>
+              <a:ext uri="{FF2B5EF4-FFF2-40B4-BE49-F238E27FC236}">
+                <a16:creationId xmlns:a16="http://schemas.microsoft.com/office/drawing/2014/main" id="{902A9749-8F96-26DE-5B41-21FD7E23B034}"/>
+              </a:ext>
+            </a:extLst>
+          </p:cNvPr>
+          <p:cNvSpPr/>
+          <p:nvPr/>
+        </p:nvSpPr>
+        <p:spPr>
+          <a:xfrm rot="5400000">
+            <a:off x="1702288" y="942753"/>
+            <a:ext cx="962247" cy="303027"/>
+          </a:xfrm>
+          <a:prstGeom prst="trapezoid">
+            <a:avLst/>
+          </a:prstGeom>
+          <a:solidFill>
+            <a:schemeClr val="bg2"/>
+          </a:solidFill>
+        </p:spPr>
+        <p:style>
+          <a:lnRef idx="2">
+            <a:schemeClr val="accent1">
+              <a:shade val="15000"/>
+            </a:schemeClr>
+          </a:lnRef>
+          <a:fillRef idx="1">
+            <a:schemeClr val="accent1"/>
+          </a:fillRef>
+          <a:effectRef idx="0">
+            <a:schemeClr val="accent1"/>
+          </a:effectRef>
+          <a:fontRef idx="minor">
+            <a:schemeClr val="lt1"/>
+          </a:fontRef>
+        </p:style>
+        <p:txBody>
+          <a:bodyPr rtlCol="0" anchor="ctr"/>
+          <a:lstStyle/>
+          <a:p>
+            <a:pPr algn="ctr"/>
+            <a:endParaRPr lang="LID4096"/>
+          </a:p>
+        </p:txBody>
+      </p:sp>
+      <p:sp>
+        <p:nvSpPr>
+          <p:cNvPr id="12" name="Trapezium 11">
+            <a:extLst>
+              <a:ext uri="{FF2B5EF4-FFF2-40B4-BE49-F238E27FC236}">
+                <a16:creationId xmlns:a16="http://schemas.microsoft.com/office/drawing/2014/main" id="{280A1440-26F5-9CF2-10B5-47824F897D65}"/>
+              </a:ext>
+            </a:extLst>
+          </p:cNvPr>
+          <p:cNvSpPr/>
+          <p:nvPr/>
+        </p:nvSpPr>
+        <p:spPr>
+          <a:xfrm rot="5400000">
+            <a:off x="1702289" y="2073348"/>
+            <a:ext cx="962247" cy="303027"/>
+          </a:xfrm>
+          <a:prstGeom prst="trapezoid">
+            <a:avLst/>
+          </a:prstGeom>
+          <a:solidFill>
+            <a:schemeClr val="bg2"/>
+          </a:solidFill>
+        </p:spPr>
+        <p:style>
+          <a:lnRef idx="2">
+            <a:schemeClr val="accent1">
+              <a:shade val="15000"/>
+            </a:schemeClr>
+          </a:lnRef>
+          <a:fillRef idx="1">
+            <a:schemeClr val="accent1"/>
+          </a:fillRef>
+          <a:effectRef idx="0">
+            <a:schemeClr val="accent1"/>
+          </a:effectRef>
+          <a:fontRef idx="minor">
+            <a:schemeClr val="lt1"/>
+          </a:fontRef>
+        </p:style>
+        <p:txBody>
+          <a:bodyPr rtlCol="0" anchor="ctr"/>
+          <a:lstStyle/>
+          <a:p>
+            <a:pPr algn="ctr"/>
+            <a:endParaRPr lang="LID4096"/>
+          </a:p>
+        </p:txBody>
+      </p:sp>
+      <p:sp>
+        <p:nvSpPr>
+          <p:cNvPr id="13" name="Trapezium 12">
+            <a:extLst>
+              <a:ext uri="{FF2B5EF4-FFF2-40B4-BE49-F238E27FC236}">
+                <a16:creationId xmlns:a16="http://schemas.microsoft.com/office/drawing/2014/main" id="{A2430554-5A79-0951-E212-4BE256037B5B}"/>
+              </a:ext>
+            </a:extLst>
+          </p:cNvPr>
+          <p:cNvSpPr/>
+          <p:nvPr/>
+        </p:nvSpPr>
+        <p:spPr>
+          <a:xfrm rot="5400000">
+            <a:off x="6008048" y="1288757"/>
+            <a:ext cx="1030029" cy="364164"/>
+          </a:xfrm>
+          <a:prstGeom prst="trapezoid">
+            <a:avLst/>
+          </a:prstGeom>
+          <a:solidFill>
+            <a:schemeClr val="bg2"/>
+          </a:solidFill>
+        </p:spPr>
+        <p:style>
+          <a:lnRef idx="2">
+            <a:schemeClr val="accent1">
+              <a:shade val="15000"/>
+            </a:schemeClr>
+          </a:lnRef>
+          <a:fillRef idx="1">
+            <a:schemeClr val="accent1"/>
+          </a:fillRef>
+          <a:effectRef idx="0">
+            <a:schemeClr val="accent1"/>
+          </a:effectRef>
+          <a:fontRef idx="minor">
+            <a:schemeClr val="lt1"/>
+          </a:fontRef>
+        </p:style>
+        <p:txBody>
+          <a:bodyPr rtlCol="0" anchor="ctr"/>
+          <a:lstStyle/>
+          <a:p>
+            <a:pPr algn="ctr"/>
+            <a:endParaRPr lang="LID4096"/>
+          </a:p>
+        </p:txBody>
+      </p:sp>
+      <p:sp>
+        <p:nvSpPr>
+          <p:cNvPr id="14" name="Rectangle 13">
+            <a:extLst>
+              <a:ext uri="{FF2B5EF4-FFF2-40B4-BE49-F238E27FC236}">
+                <a16:creationId xmlns:a16="http://schemas.microsoft.com/office/drawing/2014/main" id="{59EAD303-835F-858D-C5C9-382FC92EC8B4}"/>
+              </a:ext>
+            </a:extLst>
+          </p:cNvPr>
+          <p:cNvSpPr/>
+          <p:nvPr/>
+        </p:nvSpPr>
+        <p:spPr>
+          <a:xfrm>
+            <a:off x="7110763" y="3856074"/>
+            <a:ext cx="1735525" cy="1430078"/>
+          </a:xfrm>
+          <a:prstGeom prst="rect">
+            <a:avLst/>
+          </a:prstGeom>
+          <a:solidFill>
+            <a:schemeClr val="bg2"/>
+          </a:solidFill>
+        </p:spPr>
+        <p:style>
+          <a:lnRef idx="2">
+            <a:schemeClr val="accent1">
+              <a:shade val="15000"/>
+            </a:schemeClr>
+          </a:lnRef>
+          <a:fillRef idx="1">
+            <a:schemeClr val="accent1"/>
+          </a:fillRef>
+          <a:effectRef idx="0">
+            <a:schemeClr val="accent1"/>
+          </a:effectRef>
+          <a:fontRef idx="minor">
+            <a:schemeClr val="lt1"/>
+          </a:fontRef>
+        </p:style>
+        <p:txBody>
+          <a:bodyPr rtlCol="0" anchor="ctr"/>
+          <a:lstStyle/>
+          <a:p>
+            <a:pPr algn="ctr"/>
+            <a:r>
+              <a:rPr lang="en-US" sz="2000" dirty="0" err="1">
+                <a:solidFill>
+                  <a:schemeClr val="tx1"/>
+                </a:solidFill>
+              </a:rPr>
+              <a:t>MonPro_P</a:t>
+            </a:r>
+            <a:endParaRPr lang="LID4096" sz="2000" dirty="0">
+              <a:solidFill>
+                <a:schemeClr val="tx1"/>
+              </a:solidFill>
+            </a:endParaRPr>
+          </a:p>
+        </p:txBody>
+      </p:sp>
+      <p:sp>
+        <p:nvSpPr>
+          <p:cNvPr id="15" name="Trapezium 14">
+            <a:extLst>
+              <a:ext uri="{FF2B5EF4-FFF2-40B4-BE49-F238E27FC236}">
+                <a16:creationId xmlns:a16="http://schemas.microsoft.com/office/drawing/2014/main" id="{0A625678-3E9F-A929-E783-C682D998F36D}"/>
+              </a:ext>
+            </a:extLst>
+          </p:cNvPr>
+          <p:cNvSpPr/>
+          <p:nvPr/>
+        </p:nvSpPr>
+        <p:spPr>
+          <a:xfrm rot="5400000">
+            <a:off x="6008050" y="2444160"/>
+            <a:ext cx="1030028" cy="364164"/>
+          </a:xfrm>
+          <a:prstGeom prst="trapezoid">
+            <a:avLst/>
+          </a:prstGeom>
+          <a:solidFill>
+            <a:schemeClr val="bg2"/>
+          </a:solidFill>
+        </p:spPr>
+        <p:style>
+          <a:lnRef idx="2">
+            <a:schemeClr val="accent1">
+              <a:shade val="15000"/>
+            </a:schemeClr>
+          </a:lnRef>
+          <a:fillRef idx="1">
+            <a:schemeClr val="accent1"/>
+          </a:fillRef>
+          <a:effectRef idx="0">
+            <a:schemeClr val="accent1"/>
+          </a:effectRef>
+          <a:fontRef idx="minor">
+            <a:schemeClr val="lt1"/>
+          </a:fontRef>
+        </p:style>
+        <p:txBody>
+          <a:bodyPr rtlCol="0" anchor="ctr"/>
+          <a:lstStyle/>
+          <a:p>
+            <a:pPr algn="ctr"/>
+            <a:endParaRPr lang="LID4096"/>
+          </a:p>
+        </p:txBody>
+      </p:sp>
+      <p:sp>
+        <p:nvSpPr>
+          <p:cNvPr id="16" name="Rectangle 15">
+            <a:extLst>
+              <a:ext uri="{FF2B5EF4-FFF2-40B4-BE49-F238E27FC236}">
+                <a16:creationId xmlns:a16="http://schemas.microsoft.com/office/drawing/2014/main" id="{45DC1940-949E-273B-47BB-2D1371C73904}"/>
+              </a:ext>
+            </a:extLst>
+          </p:cNvPr>
+          <p:cNvSpPr/>
+          <p:nvPr/>
+        </p:nvSpPr>
+        <p:spPr>
+          <a:xfrm>
+            <a:off x="3311042" y="6177911"/>
+            <a:ext cx="1735525" cy="621559"/>
+          </a:xfrm>
+          <a:prstGeom prst="rect">
+            <a:avLst/>
+          </a:prstGeom>
+          <a:solidFill>
+            <a:schemeClr val="bg2"/>
+          </a:solidFill>
+        </p:spPr>
+        <p:style>
+          <a:lnRef idx="2">
+            <a:schemeClr val="accent1">
+              <a:shade val="15000"/>
+            </a:schemeClr>
+          </a:lnRef>
+          <a:fillRef idx="1">
+            <a:schemeClr val="accent1"/>
+          </a:fillRef>
+          <a:effectRef idx="0">
+            <a:schemeClr val="accent1"/>
+          </a:effectRef>
+          <a:fontRef idx="minor">
+            <a:schemeClr val="lt1"/>
+          </a:fontRef>
+        </p:style>
+        <p:txBody>
+          <a:bodyPr rtlCol="0" anchor="ctr"/>
+          <a:lstStyle/>
+          <a:p>
+            <a:pPr algn="ctr"/>
+            <a:r>
+              <a:rPr lang="en-US" sz="2000" dirty="0">
+                <a:solidFill>
+                  <a:schemeClr val="tx1"/>
+                </a:solidFill>
+              </a:rPr>
+              <a:t>Control</a:t>
+            </a:r>
+            <a:endParaRPr lang="LID4096" sz="2000" dirty="0">
+              <a:solidFill>
+                <a:schemeClr val="tx1"/>
+              </a:solidFill>
+            </a:endParaRPr>
+          </a:p>
+        </p:txBody>
+      </p:sp>
+      <p:sp>
+        <p:nvSpPr>
+          <p:cNvPr id="21" name="Trapezium 20">
+            <a:extLst>
+              <a:ext uri="{FF2B5EF4-FFF2-40B4-BE49-F238E27FC236}">
+                <a16:creationId xmlns:a16="http://schemas.microsoft.com/office/drawing/2014/main" id="{3EAE366E-C7A1-CD4F-6E2D-51371539464A}"/>
+              </a:ext>
+            </a:extLst>
+          </p:cNvPr>
+          <p:cNvSpPr/>
+          <p:nvPr/>
+        </p:nvSpPr>
+        <p:spPr>
+          <a:xfrm rot="5400000">
+            <a:off x="6008048" y="3844115"/>
+            <a:ext cx="1030029" cy="364164"/>
+          </a:xfrm>
+          <a:prstGeom prst="trapezoid">
+            <a:avLst/>
+          </a:prstGeom>
+          <a:solidFill>
+            <a:schemeClr val="bg2"/>
+          </a:solidFill>
+        </p:spPr>
+        <p:style>
+          <a:lnRef idx="2">
+            <a:schemeClr val="accent1">
+              <a:shade val="15000"/>
+            </a:schemeClr>
+          </a:lnRef>
+          <a:fillRef idx="1">
+            <a:schemeClr val="accent1"/>
+          </a:fillRef>
+          <a:effectRef idx="0">
+            <a:schemeClr val="accent1"/>
+          </a:effectRef>
+          <a:fontRef idx="minor">
+            <a:schemeClr val="lt1"/>
+          </a:fontRef>
+        </p:style>
+        <p:txBody>
+          <a:bodyPr rtlCol="0" anchor="ctr"/>
+          <a:lstStyle/>
+          <a:p>
+            <a:pPr algn="ctr"/>
+            <a:endParaRPr lang="LID4096"/>
+          </a:p>
+        </p:txBody>
+      </p:sp>
+      <p:sp>
+        <p:nvSpPr>
+          <p:cNvPr id="22" name="Trapezium 21">
+            <a:extLst>
+              <a:ext uri="{FF2B5EF4-FFF2-40B4-BE49-F238E27FC236}">
+                <a16:creationId xmlns:a16="http://schemas.microsoft.com/office/drawing/2014/main" id="{BA19DE84-2C88-DE1F-F10A-84841E4124C2}"/>
+              </a:ext>
+            </a:extLst>
+          </p:cNvPr>
+          <p:cNvSpPr/>
+          <p:nvPr/>
+        </p:nvSpPr>
+        <p:spPr>
+          <a:xfrm rot="5400000">
+            <a:off x="6008050" y="4999519"/>
+            <a:ext cx="1030028" cy="364164"/>
+          </a:xfrm>
+          <a:prstGeom prst="trapezoid">
+            <a:avLst/>
+          </a:prstGeom>
+          <a:solidFill>
+            <a:schemeClr val="bg2"/>
+          </a:solidFill>
+        </p:spPr>
+        <p:style>
+          <a:lnRef idx="2">
+            <a:schemeClr val="accent1">
+              <a:shade val="15000"/>
+            </a:schemeClr>
+          </a:lnRef>
+          <a:fillRef idx="1">
+            <a:schemeClr val="accent1"/>
+          </a:fillRef>
+          <a:effectRef idx="0">
+            <a:schemeClr val="accent1"/>
+          </a:effectRef>
+          <a:fontRef idx="minor">
+            <a:schemeClr val="lt1"/>
+          </a:fontRef>
+        </p:style>
+        <p:txBody>
+          <a:bodyPr rtlCol="0" anchor="ctr"/>
+          <a:lstStyle/>
+          <a:p>
+            <a:pPr algn="ctr"/>
+            <a:endParaRPr lang="LID4096"/>
+          </a:p>
+        </p:txBody>
+      </p:sp>
+      <p:cxnSp>
+        <p:nvCxnSpPr>
+          <p:cNvPr id="27" name="Connector: Elbow 26">
+            <a:extLst>
+              <a:ext uri="{FF2B5EF4-FFF2-40B4-BE49-F238E27FC236}">
+                <a16:creationId xmlns:a16="http://schemas.microsoft.com/office/drawing/2014/main" id="{E6FCF41D-0F43-2B2D-3F3E-E71AC1120E78}"/>
+              </a:ext>
+            </a:extLst>
+          </p:cNvPr>
+          <p:cNvCxnSpPr>
+            <a:cxnSpLocks/>
+            <a:stCxn id="7" idx="3"/>
+          </p:cNvCxnSpPr>
+          <p:nvPr/>
+        </p:nvCxnSpPr>
+        <p:spPr>
+          <a:xfrm>
+            <a:off x="3104707" y="1094268"/>
+            <a:ext cx="3255682" cy="13663"/>
+          </a:xfrm>
+          <a:prstGeom prst="bentConnector3">
+            <a:avLst/>
+          </a:prstGeom>
+          <a:ln w="28575">
+            <a:tailEnd type="triangle"/>
+          </a:ln>
+        </p:spPr>
+        <p:style>
+          <a:lnRef idx="1">
+            <a:schemeClr val="accent1"/>
+          </a:lnRef>
+          <a:fillRef idx="0">
+            <a:schemeClr val="accent1"/>
+          </a:fillRef>
+          <a:effectRef idx="0">
+            <a:schemeClr val="accent1"/>
+          </a:effectRef>
+          <a:fontRef idx="minor">
+            <a:schemeClr val="tx1"/>
+          </a:fontRef>
+        </p:style>
+      </p:cxnSp>
+      <p:cxnSp>
+        <p:nvCxnSpPr>
+          <p:cNvPr id="30" name="Connector: Elbow 29">
+            <a:extLst>
+              <a:ext uri="{FF2B5EF4-FFF2-40B4-BE49-F238E27FC236}">
+                <a16:creationId xmlns:a16="http://schemas.microsoft.com/office/drawing/2014/main" id="{AF401A31-6834-9ED7-93BE-CB37201B0216}"/>
+              </a:ext>
+            </a:extLst>
+          </p:cNvPr>
+          <p:cNvCxnSpPr>
+            <a:stCxn id="13" idx="0"/>
+          </p:cNvCxnSpPr>
+          <p:nvPr/>
+        </p:nvCxnSpPr>
+        <p:spPr>
+          <a:xfrm>
+            <a:off x="6705145" y="1470840"/>
+            <a:ext cx="405618" cy="177207"/>
+          </a:xfrm>
+          <a:prstGeom prst="bentConnector3">
+            <a:avLst/>
+          </a:prstGeom>
+          <a:ln w="28575">
+            <a:tailEnd type="triangle"/>
+          </a:ln>
+        </p:spPr>
+        <p:style>
+          <a:lnRef idx="1">
+            <a:schemeClr val="accent1"/>
+          </a:lnRef>
+          <a:fillRef idx="0">
+            <a:schemeClr val="accent1"/>
+          </a:fillRef>
+          <a:effectRef idx="0">
+            <a:schemeClr val="accent1"/>
+          </a:effectRef>
+          <a:fontRef idx="minor">
+            <a:schemeClr val="tx1"/>
+          </a:fontRef>
+        </p:style>
+      </p:cxnSp>
+      <p:cxnSp>
+        <p:nvCxnSpPr>
+          <p:cNvPr id="32" name="Connector: Elbow 31">
+            <a:extLst>
+              <a:ext uri="{FF2B5EF4-FFF2-40B4-BE49-F238E27FC236}">
+                <a16:creationId xmlns:a16="http://schemas.microsoft.com/office/drawing/2014/main" id="{A7AF3420-A446-68AA-40D7-7F37AA41CC55}"/>
+              </a:ext>
+            </a:extLst>
+          </p:cNvPr>
+          <p:cNvCxnSpPr>
+            <a:stCxn id="15" idx="0"/>
+          </p:cNvCxnSpPr>
+          <p:nvPr/>
+        </p:nvCxnSpPr>
+        <p:spPr>
+          <a:xfrm flipV="1">
+            <a:off x="6705146" y="2224861"/>
+            <a:ext cx="405617" cy="401381"/>
+          </a:xfrm>
+          <a:prstGeom prst="bentConnector3">
+            <a:avLst/>
+          </a:prstGeom>
+          <a:ln w="28575">
+            <a:tailEnd type="triangle"/>
+          </a:ln>
+        </p:spPr>
+        <p:style>
+          <a:lnRef idx="1">
+            <a:schemeClr val="accent1"/>
+          </a:lnRef>
+          <a:fillRef idx="0">
+            <a:schemeClr val="accent1"/>
+          </a:fillRef>
+          <a:effectRef idx="0">
+            <a:schemeClr val="accent1"/>
+          </a:effectRef>
+          <a:fontRef idx="minor">
+            <a:schemeClr val="tx1"/>
+          </a:fontRef>
+        </p:style>
+      </p:cxnSp>
+      <p:sp>
+        <p:nvSpPr>
+          <p:cNvPr id="33" name="TextBox 32">
+            <a:extLst>
+              <a:ext uri="{FF2B5EF4-FFF2-40B4-BE49-F238E27FC236}">
+                <a16:creationId xmlns:a16="http://schemas.microsoft.com/office/drawing/2014/main" id="{1C60D6A3-4198-96D8-0A4A-5C94B5C23724}"/>
+              </a:ext>
+            </a:extLst>
+          </p:cNvPr>
+          <p:cNvSpPr txBox="1"/>
+          <p:nvPr/>
+        </p:nvSpPr>
+        <p:spPr>
+          <a:xfrm>
+            <a:off x="6698510" y="1180217"/>
+            <a:ext cx="292395" cy="369332"/>
+          </a:xfrm>
+          <a:prstGeom prst="rect">
+            <a:avLst/>
+          </a:prstGeom>
+          <a:noFill/>
+        </p:spPr>
+        <p:txBody>
+          <a:bodyPr wrap="square" rtlCol="0">
+            <a:spAutoFit/>
+          </a:bodyPr>
+          <a:lstStyle/>
+          <a:p>
+            <a:r>
+              <a:rPr lang="en-US" dirty="0"/>
+              <a:t>b</a:t>
+            </a:r>
+            <a:endParaRPr lang="LID4096" dirty="0"/>
+          </a:p>
+        </p:txBody>
+      </p:sp>
+      <p:sp>
+        <p:nvSpPr>
+          <p:cNvPr id="34" name="TextBox 33">
+            <a:extLst>
+              <a:ext uri="{FF2B5EF4-FFF2-40B4-BE49-F238E27FC236}">
+                <a16:creationId xmlns:a16="http://schemas.microsoft.com/office/drawing/2014/main" id="{665BA745-4BDF-E157-D944-C796368873B9}"/>
+              </a:ext>
+            </a:extLst>
+          </p:cNvPr>
+          <p:cNvSpPr txBox="1"/>
+          <p:nvPr/>
+        </p:nvSpPr>
+        <p:spPr>
+          <a:xfrm>
+            <a:off x="6678806" y="2200389"/>
+            <a:ext cx="292395" cy="369332"/>
+          </a:xfrm>
+          <a:prstGeom prst="rect">
+            <a:avLst/>
+          </a:prstGeom>
+          <a:noFill/>
+        </p:spPr>
+        <p:txBody>
+          <a:bodyPr wrap="square" rtlCol="0">
+            <a:spAutoFit/>
+          </a:bodyPr>
+          <a:lstStyle/>
+          <a:p>
+            <a:r>
+              <a:rPr lang="en-US" dirty="0"/>
+              <a:t>a</a:t>
+            </a:r>
+            <a:endParaRPr lang="LID4096" dirty="0"/>
+          </a:p>
+        </p:txBody>
+      </p:sp>
+      <p:cxnSp>
+        <p:nvCxnSpPr>
+          <p:cNvPr id="35" name="Straight Arrow Connector 34">
+            <a:extLst>
+              <a:ext uri="{FF2B5EF4-FFF2-40B4-BE49-F238E27FC236}">
+                <a16:creationId xmlns:a16="http://schemas.microsoft.com/office/drawing/2014/main" id="{BE4B8DA8-E1B5-C4FD-63DE-FC5F8B488E21}"/>
+              </a:ext>
+            </a:extLst>
+          </p:cNvPr>
+          <p:cNvCxnSpPr>
+            <a:cxnSpLocks/>
+          </p:cNvCxnSpPr>
+          <p:nvPr/>
+        </p:nvCxnSpPr>
+        <p:spPr>
+          <a:xfrm>
+            <a:off x="5792976" y="2497116"/>
+            <a:ext cx="541376" cy="0"/>
+          </a:xfrm>
+          <a:prstGeom prst="straightConnector1">
+            <a:avLst/>
+          </a:prstGeom>
+          <a:ln w="28575">
+            <a:tailEnd type="triangle"/>
+          </a:ln>
+        </p:spPr>
+        <p:style>
+          <a:lnRef idx="1">
+            <a:schemeClr val="accent1"/>
+          </a:lnRef>
+          <a:fillRef idx="0">
+            <a:schemeClr val="accent1"/>
+          </a:fillRef>
+          <a:effectRef idx="0">
+            <a:schemeClr val="accent1"/>
+          </a:effectRef>
+          <a:fontRef idx="minor">
+            <a:schemeClr val="tx1"/>
+          </a:fontRef>
+        </p:style>
+      </p:cxnSp>
+      <p:sp>
+        <p:nvSpPr>
+          <p:cNvPr id="36" name="Subtitle 13">
+            <a:extLst>
+              <a:ext uri="{FF2B5EF4-FFF2-40B4-BE49-F238E27FC236}">
+                <a16:creationId xmlns:a16="http://schemas.microsoft.com/office/drawing/2014/main" id="{605B4908-67E8-F0F3-27F9-B84651418038}"/>
+              </a:ext>
+            </a:extLst>
+          </p:cNvPr>
+          <p:cNvSpPr txBox="1">
+            <a:spLocks/>
+          </p:cNvSpPr>
+          <p:nvPr/>
+        </p:nvSpPr>
+        <p:spPr>
+          <a:xfrm>
+            <a:off x="5832850" y="2263801"/>
+            <a:ext cx="444782" cy="305920"/>
+          </a:xfrm>
+          <a:prstGeom prst="rect">
+            <a:avLst/>
+          </a:prstGeom>
+          <a:ln w="28575">
+            <a:noFill/>
+          </a:ln>
+        </p:spPr>
+        <p:txBody>
+          <a:bodyPr vert="horz" lIns="91440" tIns="45720" rIns="91440" bIns="45720" rtlCol="0">
+            <a:normAutofit/>
+          </a:bodyPr>
+          <a:lstStyle>
+            <a:lvl1pPr marL="0" indent="0" algn="ctr" defTabSz="914400" rtl="0" eaLnBrk="1" latinLnBrk="0" hangingPunct="1">
+              <a:lnSpc>
+                <a:spcPct val="90000"/>
+              </a:lnSpc>
+              <a:spcBef>
+                <a:spcPts val="1000"/>
+              </a:spcBef>
+              <a:buFont typeface="Arial" panose="020B0604020202020204" pitchFamily="34" charset="0"/>
+              <a:buNone/>
+              <a:defRPr sz="2400" kern="1200">
+                <a:solidFill>
+                  <a:schemeClr val="tx1"/>
+                </a:solidFill>
+                <a:latin typeface="+mn-lt"/>
+                <a:ea typeface="+mn-ea"/>
+                <a:cs typeface="+mn-cs"/>
+              </a:defRPr>
+            </a:lvl1pPr>
+            <a:lvl2pPr marL="457200" indent="0" algn="ctr" defTabSz="914400" rtl="0" eaLnBrk="1" latinLnBrk="0" hangingPunct="1">
+              <a:lnSpc>
+                <a:spcPct val="90000"/>
+              </a:lnSpc>
+              <a:spcBef>
+                <a:spcPts val="500"/>
+              </a:spcBef>
+              <a:buFont typeface="Arial" panose="020B0604020202020204" pitchFamily="34" charset="0"/>
+              <a:buNone/>
+              <a:defRPr sz="2000" kern="1200">
+                <a:solidFill>
+                  <a:schemeClr val="tx1"/>
+                </a:solidFill>
+                <a:latin typeface="+mn-lt"/>
+                <a:ea typeface="+mn-ea"/>
+                <a:cs typeface="+mn-cs"/>
+              </a:defRPr>
+            </a:lvl2pPr>
+            <a:lvl3pPr marL="914400" indent="0" algn="ctr" defTabSz="914400" rtl="0" eaLnBrk="1" latinLnBrk="0" hangingPunct="1">
+              <a:lnSpc>
+                <a:spcPct val="90000"/>
+              </a:lnSpc>
+              <a:spcBef>
+                <a:spcPts val="500"/>
+              </a:spcBef>
+              <a:buFont typeface="Arial" panose="020B0604020202020204" pitchFamily="34" charset="0"/>
+              <a:buNone/>
+              <a:defRPr sz="1800" kern="1200">
+                <a:solidFill>
+                  <a:schemeClr val="tx1"/>
+                </a:solidFill>
+                <a:latin typeface="+mn-lt"/>
+                <a:ea typeface="+mn-ea"/>
+                <a:cs typeface="+mn-cs"/>
+              </a:defRPr>
+            </a:lvl3pPr>
+            <a:lvl4pPr marL="1371600" indent="0" algn="ctr" defTabSz="914400" rtl="0" eaLnBrk="1" latinLnBrk="0" hangingPunct="1">
+              <a:lnSpc>
+                <a:spcPct val="90000"/>
+              </a:lnSpc>
+              <a:spcBef>
+                <a:spcPts val="500"/>
+              </a:spcBef>
+              <a:buFont typeface="Arial" panose="020B0604020202020204" pitchFamily="34" charset="0"/>
+              <a:buNone/>
+              <a:defRPr sz="1600" kern="1200">
+                <a:solidFill>
+                  <a:schemeClr val="tx1"/>
+                </a:solidFill>
+                <a:latin typeface="+mn-lt"/>
+                <a:ea typeface="+mn-ea"/>
+                <a:cs typeface="+mn-cs"/>
+              </a:defRPr>
+            </a:lvl4pPr>
+            <a:lvl5pPr marL="1828800" indent="0" algn="ctr" defTabSz="914400" rtl="0" eaLnBrk="1" latinLnBrk="0" hangingPunct="1">
+              <a:lnSpc>
+                <a:spcPct val="90000"/>
+              </a:lnSpc>
+              <a:spcBef>
+                <a:spcPts val="500"/>
+              </a:spcBef>
+              <a:buFont typeface="Arial" panose="020B0604020202020204" pitchFamily="34" charset="0"/>
+              <a:buNone/>
+              <a:defRPr sz="1600" kern="1200">
+                <a:solidFill>
+                  <a:schemeClr val="tx1"/>
+                </a:solidFill>
+                <a:latin typeface="+mn-lt"/>
+                <a:ea typeface="+mn-ea"/>
+                <a:cs typeface="+mn-cs"/>
+              </a:defRPr>
+            </a:lvl5pPr>
+            <a:lvl6pPr marL="2286000" indent="0" algn="ctr" defTabSz="914400" rtl="0" eaLnBrk="1" latinLnBrk="0" hangingPunct="1">
+              <a:lnSpc>
+                <a:spcPct val="90000"/>
+              </a:lnSpc>
+              <a:spcBef>
+                <a:spcPts val="500"/>
+              </a:spcBef>
+              <a:buFont typeface="Arial" panose="020B0604020202020204" pitchFamily="34" charset="0"/>
+              <a:buNone/>
+              <a:defRPr sz="1600" kern="1200">
+                <a:solidFill>
+                  <a:schemeClr val="tx1"/>
+                </a:solidFill>
+                <a:latin typeface="+mn-lt"/>
+                <a:ea typeface="+mn-ea"/>
+                <a:cs typeface="+mn-cs"/>
+              </a:defRPr>
+            </a:lvl6pPr>
+            <a:lvl7pPr marL="2743200" indent="0" algn="ctr" defTabSz="914400" rtl="0" eaLnBrk="1" latinLnBrk="0" hangingPunct="1">
+              <a:lnSpc>
+                <a:spcPct val="90000"/>
+              </a:lnSpc>
+              <a:spcBef>
+                <a:spcPts val="500"/>
+              </a:spcBef>
+              <a:buFont typeface="Arial" panose="020B0604020202020204" pitchFamily="34" charset="0"/>
+              <a:buNone/>
+              <a:defRPr sz="1600" kern="1200">
+                <a:solidFill>
+                  <a:schemeClr val="tx1"/>
+                </a:solidFill>
+                <a:latin typeface="+mn-lt"/>
+                <a:ea typeface="+mn-ea"/>
+                <a:cs typeface="+mn-cs"/>
+              </a:defRPr>
+            </a:lvl7pPr>
+            <a:lvl8pPr marL="3200400" indent="0" algn="ctr" defTabSz="914400" rtl="0" eaLnBrk="1" latinLnBrk="0" hangingPunct="1">
+              <a:lnSpc>
+                <a:spcPct val="90000"/>
+              </a:lnSpc>
+              <a:spcBef>
+                <a:spcPts val="500"/>
+              </a:spcBef>
+              <a:buFont typeface="Arial" panose="020B0604020202020204" pitchFamily="34" charset="0"/>
+              <a:buNone/>
+              <a:defRPr sz="1600" kern="1200">
+                <a:solidFill>
+                  <a:schemeClr val="tx1"/>
+                </a:solidFill>
+                <a:latin typeface="+mn-lt"/>
+                <a:ea typeface="+mn-ea"/>
+                <a:cs typeface="+mn-cs"/>
+              </a:defRPr>
+            </a:lvl8pPr>
+            <a:lvl9pPr marL="3657600" indent="0" algn="ctr" defTabSz="914400" rtl="0" eaLnBrk="1" latinLnBrk="0" hangingPunct="1">
+              <a:lnSpc>
+                <a:spcPct val="90000"/>
+              </a:lnSpc>
+              <a:spcBef>
+                <a:spcPts val="500"/>
+              </a:spcBef>
+              <a:buFont typeface="Arial" panose="020B0604020202020204" pitchFamily="34" charset="0"/>
+              <a:buNone/>
+              <a:defRPr sz="1600" kern="1200">
+                <a:solidFill>
+                  <a:schemeClr val="tx1"/>
+                </a:solidFill>
+                <a:latin typeface="+mn-lt"/>
+                <a:ea typeface="+mn-ea"/>
+                <a:cs typeface="+mn-cs"/>
+              </a:defRPr>
+            </a:lvl9pPr>
+          </a:lstStyle>
+          <a:p>
+            <a:r>
+              <a:rPr lang="en-US" sz="1200" dirty="0"/>
+              <a:t>msg</a:t>
+            </a:r>
+            <a:endParaRPr lang="LID4096" sz="1400" dirty="0"/>
+          </a:p>
+        </p:txBody>
+      </p:sp>
+      <p:cxnSp>
+        <p:nvCxnSpPr>
+          <p:cNvPr id="37" name="Straight Arrow Connector 36">
+            <a:extLst>
+              <a:ext uri="{FF2B5EF4-FFF2-40B4-BE49-F238E27FC236}">
+                <a16:creationId xmlns:a16="http://schemas.microsoft.com/office/drawing/2014/main" id="{9BF68E57-8440-2136-13B2-EE425E32AF0E}"/>
+              </a:ext>
+            </a:extLst>
+          </p:cNvPr>
+          <p:cNvCxnSpPr>
+            <a:cxnSpLocks/>
+          </p:cNvCxnSpPr>
+          <p:nvPr/>
+        </p:nvCxnSpPr>
+        <p:spPr>
+          <a:xfrm>
+            <a:off x="5786334" y="2749860"/>
+            <a:ext cx="541376" cy="0"/>
+          </a:xfrm>
+          <a:prstGeom prst="straightConnector1">
+            <a:avLst/>
+          </a:prstGeom>
+          <a:ln w="28575">
+            <a:tailEnd type="triangle"/>
+          </a:ln>
+        </p:spPr>
+        <p:style>
+          <a:lnRef idx="1">
+            <a:schemeClr val="accent1"/>
+          </a:lnRef>
+          <a:fillRef idx="0">
+            <a:schemeClr val="accent1"/>
+          </a:fillRef>
+          <a:effectRef idx="0">
+            <a:schemeClr val="accent1"/>
+          </a:effectRef>
+          <a:fontRef idx="minor">
+            <a:schemeClr val="tx1"/>
+          </a:fontRef>
+        </p:style>
+      </p:cxnSp>
+      <p:sp>
+        <p:nvSpPr>
+          <p:cNvPr id="38" name="Subtitle 13">
+            <a:extLst>
+              <a:ext uri="{FF2B5EF4-FFF2-40B4-BE49-F238E27FC236}">
+                <a16:creationId xmlns:a16="http://schemas.microsoft.com/office/drawing/2014/main" id="{07611A1C-0450-BCA1-4B7A-ACD37641C8BA}"/>
+              </a:ext>
+            </a:extLst>
+          </p:cNvPr>
+          <p:cNvSpPr txBox="1">
+            <a:spLocks/>
+          </p:cNvSpPr>
+          <p:nvPr/>
+        </p:nvSpPr>
+        <p:spPr>
+          <a:xfrm>
+            <a:off x="5813107" y="2516545"/>
+            <a:ext cx="444782" cy="305920"/>
+          </a:xfrm>
+          <a:prstGeom prst="rect">
+            <a:avLst/>
+          </a:prstGeom>
+          <a:ln w="28575">
+            <a:noFill/>
+          </a:ln>
+        </p:spPr>
+        <p:txBody>
+          <a:bodyPr vert="horz" lIns="91440" tIns="45720" rIns="91440" bIns="45720" rtlCol="0">
+            <a:normAutofit/>
+          </a:bodyPr>
+          <a:lstStyle>
+            <a:lvl1pPr marL="0" indent="0" algn="ctr" defTabSz="914400" rtl="0" eaLnBrk="1" latinLnBrk="0" hangingPunct="1">
+              <a:lnSpc>
+                <a:spcPct val="90000"/>
+              </a:lnSpc>
+              <a:spcBef>
+                <a:spcPts val="1000"/>
+              </a:spcBef>
+              <a:buFont typeface="Arial" panose="020B0604020202020204" pitchFamily="34" charset="0"/>
+              <a:buNone/>
+              <a:defRPr sz="2400" kern="1200">
+                <a:solidFill>
+                  <a:schemeClr val="tx1"/>
+                </a:solidFill>
+                <a:latin typeface="+mn-lt"/>
+                <a:ea typeface="+mn-ea"/>
+                <a:cs typeface="+mn-cs"/>
+              </a:defRPr>
+            </a:lvl1pPr>
+            <a:lvl2pPr marL="457200" indent="0" algn="ctr" defTabSz="914400" rtl="0" eaLnBrk="1" latinLnBrk="0" hangingPunct="1">
+              <a:lnSpc>
+                <a:spcPct val="90000"/>
+              </a:lnSpc>
+              <a:spcBef>
+                <a:spcPts val="500"/>
+              </a:spcBef>
+              <a:buFont typeface="Arial" panose="020B0604020202020204" pitchFamily="34" charset="0"/>
+              <a:buNone/>
+              <a:defRPr sz="2000" kern="1200">
+                <a:solidFill>
+                  <a:schemeClr val="tx1"/>
+                </a:solidFill>
+                <a:latin typeface="+mn-lt"/>
+                <a:ea typeface="+mn-ea"/>
+                <a:cs typeface="+mn-cs"/>
+              </a:defRPr>
+            </a:lvl2pPr>
+            <a:lvl3pPr marL="914400" indent="0" algn="ctr" defTabSz="914400" rtl="0" eaLnBrk="1" latinLnBrk="0" hangingPunct="1">
+              <a:lnSpc>
+                <a:spcPct val="90000"/>
+              </a:lnSpc>
+              <a:spcBef>
+                <a:spcPts val="500"/>
+              </a:spcBef>
+              <a:buFont typeface="Arial" panose="020B0604020202020204" pitchFamily="34" charset="0"/>
+              <a:buNone/>
+              <a:defRPr sz="1800" kern="1200">
+                <a:solidFill>
+                  <a:schemeClr val="tx1"/>
+                </a:solidFill>
+                <a:latin typeface="+mn-lt"/>
+                <a:ea typeface="+mn-ea"/>
+                <a:cs typeface="+mn-cs"/>
+              </a:defRPr>
+            </a:lvl3pPr>
+            <a:lvl4pPr marL="1371600" indent="0" algn="ctr" defTabSz="914400" rtl="0" eaLnBrk="1" latinLnBrk="0" hangingPunct="1">
+              <a:lnSpc>
+                <a:spcPct val="90000"/>
+              </a:lnSpc>
+              <a:spcBef>
+                <a:spcPts val="500"/>
+              </a:spcBef>
+              <a:buFont typeface="Arial" panose="020B0604020202020204" pitchFamily="34" charset="0"/>
+              <a:buNone/>
+              <a:defRPr sz="1600" kern="1200">
+                <a:solidFill>
+                  <a:schemeClr val="tx1"/>
+                </a:solidFill>
+                <a:latin typeface="+mn-lt"/>
+                <a:ea typeface="+mn-ea"/>
+                <a:cs typeface="+mn-cs"/>
+              </a:defRPr>
+            </a:lvl4pPr>
+            <a:lvl5pPr marL="1828800" indent="0" algn="ctr" defTabSz="914400" rtl="0" eaLnBrk="1" latinLnBrk="0" hangingPunct="1">
+              <a:lnSpc>
+                <a:spcPct val="90000"/>
+              </a:lnSpc>
+              <a:spcBef>
+                <a:spcPts val="500"/>
+              </a:spcBef>
+              <a:buFont typeface="Arial" panose="020B0604020202020204" pitchFamily="34" charset="0"/>
+              <a:buNone/>
+              <a:defRPr sz="1600" kern="1200">
+                <a:solidFill>
+                  <a:schemeClr val="tx1"/>
+                </a:solidFill>
+                <a:latin typeface="+mn-lt"/>
+                <a:ea typeface="+mn-ea"/>
+                <a:cs typeface="+mn-cs"/>
+              </a:defRPr>
+            </a:lvl5pPr>
+            <a:lvl6pPr marL="2286000" indent="0" algn="ctr" defTabSz="914400" rtl="0" eaLnBrk="1" latinLnBrk="0" hangingPunct="1">
+              <a:lnSpc>
+                <a:spcPct val="90000"/>
+              </a:lnSpc>
+              <a:spcBef>
+                <a:spcPts val="500"/>
+              </a:spcBef>
+              <a:buFont typeface="Arial" panose="020B0604020202020204" pitchFamily="34" charset="0"/>
+              <a:buNone/>
+              <a:defRPr sz="1600" kern="1200">
+                <a:solidFill>
+                  <a:schemeClr val="tx1"/>
+                </a:solidFill>
+                <a:latin typeface="+mn-lt"/>
+                <a:ea typeface="+mn-ea"/>
+                <a:cs typeface="+mn-cs"/>
+              </a:defRPr>
+            </a:lvl6pPr>
+            <a:lvl7pPr marL="2743200" indent="0" algn="ctr" defTabSz="914400" rtl="0" eaLnBrk="1" latinLnBrk="0" hangingPunct="1">
+              <a:lnSpc>
+                <a:spcPct val="90000"/>
+              </a:lnSpc>
+              <a:spcBef>
+                <a:spcPts val="500"/>
+              </a:spcBef>
+              <a:buFont typeface="Arial" panose="020B0604020202020204" pitchFamily="34" charset="0"/>
+              <a:buNone/>
+              <a:defRPr sz="1600" kern="1200">
+                <a:solidFill>
+                  <a:schemeClr val="tx1"/>
+                </a:solidFill>
+                <a:latin typeface="+mn-lt"/>
+                <a:ea typeface="+mn-ea"/>
+                <a:cs typeface="+mn-cs"/>
+              </a:defRPr>
+            </a:lvl7pPr>
+            <a:lvl8pPr marL="3200400" indent="0" algn="ctr" defTabSz="914400" rtl="0" eaLnBrk="1" latinLnBrk="0" hangingPunct="1">
+              <a:lnSpc>
+                <a:spcPct val="90000"/>
+              </a:lnSpc>
+              <a:spcBef>
+                <a:spcPts val="500"/>
+              </a:spcBef>
+              <a:buFont typeface="Arial" panose="020B0604020202020204" pitchFamily="34" charset="0"/>
+              <a:buNone/>
+              <a:defRPr sz="1600" kern="1200">
+                <a:solidFill>
+                  <a:schemeClr val="tx1"/>
+                </a:solidFill>
+                <a:latin typeface="+mn-lt"/>
+                <a:ea typeface="+mn-ea"/>
+                <a:cs typeface="+mn-cs"/>
+              </a:defRPr>
+            </a:lvl8pPr>
+            <a:lvl9pPr marL="3657600" indent="0" algn="ctr" defTabSz="914400" rtl="0" eaLnBrk="1" latinLnBrk="0" hangingPunct="1">
+              <a:lnSpc>
+                <a:spcPct val="90000"/>
+              </a:lnSpc>
+              <a:spcBef>
+                <a:spcPts val="500"/>
+              </a:spcBef>
+              <a:buFont typeface="Arial" panose="020B0604020202020204" pitchFamily="34" charset="0"/>
+              <a:buNone/>
+              <a:defRPr sz="1600" kern="1200">
+                <a:solidFill>
+                  <a:schemeClr val="tx1"/>
+                </a:solidFill>
+                <a:latin typeface="+mn-lt"/>
+                <a:ea typeface="+mn-ea"/>
+                <a:cs typeface="+mn-cs"/>
+              </a:defRPr>
+            </a:lvl9pPr>
+          </a:lstStyle>
+          <a:p>
+            <a:r>
+              <a:rPr lang="en-US" sz="1200" dirty="0"/>
+              <a:t>1</a:t>
+            </a:r>
+            <a:endParaRPr lang="LID4096" sz="1400" dirty="0"/>
+          </a:p>
+        </p:txBody>
+      </p:sp>
+      <p:cxnSp>
+        <p:nvCxnSpPr>
+          <p:cNvPr id="39" name="Connector: Elbow 38">
+            <a:extLst>
+              <a:ext uri="{FF2B5EF4-FFF2-40B4-BE49-F238E27FC236}">
+                <a16:creationId xmlns:a16="http://schemas.microsoft.com/office/drawing/2014/main" id="{7E2A414C-5BE5-158E-167D-212864301B97}"/>
+              </a:ext>
+            </a:extLst>
+          </p:cNvPr>
+          <p:cNvCxnSpPr/>
+          <p:nvPr/>
+        </p:nvCxnSpPr>
+        <p:spPr>
+          <a:xfrm>
+            <a:off x="6713106" y="4053636"/>
+            <a:ext cx="405618" cy="177207"/>
+          </a:xfrm>
+          <a:prstGeom prst="bentConnector3">
+            <a:avLst/>
+          </a:prstGeom>
+          <a:ln w="28575">
+            <a:tailEnd type="triangle"/>
+          </a:ln>
+        </p:spPr>
+        <p:style>
+          <a:lnRef idx="1">
+            <a:schemeClr val="accent1"/>
+          </a:lnRef>
+          <a:fillRef idx="0">
+            <a:schemeClr val="accent1"/>
+          </a:fillRef>
+          <a:effectRef idx="0">
+            <a:schemeClr val="accent1"/>
+          </a:effectRef>
+          <a:fontRef idx="minor">
+            <a:schemeClr val="tx1"/>
+          </a:fontRef>
+        </p:style>
+      </p:cxnSp>
+      <p:cxnSp>
+        <p:nvCxnSpPr>
+          <p:cNvPr id="40" name="Connector: Elbow 39">
+            <a:extLst>
+              <a:ext uri="{FF2B5EF4-FFF2-40B4-BE49-F238E27FC236}">
+                <a16:creationId xmlns:a16="http://schemas.microsoft.com/office/drawing/2014/main" id="{B37550EE-832D-C207-055A-7C53C79AFA92}"/>
+              </a:ext>
+            </a:extLst>
+          </p:cNvPr>
+          <p:cNvCxnSpPr/>
+          <p:nvPr/>
+        </p:nvCxnSpPr>
+        <p:spPr>
+          <a:xfrm flipV="1">
+            <a:off x="6713107" y="4807657"/>
+            <a:ext cx="405617" cy="401381"/>
+          </a:xfrm>
+          <a:prstGeom prst="bentConnector3">
+            <a:avLst/>
+          </a:prstGeom>
+          <a:ln w="28575">
+            <a:tailEnd type="triangle"/>
+          </a:ln>
+        </p:spPr>
+        <p:style>
+          <a:lnRef idx="1">
+            <a:schemeClr val="accent1"/>
+          </a:lnRef>
+          <a:fillRef idx="0">
+            <a:schemeClr val="accent1"/>
+          </a:fillRef>
+          <a:effectRef idx="0">
+            <a:schemeClr val="accent1"/>
+          </a:effectRef>
+          <a:fontRef idx="minor">
+            <a:schemeClr val="tx1"/>
+          </a:fontRef>
+        </p:style>
+      </p:cxnSp>
+      <p:sp>
+        <p:nvSpPr>
+          <p:cNvPr id="41" name="TextBox 40">
+            <a:extLst>
+              <a:ext uri="{FF2B5EF4-FFF2-40B4-BE49-F238E27FC236}">
+                <a16:creationId xmlns:a16="http://schemas.microsoft.com/office/drawing/2014/main" id="{F882416F-661D-10F2-81E8-C869B79E98FF}"/>
+              </a:ext>
+            </a:extLst>
+          </p:cNvPr>
+          <p:cNvSpPr txBox="1"/>
+          <p:nvPr/>
+        </p:nvSpPr>
+        <p:spPr>
+          <a:xfrm>
+            <a:off x="6706471" y="3763013"/>
+            <a:ext cx="292395" cy="369332"/>
+          </a:xfrm>
+          <a:prstGeom prst="rect">
+            <a:avLst/>
+          </a:prstGeom>
+          <a:noFill/>
+        </p:spPr>
+        <p:txBody>
+          <a:bodyPr wrap="square" rtlCol="0">
+            <a:spAutoFit/>
+          </a:bodyPr>
+          <a:lstStyle/>
+          <a:p>
+            <a:r>
+              <a:rPr lang="en-US" dirty="0"/>
+              <a:t>b</a:t>
+            </a:r>
+            <a:endParaRPr lang="LID4096" dirty="0"/>
+          </a:p>
+        </p:txBody>
+      </p:sp>
+      <p:sp>
+        <p:nvSpPr>
+          <p:cNvPr id="42" name="TextBox 41">
+            <a:extLst>
+              <a:ext uri="{FF2B5EF4-FFF2-40B4-BE49-F238E27FC236}">
+                <a16:creationId xmlns:a16="http://schemas.microsoft.com/office/drawing/2014/main" id="{76BD1AB7-F7AF-173A-0B01-DBA77C1341CC}"/>
+              </a:ext>
+            </a:extLst>
+          </p:cNvPr>
+          <p:cNvSpPr txBox="1"/>
+          <p:nvPr/>
+        </p:nvSpPr>
+        <p:spPr>
+          <a:xfrm>
+            <a:off x="6686767" y="4783185"/>
+            <a:ext cx="292395" cy="369332"/>
+          </a:xfrm>
+          <a:prstGeom prst="rect">
+            <a:avLst/>
+          </a:prstGeom>
+          <a:noFill/>
+        </p:spPr>
+        <p:txBody>
+          <a:bodyPr wrap="square" rtlCol="0">
+            <a:spAutoFit/>
+          </a:bodyPr>
+          <a:lstStyle/>
+          <a:p>
+            <a:r>
+              <a:rPr lang="en-US" dirty="0"/>
+              <a:t>a</a:t>
+            </a:r>
+            <a:endParaRPr lang="LID4096" dirty="0"/>
+          </a:p>
+        </p:txBody>
+      </p:sp>
+      <p:cxnSp>
+        <p:nvCxnSpPr>
+          <p:cNvPr id="43" name="Straight Arrow Connector 42">
+            <a:extLst>
+              <a:ext uri="{FF2B5EF4-FFF2-40B4-BE49-F238E27FC236}">
+                <a16:creationId xmlns:a16="http://schemas.microsoft.com/office/drawing/2014/main" id="{165AB22F-EDF4-C921-7FCF-837C1E2158E8}"/>
+              </a:ext>
+            </a:extLst>
+          </p:cNvPr>
+          <p:cNvCxnSpPr>
+            <a:cxnSpLocks/>
+          </p:cNvCxnSpPr>
+          <p:nvPr/>
+        </p:nvCxnSpPr>
+        <p:spPr>
+          <a:xfrm>
+            <a:off x="5800697" y="4895318"/>
+            <a:ext cx="541376" cy="0"/>
+          </a:xfrm>
+          <a:prstGeom prst="straightConnector1">
+            <a:avLst/>
+          </a:prstGeom>
+          <a:ln w="28575">
+            <a:tailEnd type="triangle"/>
+          </a:ln>
+        </p:spPr>
+        <p:style>
+          <a:lnRef idx="1">
+            <a:schemeClr val="accent1"/>
+          </a:lnRef>
+          <a:fillRef idx="0">
+            <a:schemeClr val="accent1"/>
+          </a:fillRef>
+          <a:effectRef idx="0">
+            <a:schemeClr val="accent1"/>
+          </a:effectRef>
+          <a:fontRef idx="minor">
+            <a:schemeClr val="tx1"/>
+          </a:fontRef>
+        </p:style>
+      </p:cxnSp>
+      <p:sp>
+        <p:nvSpPr>
+          <p:cNvPr id="44" name="Subtitle 13">
+            <a:extLst>
+              <a:ext uri="{FF2B5EF4-FFF2-40B4-BE49-F238E27FC236}">
+                <a16:creationId xmlns:a16="http://schemas.microsoft.com/office/drawing/2014/main" id="{DA690543-3B95-0A1D-1B17-E8610782B001}"/>
+              </a:ext>
+            </a:extLst>
+          </p:cNvPr>
+          <p:cNvSpPr txBox="1">
+            <a:spLocks/>
+          </p:cNvSpPr>
+          <p:nvPr/>
+        </p:nvSpPr>
+        <p:spPr>
+          <a:xfrm>
+            <a:off x="5827470" y="4662003"/>
+            <a:ext cx="444782" cy="305920"/>
+          </a:xfrm>
+          <a:prstGeom prst="rect">
+            <a:avLst/>
+          </a:prstGeom>
+          <a:ln w="28575">
+            <a:noFill/>
+          </a:ln>
+        </p:spPr>
+        <p:txBody>
+          <a:bodyPr vert="horz" lIns="91440" tIns="45720" rIns="91440" bIns="45720" rtlCol="0">
+            <a:normAutofit/>
+          </a:bodyPr>
+          <a:lstStyle>
+            <a:lvl1pPr marL="0" indent="0" algn="ctr" defTabSz="914400" rtl="0" eaLnBrk="1" latinLnBrk="0" hangingPunct="1">
+              <a:lnSpc>
+                <a:spcPct val="90000"/>
+              </a:lnSpc>
+              <a:spcBef>
+                <a:spcPts val="1000"/>
+              </a:spcBef>
+              <a:buFont typeface="Arial" panose="020B0604020202020204" pitchFamily="34" charset="0"/>
+              <a:buNone/>
+              <a:defRPr sz="2400" kern="1200">
+                <a:solidFill>
+                  <a:schemeClr val="tx1"/>
+                </a:solidFill>
+                <a:latin typeface="+mn-lt"/>
+                <a:ea typeface="+mn-ea"/>
+                <a:cs typeface="+mn-cs"/>
+              </a:defRPr>
+            </a:lvl1pPr>
+            <a:lvl2pPr marL="457200" indent="0" algn="ctr" defTabSz="914400" rtl="0" eaLnBrk="1" latinLnBrk="0" hangingPunct="1">
+              <a:lnSpc>
+                <a:spcPct val="90000"/>
+              </a:lnSpc>
+              <a:spcBef>
+                <a:spcPts val="500"/>
+              </a:spcBef>
+              <a:buFont typeface="Arial" panose="020B0604020202020204" pitchFamily="34" charset="0"/>
+              <a:buNone/>
+              <a:defRPr sz="2000" kern="1200">
+                <a:solidFill>
+                  <a:schemeClr val="tx1"/>
+                </a:solidFill>
+                <a:latin typeface="+mn-lt"/>
+                <a:ea typeface="+mn-ea"/>
+                <a:cs typeface="+mn-cs"/>
+              </a:defRPr>
+            </a:lvl2pPr>
+            <a:lvl3pPr marL="914400" indent="0" algn="ctr" defTabSz="914400" rtl="0" eaLnBrk="1" latinLnBrk="0" hangingPunct="1">
+              <a:lnSpc>
+                <a:spcPct val="90000"/>
+              </a:lnSpc>
+              <a:spcBef>
+                <a:spcPts val="500"/>
+              </a:spcBef>
+              <a:buFont typeface="Arial" panose="020B0604020202020204" pitchFamily="34" charset="0"/>
+              <a:buNone/>
+              <a:defRPr sz="1800" kern="1200">
+                <a:solidFill>
+                  <a:schemeClr val="tx1"/>
+                </a:solidFill>
+                <a:latin typeface="+mn-lt"/>
+                <a:ea typeface="+mn-ea"/>
+                <a:cs typeface="+mn-cs"/>
+              </a:defRPr>
+            </a:lvl3pPr>
+            <a:lvl4pPr marL="1371600" indent="0" algn="ctr" defTabSz="914400" rtl="0" eaLnBrk="1" latinLnBrk="0" hangingPunct="1">
+              <a:lnSpc>
+                <a:spcPct val="90000"/>
+              </a:lnSpc>
+              <a:spcBef>
+                <a:spcPts val="500"/>
+              </a:spcBef>
+              <a:buFont typeface="Arial" panose="020B0604020202020204" pitchFamily="34" charset="0"/>
+              <a:buNone/>
+              <a:defRPr sz="1600" kern="1200">
+                <a:solidFill>
+                  <a:schemeClr val="tx1"/>
+                </a:solidFill>
+                <a:latin typeface="+mn-lt"/>
+                <a:ea typeface="+mn-ea"/>
+                <a:cs typeface="+mn-cs"/>
+              </a:defRPr>
+            </a:lvl4pPr>
+            <a:lvl5pPr marL="1828800" indent="0" algn="ctr" defTabSz="914400" rtl="0" eaLnBrk="1" latinLnBrk="0" hangingPunct="1">
+              <a:lnSpc>
+                <a:spcPct val="90000"/>
+              </a:lnSpc>
+              <a:spcBef>
+                <a:spcPts val="500"/>
+              </a:spcBef>
+              <a:buFont typeface="Arial" panose="020B0604020202020204" pitchFamily="34" charset="0"/>
+              <a:buNone/>
+              <a:defRPr sz="1600" kern="1200">
+                <a:solidFill>
+                  <a:schemeClr val="tx1"/>
+                </a:solidFill>
+                <a:latin typeface="+mn-lt"/>
+                <a:ea typeface="+mn-ea"/>
+                <a:cs typeface="+mn-cs"/>
+              </a:defRPr>
+            </a:lvl5pPr>
+            <a:lvl6pPr marL="2286000" indent="0" algn="ctr" defTabSz="914400" rtl="0" eaLnBrk="1" latinLnBrk="0" hangingPunct="1">
+              <a:lnSpc>
+                <a:spcPct val="90000"/>
+              </a:lnSpc>
+              <a:spcBef>
+                <a:spcPts val="500"/>
+              </a:spcBef>
+              <a:buFont typeface="Arial" panose="020B0604020202020204" pitchFamily="34" charset="0"/>
+              <a:buNone/>
+              <a:defRPr sz="1600" kern="1200">
+                <a:solidFill>
+                  <a:schemeClr val="tx1"/>
+                </a:solidFill>
+                <a:latin typeface="+mn-lt"/>
+                <a:ea typeface="+mn-ea"/>
+                <a:cs typeface="+mn-cs"/>
+              </a:defRPr>
+            </a:lvl6pPr>
+            <a:lvl7pPr marL="2743200" indent="0" algn="ctr" defTabSz="914400" rtl="0" eaLnBrk="1" latinLnBrk="0" hangingPunct="1">
+              <a:lnSpc>
+                <a:spcPct val="90000"/>
+              </a:lnSpc>
+              <a:spcBef>
+                <a:spcPts val="500"/>
+              </a:spcBef>
+              <a:buFont typeface="Arial" panose="020B0604020202020204" pitchFamily="34" charset="0"/>
+              <a:buNone/>
+              <a:defRPr sz="1600" kern="1200">
+                <a:solidFill>
+                  <a:schemeClr val="tx1"/>
+                </a:solidFill>
+                <a:latin typeface="+mn-lt"/>
+                <a:ea typeface="+mn-ea"/>
+                <a:cs typeface="+mn-cs"/>
+              </a:defRPr>
+            </a:lvl7pPr>
+            <a:lvl8pPr marL="3200400" indent="0" algn="ctr" defTabSz="914400" rtl="0" eaLnBrk="1" latinLnBrk="0" hangingPunct="1">
+              <a:lnSpc>
+                <a:spcPct val="90000"/>
+              </a:lnSpc>
+              <a:spcBef>
+                <a:spcPts val="500"/>
+              </a:spcBef>
+              <a:buFont typeface="Arial" panose="020B0604020202020204" pitchFamily="34" charset="0"/>
+              <a:buNone/>
+              <a:defRPr sz="1600" kern="1200">
+                <a:solidFill>
+                  <a:schemeClr val="tx1"/>
+                </a:solidFill>
+                <a:latin typeface="+mn-lt"/>
+                <a:ea typeface="+mn-ea"/>
+                <a:cs typeface="+mn-cs"/>
+              </a:defRPr>
+            </a:lvl8pPr>
+            <a:lvl9pPr marL="3657600" indent="0" algn="ctr" defTabSz="914400" rtl="0" eaLnBrk="1" latinLnBrk="0" hangingPunct="1">
+              <a:lnSpc>
+                <a:spcPct val="90000"/>
+              </a:lnSpc>
+              <a:spcBef>
+                <a:spcPts val="500"/>
+              </a:spcBef>
+              <a:buFont typeface="Arial" panose="020B0604020202020204" pitchFamily="34" charset="0"/>
+              <a:buNone/>
+              <a:defRPr sz="1600" kern="1200">
+                <a:solidFill>
+                  <a:schemeClr val="tx1"/>
+                </a:solidFill>
+                <a:latin typeface="+mn-lt"/>
+                <a:ea typeface="+mn-ea"/>
+                <a:cs typeface="+mn-cs"/>
+              </a:defRPr>
+            </a:lvl9pPr>
+          </a:lstStyle>
+          <a:p>
+            <a:r>
+              <a:rPr lang="en-US" sz="1200" dirty="0"/>
+              <a:t>1</a:t>
+            </a:r>
+            <a:endParaRPr lang="LID4096" sz="1400" dirty="0"/>
+          </a:p>
+        </p:txBody>
+      </p:sp>
+      <p:cxnSp>
+        <p:nvCxnSpPr>
+          <p:cNvPr id="47" name="Connector: Elbow 46">
+            <a:extLst>
+              <a:ext uri="{FF2B5EF4-FFF2-40B4-BE49-F238E27FC236}">
+                <a16:creationId xmlns:a16="http://schemas.microsoft.com/office/drawing/2014/main" id="{11533890-D268-FC9E-178E-CCCB1E90C548}"/>
+              </a:ext>
+            </a:extLst>
+          </p:cNvPr>
+          <p:cNvCxnSpPr>
+            <a:stCxn id="4" idx="3"/>
+          </p:cNvCxnSpPr>
+          <p:nvPr/>
+        </p:nvCxnSpPr>
+        <p:spPr>
+          <a:xfrm flipV="1">
+            <a:off x="3104707" y="2224861"/>
+            <a:ext cx="3236273" cy="2"/>
+          </a:xfrm>
+          <a:prstGeom prst="bentConnector3">
+            <a:avLst/>
+          </a:prstGeom>
+          <a:ln w="28575">
+            <a:tailEnd type="triangle"/>
+          </a:ln>
+        </p:spPr>
+        <p:style>
+          <a:lnRef idx="1">
+            <a:schemeClr val="accent1"/>
+          </a:lnRef>
+          <a:fillRef idx="0">
+            <a:schemeClr val="accent1"/>
+          </a:fillRef>
+          <a:effectRef idx="0">
+            <a:schemeClr val="accent1"/>
+          </a:effectRef>
+          <a:fontRef idx="minor">
+            <a:schemeClr val="tx1"/>
+          </a:fontRef>
+        </p:style>
+      </p:cxnSp>
+      <p:cxnSp>
+        <p:nvCxnSpPr>
+          <p:cNvPr id="49" name="Connector: Elbow 48">
+            <a:extLst>
+              <a:ext uri="{FF2B5EF4-FFF2-40B4-BE49-F238E27FC236}">
+                <a16:creationId xmlns:a16="http://schemas.microsoft.com/office/drawing/2014/main" id="{7C685E96-9F7A-DF7A-CF05-B7BAECEFF0B2}"/>
+              </a:ext>
+            </a:extLst>
+          </p:cNvPr>
+          <p:cNvCxnSpPr>
+            <a:stCxn id="5" idx="3"/>
+          </p:cNvCxnSpPr>
+          <p:nvPr/>
+        </p:nvCxnSpPr>
+        <p:spPr>
+          <a:xfrm flipV="1">
+            <a:off x="3104707" y="1648047"/>
+            <a:ext cx="3223003" cy="1764118"/>
+          </a:xfrm>
+          <a:prstGeom prst="bentConnector3">
+            <a:avLst/>
+          </a:prstGeom>
+          <a:ln w="28575">
+            <a:tailEnd type="triangle"/>
+          </a:ln>
+        </p:spPr>
+        <p:style>
+          <a:lnRef idx="1">
+            <a:schemeClr val="accent1"/>
+          </a:lnRef>
+          <a:fillRef idx="0">
+            <a:schemeClr val="accent1"/>
+          </a:fillRef>
+          <a:effectRef idx="0">
+            <a:schemeClr val="accent1"/>
+          </a:effectRef>
+          <a:fontRef idx="minor">
+            <a:schemeClr val="tx1"/>
+          </a:fontRef>
+        </p:style>
+      </p:cxnSp>
+      <p:cxnSp>
+        <p:nvCxnSpPr>
+          <p:cNvPr id="51" name="Connector: Elbow 50">
+            <a:extLst>
+              <a:ext uri="{FF2B5EF4-FFF2-40B4-BE49-F238E27FC236}">
+                <a16:creationId xmlns:a16="http://schemas.microsoft.com/office/drawing/2014/main" id="{F355A283-DB6F-1658-99D1-7CC8D4BEE9C1}"/>
+              </a:ext>
+            </a:extLst>
+          </p:cNvPr>
+          <p:cNvCxnSpPr>
+            <a:cxnSpLocks/>
+            <a:stCxn id="4" idx="3"/>
+            <a:endCxn id="21" idx="2"/>
+          </p:cNvCxnSpPr>
+          <p:nvPr/>
+        </p:nvCxnSpPr>
+        <p:spPr>
+          <a:xfrm>
+            <a:off x="3104707" y="2224863"/>
+            <a:ext cx="3236274" cy="1801335"/>
+          </a:xfrm>
+          <a:prstGeom prst="bentConnector3">
+            <a:avLst>
+              <a:gd name="adj1" fmla="val 32194"/>
+            </a:avLst>
+          </a:prstGeom>
+          <a:ln w="28575">
+            <a:tailEnd type="triangle"/>
+          </a:ln>
+        </p:spPr>
+        <p:style>
+          <a:lnRef idx="1">
+            <a:schemeClr val="accent1"/>
+          </a:lnRef>
+          <a:fillRef idx="0">
+            <a:schemeClr val="accent1"/>
+          </a:fillRef>
+          <a:effectRef idx="0">
+            <a:schemeClr val="accent1"/>
+          </a:effectRef>
+          <a:fontRef idx="minor">
+            <a:schemeClr val="tx1"/>
+          </a:fontRef>
+        </p:style>
+      </p:cxnSp>
+      <p:cxnSp>
+        <p:nvCxnSpPr>
+          <p:cNvPr id="54" name="Connector: Elbow 53">
+            <a:extLst>
+              <a:ext uri="{FF2B5EF4-FFF2-40B4-BE49-F238E27FC236}">
+                <a16:creationId xmlns:a16="http://schemas.microsoft.com/office/drawing/2014/main" id="{B34E9592-469C-8970-2B94-41E6D520592B}"/>
+              </a:ext>
+            </a:extLst>
+          </p:cNvPr>
+          <p:cNvCxnSpPr>
+            <a:stCxn id="4" idx="3"/>
+            <a:endCxn id="22" idx="2"/>
+          </p:cNvCxnSpPr>
+          <p:nvPr/>
+        </p:nvCxnSpPr>
+        <p:spPr>
+          <a:xfrm>
+            <a:off x="3104707" y="2224863"/>
+            <a:ext cx="3236275" cy="2956738"/>
+          </a:xfrm>
+          <a:prstGeom prst="bentConnector3">
+            <a:avLst>
+              <a:gd name="adj1" fmla="val 32047"/>
+            </a:avLst>
+          </a:prstGeom>
+          <a:ln w="28575">
+            <a:tailEnd type="triangle"/>
+          </a:ln>
+        </p:spPr>
+        <p:style>
+          <a:lnRef idx="1">
+            <a:schemeClr val="accent1"/>
+          </a:lnRef>
+          <a:fillRef idx="0">
+            <a:schemeClr val="accent1"/>
+          </a:fillRef>
+          <a:effectRef idx="0">
+            <a:schemeClr val="accent1"/>
+          </a:effectRef>
+          <a:fontRef idx="minor">
+            <a:schemeClr val="tx1"/>
+          </a:fontRef>
+        </p:style>
+      </p:cxnSp>
+      <p:cxnSp>
+        <p:nvCxnSpPr>
+          <p:cNvPr id="57" name="Connector: Elbow 56">
+            <a:extLst>
+              <a:ext uri="{FF2B5EF4-FFF2-40B4-BE49-F238E27FC236}">
+                <a16:creationId xmlns:a16="http://schemas.microsoft.com/office/drawing/2014/main" id="{D49ABFE2-63D6-F47D-16A3-DF6E980E79CB}"/>
+              </a:ext>
+            </a:extLst>
+          </p:cNvPr>
+          <p:cNvCxnSpPr>
+            <a:cxnSpLocks/>
+            <a:stCxn id="5" idx="3"/>
+          </p:cNvCxnSpPr>
+          <p:nvPr/>
+        </p:nvCxnSpPr>
+        <p:spPr>
+          <a:xfrm>
+            <a:off x="3104707" y="3412165"/>
+            <a:ext cx="3223003" cy="280034"/>
+          </a:xfrm>
+          <a:prstGeom prst="bentConnector3">
+            <a:avLst>
+              <a:gd name="adj1" fmla="val 50000"/>
+            </a:avLst>
+          </a:prstGeom>
+          <a:ln w="28575">
+            <a:tailEnd type="triangle"/>
+          </a:ln>
+        </p:spPr>
+        <p:style>
+          <a:lnRef idx="1">
+            <a:schemeClr val="accent1"/>
+          </a:lnRef>
+          <a:fillRef idx="0">
+            <a:schemeClr val="accent1"/>
+          </a:fillRef>
+          <a:effectRef idx="0">
+            <a:schemeClr val="accent1"/>
+          </a:effectRef>
+          <a:fontRef idx="minor">
+            <a:schemeClr val="tx1"/>
+          </a:fontRef>
+        </p:style>
+      </p:cxnSp>
+      <p:cxnSp>
+        <p:nvCxnSpPr>
+          <p:cNvPr id="65" name="Connector: Elbow 64">
+            <a:extLst>
+              <a:ext uri="{FF2B5EF4-FFF2-40B4-BE49-F238E27FC236}">
+                <a16:creationId xmlns:a16="http://schemas.microsoft.com/office/drawing/2014/main" id="{9E1527F9-6800-C1E6-9AC8-82FE54EA5AB3}"/>
+              </a:ext>
+            </a:extLst>
+          </p:cNvPr>
+          <p:cNvCxnSpPr>
+            <a:stCxn id="8" idx="3"/>
+            <a:endCxn id="14" idx="2"/>
+          </p:cNvCxnSpPr>
+          <p:nvPr/>
+        </p:nvCxnSpPr>
+        <p:spPr>
+          <a:xfrm flipV="1">
+            <a:off x="7727220" y="5286152"/>
+            <a:ext cx="251306" cy="885274"/>
+          </a:xfrm>
+          <a:prstGeom prst="bentConnector2">
+            <a:avLst/>
+          </a:prstGeom>
+          <a:ln w="28575">
+            <a:tailEnd type="triangle"/>
+          </a:ln>
+        </p:spPr>
+        <p:style>
+          <a:lnRef idx="1">
+            <a:schemeClr val="accent1"/>
+          </a:lnRef>
+          <a:fillRef idx="0">
+            <a:schemeClr val="accent1"/>
+          </a:fillRef>
+          <a:effectRef idx="0">
+            <a:schemeClr val="accent1"/>
+          </a:effectRef>
+          <a:fontRef idx="minor">
+            <a:schemeClr val="tx1"/>
+          </a:fontRef>
+        </p:style>
+      </p:cxnSp>
+      <p:grpSp>
+        <p:nvGrpSpPr>
+          <p:cNvPr id="78" name="Group 77">
+            <a:extLst>
+              <a:ext uri="{FF2B5EF4-FFF2-40B4-BE49-F238E27FC236}">
+                <a16:creationId xmlns:a16="http://schemas.microsoft.com/office/drawing/2014/main" id="{5F990018-F05A-20C8-67F1-641C38BF7F88}"/>
+              </a:ext>
+            </a:extLst>
+          </p:cNvPr>
+          <p:cNvGrpSpPr/>
+          <p:nvPr/>
+        </p:nvGrpSpPr>
+        <p:grpSpPr>
+          <a:xfrm>
+            <a:off x="7727220" y="2668772"/>
+            <a:ext cx="1557597" cy="3502654"/>
+            <a:chOff x="7727220" y="2668772"/>
+            <a:chExt cx="1557597" cy="3502654"/>
+          </a:xfrm>
+        </p:grpSpPr>
+        <p:cxnSp>
+          <p:nvCxnSpPr>
+            <p:cNvPr id="67" name="Connector: Elbow 66">
+              <a:extLst>
+                <a:ext uri="{FF2B5EF4-FFF2-40B4-BE49-F238E27FC236}">
+                  <a16:creationId xmlns:a16="http://schemas.microsoft.com/office/drawing/2014/main" id="{868ABE88-3215-FAB9-06B7-826709A62485}"/>
+                </a:ext>
+              </a:extLst>
+            </p:cNvPr>
+            <p:cNvCxnSpPr>
+              <a:cxnSpLocks/>
+              <a:endCxn id="9" idx="2"/>
+            </p:cNvCxnSpPr>
+            <p:nvPr/>
+          </p:nvCxnSpPr>
+          <p:spPr>
+            <a:xfrm rot="16200000" flipV="1">
+              <a:off x="6880345" y="3766954"/>
+              <a:ext cx="3502653" cy="1306290"/>
+            </a:xfrm>
+            <a:prstGeom prst="bentConnector3">
+              <a:avLst>
+                <a:gd name="adj1" fmla="val 77874"/>
+              </a:avLst>
+            </a:prstGeom>
+            <a:ln w="28575">
+              <a:tailEnd type="triangle"/>
+            </a:ln>
+          </p:spPr>
+          <p:style>
+            <a:lnRef idx="1">
+              <a:schemeClr val="accent1"/>
+            </a:lnRef>
+            <a:fillRef idx="0">
+              <a:schemeClr val="accent1"/>
+            </a:fillRef>
+            <a:effectRef idx="0">
+              <a:schemeClr val="accent1"/>
+            </a:effectRef>
+            <a:fontRef idx="minor">
+              <a:schemeClr val="tx1"/>
+            </a:fontRef>
+          </p:style>
+        </p:cxnSp>
+        <p:cxnSp>
+          <p:nvCxnSpPr>
+            <p:cNvPr id="77" name="Straight Connector 76">
+              <a:extLst>
+                <a:ext uri="{FF2B5EF4-FFF2-40B4-BE49-F238E27FC236}">
+                  <a16:creationId xmlns:a16="http://schemas.microsoft.com/office/drawing/2014/main" id="{CC79ADF5-6069-B178-41A1-874BCF93ABB0}"/>
+                </a:ext>
+              </a:extLst>
+            </p:cNvPr>
+            <p:cNvCxnSpPr>
+              <a:stCxn id="8" idx="3"/>
+            </p:cNvCxnSpPr>
+            <p:nvPr/>
+          </p:nvCxnSpPr>
+          <p:spPr>
+            <a:xfrm flipV="1">
+              <a:off x="7727220" y="6171425"/>
+              <a:ext cx="1557597" cy="1"/>
+            </a:xfrm>
+            <a:prstGeom prst="line">
+              <a:avLst/>
+            </a:prstGeom>
+            <a:ln w="28575"/>
+          </p:spPr>
+          <p:style>
+            <a:lnRef idx="1">
+              <a:schemeClr val="accent1"/>
+            </a:lnRef>
+            <a:fillRef idx="0">
+              <a:schemeClr val="accent1"/>
+            </a:fillRef>
+            <a:effectRef idx="0">
+              <a:schemeClr val="accent1"/>
+            </a:effectRef>
+            <a:fontRef idx="minor">
+              <a:schemeClr val="tx1"/>
+            </a:fontRef>
+          </p:style>
+        </p:cxnSp>
+      </p:grpSp>
+      <p:cxnSp>
+        <p:nvCxnSpPr>
+          <p:cNvPr id="80" name="Connector: Elbow 79">
+            <a:extLst>
+              <a:ext uri="{FF2B5EF4-FFF2-40B4-BE49-F238E27FC236}">
+                <a16:creationId xmlns:a16="http://schemas.microsoft.com/office/drawing/2014/main" id="{BFE5BBBF-0E79-C7AF-2B06-8D9491635C1C}"/>
+              </a:ext>
+            </a:extLst>
+          </p:cNvPr>
+          <p:cNvCxnSpPr>
+            <a:stCxn id="6" idx="2"/>
+            <a:endCxn id="16" idx="1"/>
+          </p:cNvCxnSpPr>
+          <p:nvPr/>
+        </p:nvCxnSpPr>
+        <p:spPr>
+          <a:xfrm rot="16200000" flipH="1">
+            <a:off x="2061971" y="5239619"/>
+            <a:ext cx="348167" cy="2149975"/>
+          </a:xfrm>
+          <a:prstGeom prst="bentConnector2">
+            <a:avLst/>
+          </a:prstGeom>
+          <a:ln>
+            <a:tailEnd type="triangle"/>
+          </a:ln>
+        </p:spPr>
+        <p:style>
+          <a:lnRef idx="1">
+            <a:schemeClr val="accent1"/>
+          </a:lnRef>
+          <a:fillRef idx="0">
+            <a:schemeClr val="accent1"/>
+          </a:fillRef>
+          <a:effectRef idx="0">
+            <a:schemeClr val="accent1"/>
+          </a:effectRef>
+          <a:fontRef idx="minor">
+            <a:schemeClr val="tx1"/>
+          </a:fontRef>
+        </p:style>
+      </p:cxnSp>
+      <p:cxnSp>
+        <p:nvCxnSpPr>
+          <p:cNvPr id="86" name="Connector: Elbow 85">
+            <a:extLst>
+              <a:ext uri="{FF2B5EF4-FFF2-40B4-BE49-F238E27FC236}">
+                <a16:creationId xmlns:a16="http://schemas.microsoft.com/office/drawing/2014/main" id="{110AB174-D162-034E-3C24-5B9F1720025C}"/>
+              </a:ext>
+            </a:extLst>
+          </p:cNvPr>
+          <p:cNvCxnSpPr>
+            <a:stCxn id="9" idx="3"/>
+            <a:endCxn id="11" idx="2"/>
+          </p:cNvCxnSpPr>
+          <p:nvPr/>
+        </p:nvCxnSpPr>
+        <p:spPr>
+          <a:xfrm flipH="1" flipV="1">
+            <a:off x="2031898" y="1094267"/>
+            <a:ext cx="6814390" cy="859466"/>
+          </a:xfrm>
+          <a:prstGeom prst="bentConnector5">
+            <a:avLst>
+              <a:gd name="adj1" fmla="val -3355"/>
+              <a:gd name="adj2" fmla="val 179137"/>
+              <a:gd name="adj3" fmla="val 103355"/>
+            </a:avLst>
+          </a:prstGeom>
+          <a:ln w="28575">
+            <a:tailEnd type="triangle"/>
+          </a:ln>
+        </p:spPr>
+        <p:style>
+          <a:lnRef idx="1">
+            <a:schemeClr val="accent1"/>
+          </a:lnRef>
+          <a:fillRef idx="0">
+            <a:schemeClr val="accent1"/>
+          </a:fillRef>
+          <a:effectRef idx="0">
+            <a:schemeClr val="accent1"/>
+          </a:effectRef>
+          <a:fontRef idx="minor">
+            <a:schemeClr val="tx1"/>
+          </a:fontRef>
+        </p:style>
+      </p:cxnSp>
+      <p:cxnSp>
+        <p:nvCxnSpPr>
+          <p:cNvPr id="88" name="Straight Arrow Connector 87">
+            <a:extLst>
+              <a:ext uri="{FF2B5EF4-FFF2-40B4-BE49-F238E27FC236}">
+                <a16:creationId xmlns:a16="http://schemas.microsoft.com/office/drawing/2014/main" id="{D85EC53C-F3E1-2FDB-2916-60BC30AF7D9D}"/>
+              </a:ext>
+            </a:extLst>
+          </p:cNvPr>
+          <p:cNvCxnSpPr>
+            <a:cxnSpLocks/>
+          </p:cNvCxnSpPr>
+          <p:nvPr/>
+        </p:nvCxnSpPr>
+        <p:spPr>
+          <a:xfrm>
+            <a:off x="5794201" y="2497796"/>
+            <a:ext cx="541376" cy="0"/>
+          </a:xfrm>
+          <a:prstGeom prst="straightConnector1">
+            <a:avLst/>
+          </a:prstGeom>
+          <a:ln w="28575">
+            <a:tailEnd type="triangle"/>
+          </a:ln>
+        </p:spPr>
+        <p:style>
+          <a:lnRef idx="1">
+            <a:schemeClr val="accent1"/>
+          </a:lnRef>
+          <a:fillRef idx="0">
+            <a:schemeClr val="accent1"/>
+          </a:fillRef>
+          <a:effectRef idx="0">
+            <a:schemeClr val="accent1"/>
+          </a:effectRef>
+          <a:fontRef idx="minor">
+            <a:schemeClr val="tx1"/>
+          </a:fontRef>
+        </p:style>
+      </p:cxnSp>
+      <p:sp>
+        <p:nvSpPr>
+          <p:cNvPr id="89" name="Subtitle 13">
+            <a:extLst>
+              <a:ext uri="{FF2B5EF4-FFF2-40B4-BE49-F238E27FC236}">
+                <a16:creationId xmlns:a16="http://schemas.microsoft.com/office/drawing/2014/main" id="{F8BCCF5F-2A12-696A-EB19-E3DA54C22FAC}"/>
+              </a:ext>
+            </a:extLst>
+          </p:cNvPr>
+          <p:cNvSpPr txBox="1">
+            <a:spLocks/>
+          </p:cNvSpPr>
+          <p:nvPr/>
+        </p:nvSpPr>
+        <p:spPr>
+          <a:xfrm>
+            <a:off x="5834075" y="2264481"/>
+            <a:ext cx="444782" cy="305920"/>
+          </a:xfrm>
+          <a:prstGeom prst="rect">
+            <a:avLst/>
+          </a:prstGeom>
+          <a:ln w="28575">
+            <a:noFill/>
+          </a:ln>
+        </p:spPr>
+        <p:txBody>
+          <a:bodyPr vert="horz" lIns="91440" tIns="45720" rIns="91440" bIns="45720" rtlCol="0">
+            <a:normAutofit/>
+          </a:bodyPr>
+          <a:lstStyle>
+            <a:lvl1pPr marL="0" indent="0" algn="ctr" defTabSz="914400" rtl="0" eaLnBrk="1" latinLnBrk="0" hangingPunct="1">
+              <a:lnSpc>
+                <a:spcPct val="90000"/>
+              </a:lnSpc>
+              <a:spcBef>
+                <a:spcPts val="1000"/>
+              </a:spcBef>
+              <a:buFont typeface="Arial" panose="020B0604020202020204" pitchFamily="34" charset="0"/>
+              <a:buNone/>
+              <a:defRPr sz="2400" kern="1200">
+                <a:solidFill>
+                  <a:schemeClr val="tx1"/>
+                </a:solidFill>
+                <a:latin typeface="+mn-lt"/>
+                <a:ea typeface="+mn-ea"/>
+                <a:cs typeface="+mn-cs"/>
+              </a:defRPr>
+            </a:lvl1pPr>
+            <a:lvl2pPr marL="457200" indent="0" algn="ctr" defTabSz="914400" rtl="0" eaLnBrk="1" latinLnBrk="0" hangingPunct="1">
+              <a:lnSpc>
+                <a:spcPct val="90000"/>
+              </a:lnSpc>
+              <a:spcBef>
+                <a:spcPts val="500"/>
+              </a:spcBef>
+              <a:buFont typeface="Arial" panose="020B0604020202020204" pitchFamily="34" charset="0"/>
+              <a:buNone/>
+              <a:defRPr sz="2000" kern="1200">
+                <a:solidFill>
+                  <a:schemeClr val="tx1"/>
+                </a:solidFill>
+                <a:latin typeface="+mn-lt"/>
+                <a:ea typeface="+mn-ea"/>
+                <a:cs typeface="+mn-cs"/>
+              </a:defRPr>
+            </a:lvl2pPr>
+            <a:lvl3pPr marL="914400" indent="0" algn="ctr" defTabSz="914400" rtl="0" eaLnBrk="1" latinLnBrk="0" hangingPunct="1">
+              <a:lnSpc>
+                <a:spcPct val="90000"/>
+              </a:lnSpc>
+              <a:spcBef>
+                <a:spcPts val="500"/>
+              </a:spcBef>
+              <a:buFont typeface="Arial" panose="020B0604020202020204" pitchFamily="34" charset="0"/>
+              <a:buNone/>
+              <a:defRPr sz="1800" kern="1200">
+                <a:solidFill>
+                  <a:schemeClr val="tx1"/>
+                </a:solidFill>
+                <a:latin typeface="+mn-lt"/>
+                <a:ea typeface="+mn-ea"/>
+                <a:cs typeface="+mn-cs"/>
+              </a:defRPr>
+            </a:lvl3pPr>
+            <a:lvl4pPr marL="1371600" indent="0" algn="ctr" defTabSz="914400" rtl="0" eaLnBrk="1" latinLnBrk="0" hangingPunct="1">
+              <a:lnSpc>
+                <a:spcPct val="90000"/>
+              </a:lnSpc>
+              <a:spcBef>
+                <a:spcPts val="500"/>
+              </a:spcBef>
+              <a:buFont typeface="Arial" panose="020B0604020202020204" pitchFamily="34" charset="0"/>
+              <a:buNone/>
+              <a:defRPr sz="1600" kern="1200">
+                <a:solidFill>
+                  <a:schemeClr val="tx1"/>
+                </a:solidFill>
+                <a:latin typeface="+mn-lt"/>
+                <a:ea typeface="+mn-ea"/>
+                <a:cs typeface="+mn-cs"/>
+              </a:defRPr>
+            </a:lvl4pPr>
+            <a:lvl5pPr marL="1828800" indent="0" algn="ctr" defTabSz="914400" rtl="0" eaLnBrk="1" latinLnBrk="0" hangingPunct="1">
+              <a:lnSpc>
+                <a:spcPct val="90000"/>
+              </a:lnSpc>
+              <a:spcBef>
+                <a:spcPts val="500"/>
+              </a:spcBef>
+              <a:buFont typeface="Arial" panose="020B0604020202020204" pitchFamily="34" charset="0"/>
+              <a:buNone/>
+              <a:defRPr sz="1600" kern="1200">
+                <a:solidFill>
+                  <a:schemeClr val="tx1"/>
+                </a:solidFill>
+                <a:latin typeface="+mn-lt"/>
+                <a:ea typeface="+mn-ea"/>
+                <a:cs typeface="+mn-cs"/>
+              </a:defRPr>
+            </a:lvl5pPr>
+            <a:lvl6pPr marL="2286000" indent="0" algn="ctr" defTabSz="914400" rtl="0" eaLnBrk="1" latinLnBrk="0" hangingPunct="1">
+              <a:lnSpc>
+                <a:spcPct val="90000"/>
+              </a:lnSpc>
+              <a:spcBef>
+                <a:spcPts val="500"/>
+              </a:spcBef>
+              <a:buFont typeface="Arial" panose="020B0604020202020204" pitchFamily="34" charset="0"/>
+              <a:buNone/>
+              <a:defRPr sz="1600" kern="1200">
+                <a:solidFill>
+                  <a:schemeClr val="tx1"/>
+                </a:solidFill>
+                <a:latin typeface="+mn-lt"/>
+                <a:ea typeface="+mn-ea"/>
+                <a:cs typeface="+mn-cs"/>
+              </a:defRPr>
+            </a:lvl6pPr>
+            <a:lvl7pPr marL="2743200" indent="0" algn="ctr" defTabSz="914400" rtl="0" eaLnBrk="1" latinLnBrk="0" hangingPunct="1">
+              <a:lnSpc>
+                <a:spcPct val="90000"/>
+              </a:lnSpc>
+              <a:spcBef>
+                <a:spcPts val="500"/>
+              </a:spcBef>
+              <a:buFont typeface="Arial" panose="020B0604020202020204" pitchFamily="34" charset="0"/>
+              <a:buNone/>
+              <a:defRPr sz="1600" kern="1200">
+                <a:solidFill>
+                  <a:schemeClr val="tx1"/>
+                </a:solidFill>
+                <a:latin typeface="+mn-lt"/>
+                <a:ea typeface="+mn-ea"/>
+                <a:cs typeface="+mn-cs"/>
+              </a:defRPr>
+            </a:lvl7pPr>
+            <a:lvl8pPr marL="3200400" indent="0" algn="ctr" defTabSz="914400" rtl="0" eaLnBrk="1" latinLnBrk="0" hangingPunct="1">
+              <a:lnSpc>
+                <a:spcPct val="90000"/>
+              </a:lnSpc>
+              <a:spcBef>
+                <a:spcPts val="500"/>
+              </a:spcBef>
+              <a:buFont typeface="Arial" panose="020B0604020202020204" pitchFamily="34" charset="0"/>
+              <a:buNone/>
+              <a:defRPr sz="1600" kern="1200">
+                <a:solidFill>
+                  <a:schemeClr val="tx1"/>
+                </a:solidFill>
+                <a:latin typeface="+mn-lt"/>
+                <a:ea typeface="+mn-ea"/>
+                <a:cs typeface="+mn-cs"/>
+              </a:defRPr>
+            </a:lvl8pPr>
+            <a:lvl9pPr marL="3657600" indent="0" algn="ctr" defTabSz="914400" rtl="0" eaLnBrk="1" latinLnBrk="0" hangingPunct="1">
+              <a:lnSpc>
+                <a:spcPct val="90000"/>
+              </a:lnSpc>
+              <a:spcBef>
+                <a:spcPts val="500"/>
+              </a:spcBef>
+              <a:buFont typeface="Arial" panose="020B0604020202020204" pitchFamily="34" charset="0"/>
+              <a:buNone/>
+              <a:defRPr sz="1600" kern="1200">
+                <a:solidFill>
+                  <a:schemeClr val="tx1"/>
+                </a:solidFill>
+                <a:latin typeface="+mn-lt"/>
+                <a:ea typeface="+mn-ea"/>
+                <a:cs typeface="+mn-cs"/>
+              </a:defRPr>
+            </a:lvl9pPr>
+          </a:lstStyle>
+          <a:p>
+            <a:r>
+              <a:rPr lang="en-US" sz="1200" dirty="0"/>
+              <a:t>msg</a:t>
+            </a:r>
+            <a:endParaRPr lang="LID4096" sz="1400" dirty="0"/>
+          </a:p>
+        </p:txBody>
+      </p:sp>
+      <p:cxnSp>
+        <p:nvCxnSpPr>
+          <p:cNvPr id="90" name="Straight Arrow Connector 89">
+            <a:extLst>
+              <a:ext uri="{FF2B5EF4-FFF2-40B4-BE49-F238E27FC236}">
+                <a16:creationId xmlns:a16="http://schemas.microsoft.com/office/drawing/2014/main" id="{97E47224-BCFA-3668-D93D-23E2724CD8BC}"/>
+              </a:ext>
+            </a:extLst>
+          </p:cNvPr>
+          <p:cNvCxnSpPr>
+            <a:cxnSpLocks/>
+          </p:cNvCxnSpPr>
+          <p:nvPr/>
+        </p:nvCxnSpPr>
+        <p:spPr>
+          <a:xfrm>
+            <a:off x="1497092" y="1977053"/>
+            <a:ext cx="541376" cy="0"/>
+          </a:xfrm>
+          <a:prstGeom prst="straightConnector1">
+            <a:avLst/>
+          </a:prstGeom>
+          <a:ln w="28575">
+            <a:tailEnd type="triangle"/>
+          </a:ln>
+        </p:spPr>
+        <p:style>
+          <a:lnRef idx="1">
+            <a:schemeClr val="accent1"/>
+          </a:lnRef>
+          <a:fillRef idx="0">
+            <a:schemeClr val="accent1"/>
+          </a:fillRef>
+          <a:effectRef idx="0">
+            <a:schemeClr val="accent1"/>
+          </a:effectRef>
+          <a:fontRef idx="minor">
+            <a:schemeClr val="tx1"/>
+          </a:fontRef>
+        </p:style>
+      </p:cxnSp>
+      <p:sp>
+        <p:nvSpPr>
+          <p:cNvPr id="91" name="Subtitle 13">
+            <a:extLst>
+              <a:ext uri="{FF2B5EF4-FFF2-40B4-BE49-F238E27FC236}">
+                <a16:creationId xmlns:a16="http://schemas.microsoft.com/office/drawing/2014/main" id="{8D53334A-440C-F373-D8B1-DA526539B062}"/>
+              </a:ext>
+            </a:extLst>
+          </p:cNvPr>
+          <p:cNvSpPr txBox="1">
+            <a:spLocks/>
+          </p:cNvSpPr>
+          <p:nvPr/>
+        </p:nvSpPr>
+        <p:spPr>
+          <a:xfrm>
+            <a:off x="1536966" y="1743738"/>
+            <a:ext cx="444782" cy="305920"/>
+          </a:xfrm>
+          <a:prstGeom prst="rect">
+            <a:avLst/>
+          </a:prstGeom>
+          <a:ln w="28575">
+            <a:noFill/>
+          </a:ln>
+        </p:spPr>
+        <p:txBody>
+          <a:bodyPr vert="horz" lIns="91440" tIns="45720" rIns="91440" bIns="45720" rtlCol="0">
+            <a:normAutofit/>
+          </a:bodyPr>
+          <a:lstStyle>
+            <a:lvl1pPr marL="0" indent="0" algn="ctr" defTabSz="914400" rtl="0" eaLnBrk="1" latinLnBrk="0" hangingPunct="1">
+              <a:lnSpc>
+                <a:spcPct val="90000"/>
+              </a:lnSpc>
+              <a:spcBef>
+                <a:spcPts val="1000"/>
+              </a:spcBef>
+              <a:buFont typeface="Arial" panose="020B0604020202020204" pitchFamily="34" charset="0"/>
+              <a:buNone/>
+              <a:defRPr sz="2400" kern="1200">
+                <a:solidFill>
+                  <a:schemeClr val="tx1"/>
+                </a:solidFill>
+                <a:latin typeface="+mn-lt"/>
+                <a:ea typeface="+mn-ea"/>
+                <a:cs typeface="+mn-cs"/>
+              </a:defRPr>
+            </a:lvl1pPr>
+            <a:lvl2pPr marL="457200" indent="0" algn="ctr" defTabSz="914400" rtl="0" eaLnBrk="1" latinLnBrk="0" hangingPunct="1">
+              <a:lnSpc>
+                <a:spcPct val="90000"/>
+              </a:lnSpc>
+              <a:spcBef>
+                <a:spcPts val="500"/>
+              </a:spcBef>
+              <a:buFont typeface="Arial" panose="020B0604020202020204" pitchFamily="34" charset="0"/>
+              <a:buNone/>
+              <a:defRPr sz="2000" kern="1200">
+                <a:solidFill>
+                  <a:schemeClr val="tx1"/>
+                </a:solidFill>
+                <a:latin typeface="+mn-lt"/>
+                <a:ea typeface="+mn-ea"/>
+                <a:cs typeface="+mn-cs"/>
+              </a:defRPr>
+            </a:lvl2pPr>
+            <a:lvl3pPr marL="914400" indent="0" algn="ctr" defTabSz="914400" rtl="0" eaLnBrk="1" latinLnBrk="0" hangingPunct="1">
+              <a:lnSpc>
+                <a:spcPct val="90000"/>
+              </a:lnSpc>
+              <a:spcBef>
+                <a:spcPts val="500"/>
+              </a:spcBef>
+              <a:buFont typeface="Arial" panose="020B0604020202020204" pitchFamily="34" charset="0"/>
+              <a:buNone/>
+              <a:defRPr sz="1800" kern="1200">
+                <a:solidFill>
+                  <a:schemeClr val="tx1"/>
+                </a:solidFill>
+                <a:latin typeface="+mn-lt"/>
+                <a:ea typeface="+mn-ea"/>
+                <a:cs typeface="+mn-cs"/>
+              </a:defRPr>
+            </a:lvl3pPr>
+            <a:lvl4pPr marL="1371600" indent="0" algn="ctr" defTabSz="914400" rtl="0" eaLnBrk="1" latinLnBrk="0" hangingPunct="1">
+              <a:lnSpc>
+                <a:spcPct val="90000"/>
+              </a:lnSpc>
+              <a:spcBef>
+                <a:spcPts val="500"/>
+              </a:spcBef>
+              <a:buFont typeface="Arial" panose="020B0604020202020204" pitchFamily="34" charset="0"/>
+              <a:buNone/>
+              <a:defRPr sz="1600" kern="1200">
+                <a:solidFill>
+                  <a:schemeClr val="tx1"/>
+                </a:solidFill>
+                <a:latin typeface="+mn-lt"/>
+                <a:ea typeface="+mn-ea"/>
+                <a:cs typeface="+mn-cs"/>
+              </a:defRPr>
+            </a:lvl4pPr>
+            <a:lvl5pPr marL="1828800" indent="0" algn="ctr" defTabSz="914400" rtl="0" eaLnBrk="1" latinLnBrk="0" hangingPunct="1">
+              <a:lnSpc>
+                <a:spcPct val="90000"/>
+              </a:lnSpc>
+              <a:spcBef>
+                <a:spcPts val="500"/>
+              </a:spcBef>
+              <a:buFont typeface="Arial" panose="020B0604020202020204" pitchFamily="34" charset="0"/>
+              <a:buNone/>
+              <a:defRPr sz="1600" kern="1200">
+                <a:solidFill>
+                  <a:schemeClr val="tx1"/>
+                </a:solidFill>
+                <a:latin typeface="+mn-lt"/>
+                <a:ea typeface="+mn-ea"/>
+                <a:cs typeface="+mn-cs"/>
+              </a:defRPr>
+            </a:lvl5pPr>
+            <a:lvl6pPr marL="2286000" indent="0" algn="ctr" defTabSz="914400" rtl="0" eaLnBrk="1" latinLnBrk="0" hangingPunct="1">
+              <a:lnSpc>
+                <a:spcPct val="90000"/>
+              </a:lnSpc>
+              <a:spcBef>
+                <a:spcPts val="500"/>
+              </a:spcBef>
+              <a:buFont typeface="Arial" panose="020B0604020202020204" pitchFamily="34" charset="0"/>
+              <a:buNone/>
+              <a:defRPr sz="1600" kern="1200">
+                <a:solidFill>
+                  <a:schemeClr val="tx1"/>
+                </a:solidFill>
+                <a:latin typeface="+mn-lt"/>
+                <a:ea typeface="+mn-ea"/>
+                <a:cs typeface="+mn-cs"/>
+              </a:defRPr>
+            </a:lvl6pPr>
+            <a:lvl7pPr marL="2743200" indent="0" algn="ctr" defTabSz="914400" rtl="0" eaLnBrk="1" latinLnBrk="0" hangingPunct="1">
+              <a:lnSpc>
+                <a:spcPct val="90000"/>
+              </a:lnSpc>
+              <a:spcBef>
+                <a:spcPts val="500"/>
+              </a:spcBef>
+              <a:buFont typeface="Arial" panose="020B0604020202020204" pitchFamily="34" charset="0"/>
+              <a:buNone/>
+              <a:defRPr sz="1600" kern="1200">
+                <a:solidFill>
+                  <a:schemeClr val="tx1"/>
+                </a:solidFill>
+                <a:latin typeface="+mn-lt"/>
+                <a:ea typeface="+mn-ea"/>
+                <a:cs typeface="+mn-cs"/>
+              </a:defRPr>
+            </a:lvl7pPr>
+            <a:lvl8pPr marL="3200400" indent="0" algn="ctr" defTabSz="914400" rtl="0" eaLnBrk="1" latinLnBrk="0" hangingPunct="1">
+              <a:lnSpc>
+                <a:spcPct val="90000"/>
+              </a:lnSpc>
+              <a:spcBef>
+                <a:spcPts val="500"/>
+              </a:spcBef>
+              <a:buFont typeface="Arial" panose="020B0604020202020204" pitchFamily="34" charset="0"/>
+              <a:buNone/>
+              <a:defRPr sz="1600" kern="1200">
+                <a:solidFill>
+                  <a:schemeClr val="tx1"/>
+                </a:solidFill>
+                <a:latin typeface="+mn-lt"/>
+                <a:ea typeface="+mn-ea"/>
+                <a:cs typeface="+mn-cs"/>
+              </a:defRPr>
+            </a:lvl8pPr>
+            <a:lvl9pPr marL="3657600" indent="0" algn="ctr" defTabSz="914400" rtl="0" eaLnBrk="1" latinLnBrk="0" hangingPunct="1">
+              <a:lnSpc>
+                <a:spcPct val="90000"/>
+              </a:lnSpc>
+              <a:spcBef>
+                <a:spcPts val="500"/>
+              </a:spcBef>
+              <a:buFont typeface="Arial" panose="020B0604020202020204" pitchFamily="34" charset="0"/>
+              <a:buNone/>
+              <a:defRPr sz="1600" kern="1200">
+                <a:solidFill>
+                  <a:schemeClr val="tx1"/>
+                </a:solidFill>
+                <a:latin typeface="+mn-lt"/>
+                <a:ea typeface="+mn-ea"/>
+                <a:cs typeface="+mn-cs"/>
+              </a:defRPr>
+            </a:lvl9pPr>
+          </a:lstStyle>
+          <a:p>
+            <a:r>
+              <a:rPr lang="en-US" sz="1200" dirty="0"/>
+              <a:t>msg</a:t>
+            </a:r>
+            <a:endParaRPr lang="LID4096" sz="1400" dirty="0"/>
+          </a:p>
+        </p:txBody>
+      </p:sp>
+      <p:cxnSp>
+        <p:nvCxnSpPr>
+          <p:cNvPr id="92" name="Straight Arrow Connector 91">
+            <a:extLst>
+              <a:ext uri="{FF2B5EF4-FFF2-40B4-BE49-F238E27FC236}">
+                <a16:creationId xmlns:a16="http://schemas.microsoft.com/office/drawing/2014/main" id="{E5832C65-AD35-C8D4-7EA1-5154DB45A341}"/>
+              </a:ext>
+            </a:extLst>
+          </p:cNvPr>
+          <p:cNvCxnSpPr>
+            <a:cxnSpLocks/>
+          </p:cNvCxnSpPr>
+          <p:nvPr/>
+        </p:nvCxnSpPr>
+        <p:spPr>
+          <a:xfrm>
+            <a:off x="1490562" y="1397868"/>
+            <a:ext cx="541376" cy="0"/>
+          </a:xfrm>
+          <a:prstGeom prst="straightConnector1">
+            <a:avLst/>
+          </a:prstGeom>
+          <a:ln w="28575">
+            <a:tailEnd type="triangle"/>
+          </a:ln>
+        </p:spPr>
+        <p:style>
+          <a:lnRef idx="1">
+            <a:schemeClr val="accent1"/>
+          </a:lnRef>
+          <a:fillRef idx="0">
+            <a:schemeClr val="accent1"/>
+          </a:fillRef>
+          <a:effectRef idx="0">
+            <a:schemeClr val="accent1"/>
+          </a:effectRef>
+          <a:fontRef idx="minor">
+            <a:schemeClr val="tx1"/>
+          </a:fontRef>
+        </p:style>
+      </p:cxnSp>
+      <p:sp>
+        <p:nvSpPr>
+          <p:cNvPr id="93" name="Subtitle 13">
+            <a:extLst>
+              <a:ext uri="{FF2B5EF4-FFF2-40B4-BE49-F238E27FC236}">
+                <a16:creationId xmlns:a16="http://schemas.microsoft.com/office/drawing/2014/main" id="{F979E89F-A8CD-FA2A-F8E5-4F2D5E2FF473}"/>
+              </a:ext>
+            </a:extLst>
+          </p:cNvPr>
+          <p:cNvSpPr txBox="1">
+            <a:spLocks/>
+          </p:cNvSpPr>
+          <p:nvPr/>
+        </p:nvSpPr>
+        <p:spPr>
+          <a:xfrm>
+            <a:off x="1517335" y="1164553"/>
+            <a:ext cx="444782" cy="305920"/>
+          </a:xfrm>
+          <a:prstGeom prst="rect">
+            <a:avLst/>
+          </a:prstGeom>
+          <a:ln w="28575">
+            <a:noFill/>
+          </a:ln>
+        </p:spPr>
+        <p:txBody>
+          <a:bodyPr vert="horz" lIns="91440" tIns="45720" rIns="91440" bIns="45720" rtlCol="0">
+            <a:normAutofit/>
+          </a:bodyPr>
+          <a:lstStyle>
+            <a:lvl1pPr marL="0" indent="0" algn="ctr" defTabSz="914400" rtl="0" eaLnBrk="1" latinLnBrk="0" hangingPunct="1">
+              <a:lnSpc>
+                <a:spcPct val="90000"/>
+              </a:lnSpc>
+              <a:spcBef>
+                <a:spcPts val="1000"/>
+              </a:spcBef>
+              <a:buFont typeface="Arial" panose="020B0604020202020204" pitchFamily="34" charset="0"/>
+              <a:buNone/>
+              <a:defRPr sz="2400" kern="1200">
+                <a:solidFill>
+                  <a:schemeClr val="tx1"/>
+                </a:solidFill>
+                <a:latin typeface="+mn-lt"/>
+                <a:ea typeface="+mn-ea"/>
+                <a:cs typeface="+mn-cs"/>
+              </a:defRPr>
+            </a:lvl1pPr>
+            <a:lvl2pPr marL="457200" indent="0" algn="ctr" defTabSz="914400" rtl="0" eaLnBrk="1" latinLnBrk="0" hangingPunct="1">
+              <a:lnSpc>
+                <a:spcPct val="90000"/>
+              </a:lnSpc>
+              <a:spcBef>
+                <a:spcPts val="500"/>
+              </a:spcBef>
+              <a:buFont typeface="Arial" panose="020B0604020202020204" pitchFamily="34" charset="0"/>
+              <a:buNone/>
+              <a:defRPr sz="2000" kern="1200">
+                <a:solidFill>
+                  <a:schemeClr val="tx1"/>
+                </a:solidFill>
+                <a:latin typeface="+mn-lt"/>
+                <a:ea typeface="+mn-ea"/>
+                <a:cs typeface="+mn-cs"/>
+              </a:defRPr>
+            </a:lvl2pPr>
+            <a:lvl3pPr marL="914400" indent="0" algn="ctr" defTabSz="914400" rtl="0" eaLnBrk="1" latinLnBrk="0" hangingPunct="1">
+              <a:lnSpc>
+                <a:spcPct val="90000"/>
+              </a:lnSpc>
+              <a:spcBef>
+                <a:spcPts val="500"/>
+              </a:spcBef>
+              <a:buFont typeface="Arial" panose="020B0604020202020204" pitchFamily="34" charset="0"/>
+              <a:buNone/>
+              <a:defRPr sz="1800" kern="1200">
+                <a:solidFill>
+                  <a:schemeClr val="tx1"/>
+                </a:solidFill>
+                <a:latin typeface="+mn-lt"/>
+                <a:ea typeface="+mn-ea"/>
+                <a:cs typeface="+mn-cs"/>
+              </a:defRPr>
+            </a:lvl3pPr>
+            <a:lvl4pPr marL="1371600" indent="0" algn="ctr" defTabSz="914400" rtl="0" eaLnBrk="1" latinLnBrk="0" hangingPunct="1">
+              <a:lnSpc>
+                <a:spcPct val="90000"/>
+              </a:lnSpc>
+              <a:spcBef>
+                <a:spcPts val="500"/>
+              </a:spcBef>
+              <a:buFont typeface="Arial" panose="020B0604020202020204" pitchFamily="34" charset="0"/>
+              <a:buNone/>
+              <a:defRPr sz="1600" kern="1200">
+                <a:solidFill>
+                  <a:schemeClr val="tx1"/>
+                </a:solidFill>
+                <a:latin typeface="+mn-lt"/>
+                <a:ea typeface="+mn-ea"/>
+                <a:cs typeface="+mn-cs"/>
+              </a:defRPr>
+            </a:lvl4pPr>
+            <a:lvl5pPr marL="1828800" indent="0" algn="ctr" defTabSz="914400" rtl="0" eaLnBrk="1" latinLnBrk="0" hangingPunct="1">
+              <a:lnSpc>
+                <a:spcPct val="90000"/>
+              </a:lnSpc>
+              <a:spcBef>
+                <a:spcPts val="500"/>
+              </a:spcBef>
+              <a:buFont typeface="Arial" panose="020B0604020202020204" pitchFamily="34" charset="0"/>
+              <a:buNone/>
+              <a:defRPr sz="1600" kern="1200">
+                <a:solidFill>
+                  <a:schemeClr val="tx1"/>
+                </a:solidFill>
+                <a:latin typeface="+mn-lt"/>
+                <a:ea typeface="+mn-ea"/>
+                <a:cs typeface="+mn-cs"/>
+              </a:defRPr>
+            </a:lvl5pPr>
+            <a:lvl6pPr marL="2286000" indent="0" algn="ctr" defTabSz="914400" rtl="0" eaLnBrk="1" latinLnBrk="0" hangingPunct="1">
+              <a:lnSpc>
+                <a:spcPct val="90000"/>
+              </a:lnSpc>
+              <a:spcBef>
+                <a:spcPts val="500"/>
+              </a:spcBef>
+              <a:buFont typeface="Arial" panose="020B0604020202020204" pitchFamily="34" charset="0"/>
+              <a:buNone/>
+              <a:defRPr sz="1600" kern="1200">
+                <a:solidFill>
+                  <a:schemeClr val="tx1"/>
+                </a:solidFill>
+                <a:latin typeface="+mn-lt"/>
+                <a:ea typeface="+mn-ea"/>
+                <a:cs typeface="+mn-cs"/>
+              </a:defRPr>
+            </a:lvl6pPr>
+            <a:lvl7pPr marL="2743200" indent="0" algn="ctr" defTabSz="914400" rtl="0" eaLnBrk="1" latinLnBrk="0" hangingPunct="1">
+              <a:lnSpc>
+                <a:spcPct val="90000"/>
+              </a:lnSpc>
+              <a:spcBef>
+                <a:spcPts val="500"/>
+              </a:spcBef>
+              <a:buFont typeface="Arial" panose="020B0604020202020204" pitchFamily="34" charset="0"/>
+              <a:buNone/>
+              <a:defRPr sz="1600" kern="1200">
+                <a:solidFill>
+                  <a:schemeClr val="tx1"/>
+                </a:solidFill>
+                <a:latin typeface="+mn-lt"/>
+                <a:ea typeface="+mn-ea"/>
+                <a:cs typeface="+mn-cs"/>
+              </a:defRPr>
+            </a:lvl7pPr>
+            <a:lvl8pPr marL="3200400" indent="0" algn="ctr" defTabSz="914400" rtl="0" eaLnBrk="1" latinLnBrk="0" hangingPunct="1">
+              <a:lnSpc>
+                <a:spcPct val="90000"/>
+              </a:lnSpc>
+              <a:spcBef>
+                <a:spcPts val="500"/>
+              </a:spcBef>
+              <a:buFont typeface="Arial" panose="020B0604020202020204" pitchFamily="34" charset="0"/>
+              <a:buNone/>
+              <a:defRPr sz="1600" kern="1200">
+                <a:solidFill>
+                  <a:schemeClr val="tx1"/>
+                </a:solidFill>
+                <a:latin typeface="+mn-lt"/>
+                <a:ea typeface="+mn-ea"/>
+                <a:cs typeface="+mn-cs"/>
+              </a:defRPr>
+            </a:lvl8pPr>
+            <a:lvl9pPr marL="3657600" indent="0" algn="ctr" defTabSz="914400" rtl="0" eaLnBrk="1" latinLnBrk="0" hangingPunct="1">
+              <a:lnSpc>
+                <a:spcPct val="90000"/>
+              </a:lnSpc>
+              <a:spcBef>
+                <a:spcPts val="500"/>
+              </a:spcBef>
+              <a:buFont typeface="Arial" panose="020B0604020202020204" pitchFamily="34" charset="0"/>
+              <a:buNone/>
+              <a:defRPr sz="1600" kern="1200">
+                <a:solidFill>
+                  <a:schemeClr val="tx1"/>
+                </a:solidFill>
+                <a:latin typeface="+mn-lt"/>
+                <a:ea typeface="+mn-ea"/>
+                <a:cs typeface="+mn-cs"/>
+              </a:defRPr>
+            </a:lvl9pPr>
+          </a:lstStyle>
+          <a:p>
+            <a:r>
+              <a:rPr lang="en-US" sz="1200" dirty="0"/>
+              <a:t>1</a:t>
+            </a:r>
+            <a:endParaRPr lang="LID4096" sz="1400" dirty="0"/>
+          </a:p>
+        </p:txBody>
+      </p:sp>
+      <p:cxnSp>
+        <p:nvCxnSpPr>
+          <p:cNvPr id="95" name="Connector: Elbow 94">
+            <a:extLst>
+              <a:ext uri="{FF2B5EF4-FFF2-40B4-BE49-F238E27FC236}">
+                <a16:creationId xmlns:a16="http://schemas.microsoft.com/office/drawing/2014/main" id="{000D5A16-2886-14BB-FCA2-63569F3D3D22}"/>
+              </a:ext>
+            </a:extLst>
+          </p:cNvPr>
+          <p:cNvCxnSpPr>
+            <a:stCxn id="14" idx="3"/>
+            <a:endCxn id="12" idx="2"/>
+          </p:cNvCxnSpPr>
+          <p:nvPr/>
+        </p:nvCxnSpPr>
+        <p:spPr>
+          <a:xfrm flipH="1" flipV="1">
+            <a:off x="2031899" y="2224862"/>
+            <a:ext cx="6814389" cy="2346251"/>
+          </a:xfrm>
+          <a:prstGeom prst="bentConnector5">
+            <a:avLst>
+              <a:gd name="adj1" fmla="val -3355"/>
+              <a:gd name="adj2" fmla="val -42537"/>
+              <a:gd name="adj3" fmla="val 105804"/>
+            </a:avLst>
+          </a:prstGeom>
+          <a:ln w="28575">
+            <a:prstDash val="solid"/>
+            <a:tailEnd type="triangle"/>
+          </a:ln>
+        </p:spPr>
+        <p:style>
+          <a:lnRef idx="1">
+            <a:schemeClr val="accent1"/>
+          </a:lnRef>
+          <a:fillRef idx="0">
+            <a:schemeClr val="accent1"/>
+          </a:fillRef>
+          <a:effectRef idx="0">
+            <a:schemeClr val="accent1"/>
+          </a:effectRef>
+          <a:fontRef idx="minor">
+            <a:schemeClr val="tx1"/>
+          </a:fontRef>
+        </p:style>
+      </p:cxnSp>
+      <p:cxnSp>
+        <p:nvCxnSpPr>
+          <p:cNvPr id="105" name="Straight Arrow Connector 104">
+            <a:extLst>
+              <a:ext uri="{FF2B5EF4-FFF2-40B4-BE49-F238E27FC236}">
+                <a16:creationId xmlns:a16="http://schemas.microsoft.com/office/drawing/2014/main" id="{9991C25E-B707-60CD-261B-7519197EC8FA}"/>
+              </a:ext>
+            </a:extLst>
+          </p:cNvPr>
+          <p:cNvCxnSpPr>
+            <a:cxnSpLocks/>
+          </p:cNvCxnSpPr>
+          <p:nvPr/>
+        </p:nvCxnSpPr>
+        <p:spPr>
+          <a:xfrm>
+            <a:off x="5068830" y="6281257"/>
+            <a:ext cx="899999" cy="0"/>
+          </a:xfrm>
+          <a:prstGeom prst="straightConnector1">
+            <a:avLst/>
+          </a:prstGeom>
+          <a:ln>
+            <a:tailEnd type="triangle"/>
+          </a:ln>
+        </p:spPr>
+        <p:style>
+          <a:lnRef idx="1">
+            <a:schemeClr val="accent1"/>
+          </a:lnRef>
+          <a:fillRef idx="0">
+            <a:schemeClr val="accent1"/>
+          </a:fillRef>
+          <a:effectRef idx="0">
+            <a:schemeClr val="accent1"/>
+          </a:effectRef>
+          <a:fontRef idx="minor">
+            <a:schemeClr val="tx1"/>
+          </a:fontRef>
+        </p:style>
+      </p:cxnSp>
+      <p:sp>
+        <p:nvSpPr>
+          <p:cNvPr id="106" name="TextBox 105">
+            <a:extLst>
+              <a:ext uri="{FF2B5EF4-FFF2-40B4-BE49-F238E27FC236}">
+                <a16:creationId xmlns:a16="http://schemas.microsoft.com/office/drawing/2014/main" id="{C13E7714-D92F-76A2-D34C-EAE72F1A5E63}"/>
+              </a:ext>
+            </a:extLst>
+          </p:cNvPr>
+          <p:cNvSpPr txBox="1"/>
+          <p:nvPr/>
+        </p:nvSpPr>
+        <p:spPr>
+          <a:xfrm>
+            <a:off x="5034654" y="6022136"/>
+            <a:ext cx="1086369" cy="276999"/>
+          </a:xfrm>
+          <a:prstGeom prst="rect">
+            <a:avLst/>
+          </a:prstGeom>
+          <a:noFill/>
+        </p:spPr>
+        <p:txBody>
+          <a:bodyPr wrap="square" rtlCol="0">
+            <a:spAutoFit/>
+          </a:bodyPr>
+          <a:lstStyle/>
+          <a:p>
+            <a:r>
+              <a:rPr lang="en-US" sz="1200" dirty="0" err="1"/>
+              <a:t>MUXes</a:t>
+            </a:r>
+            <a:r>
+              <a:rPr lang="en-US" sz="1200" dirty="0"/>
+              <a:t> select</a:t>
+            </a:r>
+            <a:endParaRPr lang="LID4096" sz="1200" dirty="0"/>
+          </a:p>
+        </p:txBody>
+      </p:sp>
+      <p:cxnSp>
+        <p:nvCxnSpPr>
+          <p:cNvPr id="17" name="Straight Arrow Connector 16">
+            <a:extLst>
+              <a:ext uri="{FF2B5EF4-FFF2-40B4-BE49-F238E27FC236}">
+                <a16:creationId xmlns:a16="http://schemas.microsoft.com/office/drawing/2014/main" id="{E95F4C07-0B95-2FF3-0996-1C3670D9BBC2}"/>
+              </a:ext>
+            </a:extLst>
+          </p:cNvPr>
+          <p:cNvCxnSpPr>
+            <a:stCxn id="11" idx="0"/>
+            <a:endCxn id="7" idx="1"/>
+          </p:cNvCxnSpPr>
+          <p:nvPr/>
+        </p:nvCxnSpPr>
+        <p:spPr>
+          <a:xfrm>
+            <a:off x="2334925" y="1094267"/>
+            <a:ext cx="405618" cy="1"/>
+          </a:xfrm>
+          <a:prstGeom prst="straightConnector1">
+            <a:avLst/>
+          </a:prstGeom>
+          <a:ln w="28575">
+            <a:tailEnd type="triangle"/>
+          </a:ln>
+        </p:spPr>
+        <p:style>
+          <a:lnRef idx="1">
+            <a:schemeClr val="accent1"/>
+          </a:lnRef>
+          <a:fillRef idx="0">
+            <a:schemeClr val="accent1"/>
+          </a:fillRef>
+          <a:effectRef idx="0">
+            <a:schemeClr val="accent1"/>
+          </a:effectRef>
+          <a:fontRef idx="minor">
+            <a:schemeClr val="tx1"/>
+          </a:fontRef>
+        </p:style>
+      </p:cxnSp>
+      <p:cxnSp>
+        <p:nvCxnSpPr>
+          <p:cNvPr id="18" name="Straight Arrow Connector 17">
+            <a:extLst>
+              <a:ext uri="{FF2B5EF4-FFF2-40B4-BE49-F238E27FC236}">
+                <a16:creationId xmlns:a16="http://schemas.microsoft.com/office/drawing/2014/main" id="{761933EF-9B2E-689B-09C0-F51A8ACEC759}"/>
+              </a:ext>
+            </a:extLst>
+          </p:cNvPr>
+          <p:cNvCxnSpPr/>
+          <p:nvPr/>
+        </p:nvCxnSpPr>
+        <p:spPr>
+          <a:xfrm>
+            <a:off x="2336684" y="2253215"/>
+            <a:ext cx="405618" cy="1"/>
+          </a:xfrm>
+          <a:prstGeom prst="straightConnector1">
+            <a:avLst/>
+          </a:prstGeom>
+          <a:ln w="28575">
+            <a:tailEnd type="triangle"/>
+          </a:ln>
+        </p:spPr>
+        <p:style>
+          <a:lnRef idx="1">
+            <a:schemeClr val="accent1"/>
+          </a:lnRef>
+          <a:fillRef idx="0">
+            <a:schemeClr val="accent1"/>
+          </a:fillRef>
+          <a:effectRef idx="0">
+            <a:schemeClr val="accent1"/>
+          </a:effectRef>
+          <a:fontRef idx="minor">
+            <a:schemeClr val="tx1"/>
+          </a:fontRef>
+        </p:style>
+      </p:cxnSp>
+      <p:cxnSp>
+        <p:nvCxnSpPr>
+          <p:cNvPr id="23" name="Straight Arrow Connector 22">
+            <a:extLst>
+              <a:ext uri="{FF2B5EF4-FFF2-40B4-BE49-F238E27FC236}">
+                <a16:creationId xmlns:a16="http://schemas.microsoft.com/office/drawing/2014/main" id="{14F06537-7CD9-58FE-63DB-220E59E6BE90}"/>
+              </a:ext>
+            </a:extLst>
+          </p:cNvPr>
+          <p:cNvCxnSpPr>
+            <a:cxnSpLocks/>
+          </p:cNvCxnSpPr>
+          <p:nvPr/>
+        </p:nvCxnSpPr>
+        <p:spPr>
+          <a:xfrm>
+            <a:off x="5045397" y="6693653"/>
+            <a:ext cx="6373970" cy="11080"/>
+          </a:xfrm>
+          <a:prstGeom prst="straightConnector1">
+            <a:avLst/>
+          </a:prstGeom>
+          <a:ln>
+            <a:tailEnd type="triangle"/>
+          </a:ln>
+        </p:spPr>
+        <p:style>
+          <a:lnRef idx="1">
+            <a:schemeClr val="accent1"/>
+          </a:lnRef>
+          <a:fillRef idx="0">
+            <a:schemeClr val="accent1"/>
+          </a:fillRef>
+          <a:effectRef idx="0">
+            <a:schemeClr val="accent1"/>
+          </a:effectRef>
+          <a:fontRef idx="minor">
+            <a:schemeClr val="tx1"/>
+          </a:fontRef>
+        </p:style>
+      </p:cxnSp>
+      <p:sp>
+        <p:nvSpPr>
+          <p:cNvPr id="24" name="TextBox 23">
+            <a:extLst>
+              <a:ext uri="{FF2B5EF4-FFF2-40B4-BE49-F238E27FC236}">
+                <a16:creationId xmlns:a16="http://schemas.microsoft.com/office/drawing/2014/main" id="{FBD5A42B-0E94-43BE-8EEB-97B2696A5523}"/>
+              </a:ext>
+            </a:extLst>
+          </p:cNvPr>
+          <p:cNvSpPr txBox="1"/>
+          <p:nvPr/>
+        </p:nvSpPr>
+        <p:spPr>
+          <a:xfrm>
+            <a:off x="10672185" y="6427734"/>
+            <a:ext cx="581890" cy="276999"/>
+          </a:xfrm>
+          <a:prstGeom prst="rect">
+            <a:avLst/>
+          </a:prstGeom>
+          <a:noFill/>
+        </p:spPr>
+        <p:txBody>
+          <a:bodyPr wrap="square" rtlCol="0">
+            <a:spAutoFit/>
+          </a:bodyPr>
+          <a:lstStyle/>
+          <a:p>
+            <a:r>
+              <a:rPr lang="en-US" sz="1200" b="1" dirty="0"/>
+              <a:t>Done</a:t>
+            </a:r>
+            <a:endParaRPr lang="LID4096" sz="1200" b="1" dirty="0"/>
+          </a:p>
+        </p:txBody>
+      </p:sp>
+      <p:cxnSp>
+        <p:nvCxnSpPr>
+          <p:cNvPr id="10" name="Connector: Elbow 9">
+            <a:extLst>
+              <a:ext uri="{FF2B5EF4-FFF2-40B4-BE49-F238E27FC236}">
+                <a16:creationId xmlns:a16="http://schemas.microsoft.com/office/drawing/2014/main" id="{C5225E5F-B133-8C4B-25F7-BA4118155EB6}"/>
+              </a:ext>
+            </a:extLst>
+          </p:cNvPr>
+          <p:cNvCxnSpPr>
+            <a:cxnSpLocks/>
+          </p:cNvCxnSpPr>
+          <p:nvPr/>
+        </p:nvCxnSpPr>
+        <p:spPr>
+          <a:xfrm flipV="1">
+            <a:off x="3104707" y="681369"/>
+            <a:ext cx="8261498" cy="412897"/>
+          </a:xfrm>
+          <a:prstGeom prst="bentConnector3">
+            <a:avLst>
+              <a:gd name="adj1" fmla="val 20142"/>
+            </a:avLst>
+          </a:prstGeom>
+          <a:ln w="28575">
+            <a:tailEnd type="triangle"/>
+          </a:ln>
+        </p:spPr>
+        <p:style>
+          <a:lnRef idx="1">
+            <a:schemeClr val="accent1"/>
+          </a:lnRef>
+          <a:fillRef idx="0">
+            <a:schemeClr val="accent1"/>
+          </a:fillRef>
+          <a:effectRef idx="0">
+            <a:schemeClr val="accent1"/>
+          </a:effectRef>
+          <a:fontRef idx="minor">
+            <a:schemeClr val="tx1"/>
+          </a:fontRef>
+        </p:style>
+      </p:cxnSp>
+      <p:sp>
+        <p:nvSpPr>
+          <p:cNvPr id="48" name="TextBox 47">
+            <a:extLst>
+              <a:ext uri="{FF2B5EF4-FFF2-40B4-BE49-F238E27FC236}">
+                <a16:creationId xmlns:a16="http://schemas.microsoft.com/office/drawing/2014/main" id="{CCCC1FEF-FDBA-62A4-565D-4DAD9D779747}"/>
+              </a:ext>
+            </a:extLst>
+          </p:cNvPr>
+          <p:cNvSpPr txBox="1"/>
+          <p:nvPr/>
+        </p:nvSpPr>
+        <p:spPr>
+          <a:xfrm>
+            <a:off x="10712943" y="373926"/>
+            <a:ext cx="581890" cy="276999"/>
+          </a:xfrm>
+          <a:prstGeom prst="rect">
+            <a:avLst/>
+          </a:prstGeom>
+          <a:noFill/>
+        </p:spPr>
+        <p:txBody>
+          <a:bodyPr wrap="square" rtlCol="0">
+            <a:spAutoFit/>
+          </a:bodyPr>
+          <a:lstStyle/>
+          <a:p>
+            <a:r>
+              <a:rPr lang="en-US" sz="1200" b="1" dirty="0"/>
+              <a:t>Result</a:t>
+            </a:r>
+            <a:endParaRPr lang="LID4096" sz="1200" b="1" dirty="0"/>
+          </a:p>
+        </p:txBody>
+      </p:sp>
+      <p:cxnSp>
+        <p:nvCxnSpPr>
+          <p:cNvPr id="50" name="Straight Arrow Connector 49">
+            <a:extLst>
+              <a:ext uri="{FF2B5EF4-FFF2-40B4-BE49-F238E27FC236}">
+                <a16:creationId xmlns:a16="http://schemas.microsoft.com/office/drawing/2014/main" id="{CC5D2A3B-C81F-BFF2-77E4-513F177E7216}"/>
+              </a:ext>
+            </a:extLst>
+          </p:cNvPr>
+          <p:cNvCxnSpPr>
+            <a:cxnSpLocks/>
+          </p:cNvCxnSpPr>
+          <p:nvPr/>
+        </p:nvCxnSpPr>
+        <p:spPr>
+          <a:xfrm>
+            <a:off x="2199166" y="3437258"/>
+            <a:ext cx="541376" cy="0"/>
+          </a:xfrm>
+          <a:prstGeom prst="straightConnector1">
+            <a:avLst/>
+          </a:prstGeom>
+          <a:ln w="28575">
+            <a:tailEnd type="triangle"/>
+          </a:ln>
+        </p:spPr>
+        <p:style>
+          <a:lnRef idx="1">
+            <a:schemeClr val="accent1"/>
+          </a:lnRef>
+          <a:fillRef idx="0">
+            <a:schemeClr val="accent1"/>
+          </a:fillRef>
+          <a:effectRef idx="0">
+            <a:schemeClr val="accent1"/>
+          </a:effectRef>
+          <a:fontRef idx="minor">
+            <a:schemeClr val="tx1"/>
+          </a:fontRef>
+        </p:style>
+      </p:cxnSp>
+      <p:cxnSp>
+        <p:nvCxnSpPr>
+          <p:cNvPr id="52" name="Straight Arrow Connector 51">
+            <a:extLst>
+              <a:ext uri="{FF2B5EF4-FFF2-40B4-BE49-F238E27FC236}">
+                <a16:creationId xmlns:a16="http://schemas.microsoft.com/office/drawing/2014/main" id="{E9C24586-504F-B9C2-98AB-28A3EDFB22BC}"/>
+              </a:ext>
+            </a:extLst>
+          </p:cNvPr>
+          <p:cNvCxnSpPr>
+            <a:cxnSpLocks/>
+          </p:cNvCxnSpPr>
+          <p:nvPr/>
+        </p:nvCxnSpPr>
+        <p:spPr>
+          <a:xfrm>
+            <a:off x="437609" y="5739318"/>
+            <a:ext cx="541376" cy="0"/>
+          </a:xfrm>
+          <a:prstGeom prst="straightConnector1">
+            <a:avLst/>
+          </a:prstGeom>
+          <a:ln w="28575">
+            <a:tailEnd type="triangle"/>
+          </a:ln>
+        </p:spPr>
+        <p:style>
+          <a:lnRef idx="1">
+            <a:schemeClr val="accent1"/>
+          </a:lnRef>
+          <a:fillRef idx="0">
+            <a:schemeClr val="accent1"/>
+          </a:fillRef>
+          <a:effectRef idx="0">
+            <a:schemeClr val="accent1"/>
+          </a:effectRef>
+          <a:fontRef idx="minor">
+            <a:schemeClr val="tx1"/>
+          </a:fontRef>
+        </p:style>
+      </p:cxnSp>
+      <p:cxnSp>
+        <p:nvCxnSpPr>
+          <p:cNvPr id="53" name="Straight Arrow Connector 52">
+            <a:extLst>
+              <a:ext uri="{FF2B5EF4-FFF2-40B4-BE49-F238E27FC236}">
+                <a16:creationId xmlns:a16="http://schemas.microsoft.com/office/drawing/2014/main" id="{4A1098AC-783F-132E-68D9-785672EF3B23}"/>
+              </a:ext>
+            </a:extLst>
+          </p:cNvPr>
+          <p:cNvCxnSpPr>
+            <a:cxnSpLocks/>
+          </p:cNvCxnSpPr>
+          <p:nvPr/>
+        </p:nvCxnSpPr>
+        <p:spPr>
+          <a:xfrm>
+            <a:off x="6821680" y="6210584"/>
+            <a:ext cx="541376" cy="0"/>
+          </a:xfrm>
+          <a:prstGeom prst="straightConnector1">
+            <a:avLst/>
+          </a:prstGeom>
+          <a:ln w="28575">
+            <a:tailEnd type="triangle"/>
+          </a:ln>
+        </p:spPr>
+        <p:style>
+          <a:lnRef idx="1">
+            <a:schemeClr val="accent1"/>
+          </a:lnRef>
+          <a:fillRef idx="0">
+            <a:schemeClr val="accent1"/>
+          </a:fillRef>
+          <a:effectRef idx="0">
+            <a:schemeClr val="accent1"/>
+          </a:effectRef>
+          <a:fontRef idx="minor">
+            <a:schemeClr val="tx1"/>
+          </a:fontRef>
+        </p:style>
+      </p:cxnSp>
+      <p:sp>
+        <p:nvSpPr>
+          <p:cNvPr id="61" name="TextBox 60">
+            <a:extLst>
+              <a:ext uri="{FF2B5EF4-FFF2-40B4-BE49-F238E27FC236}">
+                <a16:creationId xmlns:a16="http://schemas.microsoft.com/office/drawing/2014/main" id="{3926D66F-9BD1-C77A-A5EE-05875689D77E}"/>
+              </a:ext>
+            </a:extLst>
+          </p:cNvPr>
+          <p:cNvSpPr txBox="1"/>
+          <p:nvPr/>
+        </p:nvSpPr>
+        <p:spPr>
+          <a:xfrm>
+            <a:off x="2131655" y="3166129"/>
+            <a:ext cx="676707" cy="276999"/>
+          </a:xfrm>
+          <a:prstGeom prst="rect">
+            <a:avLst/>
+          </a:prstGeom>
+          <a:noFill/>
+        </p:spPr>
+        <p:txBody>
+          <a:bodyPr wrap="square" rtlCol="0">
+            <a:spAutoFit/>
+          </a:bodyPr>
+          <a:lstStyle/>
+          <a:p>
+            <a:r>
+              <a:rPr lang="en-US" sz="1200" dirty="0"/>
+              <a:t>r2_in</a:t>
+            </a:r>
+            <a:endParaRPr lang="LID4096" sz="1200" dirty="0"/>
+          </a:p>
+        </p:txBody>
+      </p:sp>
+      <p:sp>
+        <p:nvSpPr>
+          <p:cNvPr id="63" name="TextBox 62">
+            <a:extLst>
+              <a:ext uri="{FF2B5EF4-FFF2-40B4-BE49-F238E27FC236}">
+                <a16:creationId xmlns:a16="http://schemas.microsoft.com/office/drawing/2014/main" id="{86EEAE22-1A3A-D816-3B6D-7B426DD8523B}"/>
+              </a:ext>
+            </a:extLst>
+          </p:cNvPr>
+          <p:cNvSpPr txBox="1"/>
+          <p:nvPr/>
+        </p:nvSpPr>
+        <p:spPr>
+          <a:xfrm>
+            <a:off x="332069" y="5473770"/>
+            <a:ext cx="676707" cy="276999"/>
+          </a:xfrm>
+          <a:prstGeom prst="rect">
+            <a:avLst/>
+          </a:prstGeom>
+          <a:noFill/>
+        </p:spPr>
+        <p:txBody>
+          <a:bodyPr wrap="square" rtlCol="0">
+            <a:spAutoFit/>
+          </a:bodyPr>
+          <a:lstStyle/>
+          <a:p>
+            <a:r>
+              <a:rPr lang="en-US" sz="1200" dirty="0" err="1"/>
+              <a:t>e_in</a:t>
+            </a:r>
+            <a:endParaRPr lang="LID4096" sz="1200" dirty="0"/>
+          </a:p>
+        </p:txBody>
+      </p:sp>
+      <p:sp>
+        <p:nvSpPr>
+          <p:cNvPr id="64" name="TextBox 63">
+            <a:extLst>
+              <a:ext uri="{FF2B5EF4-FFF2-40B4-BE49-F238E27FC236}">
+                <a16:creationId xmlns:a16="http://schemas.microsoft.com/office/drawing/2014/main" id="{4FCE8D16-283B-55CD-2CB7-B35117C3BC72}"/>
+              </a:ext>
+            </a:extLst>
+          </p:cNvPr>
+          <p:cNvSpPr txBox="1"/>
+          <p:nvPr/>
+        </p:nvSpPr>
+        <p:spPr>
+          <a:xfrm>
+            <a:off x="6742284" y="5900912"/>
+            <a:ext cx="676707" cy="276999"/>
+          </a:xfrm>
+          <a:prstGeom prst="rect">
+            <a:avLst/>
+          </a:prstGeom>
+          <a:noFill/>
+        </p:spPr>
+        <p:txBody>
+          <a:bodyPr wrap="square" rtlCol="0">
+            <a:spAutoFit/>
+          </a:bodyPr>
+          <a:lstStyle/>
+          <a:p>
+            <a:r>
+              <a:rPr lang="en-US" sz="1200" dirty="0" err="1"/>
+              <a:t>n_in</a:t>
+            </a:r>
+            <a:endParaRPr lang="LID4096" sz="1200" dirty="0"/>
+          </a:p>
+        </p:txBody>
+      </p:sp>
+    </p:spTree>
+    <p:extLst>
+      <p:ext uri="{BB962C8B-B14F-4D97-AF65-F5344CB8AC3E}">
+        <p14:creationId xmlns:p14="http://schemas.microsoft.com/office/powerpoint/2010/main" val="4250495867"/>
+      </p:ext>
+    </p:extLst>
+  </p:cSld>
+  <p:clrMapOvr>
+    <a:masterClrMapping/>
+  </p:clrMapOvr>
+</p:sld>
+</file>
+
+<file path=ppt/slides/slide8.xml><?xml version="1.0" encoding="utf-8"?>
+<p:sld xmlns:a="http://schemas.openxmlformats.org/drawingml/2006/main" xmlns:r="http://schemas.openxmlformats.org/officeDocument/2006/relationships" xmlns:p="http://schemas.openxmlformats.org/presentationml/2006/main">
+  <p:cSld>
+    <p:spTree>
+      <p:nvGrpSpPr>
+        <p:cNvPr id="1" name=""/>
+        <p:cNvGrpSpPr/>
+        <p:nvPr/>
+      </p:nvGrpSpPr>
+      <p:grpSpPr>
+        <a:xfrm>
+          <a:off x="0" y="0"/>
+          <a:ext cx="0" cy="0"/>
+          <a:chOff x="0" y="0"/>
+          <a:chExt cx="0" cy="0"/>
+        </a:xfrm>
+      </p:grpSpPr>
+      <p:sp>
+        <p:nvSpPr>
+          <p:cNvPr id="4" name="Rectangle 3">
+            <a:extLst>
+              <a:ext uri="{FF2B5EF4-FFF2-40B4-BE49-F238E27FC236}">
+                <a16:creationId xmlns:a16="http://schemas.microsoft.com/office/drawing/2014/main" id="{5608C880-A92A-6F1B-2460-07692F1FA8E5}"/>
+              </a:ext>
+            </a:extLst>
+          </p:cNvPr>
+          <p:cNvSpPr/>
+          <p:nvPr/>
+        </p:nvSpPr>
+        <p:spPr>
+          <a:xfrm>
+            <a:off x="1507165" y="1780953"/>
+            <a:ext cx="303028" cy="887819"/>
+          </a:xfrm>
+          <a:prstGeom prst="rect">
+            <a:avLst/>
+          </a:prstGeom>
+          <a:solidFill>
+            <a:schemeClr val="bg2"/>
+          </a:solidFill>
+          <a:ln>
+            <a:solidFill>
+              <a:schemeClr val="accent1">
+                <a:lumMod val="50000"/>
+              </a:schemeClr>
+            </a:solidFill>
+          </a:ln>
+        </p:spPr>
+        <p:style>
+          <a:lnRef idx="2">
+            <a:schemeClr val="accent1">
+              <a:shade val="15000"/>
+            </a:schemeClr>
+          </a:lnRef>
+          <a:fillRef idx="1">
+            <a:schemeClr val="accent1"/>
+          </a:fillRef>
+          <a:effectRef idx="0">
+            <a:schemeClr val="accent1"/>
+          </a:effectRef>
+          <a:fontRef idx="minor">
+            <a:schemeClr val="lt1"/>
+          </a:fontRef>
+        </p:style>
+        <p:txBody>
+          <a:bodyPr rtlCol="0" anchor="ctr"/>
+          <a:lstStyle/>
+          <a:p>
+            <a:pPr algn="ctr"/>
+            <a:r>
+              <a:rPr lang="en-US" dirty="0">
+                <a:solidFill>
+                  <a:schemeClr val="tx1"/>
+                </a:solidFill>
+              </a:rPr>
+              <a:t>n</a:t>
+            </a:r>
+            <a:endParaRPr lang="LID4096" dirty="0">
+              <a:solidFill>
+                <a:schemeClr val="tx1"/>
+              </a:solidFill>
+            </a:endParaRPr>
+          </a:p>
+        </p:txBody>
+      </p:sp>
+      <p:sp>
+        <p:nvSpPr>
+          <p:cNvPr id="5" name="Rectangle 4">
+            <a:extLst>
+              <a:ext uri="{FF2B5EF4-FFF2-40B4-BE49-F238E27FC236}">
+                <a16:creationId xmlns:a16="http://schemas.microsoft.com/office/drawing/2014/main" id="{69F54DDE-8B46-A812-B02D-AFDB790F1DAA}"/>
+              </a:ext>
+            </a:extLst>
+          </p:cNvPr>
+          <p:cNvSpPr/>
+          <p:nvPr/>
+        </p:nvSpPr>
+        <p:spPr>
+          <a:xfrm>
+            <a:off x="1507165" y="2968255"/>
+            <a:ext cx="303028" cy="887819"/>
+          </a:xfrm>
+          <a:prstGeom prst="rect">
+            <a:avLst/>
+          </a:prstGeom>
+          <a:solidFill>
+            <a:schemeClr val="bg2"/>
+          </a:solidFill>
+          <a:ln>
+            <a:solidFill>
+              <a:schemeClr val="accent1">
+                <a:lumMod val="50000"/>
+              </a:schemeClr>
+            </a:solidFill>
+          </a:ln>
+        </p:spPr>
+        <p:style>
+          <a:lnRef idx="2">
+            <a:schemeClr val="accent1">
+              <a:shade val="15000"/>
+            </a:schemeClr>
+          </a:lnRef>
+          <a:fillRef idx="1">
+            <a:schemeClr val="accent1"/>
+          </a:fillRef>
+          <a:effectRef idx="0">
+            <a:schemeClr val="accent1"/>
+          </a:effectRef>
+          <a:fontRef idx="minor">
+            <a:schemeClr val="lt1"/>
+          </a:fontRef>
+        </p:style>
+        <p:txBody>
+          <a:bodyPr rtlCol="0" anchor="ctr"/>
+          <a:lstStyle/>
+          <a:p>
+            <a:pPr algn="ctr"/>
+            <a:r>
+              <a:rPr lang="en-US" dirty="0">
+                <a:solidFill>
+                  <a:schemeClr val="tx1"/>
+                </a:solidFill>
+              </a:rPr>
+              <a:t>A</a:t>
+            </a:r>
+            <a:endParaRPr lang="LID4096" dirty="0">
+              <a:solidFill>
+                <a:schemeClr val="tx1"/>
+              </a:solidFill>
+            </a:endParaRPr>
+          </a:p>
+        </p:txBody>
+      </p:sp>
+      <p:sp>
+        <p:nvSpPr>
+          <p:cNvPr id="6" name="Rectangle 5">
+            <a:extLst>
+              <a:ext uri="{FF2B5EF4-FFF2-40B4-BE49-F238E27FC236}">
+                <a16:creationId xmlns:a16="http://schemas.microsoft.com/office/drawing/2014/main" id="{4DE62865-BAEC-8EFF-325B-3AEB28B8E55A}"/>
+              </a:ext>
+            </a:extLst>
+          </p:cNvPr>
+          <p:cNvSpPr/>
+          <p:nvPr/>
+        </p:nvSpPr>
+        <p:spPr>
+          <a:xfrm>
+            <a:off x="1507165" y="4155557"/>
+            <a:ext cx="303028" cy="887819"/>
+          </a:xfrm>
+          <a:prstGeom prst="rect">
+            <a:avLst/>
+          </a:prstGeom>
+          <a:solidFill>
+            <a:schemeClr val="bg2"/>
+          </a:solidFill>
+          <a:ln>
+            <a:solidFill>
+              <a:schemeClr val="accent1">
+                <a:lumMod val="50000"/>
+              </a:schemeClr>
+            </a:solidFill>
+          </a:ln>
+        </p:spPr>
+        <p:style>
+          <a:lnRef idx="2">
+            <a:schemeClr val="accent1">
+              <a:shade val="15000"/>
+            </a:schemeClr>
+          </a:lnRef>
+          <a:fillRef idx="1">
+            <a:schemeClr val="accent1"/>
+          </a:fillRef>
+          <a:effectRef idx="0">
+            <a:schemeClr val="accent1"/>
+          </a:effectRef>
+          <a:fontRef idx="minor">
+            <a:schemeClr val="lt1"/>
+          </a:fontRef>
+        </p:style>
+        <p:txBody>
+          <a:bodyPr rtlCol="0" anchor="ctr"/>
+          <a:lstStyle/>
+          <a:p>
+            <a:pPr algn="ctr"/>
+            <a:r>
+              <a:rPr lang="en-US" dirty="0">
+                <a:solidFill>
+                  <a:schemeClr val="tx1"/>
+                </a:solidFill>
+              </a:rPr>
+              <a:t>B</a:t>
+            </a:r>
+            <a:endParaRPr lang="LID4096" dirty="0">
+              <a:solidFill>
+                <a:schemeClr val="tx1"/>
+              </a:solidFill>
+            </a:endParaRPr>
+          </a:p>
+        </p:txBody>
+      </p:sp>
+      <p:sp>
+        <p:nvSpPr>
+          <p:cNvPr id="7" name="Rectangle 6">
+            <a:extLst>
+              <a:ext uri="{FF2B5EF4-FFF2-40B4-BE49-F238E27FC236}">
+                <a16:creationId xmlns:a16="http://schemas.microsoft.com/office/drawing/2014/main" id="{DB9FB48D-872B-029D-B45C-9629CF206793}"/>
+              </a:ext>
+            </a:extLst>
+          </p:cNvPr>
+          <p:cNvSpPr/>
+          <p:nvPr/>
+        </p:nvSpPr>
+        <p:spPr>
+          <a:xfrm>
+            <a:off x="1507165" y="650358"/>
+            <a:ext cx="303028" cy="887819"/>
+          </a:xfrm>
+          <a:prstGeom prst="rect">
+            <a:avLst/>
+          </a:prstGeom>
+          <a:solidFill>
+            <a:schemeClr val="bg2"/>
+          </a:solidFill>
+          <a:ln>
+            <a:solidFill>
+              <a:schemeClr val="accent1">
+                <a:lumMod val="50000"/>
+              </a:schemeClr>
+            </a:solidFill>
+          </a:ln>
+        </p:spPr>
+        <p:style>
+          <a:lnRef idx="2">
+            <a:schemeClr val="accent1">
+              <a:shade val="15000"/>
+            </a:schemeClr>
+          </a:lnRef>
+          <a:fillRef idx="1">
+            <a:schemeClr val="accent1"/>
+          </a:fillRef>
+          <a:effectRef idx="0">
+            <a:schemeClr val="accent1"/>
+          </a:effectRef>
+          <a:fontRef idx="minor">
+            <a:schemeClr val="lt1"/>
+          </a:fontRef>
+        </p:style>
+        <p:txBody>
+          <a:bodyPr rtlCol="0" anchor="ctr"/>
+          <a:lstStyle/>
+          <a:p>
+            <a:pPr algn="ctr"/>
+            <a:r>
+              <a:rPr lang="en-US" dirty="0">
+                <a:solidFill>
+                  <a:schemeClr val="tx1"/>
+                </a:solidFill>
+              </a:rPr>
+              <a:t>U</a:t>
+            </a:r>
+            <a:endParaRPr lang="LID4096" dirty="0">
+              <a:solidFill>
+                <a:schemeClr val="tx1"/>
+              </a:solidFill>
+            </a:endParaRPr>
+          </a:p>
+        </p:txBody>
+      </p:sp>
+      <p:sp>
+        <p:nvSpPr>
+          <p:cNvPr id="8" name="Rectangle 7">
+            <a:extLst>
+              <a:ext uri="{FF2B5EF4-FFF2-40B4-BE49-F238E27FC236}">
+                <a16:creationId xmlns:a16="http://schemas.microsoft.com/office/drawing/2014/main" id="{B6D63E23-DD40-B396-CAB1-550B6808C60C}"/>
+              </a:ext>
+            </a:extLst>
+          </p:cNvPr>
+          <p:cNvSpPr/>
+          <p:nvPr/>
+        </p:nvSpPr>
+        <p:spPr>
+          <a:xfrm>
+            <a:off x="1507165" y="5342859"/>
+            <a:ext cx="303028" cy="887819"/>
+          </a:xfrm>
+          <a:prstGeom prst="rect">
+            <a:avLst/>
+          </a:prstGeom>
+          <a:solidFill>
+            <a:schemeClr val="bg2"/>
+          </a:solidFill>
+          <a:ln>
+            <a:solidFill>
+              <a:schemeClr val="accent1">
+                <a:lumMod val="50000"/>
+              </a:schemeClr>
+            </a:solidFill>
+          </a:ln>
+        </p:spPr>
+        <p:style>
+          <a:lnRef idx="2">
+            <a:schemeClr val="accent1">
+              <a:shade val="15000"/>
+            </a:schemeClr>
+          </a:lnRef>
+          <a:fillRef idx="1">
+            <a:schemeClr val="accent1"/>
+          </a:fillRef>
+          <a:effectRef idx="0">
+            <a:schemeClr val="accent1"/>
+          </a:effectRef>
+          <a:fontRef idx="minor">
+            <a:schemeClr val="lt1"/>
+          </a:fontRef>
+        </p:style>
+        <p:txBody>
+          <a:bodyPr rtlCol="0" anchor="ctr"/>
+          <a:lstStyle/>
+          <a:p>
+            <a:pPr algn="ctr"/>
+            <a:r>
+              <a:rPr lang="en-US" dirty="0" err="1">
+                <a:solidFill>
+                  <a:schemeClr val="tx1"/>
+                </a:solidFill>
+              </a:rPr>
+              <a:t>B+n</a:t>
+            </a:r>
+            <a:endParaRPr lang="LID4096" dirty="0">
+              <a:solidFill>
+                <a:schemeClr val="tx1"/>
+              </a:solidFill>
+            </a:endParaRPr>
+          </a:p>
+        </p:txBody>
+      </p:sp>
+      <p:sp>
+        <p:nvSpPr>
+          <p:cNvPr id="10" name="Rectangle 9">
+            <a:extLst>
+              <a:ext uri="{FF2B5EF4-FFF2-40B4-BE49-F238E27FC236}">
+                <a16:creationId xmlns:a16="http://schemas.microsoft.com/office/drawing/2014/main" id="{340142D9-206E-B264-AE66-D219817950E6}"/>
+              </a:ext>
+            </a:extLst>
+          </p:cNvPr>
+          <p:cNvSpPr/>
+          <p:nvPr/>
+        </p:nvSpPr>
+        <p:spPr>
+          <a:xfrm>
+            <a:off x="4593265" y="3040379"/>
+            <a:ext cx="606056" cy="371786"/>
+          </a:xfrm>
+          <a:prstGeom prst="rect">
+            <a:avLst/>
+          </a:prstGeom>
+          <a:solidFill>
+            <a:schemeClr val="bg2"/>
+          </a:solidFill>
+        </p:spPr>
+        <p:style>
+          <a:lnRef idx="2">
+            <a:schemeClr val="accent1">
+              <a:shade val="15000"/>
+            </a:schemeClr>
+          </a:lnRef>
+          <a:fillRef idx="1">
+            <a:schemeClr val="accent1"/>
+          </a:fillRef>
+          <a:effectRef idx="0">
+            <a:schemeClr val="accent1"/>
+          </a:effectRef>
+          <a:fontRef idx="minor">
+            <a:schemeClr val="lt1"/>
+          </a:fontRef>
+        </p:style>
+        <p:txBody>
+          <a:bodyPr rtlCol="0" anchor="ctr"/>
+          <a:lstStyle/>
+          <a:p>
+            <a:pPr algn="ctr"/>
+            <a:r>
+              <a:rPr lang="en-US" dirty="0">
+                <a:solidFill>
+                  <a:schemeClr val="tx1"/>
+                </a:solidFill>
+              </a:rPr>
+              <a:t>AND</a:t>
+            </a:r>
+            <a:endParaRPr lang="LID4096" dirty="0">
+              <a:solidFill>
+                <a:schemeClr val="tx1"/>
+              </a:solidFill>
+            </a:endParaRPr>
+          </a:p>
+        </p:txBody>
+      </p:sp>
+      <p:sp>
+        <p:nvSpPr>
+          <p:cNvPr id="14" name="Subtitle 13">
+            <a:extLst>
+              <a:ext uri="{FF2B5EF4-FFF2-40B4-BE49-F238E27FC236}">
+                <a16:creationId xmlns:a16="http://schemas.microsoft.com/office/drawing/2014/main" id="{060B116A-A3F1-5497-97C7-38904D9A5C60}"/>
+              </a:ext>
+            </a:extLst>
+          </p:cNvPr>
+          <p:cNvSpPr>
+            <a:spLocks noGrp="1"/>
+          </p:cNvSpPr>
+          <p:nvPr>
+            <p:ph type="subTitle" idx="1"/>
+          </p:nvPr>
+        </p:nvSpPr>
+        <p:spPr>
+          <a:xfrm>
+            <a:off x="4251672" y="2913986"/>
+            <a:ext cx="329859" cy="229171"/>
+          </a:xfrm>
+        </p:spPr>
+        <p:txBody>
+          <a:bodyPr>
+            <a:normAutofit fontScale="92500" lnSpcReduction="10000"/>
+          </a:bodyPr>
+          <a:lstStyle/>
+          <a:p>
+            <a:r>
+              <a:rPr lang="en-US" sz="1200" dirty="0"/>
+              <a:t>Ai</a:t>
+            </a:r>
+            <a:endParaRPr lang="LID4096" sz="1400" dirty="0"/>
+          </a:p>
+        </p:txBody>
+      </p:sp>
+      <p:cxnSp>
+        <p:nvCxnSpPr>
+          <p:cNvPr id="16" name="Connector: Elbow 15">
+            <a:extLst>
+              <a:ext uri="{FF2B5EF4-FFF2-40B4-BE49-F238E27FC236}">
+                <a16:creationId xmlns:a16="http://schemas.microsoft.com/office/drawing/2014/main" id="{5A199E87-D679-693A-90C6-1126ED9CA3B6}"/>
+              </a:ext>
+            </a:extLst>
+          </p:cNvPr>
+          <p:cNvCxnSpPr>
+            <a:cxnSpLocks/>
+          </p:cNvCxnSpPr>
+          <p:nvPr/>
+        </p:nvCxnSpPr>
+        <p:spPr>
+          <a:xfrm>
+            <a:off x="1821927" y="3128786"/>
+            <a:ext cx="2759604" cy="12700"/>
+          </a:xfrm>
+          <a:prstGeom prst="bentConnector3">
+            <a:avLst/>
+          </a:prstGeom>
+          <a:ln>
+            <a:tailEnd type="triangle"/>
+          </a:ln>
+        </p:spPr>
+        <p:style>
+          <a:lnRef idx="1">
+            <a:schemeClr val="accent1"/>
+          </a:lnRef>
+          <a:fillRef idx="0">
+            <a:schemeClr val="accent1"/>
+          </a:fillRef>
+          <a:effectRef idx="0">
+            <a:schemeClr val="accent1"/>
+          </a:effectRef>
+          <a:fontRef idx="minor">
+            <a:schemeClr val="tx1"/>
+          </a:fontRef>
+        </p:style>
+      </p:cxnSp>
+      <p:sp>
+        <p:nvSpPr>
+          <p:cNvPr id="18" name="Trapezium 17">
+            <a:extLst>
+              <a:ext uri="{FF2B5EF4-FFF2-40B4-BE49-F238E27FC236}">
+                <a16:creationId xmlns:a16="http://schemas.microsoft.com/office/drawing/2014/main" id="{E229B5CC-16F3-27D2-4C04-469B67794CE4}"/>
+              </a:ext>
+            </a:extLst>
+          </p:cNvPr>
+          <p:cNvSpPr/>
+          <p:nvPr/>
+        </p:nvSpPr>
+        <p:spPr>
+          <a:xfrm rot="5400000">
+            <a:off x="7117613" y="1671969"/>
+            <a:ext cx="962247" cy="303027"/>
+          </a:xfrm>
+          <a:prstGeom prst="trapezoid">
+            <a:avLst/>
+          </a:prstGeom>
+          <a:solidFill>
+            <a:schemeClr val="bg2"/>
+          </a:solidFill>
+        </p:spPr>
+        <p:style>
+          <a:lnRef idx="2">
+            <a:schemeClr val="accent1">
+              <a:shade val="15000"/>
+            </a:schemeClr>
+          </a:lnRef>
+          <a:fillRef idx="1">
+            <a:schemeClr val="accent1"/>
+          </a:fillRef>
+          <a:effectRef idx="0">
+            <a:schemeClr val="accent1"/>
+          </a:effectRef>
+          <a:fontRef idx="minor">
+            <a:schemeClr val="lt1"/>
+          </a:fontRef>
+        </p:style>
+        <p:txBody>
+          <a:bodyPr rtlCol="0" anchor="ctr"/>
+          <a:lstStyle/>
+          <a:p>
+            <a:pPr algn="ctr"/>
+            <a:endParaRPr lang="LID4096"/>
+          </a:p>
+        </p:txBody>
+      </p:sp>
+      <p:sp>
+        <p:nvSpPr>
+          <p:cNvPr id="21" name="Rectangle 20">
+            <a:extLst>
+              <a:ext uri="{FF2B5EF4-FFF2-40B4-BE49-F238E27FC236}">
+                <a16:creationId xmlns:a16="http://schemas.microsoft.com/office/drawing/2014/main" id="{AE3618BB-4B58-1D21-5AD2-3B77F926B149}"/>
+              </a:ext>
+            </a:extLst>
+          </p:cNvPr>
+          <p:cNvSpPr/>
+          <p:nvPr/>
+        </p:nvSpPr>
+        <p:spPr>
+          <a:xfrm>
+            <a:off x="5858042" y="2362200"/>
+            <a:ext cx="606553" cy="468602"/>
+          </a:xfrm>
+          <a:prstGeom prst="rect">
+            <a:avLst/>
+          </a:prstGeom>
+          <a:solidFill>
+            <a:schemeClr val="bg2"/>
+          </a:solidFill>
+        </p:spPr>
+        <p:style>
+          <a:lnRef idx="2">
+            <a:schemeClr val="accent1">
+              <a:shade val="15000"/>
+            </a:schemeClr>
+          </a:lnRef>
+          <a:fillRef idx="1">
+            <a:schemeClr val="accent1"/>
+          </a:fillRef>
+          <a:effectRef idx="0">
+            <a:schemeClr val="accent1"/>
+          </a:effectRef>
+          <a:fontRef idx="minor">
+            <a:schemeClr val="lt1"/>
+          </a:fontRef>
+        </p:style>
+        <p:txBody>
+          <a:bodyPr rtlCol="0" anchor="ctr"/>
+          <a:lstStyle/>
+          <a:p>
+            <a:pPr algn="ctr"/>
+            <a:r>
+              <a:rPr lang="en-US" dirty="0">
+                <a:solidFill>
+                  <a:schemeClr val="tx1"/>
+                </a:solidFill>
+              </a:rPr>
+              <a:t>XOR</a:t>
+            </a:r>
+            <a:endParaRPr lang="LID4096" dirty="0">
+              <a:solidFill>
+                <a:schemeClr val="tx1"/>
+              </a:solidFill>
+            </a:endParaRPr>
+          </a:p>
+        </p:txBody>
+      </p:sp>
+      <p:cxnSp>
+        <p:nvCxnSpPr>
+          <p:cNvPr id="23" name="Connector: Elbow 22">
+            <a:extLst>
+              <a:ext uri="{FF2B5EF4-FFF2-40B4-BE49-F238E27FC236}">
+                <a16:creationId xmlns:a16="http://schemas.microsoft.com/office/drawing/2014/main" id="{E391BBF3-243E-B7AD-6316-8E865127717D}"/>
+              </a:ext>
+            </a:extLst>
+          </p:cNvPr>
+          <p:cNvCxnSpPr>
+            <a:cxnSpLocks/>
+            <a:stCxn id="7" idx="3"/>
+          </p:cNvCxnSpPr>
+          <p:nvPr/>
+        </p:nvCxnSpPr>
+        <p:spPr>
+          <a:xfrm>
+            <a:off x="1810193" y="1094268"/>
+            <a:ext cx="5637030" cy="459082"/>
+          </a:xfrm>
+          <a:prstGeom prst="bentConnector3">
+            <a:avLst/>
+          </a:prstGeom>
+          <a:ln w="28575">
+            <a:tailEnd type="triangle"/>
+          </a:ln>
+        </p:spPr>
+        <p:style>
+          <a:lnRef idx="1">
+            <a:schemeClr val="accent1"/>
+          </a:lnRef>
+          <a:fillRef idx="0">
+            <a:schemeClr val="accent1"/>
+          </a:fillRef>
+          <a:effectRef idx="0">
+            <a:schemeClr val="accent1"/>
+          </a:effectRef>
+          <a:fontRef idx="minor">
+            <a:schemeClr val="tx1"/>
+          </a:fontRef>
+        </p:style>
+      </p:cxnSp>
+      <p:cxnSp>
+        <p:nvCxnSpPr>
+          <p:cNvPr id="28" name="Connector: Elbow 27">
+            <a:extLst>
+              <a:ext uri="{FF2B5EF4-FFF2-40B4-BE49-F238E27FC236}">
+                <a16:creationId xmlns:a16="http://schemas.microsoft.com/office/drawing/2014/main" id="{ABC734CD-7F9F-9595-E540-F0DF6EF26803}"/>
+              </a:ext>
+            </a:extLst>
+          </p:cNvPr>
+          <p:cNvCxnSpPr>
+            <a:cxnSpLocks/>
+            <a:stCxn id="10" idx="3"/>
+          </p:cNvCxnSpPr>
+          <p:nvPr/>
+        </p:nvCxnSpPr>
+        <p:spPr>
+          <a:xfrm flipV="1">
+            <a:off x="5199321" y="2699216"/>
+            <a:ext cx="658721" cy="527056"/>
+          </a:xfrm>
+          <a:prstGeom prst="bentConnector3">
+            <a:avLst/>
+          </a:prstGeom>
+          <a:ln>
+            <a:tailEnd type="triangle"/>
+          </a:ln>
+        </p:spPr>
+        <p:style>
+          <a:lnRef idx="1">
+            <a:schemeClr val="accent1"/>
+          </a:lnRef>
+          <a:fillRef idx="0">
+            <a:schemeClr val="accent1"/>
+          </a:fillRef>
+          <a:effectRef idx="0">
+            <a:schemeClr val="accent1"/>
+          </a:effectRef>
+          <a:fontRef idx="minor">
+            <a:schemeClr val="tx1"/>
+          </a:fontRef>
+        </p:style>
+      </p:cxnSp>
+      <p:cxnSp>
+        <p:nvCxnSpPr>
+          <p:cNvPr id="30" name="Connector: Elbow 29">
+            <a:extLst>
+              <a:ext uri="{FF2B5EF4-FFF2-40B4-BE49-F238E27FC236}">
+                <a16:creationId xmlns:a16="http://schemas.microsoft.com/office/drawing/2014/main" id="{01F7661F-662D-14B0-4271-BA14C2B18664}"/>
+              </a:ext>
+            </a:extLst>
+          </p:cNvPr>
+          <p:cNvCxnSpPr>
+            <a:cxnSpLocks/>
+          </p:cNvCxnSpPr>
+          <p:nvPr/>
+        </p:nvCxnSpPr>
+        <p:spPr>
+          <a:xfrm flipV="1">
+            <a:off x="3705225" y="3350326"/>
+            <a:ext cx="888040" cy="409976"/>
+          </a:xfrm>
+          <a:prstGeom prst="bentConnector3">
+            <a:avLst>
+              <a:gd name="adj1" fmla="val 795"/>
+            </a:avLst>
+          </a:prstGeom>
+          <a:ln>
+            <a:tailEnd type="triangle"/>
+          </a:ln>
+        </p:spPr>
+        <p:style>
+          <a:lnRef idx="1">
+            <a:schemeClr val="accent1"/>
+          </a:lnRef>
+          <a:fillRef idx="0">
+            <a:schemeClr val="accent1"/>
+          </a:fillRef>
+          <a:effectRef idx="0">
+            <a:schemeClr val="accent1"/>
+          </a:effectRef>
+          <a:fontRef idx="minor">
+            <a:schemeClr val="tx1"/>
+          </a:fontRef>
+        </p:style>
+      </p:cxnSp>
+      <p:sp>
+        <p:nvSpPr>
+          <p:cNvPr id="39" name="Subtitle 13">
+            <a:extLst>
+              <a:ext uri="{FF2B5EF4-FFF2-40B4-BE49-F238E27FC236}">
+                <a16:creationId xmlns:a16="http://schemas.microsoft.com/office/drawing/2014/main" id="{04E737B7-6E9E-1B00-44E9-9C269D9F0F4F}"/>
+              </a:ext>
+            </a:extLst>
+          </p:cNvPr>
+          <p:cNvSpPr txBox="1">
+            <a:spLocks/>
+          </p:cNvSpPr>
+          <p:nvPr/>
+        </p:nvSpPr>
+        <p:spPr>
+          <a:xfrm>
+            <a:off x="4263406" y="3166444"/>
+            <a:ext cx="329859" cy="229171"/>
+          </a:xfrm>
+          <a:prstGeom prst="rect">
+            <a:avLst/>
+          </a:prstGeom>
+        </p:spPr>
+        <p:txBody>
+          <a:bodyPr vert="horz" lIns="91440" tIns="45720" rIns="91440" bIns="45720" rtlCol="0">
+            <a:normAutofit fontScale="85000" lnSpcReduction="10000"/>
+          </a:bodyPr>
+          <a:lstStyle>
+            <a:lvl1pPr marL="0" indent="0" algn="ctr" defTabSz="914400" rtl="0" eaLnBrk="1" latinLnBrk="0" hangingPunct="1">
+              <a:lnSpc>
+                <a:spcPct val="90000"/>
+              </a:lnSpc>
+              <a:spcBef>
+                <a:spcPts val="1000"/>
+              </a:spcBef>
+              <a:buFont typeface="Arial" panose="020B0604020202020204" pitchFamily="34" charset="0"/>
+              <a:buNone/>
+              <a:defRPr sz="2400" kern="1200">
+                <a:solidFill>
+                  <a:schemeClr val="tx1"/>
+                </a:solidFill>
+                <a:latin typeface="+mn-lt"/>
+                <a:ea typeface="+mn-ea"/>
+                <a:cs typeface="+mn-cs"/>
+              </a:defRPr>
+            </a:lvl1pPr>
+            <a:lvl2pPr marL="457200" indent="0" algn="ctr" defTabSz="914400" rtl="0" eaLnBrk="1" latinLnBrk="0" hangingPunct="1">
+              <a:lnSpc>
+                <a:spcPct val="90000"/>
+              </a:lnSpc>
+              <a:spcBef>
+                <a:spcPts val="500"/>
+              </a:spcBef>
+              <a:buFont typeface="Arial" panose="020B0604020202020204" pitchFamily="34" charset="0"/>
+              <a:buNone/>
+              <a:defRPr sz="2000" kern="1200">
+                <a:solidFill>
+                  <a:schemeClr val="tx1"/>
+                </a:solidFill>
+                <a:latin typeface="+mn-lt"/>
+                <a:ea typeface="+mn-ea"/>
+                <a:cs typeface="+mn-cs"/>
+              </a:defRPr>
+            </a:lvl2pPr>
+            <a:lvl3pPr marL="914400" indent="0" algn="ctr" defTabSz="914400" rtl="0" eaLnBrk="1" latinLnBrk="0" hangingPunct="1">
+              <a:lnSpc>
+                <a:spcPct val="90000"/>
+              </a:lnSpc>
+              <a:spcBef>
+                <a:spcPts val="500"/>
+              </a:spcBef>
+              <a:buFont typeface="Arial" panose="020B0604020202020204" pitchFamily="34" charset="0"/>
+              <a:buNone/>
+              <a:defRPr sz="1800" kern="1200">
+                <a:solidFill>
+                  <a:schemeClr val="tx1"/>
+                </a:solidFill>
+                <a:latin typeface="+mn-lt"/>
+                <a:ea typeface="+mn-ea"/>
+                <a:cs typeface="+mn-cs"/>
+              </a:defRPr>
+            </a:lvl3pPr>
+            <a:lvl4pPr marL="1371600" indent="0" algn="ctr" defTabSz="914400" rtl="0" eaLnBrk="1" latinLnBrk="0" hangingPunct="1">
+              <a:lnSpc>
+                <a:spcPct val="90000"/>
+              </a:lnSpc>
+              <a:spcBef>
+                <a:spcPts val="500"/>
+              </a:spcBef>
+              <a:buFont typeface="Arial" panose="020B0604020202020204" pitchFamily="34" charset="0"/>
+              <a:buNone/>
+              <a:defRPr sz="1600" kern="1200">
+                <a:solidFill>
+                  <a:schemeClr val="tx1"/>
+                </a:solidFill>
+                <a:latin typeface="+mn-lt"/>
+                <a:ea typeface="+mn-ea"/>
+                <a:cs typeface="+mn-cs"/>
+              </a:defRPr>
+            </a:lvl4pPr>
+            <a:lvl5pPr marL="1828800" indent="0" algn="ctr" defTabSz="914400" rtl="0" eaLnBrk="1" latinLnBrk="0" hangingPunct="1">
+              <a:lnSpc>
+                <a:spcPct val="90000"/>
+              </a:lnSpc>
+              <a:spcBef>
+                <a:spcPts val="500"/>
+              </a:spcBef>
+              <a:buFont typeface="Arial" panose="020B0604020202020204" pitchFamily="34" charset="0"/>
+              <a:buNone/>
+              <a:defRPr sz="1600" kern="1200">
+                <a:solidFill>
+                  <a:schemeClr val="tx1"/>
+                </a:solidFill>
+                <a:latin typeface="+mn-lt"/>
+                <a:ea typeface="+mn-ea"/>
+                <a:cs typeface="+mn-cs"/>
+              </a:defRPr>
+            </a:lvl5pPr>
+            <a:lvl6pPr marL="2286000" indent="0" algn="ctr" defTabSz="914400" rtl="0" eaLnBrk="1" latinLnBrk="0" hangingPunct="1">
+              <a:lnSpc>
+                <a:spcPct val="90000"/>
+              </a:lnSpc>
+              <a:spcBef>
+                <a:spcPts val="500"/>
+              </a:spcBef>
+              <a:buFont typeface="Arial" panose="020B0604020202020204" pitchFamily="34" charset="0"/>
+              <a:buNone/>
+              <a:defRPr sz="1600" kern="1200">
+                <a:solidFill>
+                  <a:schemeClr val="tx1"/>
+                </a:solidFill>
+                <a:latin typeface="+mn-lt"/>
+                <a:ea typeface="+mn-ea"/>
+                <a:cs typeface="+mn-cs"/>
+              </a:defRPr>
+            </a:lvl6pPr>
+            <a:lvl7pPr marL="2743200" indent="0" algn="ctr" defTabSz="914400" rtl="0" eaLnBrk="1" latinLnBrk="0" hangingPunct="1">
+              <a:lnSpc>
+                <a:spcPct val="90000"/>
+              </a:lnSpc>
+              <a:spcBef>
+                <a:spcPts val="500"/>
+              </a:spcBef>
+              <a:buFont typeface="Arial" panose="020B0604020202020204" pitchFamily="34" charset="0"/>
+              <a:buNone/>
+              <a:defRPr sz="1600" kern="1200">
+                <a:solidFill>
+                  <a:schemeClr val="tx1"/>
+                </a:solidFill>
+                <a:latin typeface="+mn-lt"/>
+                <a:ea typeface="+mn-ea"/>
+                <a:cs typeface="+mn-cs"/>
+              </a:defRPr>
+            </a:lvl7pPr>
+            <a:lvl8pPr marL="3200400" indent="0" algn="ctr" defTabSz="914400" rtl="0" eaLnBrk="1" latinLnBrk="0" hangingPunct="1">
+              <a:lnSpc>
+                <a:spcPct val="90000"/>
+              </a:lnSpc>
+              <a:spcBef>
+                <a:spcPts val="500"/>
+              </a:spcBef>
+              <a:buFont typeface="Arial" panose="020B0604020202020204" pitchFamily="34" charset="0"/>
+              <a:buNone/>
+              <a:defRPr sz="1600" kern="1200">
+                <a:solidFill>
+                  <a:schemeClr val="tx1"/>
+                </a:solidFill>
+                <a:latin typeface="+mn-lt"/>
+                <a:ea typeface="+mn-ea"/>
+                <a:cs typeface="+mn-cs"/>
+              </a:defRPr>
+            </a:lvl8pPr>
+            <a:lvl9pPr marL="3657600" indent="0" algn="ctr" defTabSz="914400" rtl="0" eaLnBrk="1" latinLnBrk="0" hangingPunct="1">
+              <a:lnSpc>
+                <a:spcPct val="90000"/>
+              </a:lnSpc>
+              <a:spcBef>
+                <a:spcPts val="500"/>
+              </a:spcBef>
+              <a:buFont typeface="Arial" panose="020B0604020202020204" pitchFamily="34" charset="0"/>
+              <a:buNone/>
+              <a:defRPr sz="1600" kern="1200">
+                <a:solidFill>
+                  <a:schemeClr val="tx1"/>
+                </a:solidFill>
+                <a:latin typeface="+mn-lt"/>
+                <a:ea typeface="+mn-ea"/>
+                <a:cs typeface="+mn-cs"/>
+              </a:defRPr>
+            </a:lvl9pPr>
+          </a:lstStyle>
+          <a:p>
+            <a:r>
+              <a:rPr lang="en-US" sz="1200" dirty="0"/>
+              <a:t>B0</a:t>
+            </a:r>
+            <a:endParaRPr lang="LID4096" sz="1400" dirty="0"/>
+          </a:p>
+        </p:txBody>
+      </p:sp>
+      <p:sp>
+        <p:nvSpPr>
+          <p:cNvPr id="42" name="Rectangle 41">
+            <a:extLst>
+              <a:ext uri="{FF2B5EF4-FFF2-40B4-BE49-F238E27FC236}">
+                <a16:creationId xmlns:a16="http://schemas.microsoft.com/office/drawing/2014/main" id="{2F727103-8FF4-84B0-015E-62B717FF2A1E}"/>
+              </a:ext>
+            </a:extLst>
+          </p:cNvPr>
+          <p:cNvSpPr/>
+          <p:nvPr/>
+        </p:nvSpPr>
+        <p:spPr>
+          <a:xfrm>
+            <a:off x="8587069" y="2304606"/>
+            <a:ext cx="1277202" cy="1327298"/>
+          </a:xfrm>
+          <a:prstGeom prst="rect">
+            <a:avLst/>
+          </a:prstGeom>
+          <a:solidFill>
+            <a:schemeClr val="bg2"/>
+          </a:solidFill>
+        </p:spPr>
+        <p:style>
+          <a:lnRef idx="2">
+            <a:schemeClr val="accent1">
+              <a:shade val="15000"/>
+            </a:schemeClr>
+          </a:lnRef>
+          <a:fillRef idx="1">
+            <a:schemeClr val="accent1"/>
+          </a:fillRef>
+          <a:effectRef idx="0">
+            <a:schemeClr val="accent1"/>
+          </a:effectRef>
+          <a:fontRef idx="minor">
+            <a:schemeClr val="lt1"/>
+          </a:fontRef>
+        </p:style>
+        <p:txBody>
+          <a:bodyPr rtlCol="0" anchor="ctr"/>
+          <a:lstStyle/>
+          <a:p>
+            <a:pPr algn="ctr"/>
+            <a:r>
+              <a:rPr lang="en-US" sz="7200" dirty="0">
+                <a:solidFill>
+                  <a:schemeClr val="tx1"/>
+                </a:solidFill>
+              </a:rPr>
+              <a:t>+</a:t>
+            </a:r>
+            <a:endParaRPr lang="LID4096" sz="7200" dirty="0">
+              <a:solidFill>
+                <a:schemeClr val="tx1"/>
+              </a:solidFill>
+            </a:endParaRPr>
+          </a:p>
+        </p:txBody>
+      </p:sp>
+      <p:sp>
+        <p:nvSpPr>
+          <p:cNvPr id="46" name="Trapezium 45">
+            <a:extLst>
+              <a:ext uri="{FF2B5EF4-FFF2-40B4-BE49-F238E27FC236}">
+                <a16:creationId xmlns:a16="http://schemas.microsoft.com/office/drawing/2014/main" id="{5A14CB6A-4F8D-1BE8-5456-706D7FA1B5AE}"/>
+              </a:ext>
+            </a:extLst>
+          </p:cNvPr>
+          <p:cNvSpPr/>
+          <p:nvPr/>
+        </p:nvSpPr>
+        <p:spPr>
+          <a:xfrm rot="5400000">
+            <a:off x="7117613" y="3610639"/>
+            <a:ext cx="962247" cy="303027"/>
+          </a:xfrm>
+          <a:prstGeom prst="trapezoid">
+            <a:avLst/>
+          </a:prstGeom>
+          <a:solidFill>
+            <a:schemeClr val="bg2"/>
+          </a:solidFill>
+        </p:spPr>
+        <p:style>
+          <a:lnRef idx="2">
+            <a:schemeClr val="accent1">
+              <a:shade val="15000"/>
+            </a:schemeClr>
+          </a:lnRef>
+          <a:fillRef idx="1">
+            <a:schemeClr val="accent1"/>
+          </a:fillRef>
+          <a:effectRef idx="0">
+            <a:schemeClr val="accent1"/>
+          </a:effectRef>
+          <a:fontRef idx="minor">
+            <a:schemeClr val="lt1"/>
+          </a:fontRef>
+        </p:style>
+        <p:txBody>
+          <a:bodyPr rtlCol="0" anchor="ctr"/>
+          <a:lstStyle/>
+          <a:p>
+            <a:pPr algn="ctr"/>
+            <a:endParaRPr lang="LID4096"/>
+          </a:p>
+        </p:txBody>
+      </p:sp>
+      <p:cxnSp>
+        <p:nvCxnSpPr>
+          <p:cNvPr id="48" name="Connector: Elbow 47">
+            <a:extLst>
+              <a:ext uri="{FF2B5EF4-FFF2-40B4-BE49-F238E27FC236}">
+                <a16:creationId xmlns:a16="http://schemas.microsoft.com/office/drawing/2014/main" id="{7AFD0B5B-9DD3-869C-CB24-7A46D3F46B59}"/>
+              </a:ext>
+            </a:extLst>
+          </p:cNvPr>
+          <p:cNvCxnSpPr>
+            <a:cxnSpLocks/>
+            <a:stCxn id="4" idx="3"/>
+          </p:cNvCxnSpPr>
+          <p:nvPr/>
+        </p:nvCxnSpPr>
+        <p:spPr>
+          <a:xfrm flipV="1">
+            <a:off x="1810193" y="2027703"/>
+            <a:ext cx="5637030" cy="197160"/>
+          </a:xfrm>
+          <a:prstGeom prst="bentConnector3">
+            <a:avLst>
+              <a:gd name="adj1" fmla="val 50000"/>
+            </a:avLst>
+          </a:prstGeom>
+          <a:ln w="28575">
+            <a:tailEnd type="triangle"/>
+          </a:ln>
+        </p:spPr>
+        <p:style>
+          <a:lnRef idx="1">
+            <a:schemeClr val="accent1"/>
+          </a:lnRef>
+          <a:fillRef idx="0">
+            <a:schemeClr val="accent1"/>
+          </a:fillRef>
+          <a:effectRef idx="0">
+            <a:schemeClr val="accent1"/>
+          </a:effectRef>
+          <a:fontRef idx="minor">
+            <a:schemeClr val="tx1"/>
+          </a:fontRef>
+        </p:style>
+      </p:cxnSp>
+      <p:grpSp>
+        <p:nvGrpSpPr>
+          <p:cNvPr id="118" name="Group 117">
+            <a:extLst>
+              <a:ext uri="{FF2B5EF4-FFF2-40B4-BE49-F238E27FC236}">
+                <a16:creationId xmlns:a16="http://schemas.microsoft.com/office/drawing/2014/main" id="{5AFE6F65-1266-8CB6-2B19-EBFAFB2AEF1B}"/>
+              </a:ext>
+            </a:extLst>
+          </p:cNvPr>
+          <p:cNvGrpSpPr/>
+          <p:nvPr/>
+        </p:nvGrpSpPr>
+        <p:grpSpPr>
+          <a:xfrm>
+            <a:off x="5273749" y="1564811"/>
+            <a:ext cx="584293" cy="951365"/>
+            <a:chOff x="5273749" y="1564811"/>
+            <a:chExt cx="584293" cy="951365"/>
+          </a:xfrm>
+        </p:grpSpPr>
+        <p:sp>
+          <p:nvSpPr>
+            <p:cNvPr id="41" name="Subtitle 13">
+              <a:extLst>
+                <a:ext uri="{FF2B5EF4-FFF2-40B4-BE49-F238E27FC236}">
+                  <a16:creationId xmlns:a16="http://schemas.microsoft.com/office/drawing/2014/main" id="{E9D052A8-49DD-B4F1-71FB-104EEE8D0811}"/>
+                </a:ext>
+              </a:extLst>
+            </p:cNvPr>
+            <p:cNvSpPr txBox="1">
+              <a:spLocks/>
+            </p:cNvSpPr>
+            <p:nvPr/>
+          </p:nvSpPr>
+          <p:spPr>
+            <a:xfrm>
+              <a:off x="5474138" y="2287005"/>
+              <a:ext cx="329859" cy="229171"/>
+            </a:xfrm>
+            <a:prstGeom prst="rect">
+              <a:avLst/>
+            </a:prstGeom>
+          </p:spPr>
+          <p:txBody>
+            <a:bodyPr vert="horz" lIns="91440" tIns="45720" rIns="91440" bIns="45720" rtlCol="0">
+              <a:normAutofit fontScale="85000" lnSpcReduction="10000"/>
+            </a:bodyPr>
+            <a:lstStyle>
+              <a:lvl1pPr marL="0" indent="0" algn="ctr" defTabSz="914400" rtl="0" eaLnBrk="1" latinLnBrk="0" hangingPunct="1">
+                <a:lnSpc>
+                  <a:spcPct val="90000"/>
+                </a:lnSpc>
+                <a:spcBef>
+                  <a:spcPts val="1000"/>
+                </a:spcBef>
+                <a:buFont typeface="Arial" panose="020B0604020202020204" pitchFamily="34" charset="0"/>
+                <a:buNone/>
+                <a:defRPr sz="2400" kern="1200">
+                  <a:solidFill>
+                    <a:schemeClr val="tx1"/>
+                  </a:solidFill>
+                  <a:latin typeface="+mn-lt"/>
+                  <a:ea typeface="+mn-ea"/>
+                  <a:cs typeface="+mn-cs"/>
+                </a:defRPr>
+              </a:lvl1pPr>
+              <a:lvl2pPr marL="457200" indent="0" algn="ctr" defTabSz="914400" rtl="0" eaLnBrk="1" latinLnBrk="0" hangingPunct="1">
+                <a:lnSpc>
+                  <a:spcPct val="90000"/>
+                </a:lnSpc>
+                <a:spcBef>
+                  <a:spcPts val="500"/>
+                </a:spcBef>
+                <a:buFont typeface="Arial" panose="020B0604020202020204" pitchFamily="34" charset="0"/>
+                <a:buNone/>
+                <a:defRPr sz="2000" kern="1200">
+                  <a:solidFill>
+                    <a:schemeClr val="tx1"/>
+                  </a:solidFill>
+                  <a:latin typeface="+mn-lt"/>
+                  <a:ea typeface="+mn-ea"/>
+                  <a:cs typeface="+mn-cs"/>
+                </a:defRPr>
+              </a:lvl2pPr>
+              <a:lvl3pPr marL="914400" indent="0" algn="ctr" defTabSz="914400" rtl="0" eaLnBrk="1" latinLnBrk="0" hangingPunct="1">
+                <a:lnSpc>
+                  <a:spcPct val="90000"/>
+                </a:lnSpc>
+                <a:spcBef>
+                  <a:spcPts val="500"/>
+                </a:spcBef>
+                <a:buFont typeface="Arial" panose="020B0604020202020204" pitchFamily="34" charset="0"/>
+                <a:buNone/>
+                <a:defRPr sz="1800" kern="1200">
+                  <a:solidFill>
+                    <a:schemeClr val="tx1"/>
+                  </a:solidFill>
+                  <a:latin typeface="+mn-lt"/>
+                  <a:ea typeface="+mn-ea"/>
+                  <a:cs typeface="+mn-cs"/>
+                </a:defRPr>
+              </a:lvl3pPr>
+              <a:lvl4pPr marL="1371600" indent="0" algn="ctr" defTabSz="914400" rtl="0" eaLnBrk="1" latinLnBrk="0" hangingPunct="1">
+                <a:lnSpc>
+                  <a:spcPct val="90000"/>
+                </a:lnSpc>
+                <a:spcBef>
+                  <a:spcPts val="500"/>
+                </a:spcBef>
+                <a:buFont typeface="Arial" panose="020B0604020202020204" pitchFamily="34" charset="0"/>
+                <a:buNone/>
+                <a:defRPr sz="1600" kern="1200">
+                  <a:solidFill>
+                    <a:schemeClr val="tx1"/>
+                  </a:solidFill>
+                  <a:latin typeface="+mn-lt"/>
+                  <a:ea typeface="+mn-ea"/>
+                  <a:cs typeface="+mn-cs"/>
+                </a:defRPr>
+              </a:lvl4pPr>
+              <a:lvl5pPr marL="1828800" indent="0" algn="ctr" defTabSz="914400" rtl="0" eaLnBrk="1" latinLnBrk="0" hangingPunct="1">
+                <a:lnSpc>
+                  <a:spcPct val="90000"/>
+                </a:lnSpc>
+                <a:spcBef>
+                  <a:spcPts val="500"/>
+                </a:spcBef>
+                <a:buFont typeface="Arial" panose="020B0604020202020204" pitchFamily="34" charset="0"/>
+                <a:buNone/>
+                <a:defRPr sz="1600" kern="1200">
+                  <a:solidFill>
+                    <a:schemeClr val="tx1"/>
+                  </a:solidFill>
+                  <a:latin typeface="+mn-lt"/>
+                  <a:ea typeface="+mn-ea"/>
+                  <a:cs typeface="+mn-cs"/>
+                </a:defRPr>
+              </a:lvl5pPr>
+              <a:lvl6pPr marL="2286000" indent="0" algn="ctr" defTabSz="914400" rtl="0" eaLnBrk="1" latinLnBrk="0" hangingPunct="1">
+                <a:lnSpc>
+                  <a:spcPct val="90000"/>
+                </a:lnSpc>
+                <a:spcBef>
+                  <a:spcPts val="500"/>
+                </a:spcBef>
+                <a:buFont typeface="Arial" panose="020B0604020202020204" pitchFamily="34" charset="0"/>
+                <a:buNone/>
+                <a:defRPr sz="1600" kern="1200">
+                  <a:solidFill>
+                    <a:schemeClr val="tx1"/>
+                  </a:solidFill>
+                  <a:latin typeface="+mn-lt"/>
+                  <a:ea typeface="+mn-ea"/>
+                  <a:cs typeface="+mn-cs"/>
+                </a:defRPr>
+              </a:lvl6pPr>
+              <a:lvl7pPr marL="2743200" indent="0" algn="ctr" defTabSz="914400" rtl="0" eaLnBrk="1" latinLnBrk="0" hangingPunct="1">
+                <a:lnSpc>
+                  <a:spcPct val="90000"/>
+                </a:lnSpc>
+                <a:spcBef>
+                  <a:spcPts val="500"/>
+                </a:spcBef>
+                <a:buFont typeface="Arial" panose="020B0604020202020204" pitchFamily="34" charset="0"/>
+                <a:buNone/>
+                <a:defRPr sz="1600" kern="1200">
+                  <a:solidFill>
+                    <a:schemeClr val="tx1"/>
+                  </a:solidFill>
+                  <a:latin typeface="+mn-lt"/>
+                  <a:ea typeface="+mn-ea"/>
+                  <a:cs typeface="+mn-cs"/>
+                </a:defRPr>
+              </a:lvl7pPr>
+              <a:lvl8pPr marL="3200400" indent="0" algn="ctr" defTabSz="914400" rtl="0" eaLnBrk="1" latinLnBrk="0" hangingPunct="1">
+                <a:lnSpc>
+                  <a:spcPct val="90000"/>
+                </a:lnSpc>
+                <a:spcBef>
+                  <a:spcPts val="500"/>
+                </a:spcBef>
+                <a:buFont typeface="Arial" panose="020B0604020202020204" pitchFamily="34" charset="0"/>
+                <a:buNone/>
+                <a:defRPr sz="1600" kern="1200">
+                  <a:solidFill>
+                    <a:schemeClr val="tx1"/>
+                  </a:solidFill>
+                  <a:latin typeface="+mn-lt"/>
+                  <a:ea typeface="+mn-ea"/>
+                  <a:cs typeface="+mn-cs"/>
+                </a:defRPr>
+              </a:lvl8pPr>
+              <a:lvl9pPr marL="3657600" indent="0" algn="ctr" defTabSz="914400" rtl="0" eaLnBrk="1" latinLnBrk="0" hangingPunct="1">
+                <a:lnSpc>
+                  <a:spcPct val="90000"/>
+                </a:lnSpc>
+                <a:spcBef>
+                  <a:spcPts val="500"/>
+                </a:spcBef>
+                <a:buFont typeface="Arial" panose="020B0604020202020204" pitchFamily="34" charset="0"/>
+                <a:buNone/>
+                <a:defRPr sz="1600" kern="1200">
+                  <a:solidFill>
+                    <a:schemeClr val="tx1"/>
+                  </a:solidFill>
+                  <a:latin typeface="+mn-lt"/>
+                  <a:ea typeface="+mn-ea"/>
+                  <a:cs typeface="+mn-cs"/>
+                </a:defRPr>
+              </a:lvl9pPr>
+            </a:lstStyle>
+            <a:p>
+              <a:r>
+                <a:rPr lang="en-US" sz="1200" dirty="0"/>
+                <a:t>U0</a:t>
+              </a:r>
+              <a:endParaRPr lang="LID4096" sz="1400" dirty="0"/>
+            </a:p>
+          </p:txBody>
+        </p:sp>
+        <p:cxnSp>
+          <p:nvCxnSpPr>
+            <p:cNvPr id="56" name="Connector: Elbow 55">
+              <a:extLst>
+                <a:ext uri="{FF2B5EF4-FFF2-40B4-BE49-F238E27FC236}">
+                  <a16:creationId xmlns:a16="http://schemas.microsoft.com/office/drawing/2014/main" id="{9C996F79-E5AC-CEE4-F3CD-93DBC314A6B0}"/>
+                </a:ext>
+              </a:extLst>
+            </p:cNvPr>
+            <p:cNvCxnSpPr>
+              <a:cxnSpLocks/>
+            </p:cNvCxnSpPr>
+            <p:nvPr/>
+          </p:nvCxnSpPr>
+          <p:spPr>
+            <a:xfrm rot="16200000" flipH="1">
+              <a:off x="5117295" y="1721265"/>
+              <a:ext cx="897202" cy="584293"/>
+            </a:xfrm>
+            <a:prstGeom prst="bentConnector2">
+              <a:avLst/>
+            </a:prstGeom>
+            <a:ln>
+              <a:tailEnd type="triangle"/>
+            </a:ln>
+          </p:spPr>
+          <p:style>
+            <a:lnRef idx="1">
+              <a:schemeClr val="accent1"/>
+            </a:lnRef>
+            <a:fillRef idx="0">
+              <a:schemeClr val="accent1"/>
+            </a:fillRef>
+            <a:effectRef idx="0">
+              <a:schemeClr val="accent1"/>
+            </a:effectRef>
+            <a:fontRef idx="minor">
+              <a:schemeClr val="tx1"/>
+            </a:fontRef>
+          </p:style>
+        </p:cxnSp>
+      </p:grpSp>
+      <p:cxnSp>
+        <p:nvCxnSpPr>
+          <p:cNvPr id="67" name="Connector: Elbow 66">
+            <a:extLst>
+              <a:ext uri="{FF2B5EF4-FFF2-40B4-BE49-F238E27FC236}">
+                <a16:creationId xmlns:a16="http://schemas.microsoft.com/office/drawing/2014/main" id="{2924C4A5-7B52-A33A-1273-4993C26ED6C5}"/>
+              </a:ext>
+            </a:extLst>
+          </p:cNvPr>
+          <p:cNvCxnSpPr>
+            <a:cxnSpLocks/>
+            <a:stCxn id="6" idx="3"/>
+            <a:endCxn id="46" idx="2"/>
+          </p:cNvCxnSpPr>
+          <p:nvPr/>
+        </p:nvCxnSpPr>
+        <p:spPr>
+          <a:xfrm flipV="1">
+            <a:off x="1810193" y="3762153"/>
+            <a:ext cx="5637030" cy="837314"/>
+          </a:xfrm>
+          <a:prstGeom prst="bentConnector3">
+            <a:avLst>
+              <a:gd name="adj1" fmla="val 33679"/>
+            </a:avLst>
+          </a:prstGeom>
+          <a:ln w="19050">
+            <a:tailEnd type="triangle"/>
+          </a:ln>
+        </p:spPr>
+        <p:style>
+          <a:lnRef idx="1">
+            <a:schemeClr val="accent1"/>
+          </a:lnRef>
+          <a:fillRef idx="0">
+            <a:schemeClr val="accent1"/>
+          </a:fillRef>
+          <a:effectRef idx="0">
+            <a:schemeClr val="accent1"/>
+          </a:effectRef>
+          <a:fontRef idx="minor">
+            <a:schemeClr val="tx1"/>
+          </a:fontRef>
+        </p:style>
+      </p:cxnSp>
+      <p:cxnSp>
+        <p:nvCxnSpPr>
+          <p:cNvPr id="74" name="Connector: Elbow 73">
+            <a:extLst>
+              <a:ext uri="{FF2B5EF4-FFF2-40B4-BE49-F238E27FC236}">
+                <a16:creationId xmlns:a16="http://schemas.microsoft.com/office/drawing/2014/main" id="{83EB26D4-4AD6-973F-4216-EAA08F18F746}"/>
+              </a:ext>
+            </a:extLst>
+          </p:cNvPr>
+          <p:cNvCxnSpPr>
+            <a:cxnSpLocks/>
+            <a:stCxn id="8" idx="3"/>
+          </p:cNvCxnSpPr>
+          <p:nvPr/>
+        </p:nvCxnSpPr>
+        <p:spPr>
+          <a:xfrm flipV="1">
+            <a:off x="1810193" y="4060137"/>
+            <a:ext cx="5637030" cy="1726632"/>
+          </a:xfrm>
+          <a:prstGeom prst="bentConnector3">
+            <a:avLst/>
+          </a:prstGeom>
+          <a:ln w="28575">
+            <a:tailEnd type="triangle"/>
+          </a:ln>
+        </p:spPr>
+        <p:style>
+          <a:lnRef idx="1">
+            <a:schemeClr val="accent1"/>
+          </a:lnRef>
+          <a:fillRef idx="0">
+            <a:schemeClr val="accent1"/>
+          </a:fillRef>
+          <a:effectRef idx="0">
+            <a:schemeClr val="accent1"/>
+          </a:effectRef>
+          <a:fontRef idx="minor">
+            <a:schemeClr val="tx1"/>
+          </a:fontRef>
+        </p:style>
+      </p:cxnSp>
+      <p:cxnSp>
+        <p:nvCxnSpPr>
+          <p:cNvPr id="77" name="Connector: Elbow 76">
+            <a:extLst>
+              <a:ext uri="{FF2B5EF4-FFF2-40B4-BE49-F238E27FC236}">
+                <a16:creationId xmlns:a16="http://schemas.microsoft.com/office/drawing/2014/main" id="{5CC55E67-F019-33AF-37B6-6FA711C2694E}"/>
+              </a:ext>
+            </a:extLst>
+          </p:cNvPr>
+          <p:cNvCxnSpPr>
+            <a:cxnSpLocks/>
+            <a:stCxn id="4" idx="3"/>
+          </p:cNvCxnSpPr>
+          <p:nvPr/>
+        </p:nvCxnSpPr>
+        <p:spPr>
+          <a:xfrm>
+            <a:off x="1810193" y="2224863"/>
+            <a:ext cx="5648764" cy="1331376"/>
+          </a:xfrm>
+          <a:prstGeom prst="bentConnector3">
+            <a:avLst>
+              <a:gd name="adj1" fmla="val 16590"/>
+            </a:avLst>
+          </a:prstGeom>
+          <a:ln w="28575">
+            <a:tailEnd type="triangle"/>
+          </a:ln>
+        </p:spPr>
+        <p:style>
+          <a:lnRef idx="1">
+            <a:schemeClr val="accent1"/>
+          </a:lnRef>
+          <a:fillRef idx="0">
+            <a:schemeClr val="accent1"/>
+          </a:fillRef>
+          <a:effectRef idx="0">
+            <a:schemeClr val="accent1"/>
+          </a:effectRef>
+          <a:fontRef idx="minor">
+            <a:schemeClr val="tx1"/>
+          </a:fontRef>
+        </p:style>
+      </p:cxnSp>
+      <p:cxnSp>
+        <p:nvCxnSpPr>
+          <p:cNvPr id="91" name="Connector: Elbow 90">
+            <a:extLst>
+              <a:ext uri="{FF2B5EF4-FFF2-40B4-BE49-F238E27FC236}">
+                <a16:creationId xmlns:a16="http://schemas.microsoft.com/office/drawing/2014/main" id="{07ED6F2B-4825-7EE4-E49D-CE2C88C08741}"/>
+              </a:ext>
+            </a:extLst>
+          </p:cNvPr>
+          <p:cNvCxnSpPr>
+            <a:cxnSpLocks/>
+            <a:stCxn id="46" idx="0"/>
+          </p:cNvCxnSpPr>
+          <p:nvPr/>
+        </p:nvCxnSpPr>
+        <p:spPr>
+          <a:xfrm flipV="1">
+            <a:off x="7750250" y="3234605"/>
+            <a:ext cx="836819" cy="527548"/>
+          </a:xfrm>
+          <a:prstGeom prst="bentConnector3">
+            <a:avLst/>
+          </a:prstGeom>
+          <a:ln w="28575">
+            <a:tailEnd type="triangle"/>
+          </a:ln>
+        </p:spPr>
+        <p:style>
+          <a:lnRef idx="1">
+            <a:schemeClr val="accent1"/>
+          </a:lnRef>
+          <a:fillRef idx="0">
+            <a:schemeClr val="accent1"/>
+          </a:fillRef>
+          <a:effectRef idx="0">
+            <a:schemeClr val="accent1"/>
+          </a:effectRef>
+          <a:fontRef idx="minor">
+            <a:schemeClr val="tx1"/>
+          </a:fontRef>
+        </p:style>
+      </p:cxnSp>
+      <p:cxnSp>
+        <p:nvCxnSpPr>
+          <p:cNvPr id="94" name="Connector: Elbow 93">
+            <a:extLst>
+              <a:ext uri="{FF2B5EF4-FFF2-40B4-BE49-F238E27FC236}">
+                <a16:creationId xmlns:a16="http://schemas.microsoft.com/office/drawing/2014/main" id="{130F7EE2-5C37-81E6-B321-18582136CDB0}"/>
+              </a:ext>
+            </a:extLst>
+          </p:cNvPr>
+          <p:cNvCxnSpPr>
+            <a:cxnSpLocks/>
+            <a:stCxn id="18" idx="0"/>
+          </p:cNvCxnSpPr>
+          <p:nvPr/>
+        </p:nvCxnSpPr>
+        <p:spPr>
+          <a:xfrm>
+            <a:off x="7750250" y="1823483"/>
+            <a:ext cx="836819" cy="830225"/>
+          </a:xfrm>
+          <a:prstGeom prst="bentConnector3">
+            <a:avLst/>
+          </a:prstGeom>
+          <a:ln w="28575">
+            <a:tailEnd type="triangle"/>
+          </a:ln>
+        </p:spPr>
+        <p:style>
+          <a:lnRef idx="1">
+            <a:schemeClr val="accent1"/>
+          </a:lnRef>
+          <a:fillRef idx="0">
+            <a:schemeClr val="accent1"/>
+          </a:fillRef>
+          <a:effectRef idx="0">
+            <a:schemeClr val="accent1"/>
+          </a:effectRef>
+          <a:fontRef idx="minor">
+            <a:schemeClr val="tx1"/>
+          </a:fontRef>
+        </p:style>
+      </p:cxnSp>
+      <p:cxnSp>
+        <p:nvCxnSpPr>
+          <p:cNvPr id="99" name="Connector: Elbow 98">
+            <a:extLst>
+              <a:ext uri="{FF2B5EF4-FFF2-40B4-BE49-F238E27FC236}">
+                <a16:creationId xmlns:a16="http://schemas.microsoft.com/office/drawing/2014/main" id="{682B9C1C-131D-7040-D504-8758953BA491}"/>
+              </a:ext>
+            </a:extLst>
+          </p:cNvPr>
+          <p:cNvCxnSpPr>
+            <a:cxnSpLocks/>
+            <a:stCxn id="42" idx="3"/>
+            <a:endCxn id="33" idx="2"/>
+          </p:cNvCxnSpPr>
+          <p:nvPr/>
+        </p:nvCxnSpPr>
+        <p:spPr>
+          <a:xfrm flipH="1" flipV="1">
+            <a:off x="864090" y="1094267"/>
+            <a:ext cx="9000181" cy="1873988"/>
+          </a:xfrm>
+          <a:prstGeom prst="bentConnector5">
+            <a:avLst>
+              <a:gd name="adj1" fmla="val -9239"/>
+              <a:gd name="adj2" fmla="val 143294"/>
+              <a:gd name="adj3" fmla="val 104903"/>
+            </a:avLst>
+          </a:prstGeom>
+          <a:ln w="28575">
+            <a:tailEnd type="triangle"/>
+          </a:ln>
+        </p:spPr>
+        <p:style>
+          <a:lnRef idx="1">
+            <a:schemeClr val="accent1"/>
+          </a:lnRef>
+          <a:fillRef idx="0">
+            <a:schemeClr val="accent1"/>
+          </a:fillRef>
+          <a:effectRef idx="0">
+            <a:schemeClr val="accent1"/>
+          </a:effectRef>
+          <a:fontRef idx="minor">
+            <a:schemeClr val="tx1"/>
+          </a:fontRef>
+        </p:style>
+      </p:cxnSp>
+      <p:sp>
+        <p:nvSpPr>
+          <p:cNvPr id="106" name="Subtitle 13">
+            <a:extLst>
+              <a:ext uri="{FF2B5EF4-FFF2-40B4-BE49-F238E27FC236}">
+                <a16:creationId xmlns:a16="http://schemas.microsoft.com/office/drawing/2014/main" id="{02A8C2C8-AFEC-194B-09BB-66F6C618F3A8}"/>
+              </a:ext>
+            </a:extLst>
+          </p:cNvPr>
+          <p:cNvSpPr txBox="1">
+            <a:spLocks/>
+          </p:cNvSpPr>
+          <p:nvPr/>
+        </p:nvSpPr>
+        <p:spPr>
+          <a:xfrm>
+            <a:off x="10045236" y="2737591"/>
+            <a:ext cx="619492" cy="305920"/>
+          </a:xfrm>
+          <a:prstGeom prst="rect">
+            <a:avLst/>
+          </a:prstGeom>
+        </p:spPr>
+        <p:txBody>
+          <a:bodyPr vert="horz" lIns="91440" tIns="45720" rIns="91440" bIns="45720" rtlCol="0">
+            <a:normAutofit fontScale="92500"/>
+          </a:bodyPr>
+          <a:lstStyle>
+            <a:lvl1pPr marL="0" indent="0" algn="ctr" defTabSz="914400" rtl="0" eaLnBrk="1" latinLnBrk="0" hangingPunct="1">
+              <a:lnSpc>
+                <a:spcPct val="90000"/>
+              </a:lnSpc>
+              <a:spcBef>
+                <a:spcPts val="1000"/>
+              </a:spcBef>
+              <a:buFont typeface="Arial" panose="020B0604020202020204" pitchFamily="34" charset="0"/>
+              <a:buNone/>
+              <a:defRPr sz="2400" kern="1200">
+                <a:solidFill>
+                  <a:schemeClr val="tx1"/>
+                </a:solidFill>
+                <a:latin typeface="+mn-lt"/>
+                <a:ea typeface="+mn-ea"/>
+                <a:cs typeface="+mn-cs"/>
+              </a:defRPr>
+            </a:lvl1pPr>
+            <a:lvl2pPr marL="457200" indent="0" algn="ctr" defTabSz="914400" rtl="0" eaLnBrk="1" latinLnBrk="0" hangingPunct="1">
+              <a:lnSpc>
+                <a:spcPct val="90000"/>
+              </a:lnSpc>
+              <a:spcBef>
+                <a:spcPts val="500"/>
+              </a:spcBef>
+              <a:buFont typeface="Arial" panose="020B0604020202020204" pitchFamily="34" charset="0"/>
+              <a:buNone/>
+              <a:defRPr sz="2000" kern="1200">
+                <a:solidFill>
+                  <a:schemeClr val="tx1"/>
+                </a:solidFill>
+                <a:latin typeface="+mn-lt"/>
+                <a:ea typeface="+mn-ea"/>
+                <a:cs typeface="+mn-cs"/>
+              </a:defRPr>
+            </a:lvl2pPr>
+            <a:lvl3pPr marL="914400" indent="0" algn="ctr" defTabSz="914400" rtl="0" eaLnBrk="1" latinLnBrk="0" hangingPunct="1">
+              <a:lnSpc>
+                <a:spcPct val="90000"/>
+              </a:lnSpc>
+              <a:spcBef>
+                <a:spcPts val="500"/>
+              </a:spcBef>
+              <a:buFont typeface="Arial" panose="020B0604020202020204" pitchFamily="34" charset="0"/>
+              <a:buNone/>
+              <a:defRPr sz="1800" kern="1200">
+                <a:solidFill>
+                  <a:schemeClr val="tx1"/>
+                </a:solidFill>
+                <a:latin typeface="+mn-lt"/>
+                <a:ea typeface="+mn-ea"/>
+                <a:cs typeface="+mn-cs"/>
+              </a:defRPr>
+            </a:lvl3pPr>
+            <a:lvl4pPr marL="1371600" indent="0" algn="ctr" defTabSz="914400" rtl="0" eaLnBrk="1" latinLnBrk="0" hangingPunct="1">
+              <a:lnSpc>
+                <a:spcPct val="90000"/>
+              </a:lnSpc>
+              <a:spcBef>
+                <a:spcPts val="500"/>
+              </a:spcBef>
+              <a:buFont typeface="Arial" panose="020B0604020202020204" pitchFamily="34" charset="0"/>
+              <a:buNone/>
+              <a:defRPr sz="1600" kern="1200">
+                <a:solidFill>
+                  <a:schemeClr val="tx1"/>
+                </a:solidFill>
+                <a:latin typeface="+mn-lt"/>
+                <a:ea typeface="+mn-ea"/>
+                <a:cs typeface="+mn-cs"/>
+              </a:defRPr>
+            </a:lvl4pPr>
+            <a:lvl5pPr marL="1828800" indent="0" algn="ctr" defTabSz="914400" rtl="0" eaLnBrk="1" latinLnBrk="0" hangingPunct="1">
+              <a:lnSpc>
+                <a:spcPct val="90000"/>
+              </a:lnSpc>
+              <a:spcBef>
+                <a:spcPts val="500"/>
+              </a:spcBef>
+              <a:buFont typeface="Arial" panose="020B0604020202020204" pitchFamily="34" charset="0"/>
+              <a:buNone/>
+              <a:defRPr sz="1600" kern="1200">
+                <a:solidFill>
+                  <a:schemeClr val="tx1"/>
+                </a:solidFill>
+                <a:latin typeface="+mn-lt"/>
+                <a:ea typeface="+mn-ea"/>
+                <a:cs typeface="+mn-cs"/>
+              </a:defRPr>
+            </a:lvl5pPr>
+            <a:lvl6pPr marL="2286000" indent="0" algn="ctr" defTabSz="914400" rtl="0" eaLnBrk="1" latinLnBrk="0" hangingPunct="1">
+              <a:lnSpc>
+                <a:spcPct val="90000"/>
+              </a:lnSpc>
+              <a:spcBef>
+                <a:spcPts val="500"/>
+              </a:spcBef>
+              <a:buFont typeface="Arial" panose="020B0604020202020204" pitchFamily="34" charset="0"/>
+              <a:buNone/>
+              <a:defRPr sz="1600" kern="1200">
+                <a:solidFill>
+                  <a:schemeClr val="tx1"/>
+                </a:solidFill>
+                <a:latin typeface="+mn-lt"/>
+                <a:ea typeface="+mn-ea"/>
+                <a:cs typeface="+mn-cs"/>
+              </a:defRPr>
+            </a:lvl6pPr>
+            <a:lvl7pPr marL="2743200" indent="0" algn="ctr" defTabSz="914400" rtl="0" eaLnBrk="1" latinLnBrk="0" hangingPunct="1">
+              <a:lnSpc>
+                <a:spcPct val="90000"/>
+              </a:lnSpc>
+              <a:spcBef>
+                <a:spcPts val="500"/>
+              </a:spcBef>
+              <a:buFont typeface="Arial" panose="020B0604020202020204" pitchFamily="34" charset="0"/>
+              <a:buNone/>
+              <a:defRPr sz="1600" kern="1200">
+                <a:solidFill>
+                  <a:schemeClr val="tx1"/>
+                </a:solidFill>
+                <a:latin typeface="+mn-lt"/>
+                <a:ea typeface="+mn-ea"/>
+                <a:cs typeface="+mn-cs"/>
+              </a:defRPr>
+            </a:lvl7pPr>
+            <a:lvl8pPr marL="3200400" indent="0" algn="ctr" defTabSz="914400" rtl="0" eaLnBrk="1" latinLnBrk="0" hangingPunct="1">
+              <a:lnSpc>
+                <a:spcPct val="90000"/>
+              </a:lnSpc>
+              <a:spcBef>
+                <a:spcPts val="500"/>
+              </a:spcBef>
+              <a:buFont typeface="Arial" panose="020B0604020202020204" pitchFamily="34" charset="0"/>
+              <a:buNone/>
+              <a:defRPr sz="1600" kern="1200">
+                <a:solidFill>
+                  <a:schemeClr val="tx1"/>
+                </a:solidFill>
+                <a:latin typeface="+mn-lt"/>
+                <a:ea typeface="+mn-ea"/>
+                <a:cs typeface="+mn-cs"/>
+              </a:defRPr>
+            </a:lvl8pPr>
+            <a:lvl9pPr marL="3657600" indent="0" algn="ctr" defTabSz="914400" rtl="0" eaLnBrk="1" latinLnBrk="0" hangingPunct="1">
+              <a:lnSpc>
+                <a:spcPct val="90000"/>
+              </a:lnSpc>
+              <a:spcBef>
+                <a:spcPts val="500"/>
+              </a:spcBef>
+              <a:buFont typeface="Arial" panose="020B0604020202020204" pitchFamily="34" charset="0"/>
+              <a:buNone/>
+              <a:defRPr sz="1600" kern="1200">
+                <a:solidFill>
+                  <a:schemeClr val="tx1"/>
+                </a:solidFill>
+                <a:latin typeface="+mn-lt"/>
+                <a:ea typeface="+mn-ea"/>
+                <a:cs typeface="+mn-cs"/>
+              </a:defRPr>
+            </a:lvl9pPr>
+          </a:lstStyle>
+          <a:p>
+            <a:r>
+              <a:rPr lang="en-US" sz="1200" b="1" dirty="0"/>
+              <a:t>[256:1]</a:t>
+            </a:r>
+            <a:endParaRPr lang="LID4096" sz="1400" b="1" dirty="0"/>
+          </a:p>
+        </p:txBody>
+      </p:sp>
+      <p:cxnSp>
+        <p:nvCxnSpPr>
+          <p:cNvPr id="108" name="Connector: Elbow 107">
+            <a:extLst>
+              <a:ext uri="{FF2B5EF4-FFF2-40B4-BE49-F238E27FC236}">
+                <a16:creationId xmlns:a16="http://schemas.microsoft.com/office/drawing/2014/main" id="{AA3FE722-1A19-6988-3418-D25E0DD96488}"/>
+              </a:ext>
+            </a:extLst>
+          </p:cNvPr>
+          <p:cNvCxnSpPr>
+            <a:cxnSpLocks/>
+            <a:stCxn id="42" idx="3"/>
+            <a:endCxn id="8" idx="1"/>
+          </p:cNvCxnSpPr>
+          <p:nvPr/>
+        </p:nvCxnSpPr>
+        <p:spPr>
+          <a:xfrm flipH="1">
+            <a:off x="1507165" y="2968255"/>
+            <a:ext cx="8357106" cy="2818514"/>
+          </a:xfrm>
+          <a:prstGeom prst="bentConnector5">
+            <a:avLst>
+              <a:gd name="adj1" fmla="val -10051"/>
+              <a:gd name="adj2" fmla="val 126517"/>
+              <a:gd name="adj3" fmla="val 102735"/>
+            </a:avLst>
+          </a:prstGeom>
+          <a:ln w="28575">
+            <a:tailEnd type="triangle"/>
+          </a:ln>
+        </p:spPr>
+        <p:style>
+          <a:lnRef idx="1">
+            <a:schemeClr val="accent1"/>
+          </a:lnRef>
+          <a:fillRef idx="0">
+            <a:schemeClr val="accent1"/>
+          </a:fillRef>
+          <a:effectRef idx="0">
+            <a:schemeClr val="accent1"/>
+          </a:effectRef>
+          <a:fontRef idx="minor">
+            <a:schemeClr val="tx1"/>
+          </a:fontRef>
+        </p:style>
+      </p:cxnSp>
+      <p:cxnSp>
+        <p:nvCxnSpPr>
+          <p:cNvPr id="122" name="Straight Arrow Connector 121">
+            <a:extLst>
+              <a:ext uri="{FF2B5EF4-FFF2-40B4-BE49-F238E27FC236}">
+                <a16:creationId xmlns:a16="http://schemas.microsoft.com/office/drawing/2014/main" id="{F4B5725A-D4D6-B23A-093A-43E2277F9894}"/>
+              </a:ext>
+            </a:extLst>
+          </p:cNvPr>
+          <p:cNvCxnSpPr>
+            <a:cxnSpLocks/>
+          </p:cNvCxnSpPr>
+          <p:nvPr/>
+        </p:nvCxnSpPr>
+        <p:spPr>
+          <a:xfrm flipV="1">
+            <a:off x="7598736" y="4205398"/>
+            <a:ext cx="0" cy="1318437"/>
+          </a:xfrm>
+          <a:prstGeom prst="straightConnector1">
+            <a:avLst/>
+          </a:prstGeom>
+          <a:ln>
+            <a:tailEnd type="triangle"/>
+          </a:ln>
+        </p:spPr>
+        <p:style>
+          <a:lnRef idx="1">
+            <a:schemeClr val="accent1"/>
+          </a:lnRef>
+          <a:fillRef idx="0">
+            <a:schemeClr val="accent1"/>
+          </a:fillRef>
+          <a:effectRef idx="0">
+            <a:schemeClr val="accent1"/>
+          </a:effectRef>
+          <a:fontRef idx="minor">
+            <a:schemeClr val="tx1"/>
+          </a:fontRef>
+        </p:style>
+      </p:cxnSp>
+      <p:sp>
+        <p:nvSpPr>
+          <p:cNvPr id="125" name="Subtitle 13">
+            <a:extLst>
+              <a:ext uri="{FF2B5EF4-FFF2-40B4-BE49-F238E27FC236}">
+                <a16:creationId xmlns:a16="http://schemas.microsoft.com/office/drawing/2014/main" id="{3FE00B07-7A73-D4A0-BD2F-4A947CBB5603}"/>
+              </a:ext>
+            </a:extLst>
+          </p:cNvPr>
+          <p:cNvSpPr txBox="1">
+            <a:spLocks/>
+          </p:cNvSpPr>
+          <p:nvPr/>
+        </p:nvSpPr>
+        <p:spPr>
+          <a:xfrm rot="16200000">
+            <a:off x="7223757" y="4470990"/>
+            <a:ext cx="628331" cy="332551"/>
+          </a:xfrm>
+          <a:prstGeom prst="rect">
+            <a:avLst/>
+          </a:prstGeom>
+        </p:spPr>
+        <p:txBody>
+          <a:bodyPr vert="horz" lIns="91440" tIns="45720" rIns="91440" bIns="45720" rtlCol="0">
+            <a:normAutofit/>
+          </a:bodyPr>
+          <a:lstStyle>
+            <a:lvl1pPr marL="0" indent="0" algn="ctr" defTabSz="914400" rtl="0" eaLnBrk="1" latinLnBrk="0" hangingPunct="1">
+              <a:lnSpc>
+                <a:spcPct val="90000"/>
+              </a:lnSpc>
+              <a:spcBef>
+                <a:spcPts val="1000"/>
+              </a:spcBef>
+              <a:buFont typeface="Arial" panose="020B0604020202020204" pitchFamily="34" charset="0"/>
+              <a:buNone/>
+              <a:defRPr sz="2400" kern="1200">
+                <a:solidFill>
+                  <a:schemeClr val="tx1"/>
+                </a:solidFill>
+                <a:latin typeface="+mn-lt"/>
+                <a:ea typeface="+mn-ea"/>
+                <a:cs typeface="+mn-cs"/>
+              </a:defRPr>
+            </a:lvl1pPr>
+            <a:lvl2pPr marL="457200" indent="0" algn="ctr" defTabSz="914400" rtl="0" eaLnBrk="1" latinLnBrk="0" hangingPunct="1">
+              <a:lnSpc>
+                <a:spcPct val="90000"/>
+              </a:lnSpc>
+              <a:spcBef>
+                <a:spcPts val="500"/>
+              </a:spcBef>
+              <a:buFont typeface="Arial" panose="020B0604020202020204" pitchFamily="34" charset="0"/>
+              <a:buNone/>
+              <a:defRPr sz="2000" kern="1200">
+                <a:solidFill>
+                  <a:schemeClr val="tx1"/>
+                </a:solidFill>
+                <a:latin typeface="+mn-lt"/>
+                <a:ea typeface="+mn-ea"/>
+                <a:cs typeface="+mn-cs"/>
+              </a:defRPr>
+            </a:lvl2pPr>
+            <a:lvl3pPr marL="914400" indent="0" algn="ctr" defTabSz="914400" rtl="0" eaLnBrk="1" latinLnBrk="0" hangingPunct="1">
+              <a:lnSpc>
+                <a:spcPct val="90000"/>
+              </a:lnSpc>
+              <a:spcBef>
+                <a:spcPts val="500"/>
+              </a:spcBef>
+              <a:buFont typeface="Arial" panose="020B0604020202020204" pitchFamily="34" charset="0"/>
+              <a:buNone/>
+              <a:defRPr sz="1800" kern="1200">
+                <a:solidFill>
+                  <a:schemeClr val="tx1"/>
+                </a:solidFill>
+                <a:latin typeface="+mn-lt"/>
+                <a:ea typeface="+mn-ea"/>
+                <a:cs typeface="+mn-cs"/>
+              </a:defRPr>
+            </a:lvl3pPr>
+            <a:lvl4pPr marL="1371600" indent="0" algn="ctr" defTabSz="914400" rtl="0" eaLnBrk="1" latinLnBrk="0" hangingPunct="1">
+              <a:lnSpc>
+                <a:spcPct val="90000"/>
+              </a:lnSpc>
+              <a:spcBef>
+                <a:spcPts val="500"/>
+              </a:spcBef>
+              <a:buFont typeface="Arial" panose="020B0604020202020204" pitchFamily="34" charset="0"/>
+              <a:buNone/>
+              <a:defRPr sz="1600" kern="1200">
+                <a:solidFill>
+                  <a:schemeClr val="tx1"/>
+                </a:solidFill>
+                <a:latin typeface="+mn-lt"/>
+                <a:ea typeface="+mn-ea"/>
+                <a:cs typeface="+mn-cs"/>
+              </a:defRPr>
+            </a:lvl4pPr>
+            <a:lvl5pPr marL="1828800" indent="0" algn="ctr" defTabSz="914400" rtl="0" eaLnBrk="1" latinLnBrk="0" hangingPunct="1">
+              <a:lnSpc>
+                <a:spcPct val="90000"/>
+              </a:lnSpc>
+              <a:spcBef>
+                <a:spcPts val="500"/>
+              </a:spcBef>
+              <a:buFont typeface="Arial" panose="020B0604020202020204" pitchFamily="34" charset="0"/>
+              <a:buNone/>
+              <a:defRPr sz="1600" kern="1200">
+                <a:solidFill>
+                  <a:schemeClr val="tx1"/>
+                </a:solidFill>
+                <a:latin typeface="+mn-lt"/>
+                <a:ea typeface="+mn-ea"/>
+                <a:cs typeface="+mn-cs"/>
+              </a:defRPr>
+            </a:lvl5pPr>
+            <a:lvl6pPr marL="2286000" indent="0" algn="ctr" defTabSz="914400" rtl="0" eaLnBrk="1" latinLnBrk="0" hangingPunct="1">
+              <a:lnSpc>
+                <a:spcPct val="90000"/>
+              </a:lnSpc>
+              <a:spcBef>
+                <a:spcPts val="500"/>
+              </a:spcBef>
+              <a:buFont typeface="Arial" panose="020B0604020202020204" pitchFamily="34" charset="0"/>
+              <a:buNone/>
+              <a:defRPr sz="1600" kern="1200">
+                <a:solidFill>
+                  <a:schemeClr val="tx1"/>
+                </a:solidFill>
+                <a:latin typeface="+mn-lt"/>
+                <a:ea typeface="+mn-ea"/>
+                <a:cs typeface="+mn-cs"/>
+              </a:defRPr>
+            </a:lvl6pPr>
+            <a:lvl7pPr marL="2743200" indent="0" algn="ctr" defTabSz="914400" rtl="0" eaLnBrk="1" latinLnBrk="0" hangingPunct="1">
+              <a:lnSpc>
+                <a:spcPct val="90000"/>
+              </a:lnSpc>
+              <a:spcBef>
+                <a:spcPts val="500"/>
+              </a:spcBef>
+              <a:buFont typeface="Arial" panose="020B0604020202020204" pitchFamily="34" charset="0"/>
+              <a:buNone/>
+              <a:defRPr sz="1600" kern="1200">
+                <a:solidFill>
+                  <a:schemeClr val="tx1"/>
+                </a:solidFill>
+                <a:latin typeface="+mn-lt"/>
+                <a:ea typeface="+mn-ea"/>
+                <a:cs typeface="+mn-cs"/>
+              </a:defRPr>
+            </a:lvl7pPr>
+            <a:lvl8pPr marL="3200400" indent="0" algn="ctr" defTabSz="914400" rtl="0" eaLnBrk="1" latinLnBrk="0" hangingPunct="1">
+              <a:lnSpc>
+                <a:spcPct val="90000"/>
+              </a:lnSpc>
+              <a:spcBef>
+                <a:spcPts val="500"/>
+              </a:spcBef>
+              <a:buFont typeface="Arial" panose="020B0604020202020204" pitchFamily="34" charset="0"/>
+              <a:buNone/>
+              <a:defRPr sz="1600" kern="1200">
+                <a:solidFill>
+                  <a:schemeClr val="tx1"/>
+                </a:solidFill>
+                <a:latin typeface="+mn-lt"/>
+                <a:ea typeface="+mn-ea"/>
+                <a:cs typeface="+mn-cs"/>
+              </a:defRPr>
+            </a:lvl8pPr>
+            <a:lvl9pPr marL="3657600" indent="0" algn="ctr" defTabSz="914400" rtl="0" eaLnBrk="1" latinLnBrk="0" hangingPunct="1">
+              <a:lnSpc>
+                <a:spcPct val="90000"/>
+              </a:lnSpc>
+              <a:spcBef>
+                <a:spcPts val="500"/>
+              </a:spcBef>
+              <a:buFont typeface="Arial" panose="020B0604020202020204" pitchFamily="34" charset="0"/>
+              <a:buNone/>
+              <a:defRPr sz="1600" kern="1200">
+                <a:solidFill>
+                  <a:schemeClr val="tx1"/>
+                </a:solidFill>
+                <a:latin typeface="+mn-lt"/>
+                <a:ea typeface="+mn-ea"/>
+                <a:cs typeface="+mn-cs"/>
+              </a:defRPr>
+            </a:lvl9pPr>
+          </a:lstStyle>
+          <a:p>
+            <a:r>
+              <a:rPr lang="en-US" sz="1200" dirty="0"/>
+              <a:t>sel2</a:t>
+            </a:r>
+            <a:endParaRPr lang="LID4096" sz="1400" dirty="0"/>
+          </a:p>
+        </p:txBody>
+      </p:sp>
+      <p:sp>
+        <p:nvSpPr>
+          <p:cNvPr id="130" name="Subtitle 13">
+            <a:extLst>
+              <a:ext uri="{FF2B5EF4-FFF2-40B4-BE49-F238E27FC236}">
+                <a16:creationId xmlns:a16="http://schemas.microsoft.com/office/drawing/2014/main" id="{B7EFA5A6-C755-6A4C-5976-D829A1DE94EA}"/>
+              </a:ext>
+            </a:extLst>
+          </p:cNvPr>
+          <p:cNvSpPr txBox="1">
+            <a:spLocks/>
+          </p:cNvSpPr>
+          <p:nvPr/>
+        </p:nvSpPr>
+        <p:spPr>
+          <a:xfrm rot="16200000">
+            <a:off x="7235274" y="2527685"/>
+            <a:ext cx="628331" cy="332551"/>
+          </a:xfrm>
+          <a:prstGeom prst="rect">
+            <a:avLst/>
+          </a:prstGeom>
+        </p:spPr>
+        <p:txBody>
+          <a:bodyPr vert="horz" lIns="91440" tIns="45720" rIns="91440" bIns="45720" rtlCol="0">
+            <a:normAutofit/>
+          </a:bodyPr>
+          <a:lstStyle>
+            <a:lvl1pPr marL="0" indent="0" algn="ctr" defTabSz="914400" rtl="0" eaLnBrk="1" latinLnBrk="0" hangingPunct="1">
+              <a:lnSpc>
+                <a:spcPct val="90000"/>
+              </a:lnSpc>
+              <a:spcBef>
+                <a:spcPts val="1000"/>
+              </a:spcBef>
+              <a:buFont typeface="Arial" panose="020B0604020202020204" pitchFamily="34" charset="0"/>
+              <a:buNone/>
+              <a:defRPr sz="2400" kern="1200">
+                <a:solidFill>
+                  <a:schemeClr val="tx1"/>
+                </a:solidFill>
+                <a:latin typeface="+mn-lt"/>
+                <a:ea typeface="+mn-ea"/>
+                <a:cs typeface="+mn-cs"/>
+              </a:defRPr>
+            </a:lvl1pPr>
+            <a:lvl2pPr marL="457200" indent="0" algn="ctr" defTabSz="914400" rtl="0" eaLnBrk="1" latinLnBrk="0" hangingPunct="1">
+              <a:lnSpc>
+                <a:spcPct val="90000"/>
+              </a:lnSpc>
+              <a:spcBef>
+                <a:spcPts val="500"/>
+              </a:spcBef>
+              <a:buFont typeface="Arial" panose="020B0604020202020204" pitchFamily="34" charset="0"/>
+              <a:buNone/>
+              <a:defRPr sz="2000" kern="1200">
+                <a:solidFill>
+                  <a:schemeClr val="tx1"/>
+                </a:solidFill>
+                <a:latin typeface="+mn-lt"/>
+                <a:ea typeface="+mn-ea"/>
+                <a:cs typeface="+mn-cs"/>
+              </a:defRPr>
+            </a:lvl2pPr>
+            <a:lvl3pPr marL="914400" indent="0" algn="ctr" defTabSz="914400" rtl="0" eaLnBrk="1" latinLnBrk="0" hangingPunct="1">
+              <a:lnSpc>
+                <a:spcPct val="90000"/>
+              </a:lnSpc>
+              <a:spcBef>
+                <a:spcPts val="500"/>
+              </a:spcBef>
+              <a:buFont typeface="Arial" panose="020B0604020202020204" pitchFamily="34" charset="0"/>
+              <a:buNone/>
+              <a:defRPr sz="1800" kern="1200">
+                <a:solidFill>
+                  <a:schemeClr val="tx1"/>
+                </a:solidFill>
+                <a:latin typeface="+mn-lt"/>
+                <a:ea typeface="+mn-ea"/>
+                <a:cs typeface="+mn-cs"/>
+              </a:defRPr>
+            </a:lvl3pPr>
+            <a:lvl4pPr marL="1371600" indent="0" algn="ctr" defTabSz="914400" rtl="0" eaLnBrk="1" latinLnBrk="0" hangingPunct="1">
+              <a:lnSpc>
+                <a:spcPct val="90000"/>
+              </a:lnSpc>
+              <a:spcBef>
+                <a:spcPts val="500"/>
+              </a:spcBef>
+              <a:buFont typeface="Arial" panose="020B0604020202020204" pitchFamily="34" charset="0"/>
+              <a:buNone/>
+              <a:defRPr sz="1600" kern="1200">
+                <a:solidFill>
+                  <a:schemeClr val="tx1"/>
+                </a:solidFill>
+                <a:latin typeface="+mn-lt"/>
+                <a:ea typeface="+mn-ea"/>
+                <a:cs typeface="+mn-cs"/>
+              </a:defRPr>
+            </a:lvl4pPr>
+            <a:lvl5pPr marL="1828800" indent="0" algn="ctr" defTabSz="914400" rtl="0" eaLnBrk="1" latinLnBrk="0" hangingPunct="1">
+              <a:lnSpc>
+                <a:spcPct val="90000"/>
+              </a:lnSpc>
+              <a:spcBef>
+                <a:spcPts val="500"/>
+              </a:spcBef>
+              <a:buFont typeface="Arial" panose="020B0604020202020204" pitchFamily="34" charset="0"/>
+              <a:buNone/>
+              <a:defRPr sz="1600" kern="1200">
+                <a:solidFill>
+                  <a:schemeClr val="tx1"/>
+                </a:solidFill>
+                <a:latin typeface="+mn-lt"/>
+                <a:ea typeface="+mn-ea"/>
+                <a:cs typeface="+mn-cs"/>
+              </a:defRPr>
+            </a:lvl5pPr>
+            <a:lvl6pPr marL="2286000" indent="0" algn="ctr" defTabSz="914400" rtl="0" eaLnBrk="1" latinLnBrk="0" hangingPunct="1">
+              <a:lnSpc>
+                <a:spcPct val="90000"/>
+              </a:lnSpc>
+              <a:spcBef>
+                <a:spcPts val="500"/>
+              </a:spcBef>
+              <a:buFont typeface="Arial" panose="020B0604020202020204" pitchFamily="34" charset="0"/>
+              <a:buNone/>
+              <a:defRPr sz="1600" kern="1200">
+                <a:solidFill>
+                  <a:schemeClr val="tx1"/>
+                </a:solidFill>
+                <a:latin typeface="+mn-lt"/>
+                <a:ea typeface="+mn-ea"/>
+                <a:cs typeface="+mn-cs"/>
+              </a:defRPr>
+            </a:lvl6pPr>
+            <a:lvl7pPr marL="2743200" indent="0" algn="ctr" defTabSz="914400" rtl="0" eaLnBrk="1" latinLnBrk="0" hangingPunct="1">
+              <a:lnSpc>
+                <a:spcPct val="90000"/>
+              </a:lnSpc>
+              <a:spcBef>
+                <a:spcPts val="500"/>
+              </a:spcBef>
+              <a:buFont typeface="Arial" panose="020B0604020202020204" pitchFamily="34" charset="0"/>
+              <a:buNone/>
+              <a:defRPr sz="1600" kern="1200">
+                <a:solidFill>
+                  <a:schemeClr val="tx1"/>
+                </a:solidFill>
+                <a:latin typeface="+mn-lt"/>
+                <a:ea typeface="+mn-ea"/>
+                <a:cs typeface="+mn-cs"/>
+              </a:defRPr>
+            </a:lvl7pPr>
+            <a:lvl8pPr marL="3200400" indent="0" algn="ctr" defTabSz="914400" rtl="0" eaLnBrk="1" latinLnBrk="0" hangingPunct="1">
+              <a:lnSpc>
+                <a:spcPct val="90000"/>
+              </a:lnSpc>
+              <a:spcBef>
+                <a:spcPts val="500"/>
+              </a:spcBef>
+              <a:buFont typeface="Arial" panose="020B0604020202020204" pitchFamily="34" charset="0"/>
+              <a:buNone/>
+              <a:defRPr sz="1600" kern="1200">
+                <a:solidFill>
+                  <a:schemeClr val="tx1"/>
+                </a:solidFill>
+                <a:latin typeface="+mn-lt"/>
+                <a:ea typeface="+mn-ea"/>
+                <a:cs typeface="+mn-cs"/>
+              </a:defRPr>
+            </a:lvl8pPr>
+            <a:lvl9pPr marL="3657600" indent="0" algn="ctr" defTabSz="914400" rtl="0" eaLnBrk="1" latinLnBrk="0" hangingPunct="1">
+              <a:lnSpc>
+                <a:spcPct val="90000"/>
+              </a:lnSpc>
+              <a:spcBef>
+                <a:spcPts val="500"/>
+              </a:spcBef>
+              <a:buFont typeface="Arial" panose="020B0604020202020204" pitchFamily="34" charset="0"/>
+              <a:buNone/>
+              <a:defRPr sz="1600" kern="1200">
+                <a:solidFill>
+                  <a:schemeClr val="tx1"/>
+                </a:solidFill>
+                <a:latin typeface="+mn-lt"/>
+                <a:ea typeface="+mn-ea"/>
+                <a:cs typeface="+mn-cs"/>
+              </a:defRPr>
+            </a:lvl9pPr>
+          </a:lstStyle>
+          <a:p>
+            <a:r>
+              <a:rPr lang="en-US" sz="1200" dirty="0"/>
+              <a:t>sel1</a:t>
+            </a:r>
+            <a:endParaRPr lang="LID4096" sz="1400" dirty="0"/>
+          </a:p>
+        </p:txBody>
+      </p:sp>
+      <p:sp>
+        <p:nvSpPr>
+          <p:cNvPr id="131" name="Rectangle 130">
+            <a:extLst>
+              <a:ext uri="{FF2B5EF4-FFF2-40B4-BE49-F238E27FC236}">
+                <a16:creationId xmlns:a16="http://schemas.microsoft.com/office/drawing/2014/main" id="{6750E30D-6FE1-C537-135F-709CC418E766}"/>
+              </a:ext>
+            </a:extLst>
+          </p:cNvPr>
+          <p:cNvSpPr/>
+          <p:nvPr/>
+        </p:nvSpPr>
+        <p:spPr>
+          <a:xfrm>
+            <a:off x="7309866" y="5523835"/>
+            <a:ext cx="962264" cy="827747"/>
+          </a:xfrm>
+          <a:prstGeom prst="rect">
+            <a:avLst/>
+          </a:prstGeom>
+          <a:solidFill>
+            <a:schemeClr val="bg2"/>
+          </a:solidFill>
+        </p:spPr>
+        <p:style>
+          <a:lnRef idx="2">
+            <a:schemeClr val="accent1">
+              <a:shade val="15000"/>
+            </a:schemeClr>
+          </a:lnRef>
+          <a:fillRef idx="1">
+            <a:schemeClr val="accent1"/>
+          </a:fillRef>
+          <a:effectRef idx="0">
+            <a:schemeClr val="accent1"/>
+          </a:effectRef>
+          <a:fontRef idx="minor">
+            <a:schemeClr val="lt1"/>
+          </a:fontRef>
+        </p:style>
+        <p:txBody>
+          <a:bodyPr rtlCol="0" anchor="ctr"/>
+          <a:lstStyle/>
+          <a:p>
+            <a:pPr algn="ctr"/>
+            <a:r>
+              <a:rPr lang="en-US" sz="2000" dirty="0">
+                <a:solidFill>
+                  <a:schemeClr val="tx1"/>
+                </a:solidFill>
+              </a:rPr>
+              <a:t>Control</a:t>
+            </a:r>
+            <a:endParaRPr lang="LID4096" sz="2000" dirty="0">
+              <a:solidFill>
+                <a:schemeClr val="tx1"/>
+              </a:solidFill>
+            </a:endParaRPr>
+          </a:p>
+        </p:txBody>
+      </p:sp>
+      <p:cxnSp>
+        <p:nvCxnSpPr>
+          <p:cNvPr id="133" name="Connector: Elbow 132">
+            <a:extLst>
+              <a:ext uri="{FF2B5EF4-FFF2-40B4-BE49-F238E27FC236}">
+                <a16:creationId xmlns:a16="http://schemas.microsoft.com/office/drawing/2014/main" id="{8E473599-D86A-97BD-7866-D1FFBE5C655A}"/>
+              </a:ext>
+            </a:extLst>
+          </p:cNvPr>
+          <p:cNvCxnSpPr>
+            <a:cxnSpLocks/>
+            <a:stCxn id="21" idx="3"/>
+            <a:endCxn id="131" idx="1"/>
+          </p:cNvCxnSpPr>
+          <p:nvPr/>
+        </p:nvCxnSpPr>
+        <p:spPr>
+          <a:xfrm>
+            <a:off x="6464595" y="2596501"/>
+            <a:ext cx="845271" cy="3341208"/>
+          </a:xfrm>
+          <a:prstGeom prst="bentConnector3">
+            <a:avLst>
+              <a:gd name="adj1" fmla="val 50000"/>
+            </a:avLst>
+          </a:prstGeom>
+          <a:ln>
+            <a:tailEnd type="triangle"/>
+          </a:ln>
+        </p:spPr>
+        <p:style>
+          <a:lnRef idx="1">
+            <a:schemeClr val="accent1"/>
+          </a:lnRef>
+          <a:fillRef idx="0">
+            <a:schemeClr val="accent1"/>
+          </a:fillRef>
+          <a:effectRef idx="0">
+            <a:schemeClr val="accent1"/>
+          </a:effectRef>
+          <a:fontRef idx="minor">
+            <a:schemeClr val="tx1"/>
+          </a:fontRef>
+        </p:style>
+      </p:cxnSp>
+      <p:cxnSp>
+        <p:nvCxnSpPr>
+          <p:cNvPr id="139" name="Connector: Elbow 138">
+            <a:extLst>
+              <a:ext uri="{FF2B5EF4-FFF2-40B4-BE49-F238E27FC236}">
+                <a16:creationId xmlns:a16="http://schemas.microsoft.com/office/drawing/2014/main" id="{D37CB75C-2ACD-F2A3-444F-5829F96746C5}"/>
+              </a:ext>
+            </a:extLst>
+          </p:cNvPr>
+          <p:cNvCxnSpPr/>
+          <p:nvPr/>
+        </p:nvCxnSpPr>
+        <p:spPr>
+          <a:xfrm>
+            <a:off x="2346960" y="3128786"/>
+            <a:ext cx="4962906" cy="2997694"/>
+          </a:xfrm>
+          <a:prstGeom prst="bentConnector3">
+            <a:avLst>
+              <a:gd name="adj1" fmla="val 867"/>
+            </a:avLst>
+          </a:prstGeom>
+          <a:ln>
+            <a:tailEnd type="triangle"/>
+          </a:ln>
+        </p:spPr>
+        <p:style>
+          <a:lnRef idx="1">
+            <a:schemeClr val="accent1"/>
+          </a:lnRef>
+          <a:fillRef idx="0">
+            <a:schemeClr val="accent1"/>
+          </a:fillRef>
+          <a:effectRef idx="0">
+            <a:schemeClr val="accent1"/>
+          </a:effectRef>
+          <a:fontRef idx="minor">
+            <a:schemeClr val="tx1"/>
+          </a:fontRef>
+        </p:style>
+      </p:cxnSp>
+      <p:sp>
+        <p:nvSpPr>
+          <p:cNvPr id="148" name="Subtitle 13">
+            <a:extLst>
+              <a:ext uri="{FF2B5EF4-FFF2-40B4-BE49-F238E27FC236}">
+                <a16:creationId xmlns:a16="http://schemas.microsoft.com/office/drawing/2014/main" id="{DFD1DE5C-7227-8AFB-7E0C-F3688FA4D15E}"/>
+              </a:ext>
+            </a:extLst>
+          </p:cNvPr>
+          <p:cNvSpPr txBox="1">
+            <a:spLocks/>
+          </p:cNvSpPr>
+          <p:nvPr/>
+        </p:nvSpPr>
+        <p:spPr>
+          <a:xfrm>
+            <a:off x="6904586" y="5941853"/>
+            <a:ext cx="329859" cy="229171"/>
+          </a:xfrm>
+          <a:prstGeom prst="rect">
+            <a:avLst/>
+          </a:prstGeom>
+        </p:spPr>
+        <p:txBody>
+          <a:bodyPr vert="horz" lIns="91440" tIns="45720" rIns="91440" bIns="45720" rtlCol="0">
+            <a:normAutofit fontScale="92500" lnSpcReduction="10000"/>
+          </a:bodyPr>
+          <a:lstStyle>
+            <a:lvl1pPr marL="0" indent="0" algn="ctr" defTabSz="914400" rtl="0" eaLnBrk="1" latinLnBrk="0" hangingPunct="1">
+              <a:lnSpc>
+                <a:spcPct val="90000"/>
+              </a:lnSpc>
+              <a:spcBef>
+                <a:spcPts val="1000"/>
+              </a:spcBef>
+              <a:buFont typeface="Arial" panose="020B0604020202020204" pitchFamily="34" charset="0"/>
+              <a:buNone/>
+              <a:defRPr sz="2400" kern="1200">
+                <a:solidFill>
+                  <a:schemeClr val="tx1"/>
+                </a:solidFill>
+                <a:latin typeface="+mn-lt"/>
+                <a:ea typeface="+mn-ea"/>
+                <a:cs typeface="+mn-cs"/>
+              </a:defRPr>
+            </a:lvl1pPr>
+            <a:lvl2pPr marL="457200" indent="0" algn="ctr" defTabSz="914400" rtl="0" eaLnBrk="1" latinLnBrk="0" hangingPunct="1">
+              <a:lnSpc>
+                <a:spcPct val="90000"/>
+              </a:lnSpc>
+              <a:spcBef>
+                <a:spcPts val="500"/>
+              </a:spcBef>
+              <a:buFont typeface="Arial" panose="020B0604020202020204" pitchFamily="34" charset="0"/>
+              <a:buNone/>
+              <a:defRPr sz="2000" kern="1200">
+                <a:solidFill>
+                  <a:schemeClr val="tx1"/>
+                </a:solidFill>
+                <a:latin typeface="+mn-lt"/>
+                <a:ea typeface="+mn-ea"/>
+                <a:cs typeface="+mn-cs"/>
+              </a:defRPr>
+            </a:lvl2pPr>
+            <a:lvl3pPr marL="914400" indent="0" algn="ctr" defTabSz="914400" rtl="0" eaLnBrk="1" latinLnBrk="0" hangingPunct="1">
+              <a:lnSpc>
+                <a:spcPct val="90000"/>
+              </a:lnSpc>
+              <a:spcBef>
+                <a:spcPts val="500"/>
+              </a:spcBef>
+              <a:buFont typeface="Arial" panose="020B0604020202020204" pitchFamily="34" charset="0"/>
+              <a:buNone/>
+              <a:defRPr sz="1800" kern="1200">
+                <a:solidFill>
+                  <a:schemeClr val="tx1"/>
+                </a:solidFill>
+                <a:latin typeface="+mn-lt"/>
+                <a:ea typeface="+mn-ea"/>
+                <a:cs typeface="+mn-cs"/>
+              </a:defRPr>
+            </a:lvl3pPr>
+            <a:lvl4pPr marL="1371600" indent="0" algn="ctr" defTabSz="914400" rtl="0" eaLnBrk="1" latinLnBrk="0" hangingPunct="1">
+              <a:lnSpc>
+                <a:spcPct val="90000"/>
+              </a:lnSpc>
+              <a:spcBef>
+                <a:spcPts val="500"/>
+              </a:spcBef>
+              <a:buFont typeface="Arial" panose="020B0604020202020204" pitchFamily="34" charset="0"/>
+              <a:buNone/>
+              <a:defRPr sz="1600" kern="1200">
+                <a:solidFill>
+                  <a:schemeClr val="tx1"/>
+                </a:solidFill>
+                <a:latin typeface="+mn-lt"/>
+                <a:ea typeface="+mn-ea"/>
+                <a:cs typeface="+mn-cs"/>
+              </a:defRPr>
+            </a:lvl4pPr>
+            <a:lvl5pPr marL="1828800" indent="0" algn="ctr" defTabSz="914400" rtl="0" eaLnBrk="1" latinLnBrk="0" hangingPunct="1">
+              <a:lnSpc>
+                <a:spcPct val="90000"/>
+              </a:lnSpc>
+              <a:spcBef>
+                <a:spcPts val="500"/>
+              </a:spcBef>
+              <a:buFont typeface="Arial" panose="020B0604020202020204" pitchFamily="34" charset="0"/>
+              <a:buNone/>
+              <a:defRPr sz="1600" kern="1200">
+                <a:solidFill>
+                  <a:schemeClr val="tx1"/>
+                </a:solidFill>
+                <a:latin typeface="+mn-lt"/>
+                <a:ea typeface="+mn-ea"/>
+                <a:cs typeface="+mn-cs"/>
+              </a:defRPr>
+            </a:lvl5pPr>
+            <a:lvl6pPr marL="2286000" indent="0" algn="ctr" defTabSz="914400" rtl="0" eaLnBrk="1" latinLnBrk="0" hangingPunct="1">
+              <a:lnSpc>
+                <a:spcPct val="90000"/>
+              </a:lnSpc>
+              <a:spcBef>
+                <a:spcPts val="500"/>
+              </a:spcBef>
+              <a:buFont typeface="Arial" panose="020B0604020202020204" pitchFamily="34" charset="0"/>
+              <a:buNone/>
+              <a:defRPr sz="1600" kern="1200">
+                <a:solidFill>
+                  <a:schemeClr val="tx1"/>
+                </a:solidFill>
+                <a:latin typeface="+mn-lt"/>
+                <a:ea typeface="+mn-ea"/>
+                <a:cs typeface="+mn-cs"/>
+              </a:defRPr>
+            </a:lvl6pPr>
+            <a:lvl7pPr marL="2743200" indent="0" algn="ctr" defTabSz="914400" rtl="0" eaLnBrk="1" latinLnBrk="0" hangingPunct="1">
+              <a:lnSpc>
+                <a:spcPct val="90000"/>
+              </a:lnSpc>
+              <a:spcBef>
+                <a:spcPts val="500"/>
+              </a:spcBef>
+              <a:buFont typeface="Arial" panose="020B0604020202020204" pitchFamily="34" charset="0"/>
+              <a:buNone/>
+              <a:defRPr sz="1600" kern="1200">
+                <a:solidFill>
+                  <a:schemeClr val="tx1"/>
+                </a:solidFill>
+                <a:latin typeface="+mn-lt"/>
+                <a:ea typeface="+mn-ea"/>
+                <a:cs typeface="+mn-cs"/>
+              </a:defRPr>
+            </a:lvl7pPr>
+            <a:lvl8pPr marL="3200400" indent="0" algn="ctr" defTabSz="914400" rtl="0" eaLnBrk="1" latinLnBrk="0" hangingPunct="1">
+              <a:lnSpc>
+                <a:spcPct val="90000"/>
+              </a:lnSpc>
+              <a:spcBef>
+                <a:spcPts val="500"/>
+              </a:spcBef>
+              <a:buFont typeface="Arial" panose="020B0604020202020204" pitchFamily="34" charset="0"/>
+              <a:buNone/>
+              <a:defRPr sz="1600" kern="1200">
+                <a:solidFill>
+                  <a:schemeClr val="tx1"/>
+                </a:solidFill>
+                <a:latin typeface="+mn-lt"/>
+                <a:ea typeface="+mn-ea"/>
+                <a:cs typeface="+mn-cs"/>
+              </a:defRPr>
+            </a:lvl8pPr>
+            <a:lvl9pPr marL="3657600" indent="0" algn="ctr" defTabSz="914400" rtl="0" eaLnBrk="1" latinLnBrk="0" hangingPunct="1">
+              <a:lnSpc>
+                <a:spcPct val="90000"/>
+              </a:lnSpc>
+              <a:spcBef>
+                <a:spcPts val="500"/>
+              </a:spcBef>
+              <a:buFont typeface="Arial" panose="020B0604020202020204" pitchFamily="34" charset="0"/>
+              <a:buNone/>
+              <a:defRPr sz="1600" kern="1200">
+                <a:solidFill>
+                  <a:schemeClr val="tx1"/>
+                </a:solidFill>
+                <a:latin typeface="+mn-lt"/>
+                <a:ea typeface="+mn-ea"/>
+                <a:cs typeface="+mn-cs"/>
+              </a:defRPr>
+            </a:lvl9pPr>
+          </a:lstStyle>
+          <a:p>
+            <a:r>
+              <a:rPr lang="en-US" sz="1200" dirty="0"/>
+              <a:t>Ai</a:t>
+            </a:r>
+            <a:endParaRPr lang="LID4096" sz="1400" dirty="0"/>
+          </a:p>
+        </p:txBody>
+      </p:sp>
+      <p:cxnSp>
+        <p:nvCxnSpPr>
+          <p:cNvPr id="151" name="Straight Arrow Connector 150">
+            <a:extLst>
+              <a:ext uri="{FF2B5EF4-FFF2-40B4-BE49-F238E27FC236}">
+                <a16:creationId xmlns:a16="http://schemas.microsoft.com/office/drawing/2014/main" id="{39DBCC75-6CEF-CD43-592A-C1BD4BC8C0C1}"/>
+              </a:ext>
+            </a:extLst>
+          </p:cNvPr>
+          <p:cNvCxnSpPr>
+            <a:cxnSpLocks/>
+          </p:cNvCxnSpPr>
+          <p:nvPr/>
+        </p:nvCxnSpPr>
+        <p:spPr>
+          <a:xfrm>
+            <a:off x="6768490" y="5695843"/>
+            <a:ext cx="541376" cy="0"/>
+          </a:xfrm>
+          <a:prstGeom prst="straightConnector1">
+            <a:avLst/>
+          </a:prstGeom>
+          <a:ln w="6350">
+            <a:tailEnd type="triangle"/>
+          </a:ln>
+        </p:spPr>
+        <p:style>
+          <a:lnRef idx="1">
+            <a:schemeClr val="accent1"/>
+          </a:lnRef>
+          <a:fillRef idx="0">
+            <a:schemeClr val="accent1"/>
+          </a:fillRef>
+          <a:effectRef idx="0">
+            <a:schemeClr val="accent1"/>
+          </a:effectRef>
+          <a:fontRef idx="minor">
+            <a:schemeClr val="tx1"/>
+          </a:fontRef>
+        </p:style>
+      </p:cxnSp>
+      <p:sp>
+        <p:nvSpPr>
+          <p:cNvPr id="152" name="Subtitle 13">
+            <a:extLst>
+              <a:ext uri="{FF2B5EF4-FFF2-40B4-BE49-F238E27FC236}">
+                <a16:creationId xmlns:a16="http://schemas.microsoft.com/office/drawing/2014/main" id="{79E5D847-D02B-F5B8-2A90-129853C9D42A}"/>
+              </a:ext>
+            </a:extLst>
+          </p:cNvPr>
+          <p:cNvSpPr txBox="1">
+            <a:spLocks/>
+          </p:cNvSpPr>
+          <p:nvPr/>
+        </p:nvSpPr>
+        <p:spPr>
+          <a:xfrm>
+            <a:off x="6780857" y="5523835"/>
+            <a:ext cx="516250" cy="229172"/>
+          </a:xfrm>
+          <a:prstGeom prst="rect">
+            <a:avLst/>
+          </a:prstGeom>
+        </p:spPr>
+        <p:txBody>
+          <a:bodyPr vert="horz" lIns="91440" tIns="45720" rIns="91440" bIns="45720" rtlCol="0">
+            <a:normAutofit fontScale="92500" lnSpcReduction="10000"/>
+          </a:bodyPr>
+          <a:lstStyle>
+            <a:lvl1pPr marL="0" indent="0" algn="ctr" defTabSz="914400" rtl="0" eaLnBrk="1" latinLnBrk="0" hangingPunct="1">
+              <a:lnSpc>
+                <a:spcPct val="90000"/>
+              </a:lnSpc>
+              <a:spcBef>
+                <a:spcPts val="1000"/>
+              </a:spcBef>
+              <a:buFont typeface="Arial" panose="020B0604020202020204" pitchFamily="34" charset="0"/>
+              <a:buNone/>
+              <a:defRPr sz="2400" kern="1200">
+                <a:solidFill>
+                  <a:schemeClr val="tx1"/>
+                </a:solidFill>
+                <a:latin typeface="+mn-lt"/>
+                <a:ea typeface="+mn-ea"/>
+                <a:cs typeface="+mn-cs"/>
+              </a:defRPr>
+            </a:lvl1pPr>
+            <a:lvl2pPr marL="457200" indent="0" algn="ctr" defTabSz="914400" rtl="0" eaLnBrk="1" latinLnBrk="0" hangingPunct="1">
+              <a:lnSpc>
+                <a:spcPct val="90000"/>
+              </a:lnSpc>
+              <a:spcBef>
+                <a:spcPts val="500"/>
+              </a:spcBef>
+              <a:buFont typeface="Arial" panose="020B0604020202020204" pitchFamily="34" charset="0"/>
+              <a:buNone/>
+              <a:defRPr sz="2000" kern="1200">
+                <a:solidFill>
+                  <a:schemeClr val="tx1"/>
+                </a:solidFill>
+                <a:latin typeface="+mn-lt"/>
+                <a:ea typeface="+mn-ea"/>
+                <a:cs typeface="+mn-cs"/>
+              </a:defRPr>
+            </a:lvl2pPr>
+            <a:lvl3pPr marL="914400" indent="0" algn="ctr" defTabSz="914400" rtl="0" eaLnBrk="1" latinLnBrk="0" hangingPunct="1">
+              <a:lnSpc>
+                <a:spcPct val="90000"/>
+              </a:lnSpc>
+              <a:spcBef>
+                <a:spcPts val="500"/>
+              </a:spcBef>
+              <a:buFont typeface="Arial" panose="020B0604020202020204" pitchFamily="34" charset="0"/>
+              <a:buNone/>
+              <a:defRPr sz="1800" kern="1200">
+                <a:solidFill>
+                  <a:schemeClr val="tx1"/>
+                </a:solidFill>
+                <a:latin typeface="+mn-lt"/>
+                <a:ea typeface="+mn-ea"/>
+                <a:cs typeface="+mn-cs"/>
+              </a:defRPr>
+            </a:lvl3pPr>
+            <a:lvl4pPr marL="1371600" indent="0" algn="ctr" defTabSz="914400" rtl="0" eaLnBrk="1" latinLnBrk="0" hangingPunct="1">
+              <a:lnSpc>
+                <a:spcPct val="90000"/>
+              </a:lnSpc>
+              <a:spcBef>
+                <a:spcPts val="500"/>
+              </a:spcBef>
+              <a:buFont typeface="Arial" panose="020B0604020202020204" pitchFamily="34" charset="0"/>
+              <a:buNone/>
+              <a:defRPr sz="1600" kern="1200">
+                <a:solidFill>
+                  <a:schemeClr val="tx1"/>
+                </a:solidFill>
+                <a:latin typeface="+mn-lt"/>
+                <a:ea typeface="+mn-ea"/>
+                <a:cs typeface="+mn-cs"/>
+              </a:defRPr>
+            </a:lvl4pPr>
+            <a:lvl5pPr marL="1828800" indent="0" algn="ctr" defTabSz="914400" rtl="0" eaLnBrk="1" latinLnBrk="0" hangingPunct="1">
+              <a:lnSpc>
+                <a:spcPct val="90000"/>
+              </a:lnSpc>
+              <a:spcBef>
+                <a:spcPts val="500"/>
+              </a:spcBef>
+              <a:buFont typeface="Arial" panose="020B0604020202020204" pitchFamily="34" charset="0"/>
+              <a:buNone/>
+              <a:defRPr sz="1600" kern="1200">
+                <a:solidFill>
+                  <a:schemeClr val="tx1"/>
+                </a:solidFill>
+                <a:latin typeface="+mn-lt"/>
+                <a:ea typeface="+mn-ea"/>
+                <a:cs typeface="+mn-cs"/>
+              </a:defRPr>
+            </a:lvl5pPr>
+            <a:lvl6pPr marL="2286000" indent="0" algn="ctr" defTabSz="914400" rtl="0" eaLnBrk="1" latinLnBrk="0" hangingPunct="1">
+              <a:lnSpc>
+                <a:spcPct val="90000"/>
+              </a:lnSpc>
+              <a:spcBef>
+                <a:spcPts val="500"/>
+              </a:spcBef>
+              <a:buFont typeface="Arial" panose="020B0604020202020204" pitchFamily="34" charset="0"/>
+              <a:buNone/>
+              <a:defRPr sz="1600" kern="1200">
+                <a:solidFill>
+                  <a:schemeClr val="tx1"/>
+                </a:solidFill>
+                <a:latin typeface="+mn-lt"/>
+                <a:ea typeface="+mn-ea"/>
+                <a:cs typeface="+mn-cs"/>
+              </a:defRPr>
+            </a:lvl6pPr>
+            <a:lvl7pPr marL="2743200" indent="0" algn="ctr" defTabSz="914400" rtl="0" eaLnBrk="1" latinLnBrk="0" hangingPunct="1">
+              <a:lnSpc>
+                <a:spcPct val="90000"/>
+              </a:lnSpc>
+              <a:spcBef>
+                <a:spcPts val="500"/>
+              </a:spcBef>
+              <a:buFont typeface="Arial" panose="020B0604020202020204" pitchFamily="34" charset="0"/>
+              <a:buNone/>
+              <a:defRPr sz="1600" kern="1200">
+                <a:solidFill>
+                  <a:schemeClr val="tx1"/>
+                </a:solidFill>
+                <a:latin typeface="+mn-lt"/>
+                <a:ea typeface="+mn-ea"/>
+                <a:cs typeface="+mn-cs"/>
+              </a:defRPr>
+            </a:lvl7pPr>
+            <a:lvl8pPr marL="3200400" indent="0" algn="ctr" defTabSz="914400" rtl="0" eaLnBrk="1" latinLnBrk="0" hangingPunct="1">
+              <a:lnSpc>
+                <a:spcPct val="90000"/>
+              </a:lnSpc>
+              <a:spcBef>
+                <a:spcPts val="500"/>
+              </a:spcBef>
+              <a:buFont typeface="Arial" panose="020B0604020202020204" pitchFamily="34" charset="0"/>
+              <a:buNone/>
+              <a:defRPr sz="1600" kern="1200">
+                <a:solidFill>
+                  <a:schemeClr val="tx1"/>
+                </a:solidFill>
+                <a:latin typeface="+mn-lt"/>
+                <a:ea typeface="+mn-ea"/>
+                <a:cs typeface="+mn-cs"/>
+              </a:defRPr>
+            </a:lvl8pPr>
+            <a:lvl9pPr marL="3657600" indent="0" algn="ctr" defTabSz="914400" rtl="0" eaLnBrk="1" latinLnBrk="0" hangingPunct="1">
+              <a:lnSpc>
+                <a:spcPct val="90000"/>
+              </a:lnSpc>
+              <a:spcBef>
+                <a:spcPts val="500"/>
+              </a:spcBef>
+              <a:buFont typeface="Arial" panose="020B0604020202020204" pitchFamily="34" charset="0"/>
+              <a:buNone/>
+              <a:defRPr sz="1600" kern="1200">
+                <a:solidFill>
+                  <a:schemeClr val="tx1"/>
+                </a:solidFill>
+                <a:latin typeface="+mn-lt"/>
+                <a:ea typeface="+mn-ea"/>
+                <a:cs typeface="+mn-cs"/>
+              </a:defRPr>
+            </a:lvl9pPr>
+          </a:lstStyle>
+          <a:p>
+            <a:r>
+              <a:rPr lang="en-US" sz="1200" dirty="0"/>
+              <a:t>load</a:t>
+            </a:r>
+            <a:endParaRPr lang="LID4096" sz="1400" dirty="0"/>
+          </a:p>
+        </p:txBody>
+      </p:sp>
+      <p:cxnSp>
+        <p:nvCxnSpPr>
+          <p:cNvPr id="153" name="Straight Arrow Connector 152">
+            <a:extLst>
+              <a:ext uri="{FF2B5EF4-FFF2-40B4-BE49-F238E27FC236}">
+                <a16:creationId xmlns:a16="http://schemas.microsoft.com/office/drawing/2014/main" id="{5DE4B3DF-3177-2DAD-5FB9-3C8B4534AC7B}"/>
+              </a:ext>
+            </a:extLst>
+          </p:cNvPr>
+          <p:cNvCxnSpPr>
+            <a:cxnSpLocks/>
+            <a:stCxn id="131" idx="3"/>
+          </p:cNvCxnSpPr>
+          <p:nvPr/>
+        </p:nvCxnSpPr>
+        <p:spPr>
+          <a:xfrm>
+            <a:off x="8272130" y="5937709"/>
+            <a:ext cx="3694814" cy="9458"/>
+          </a:xfrm>
+          <a:prstGeom prst="straightConnector1">
+            <a:avLst/>
+          </a:prstGeom>
+          <a:ln w="6350">
+            <a:tailEnd type="triangle"/>
+          </a:ln>
+        </p:spPr>
+        <p:style>
+          <a:lnRef idx="1">
+            <a:schemeClr val="accent1"/>
+          </a:lnRef>
+          <a:fillRef idx="0">
+            <a:schemeClr val="accent1"/>
+          </a:fillRef>
+          <a:effectRef idx="0">
+            <a:schemeClr val="accent1"/>
+          </a:effectRef>
+          <a:fontRef idx="minor">
+            <a:schemeClr val="tx1"/>
+          </a:fontRef>
+        </p:style>
+      </p:cxnSp>
+      <p:sp>
+        <p:nvSpPr>
+          <p:cNvPr id="156" name="Subtitle 13">
+            <a:extLst>
+              <a:ext uri="{FF2B5EF4-FFF2-40B4-BE49-F238E27FC236}">
+                <a16:creationId xmlns:a16="http://schemas.microsoft.com/office/drawing/2014/main" id="{8DD0575E-ED27-3CD3-789E-9FCB0FC677E5}"/>
+              </a:ext>
+            </a:extLst>
+          </p:cNvPr>
+          <p:cNvSpPr txBox="1">
+            <a:spLocks/>
+          </p:cNvSpPr>
+          <p:nvPr/>
+        </p:nvSpPr>
+        <p:spPr>
+          <a:xfrm>
+            <a:off x="10827812" y="5736272"/>
+            <a:ext cx="737045" cy="212824"/>
+          </a:xfrm>
+          <a:prstGeom prst="rect">
+            <a:avLst/>
+          </a:prstGeom>
+        </p:spPr>
+        <p:txBody>
+          <a:bodyPr vert="horz" lIns="91440" tIns="45720" rIns="91440" bIns="45720" rtlCol="0">
+            <a:noAutofit/>
+          </a:bodyPr>
+          <a:lstStyle>
+            <a:lvl1pPr marL="0" indent="0" algn="ctr" defTabSz="914400" rtl="0" eaLnBrk="1" latinLnBrk="0" hangingPunct="1">
+              <a:lnSpc>
+                <a:spcPct val="90000"/>
+              </a:lnSpc>
+              <a:spcBef>
+                <a:spcPts val="1000"/>
+              </a:spcBef>
+              <a:buFont typeface="Arial" panose="020B0604020202020204" pitchFamily="34" charset="0"/>
+              <a:buNone/>
+              <a:defRPr sz="2400" kern="1200">
+                <a:solidFill>
+                  <a:schemeClr val="tx1"/>
+                </a:solidFill>
+                <a:latin typeface="+mn-lt"/>
+                <a:ea typeface="+mn-ea"/>
+                <a:cs typeface="+mn-cs"/>
+              </a:defRPr>
+            </a:lvl1pPr>
+            <a:lvl2pPr marL="457200" indent="0" algn="ctr" defTabSz="914400" rtl="0" eaLnBrk="1" latinLnBrk="0" hangingPunct="1">
+              <a:lnSpc>
+                <a:spcPct val="90000"/>
+              </a:lnSpc>
+              <a:spcBef>
+                <a:spcPts val="500"/>
+              </a:spcBef>
+              <a:buFont typeface="Arial" panose="020B0604020202020204" pitchFamily="34" charset="0"/>
+              <a:buNone/>
+              <a:defRPr sz="2000" kern="1200">
+                <a:solidFill>
+                  <a:schemeClr val="tx1"/>
+                </a:solidFill>
+                <a:latin typeface="+mn-lt"/>
+                <a:ea typeface="+mn-ea"/>
+                <a:cs typeface="+mn-cs"/>
+              </a:defRPr>
+            </a:lvl2pPr>
+            <a:lvl3pPr marL="914400" indent="0" algn="ctr" defTabSz="914400" rtl="0" eaLnBrk="1" latinLnBrk="0" hangingPunct="1">
+              <a:lnSpc>
+                <a:spcPct val="90000"/>
+              </a:lnSpc>
+              <a:spcBef>
+                <a:spcPts val="500"/>
+              </a:spcBef>
+              <a:buFont typeface="Arial" panose="020B0604020202020204" pitchFamily="34" charset="0"/>
+              <a:buNone/>
+              <a:defRPr sz="1800" kern="1200">
+                <a:solidFill>
+                  <a:schemeClr val="tx1"/>
+                </a:solidFill>
+                <a:latin typeface="+mn-lt"/>
+                <a:ea typeface="+mn-ea"/>
+                <a:cs typeface="+mn-cs"/>
+              </a:defRPr>
+            </a:lvl3pPr>
+            <a:lvl4pPr marL="1371600" indent="0" algn="ctr" defTabSz="914400" rtl="0" eaLnBrk="1" latinLnBrk="0" hangingPunct="1">
+              <a:lnSpc>
+                <a:spcPct val="90000"/>
+              </a:lnSpc>
+              <a:spcBef>
+                <a:spcPts val="500"/>
+              </a:spcBef>
+              <a:buFont typeface="Arial" panose="020B0604020202020204" pitchFamily="34" charset="0"/>
+              <a:buNone/>
+              <a:defRPr sz="1600" kern="1200">
+                <a:solidFill>
+                  <a:schemeClr val="tx1"/>
+                </a:solidFill>
+                <a:latin typeface="+mn-lt"/>
+                <a:ea typeface="+mn-ea"/>
+                <a:cs typeface="+mn-cs"/>
+              </a:defRPr>
+            </a:lvl4pPr>
+            <a:lvl5pPr marL="1828800" indent="0" algn="ctr" defTabSz="914400" rtl="0" eaLnBrk="1" latinLnBrk="0" hangingPunct="1">
+              <a:lnSpc>
+                <a:spcPct val="90000"/>
+              </a:lnSpc>
+              <a:spcBef>
+                <a:spcPts val="500"/>
+              </a:spcBef>
+              <a:buFont typeface="Arial" panose="020B0604020202020204" pitchFamily="34" charset="0"/>
+              <a:buNone/>
+              <a:defRPr sz="1600" kern="1200">
+                <a:solidFill>
+                  <a:schemeClr val="tx1"/>
+                </a:solidFill>
+                <a:latin typeface="+mn-lt"/>
+                <a:ea typeface="+mn-ea"/>
+                <a:cs typeface="+mn-cs"/>
+              </a:defRPr>
+            </a:lvl5pPr>
+            <a:lvl6pPr marL="2286000" indent="0" algn="ctr" defTabSz="914400" rtl="0" eaLnBrk="1" latinLnBrk="0" hangingPunct="1">
+              <a:lnSpc>
+                <a:spcPct val="90000"/>
+              </a:lnSpc>
+              <a:spcBef>
+                <a:spcPts val="500"/>
+              </a:spcBef>
+              <a:buFont typeface="Arial" panose="020B0604020202020204" pitchFamily="34" charset="0"/>
+              <a:buNone/>
+              <a:defRPr sz="1600" kern="1200">
+                <a:solidFill>
+                  <a:schemeClr val="tx1"/>
+                </a:solidFill>
+                <a:latin typeface="+mn-lt"/>
+                <a:ea typeface="+mn-ea"/>
+                <a:cs typeface="+mn-cs"/>
+              </a:defRPr>
+            </a:lvl6pPr>
+            <a:lvl7pPr marL="2743200" indent="0" algn="ctr" defTabSz="914400" rtl="0" eaLnBrk="1" latinLnBrk="0" hangingPunct="1">
+              <a:lnSpc>
+                <a:spcPct val="90000"/>
+              </a:lnSpc>
+              <a:spcBef>
+                <a:spcPts val="500"/>
+              </a:spcBef>
+              <a:buFont typeface="Arial" panose="020B0604020202020204" pitchFamily="34" charset="0"/>
+              <a:buNone/>
+              <a:defRPr sz="1600" kern="1200">
+                <a:solidFill>
+                  <a:schemeClr val="tx1"/>
+                </a:solidFill>
+                <a:latin typeface="+mn-lt"/>
+                <a:ea typeface="+mn-ea"/>
+                <a:cs typeface="+mn-cs"/>
+              </a:defRPr>
+            </a:lvl7pPr>
+            <a:lvl8pPr marL="3200400" indent="0" algn="ctr" defTabSz="914400" rtl="0" eaLnBrk="1" latinLnBrk="0" hangingPunct="1">
+              <a:lnSpc>
+                <a:spcPct val="90000"/>
+              </a:lnSpc>
+              <a:spcBef>
+                <a:spcPts val="500"/>
+              </a:spcBef>
+              <a:buFont typeface="Arial" panose="020B0604020202020204" pitchFamily="34" charset="0"/>
+              <a:buNone/>
+              <a:defRPr sz="1600" kern="1200">
+                <a:solidFill>
+                  <a:schemeClr val="tx1"/>
+                </a:solidFill>
+                <a:latin typeface="+mn-lt"/>
+                <a:ea typeface="+mn-ea"/>
+                <a:cs typeface="+mn-cs"/>
+              </a:defRPr>
+            </a:lvl8pPr>
+            <a:lvl9pPr marL="3657600" indent="0" algn="ctr" defTabSz="914400" rtl="0" eaLnBrk="1" latinLnBrk="0" hangingPunct="1">
+              <a:lnSpc>
+                <a:spcPct val="90000"/>
+              </a:lnSpc>
+              <a:spcBef>
+                <a:spcPts val="500"/>
+              </a:spcBef>
+              <a:buFont typeface="Arial" panose="020B0604020202020204" pitchFamily="34" charset="0"/>
+              <a:buNone/>
+              <a:defRPr sz="1600" kern="1200">
+                <a:solidFill>
+                  <a:schemeClr val="tx1"/>
+                </a:solidFill>
+                <a:latin typeface="+mn-lt"/>
+                <a:ea typeface="+mn-ea"/>
+                <a:cs typeface="+mn-cs"/>
+              </a:defRPr>
+            </a:lvl9pPr>
+          </a:lstStyle>
+          <a:p>
+            <a:r>
+              <a:rPr lang="en-US" sz="1200" b="1" dirty="0"/>
+              <a:t>Done</a:t>
+            </a:r>
+            <a:endParaRPr lang="LID4096" sz="1200" b="1" dirty="0"/>
+          </a:p>
+        </p:txBody>
+      </p:sp>
+      <p:cxnSp>
+        <p:nvCxnSpPr>
+          <p:cNvPr id="24" name="Connector: Elbow 23">
+            <a:extLst>
+              <a:ext uri="{FF2B5EF4-FFF2-40B4-BE49-F238E27FC236}">
+                <a16:creationId xmlns:a16="http://schemas.microsoft.com/office/drawing/2014/main" id="{1559779D-70A5-2701-B612-E7B5E3492454}"/>
+              </a:ext>
+            </a:extLst>
+          </p:cNvPr>
+          <p:cNvCxnSpPr>
+            <a:cxnSpLocks/>
+            <a:endCxn id="18" idx="3"/>
+          </p:cNvCxnSpPr>
+          <p:nvPr/>
+        </p:nvCxnSpPr>
+        <p:spPr>
+          <a:xfrm rot="16200000" flipV="1">
+            <a:off x="6162012" y="3703453"/>
+            <a:ext cx="3257107" cy="383657"/>
+          </a:xfrm>
+          <a:prstGeom prst="bentConnector3">
+            <a:avLst>
+              <a:gd name="adj1" fmla="val 78611"/>
+            </a:avLst>
+          </a:prstGeom>
+          <a:ln>
+            <a:tailEnd type="triangle"/>
+          </a:ln>
+        </p:spPr>
+        <p:style>
+          <a:lnRef idx="1">
+            <a:schemeClr val="accent1"/>
+          </a:lnRef>
+          <a:fillRef idx="0">
+            <a:schemeClr val="accent1"/>
+          </a:fillRef>
+          <a:effectRef idx="0">
+            <a:schemeClr val="accent1"/>
+          </a:effectRef>
+          <a:fontRef idx="minor">
+            <a:schemeClr val="tx1"/>
+          </a:fontRef>
+        </p:style>
+      </p:cxnSp>
+      <p:sp>
+        <p:nvSpPr>
+          <p:cNvPr id="33" name="Trapezium 32">
+            <a:extLst>
+              <a:ext uri="{FF2B5EF4-FFF2-40B4-BE49-F238E27FC236}">
+                <a16:creationId xmlns:a16="http://schemas.microsoft.com/office/drawing/2014/main" id="{0EF498BC-72A5-453B-39DA-A1B31F40D237}"/>
+              </a:ext>
+            </a:extLst>
+          </p:cNvPr>
+          <p:cNvSpPr/>
+          <p:nvPr/>
+        </p:nvSpPr>
+        <p:spPr>
+          <a:xfrm rot="5400000">
+            <a:off x="534480" y="942753"/>
+            <a:ext cx="962247" cy="303027"/>
+          </a:xfrm>
+          <a:prstGeom prst="trapezoid">
+            <a:avLst/>
+          </a:prstGeom>
+          <a:solidFill>
+            <a:schemeClr val="bg2"/>
+          </a:solidFill>
+        </p:spPr>
+        <p:style>
+          <a:lnRef idx="2">
+            <a:schemeClr val="accent1">
+              <a:shade val="15000"/>
+            </a:schemeClr>
+          </a:lnRef>
+          <a:fillRef idx="1">
+            <a:schemeClr val="accent1"/>
+          </a:fillRef>
+          <a:effectRef idx="0">
+            <a:schemeClr val="accent1"/>
+          </a:effectRef>
+          <a:fontRef idx="minor">
+            <a:schemeClr val="lt1"/>
+          </a:fontRef>
+        </p:style>
+        <p:txBody>
+          <a:bodyPr rtlCol="0" anchor="ctr"/>
+          <a:lstStyle/>
+          <a:p>
+            <a:pPr algn="ctr"/>
+            <a:endParaRPr lang="LID4096"/>
+          </a:p>
+        </p:txBody>
+      </p:sp>
+      <p:cxnSp>
+        <p:nvCxnSpPr>
+          <p:cNvPr id="45" name="Straight Arrow Connector 44">
+            <a:extLst>
+              <a:ext uri="{FF2B5EF4-FFF2-40B4-BE49-F238E27FC236}">
+                <a16:creationId xmlns:a16="http://schemas.microsoft.com/office/drawing/2014/main" id="{0EE9DF9A-26C2-BD8C-1896-45F0E0D20B51}"/>
+              </a:ext>
+            </a:extLst>
+          </p:cNvPr>
+          <p:cNvCxnSpPr>
+            <a:stCxn id="33" idx="0"/>
+            <a:endCxn id="7" idx="1"/>
+          </p:cNvCxnSpPr>
+          <p:nvPr/>
+        </p:nvCxnSpPr>
+        <p:spPr>
+          <a:xfrm>
+            <a:off x="1167117" y="1094267"/>
+            <a:ext cx="340048" cy="1"/>
+          </a:xfrm>
+          <a:prstGeom prst="straightConnector1">
+            <a:avLst/>
+          </a:prstGeom>
+          <a:ln w="28575">
+            <a:tailEnd type="triangle"/>
+          </a:ln>
+        </p:spPr>
+        <p:style>
+          <a:lnRef idx="1">
+            <a:schemeClr val="accent1"/>
+          </a:lnRef>
+          <a:fillRef idx="0">
+            <a:schemeClr val="accent1"/>
+          </a:fillRef>
+          <a:effectRef idx="0">
+            <a:schemeClr val="accent1"/>
+          </a:effectRef>
+          <a:fontRef idx="minor">
+            <a:schemeClr val="tx1"/>
+          </a:fontRef>
+        </p:style>
+      </p:cxnSp>
+      <p:cxnSp>
+        <p:nvCxnSpPr>
+          <p:cNvPr id="52" name="Straight Arrow Connector 51">
+            <a:extLst>
+              <a:ext uri="{FF2B5EF4-FFF2-40B4-BE49-F238E27FC236}">
+                <a16:creationId xmlns:a16="http://schemas.microsoft.com/office/drawing/2014/main" id="{F8FE2443-8C6A-7738-86CA-BE955E47E9C0}"/>
+              </a:ext>
+            </a:extLst>
+          </p:cNvPr>
+          <p:cNvCxnSpPr>
+            <a:cxnSpLocks/>
+          </p:cNvCxnSpPr>
+          <p:nvPr/>
+        </p:nvCxnSpPr>
+        <p:spPr>
+          <a:xfrm>
+            <a:off x="308556" y="1328926"/>
+            <a:ext cx="541376" cy="0"/>
+          </a:xfrm>
+          <a:prstGeom prst="straightConnector1">
+            <a:avLst/>
+          </a:prstGeom>
+          <a:ln w="28575">
+            <a:tailEnd type="triangle"/>
+          </a:ln>
+        </p:spPr>
+        <p:style>
+          <a:lnRef idx="1">
+            <a:schemeClr val="accent1"/>
+          </a:lnRef>
+          <a:fillRef idx="0">
+            <a:schemeClr val="accent1"/>
+          </a:fillRef>
+          <a:effectRef idx="0">
+            <a:schemeClr val="accent1"/>
+          </a:effectRef>
+          <a:fontRef idx="minor">
+            <a:schemeClr val="tx1"/>
+          </a:fontRef>
+        </p:style>
+      </p:cxnSp>
+      <p:sp>
+        <p:nvSpPr>
+          <p:cNvPr id="53" name="Subtitle 13">
+            <a:extLst>
+              <a:ext uri="{FF2B5EF4-FFF2-40B4-BE49-F238E27FC236}">
+                <a16:creationId xmlns:a16="http://schemas.microsoft.com/office/drawing/2014/main" id="{EC90F1CF-3EDF-2225-6ADF-AFD3E66CD8F1}"/>
+              </a:ext>
+            </a:extLst>
+          </p:cNvPr>
+          <p:cNvSpPr txBox="1">
+            <a:spLocks/>
+          </p:cNvSpPr>
+          <p:nvPr/>
+        </p:nvSpPr>
+        <p:spPr>
+          <a:xfrm>
+            <a:off x="348430" y="1094267"/>
+            <a:ext cx="444782" cy="305920"/>
+          </a:xfrm>
+          <a:prstGeom prst="rect">
+            <a:avLst/>
+          </a:prstGeom>
+          <a:ln w="28575">
+            <a:noFill/>
+          </a:ln>
+        </p:spPr>
+        <p:txBody>
+          <a:bodyPr vert="horz" lIns="91440" tIns="45720" rIns="91440" bIns="45720" rtlCol="0">
+            <a:normAutofit/>
+          </a:bodyPr>
+          <a:lstStyle>
+            <a:lvl1pPr marL="0" indent="0" algn="ctr" defTabSz="914400" rtl="0" eaLnBrk="1" latinLnBrk="0" hangingPunct="1">
+              <a:lnSpc>
+                <a:spcPct val="90000"/>
+              </a:lnSpc>
+              <a:spcBef>
+                <a:spcPts val="1000"/>
+              </a:spcBef>
+              <a:buFont typeface="Arial" panose="020B0604020202020204" pitchFamily="34" charset="0"/>
+              <a:buNone/>
+              <a:defRPr sz="2400" kern="1200">
+                <a:solidFill>
+                  <a:schemeClr val="tx1"/>
+                </a:solidFill>
+                <a:latin typeface="+mn-lt"/>
+                <a:ea typeface="+mn-ea"/>
+                <a:cs typeface="+mn-cs"/>
+              </a:defRPr>
+            </a:lvl1pPr>
+            <a:lvl2pPr marL="457200" indent="0" algn="ctr" defTabSz="914400" rtl="0" eaLnBrk="1" latinLnBrk="0" hangingPunct="1">
+              <a:lnSpc>
+                <a:spcPct val="90000"/>
+              </a:lnSpc>
+              <a:spcBef>
+                <a:spcPts val="500"/>
+              </a:spcBef>
+              <a:buFont typeface="Arial" panose="020B0604020202020204" pitchFamily="34" charset="0"/>
+              <a:buNone/>
+              <a:defRPr sz="2000" kern="1200">
+                <a:solidFill>
+                  <a:schemeClr val="tx1"/>
+                </a:solidFill>
+                <a:latin typeface="+mn-lt"/>
+                <a:ea typeface="+mn-ea"/>
+                <a:cs typeface="+mn-cs"/>
+              </a:defRPr>
+            </a:lvl2pPr>
+            <a:lvl3pPr marL="914400" indent="0" algn="ctr" defTabSz="914400" rtl="0" eaLnBrk="1" latinLnBrk="0" hangingPunct="1">
+              <a:lnSpc>
+                <a:spcPct val="90000"/>
+              </a:lnSpc>
+              <a:spcBef>
+                <a:spcPts val="500"/>
+              </a:spcBef>
+              <a:buFont typeface="Arial" panose="020B0604020202020204" pitchFamily="34" charset="0"/>
+              <a:buNone/>
+              <a:defRPr sz="1800" kern="1200">
+                <a:solidFill>
+                  <a:schemeClr val="tx1"/>
+                </a:solidFill>
+                <a:latin typeface="+mn-lt"/>
+                <a:ea typeface="+mn-ea"/>
+                <a:cs typeface="+mn-cs"/>
+              </a:defRPr>
+            </a:lvl3pPr>
+            <a:lvl4pPr marL="1371600" indent="0" algn="ctr" defTabSz="914400" rtl="0" eaLnBrk="1" latinLnBrk="0" hangingPunct="1">
+              <a:lnSpc>
+                <a:spcPct val="90000"/>
+              </a:lnSpc>
+              <a:spcBef>
+                <a:spcPts val="500"/>
+              </a:spcBef>
+              <a:buFont typeface="Arial" panose="020B0604020202020204" pitchFamily="34" charset="0"/>
+              <a:buNone/>
+              <a:defRPr sz="1600" kern="1200">
+                <a:solidFill>
+                  <a:schemeClr val="tx1"/>
+                </a:solidFill>
+                <a:latin typeface="+mn-lt"/>
+                <a:ea typeface="+mn-ea"/>
+                <a:cs typeface="+mn-cs"/>
+              </a:defRPr>
+            </a:lvl4pPr>
+            <a:lvl5pPr marL="1828800" indent="0" algn="ctr" defTabSz="914400" rtl="0" eaLnBrk="1" latinLnBrk="0" hangingPunct="1">
+              <a:lnSpc>
+                <a:spcPct val="90000"/>
+              </a:lnSpc>
+              <a:spcBef>
+                <a:spcPts val="500"/>
+              </a:spcBef>
+              <a:buFont typeface="Arial" panose="020B0604020202020204" pitchFamily="34" charset="0"/>
+              <a:buNone/>
+              <a:defRPr sz="1600" kern="1200">
+                <a:solidFill>
+                  <a:schemeClr val="tx1"/>
+                </a:solidFill>
+                <a:latin typeface="+mn-lt"/>
+                <a:ea typeface="+mn-ea"/>
+                <a:cs typeface="+mn-cs"/>
+              </a:defRPr>
+            </a:lvl5pPr>
+            <a:lvl6pPr marL="2286000" indent="0" algn="ctr" defTabSz="914400" rtl="0" eaLnBrk="1" latinLnBrk="0" hangingPunct="1">
+              <a:lnSpc>
+                <a:spcPct val="90000"/>
+              </a:lnSpc>
+              <a:spcBef>
+                <a:spcPts val="500"/>
+              </a:spcBef>
+              <a:buFont typeface="Arial" panose="020B0604020202020204" pitchFamily="34" charset="0"/>
+              <a:buNone/>
+              <a:defRPr sz="1600" kern="1200">
+                <a:solidFill>
+                  <a:schemeClr val="tx1"/>
+                </a:solidFill>
+                <a:latin typeface="+mn-lt"/>
+                <a:ea typeface="+mn-ea"/>
+                <a:cs typeface="+mn-cs"/>
+              </a:defRPr>
+            </a:lvl6pPr>
+            <a:lvl7pPr marL="2743200" indent="0" algn="ctr" defTabSz="914400" rtl="0" eaLnBrk="1" latinLnBrk="0" hangingPunct="1">
+              <a:lnSpc>
+                <a:spcPct val="90000"/>
+              </a:lnSpc>
+              <a:spcBef>
+                <a:spcPts val="500"/>
+              </a:spcBef>
+              <a:buFont typeface="Arial" panose="020B0604020202020204" pitchFamily="34" charset="0"/>
+              <a:buNone/>
+              <a:defRPr sz="1600" kern="1200">
+                <a:solidFill>
+                  <a:schemeClr val="tx1"/>
+                </a:solidFill>
+                <a:latin typeface="+mn-lt"/>
+                <a:ea typeface="+mn-ea"/>
+                <a:cs typeface="+mn-cs"/>
+              </a:defRPr>
+            </a:lvl7pPr>
+            <a:lvl8pPr marL="3200400" indent="0" algn="ctr" defTabSz="914400" rtl="0" eaLnBrk="1" latinLnBrk="0" hangingPunct="1">
+              <a:lnSpc>
+                <a:spcPct val="90000"/>
+              </a:lnSpc>
+              <a:spcBef>
+                <a:spcPts val="500"/>
+              </a:spcBef>
+              <a:buFont typeface="Arial" panose="020B0604020202020204" pitchFamily="34" charset="0"/>
+              <a:buNone/>
+              <a:defRPr sz="1600" kern="1200">
+                <a:solidFill>
+                  <a:schemeClr val="tx1"/>
+                </a:solidFill>
+                <a:latin typeface="+mn-lt"/>
+                <a:ea typeface="+mn-ea"/>
+                <a:cs typeface="+mn-cs"/>
+              </a:defRPr>
+            </a:lvl8pPr>
+            <a:lvl9pPr marL="3657600" indent="0" algn="ctr" defTabSz="914400" rtl="0" eaLnBrk="1" latinLnBrk="0" hangingPunct="1">
+              <a:lnSpc>
+                <a:spcPct val="90000"/>
+              </a:lnSpc>
+              <a:spcBef>
+                <a:spcPts val="500"/>
+              </a:spcBef>
+              <a:buFont typeface="Arial" panose="020B0604020202020204" pitchFamily="34" charset="0"/>
+              <a:buNone/>
+              <a:defRPr sz="1600" kern="1200">
+                <a:solidFill>
+                  <a:schemeClr val="tx1"/>
+                </a:solidFill>
+                <a:latin typeface="+mn-lt"/>
+                <a:ea typeface="+mn-ea"/>
+                <a:cs typeface="+mn-cs"/>
+              </a:defRPr>
+            </a:lvl9pPr>
+          </a:lstStyle>
+          <a:p>
+            <a:r>
+              <a:rPr lang="en-US" sz="1200" b="1" dirty="0"/>
+              <a:t>0</a:t>
+            </a:r>
+            <a:endParaRPr lang="LID4096" sz="1400" b="1" dirty="0"/>
+          </a:p>
+        </p:txBody>
+      </p:sp>
+      <p:cxnSp>
+        <p:nvCxnSpPr>
+          <p:cNvPr id="54" name="Straight Arrow Connector 53">
+            <a:extLst>
+              <a:ext uri="{FF2B5EF4-FFF2-40B4-BE49-F238E27FC236}">
+                <a16:creationId xmlns:a16="http://schemas.microsoft.com/office/drawing/2014/main" id="{7FBA8407-8D24-CA1D-5CC2-4E253A8B73AE}"/>
+              </a:ext>
+            </a:extLst>
+          </p:cNvPr>
+          <p:cNvCxnSpPr>
+            <a:cxnSpLocks/>
+          </p:cNvCxnSpPr>
+          <p:nvPr/>
+        </p:nvCxnSpPr>
+        <p:spPr>
+          <a:xfrm>
+            <a:off x="965789" y="2224863"/>
+            <a:ext cx="541376" cy="0"/>
+          </a:xfrm>
+          <a:prstGeom prst="straightConnector1">
+            <a:avLst/>
+          </a:prstGeom>
+          <a:ln w="28575">
+            <a:tailEnd type="triangle"/>
+          </a:ln>
+        </p:spPr>
+        <p:style>
+          <a:lnRef idx="1">
+            <a:schemeClr val="accent1"/>
+          </a:lnRef>
+          <a:fillRef idx="0">
+            <a:schemeClr val="accent1"/>
+          </a:fillRef>
+          <a:effectRef idx="0">
+            <a:schemeClr val="accent1"/>
+          </a:effectRef>
+          <a:fontRef idx="minor">
+            <a:schemeClr val="tx1"/>
+          </a:fontRef>
+        </p:style>
+      </p:cxnSp>
+      <p:cxnSp>
+        <p:nvCxnSpPr>
+          <p:cNvPr id="55" name="Straight Arrow Connector 54">
+            <a:extLst>
+              <a:ext uri="{FF2B5EF4-FFF2-40B4-BE49-F238E27FC236}">
+                <a16:creationId xmlns:a16="http://schemas.microsoft.com/office/drawing/2014/main" id="{9CED5D1F-5E25-3BFD-8A49-8DCB8ED710B2}"/>
+              </a:ext>
+            </a:extLst>
+          </p:cNvPr>
+          <p:cNvCxnSpPr>
+            <a:cxnSpLocks/>
+          </p:cNvCxnSpPr>
+          <p:nvPr/>
+        </p:nvCxnSpPr>
+        <p:spPr>
+          <a:xfrm>
+            <a:off x="965789" y="3399613"/>
+            <a:ext cx="541376" cy="0"/>
+          </a:xfrm>
+          <a:prstGeom prst="straightConnector1">
+            <a:avLst/>
+          </a:prstGeom>
+          <a:ln w="28575">
+            <a:tailEnd type="triangle"/>
+          </a:ln>
+        </p:spPr>
+        <p:style>
+          <a:lnRef idx="1">
+            <a:schemeClr val="accent1"/>
+          </a:lnRef>
+          <a:fillRef idx="0">
+            <a:schemeClr val="accent1"/>
+          </a:fillRef>
+          <a:effectRef idx="0">
+            <a:schemeClr val="accent1"/>
+          </a:effectRef>
+          <a:fontRef idx="minor">
+            <a:schemeClr val="tx1"/>
+          </a:fontRef>
+        </p:style>
+      </p:cxnSp>
+      <p:cxnSp>
+        <p:nvCxnSpPr>
+          <p:cNvPr id="57" name="Straight Arrow Connector 56">
+            <a:extLst>
+              <a:ext uri="{FF2B5EF4-FFF2-40B4-BE49-F238E27FC236}">
+                <a16:creationId xmlns:a16="http://schemas.microsoft.com/office/drawing/2014/main" id="{F3170791-48F1-2740-2D56-3521BB58009A}"/>
+              </a:ext>
+            </a:extLst>
+          </p:cNvPr>
+          <p:cNvCxnSpPr>
+            <a:cxnSpLocks/>
+          </p:cNvCxnSpPr>
+          <p:nvPr/>
+        </p:nvCxnSpPr>
+        <p:spPr>
+          <a:xfrm>
+            <a:off x="965789" y="4589130"/>
+            <a:ext cx="541376" cy="0"/>
+          </a:xfrm>
+          <a:prstGeom prst="straightConnector1">
+            <a:avLst/>
+          </a:prstGeom>
+          <a:ln w="28575">
+            <a:tailEnd type="triangle"/>
+          </a:ln>
+        </p:spPr>
+        <p:style>
+          <a:lnRef idx="1">
+            <a:schemeClr val="accent1"/>
+          </a:lnRef>
+          <a:fillRef idx="0">
+            <a:schemeClr val="accent1"/>
+          </a:fillRef>
+          <a:effectRef idx="0">
+            <a:schemeClr val="accent1"/>
+          </a:effectRef>
+          <a:fontRef idx="minor">
+            <a:schemeClr val="tx1"/>
+          </a:fontRef>
+        </p:style>
+      </p:cxnSp>
+      <p:sp>
+        <p:nvSpPr>
+          <p:cNvPr id="58" name="Subtitle 13">
+            <a:extLst>
+              <a:ext uri="{FF2B5EF4-FFF2-40B4-BE49-F238E27FC236}">
+                <a16:creationId xmlns:a16="http://schemas.microsoft.com/office/drawing/2014/main" id="{563ACE5D-2DFC-3E22-1E46-2A02704A191B}"/>
+              </a:ext>
+            </a:extLst>
+          </p:cNvPr>
+          <p:cNvSpPr txBox="1">
+            <a:spLocks/>
+          </p:cNvSpPr>
+          <p:nvPr/>
+        </p:nvSpPr>
+        <p:spPr>
+          <a:xfrm>
+            <a:off x="784824" y="1960808"/>
+            <a:ext cx="619855" cy="305920"/>
+          </a:xfrm>
+          <a:prstGeom prst="rect">
+            <a:avLst/>
+          </a:prstGeom>
+          <a:ln w="28575">
+            <a:noFill/>
+          </a:ln>
+        </p:spPr>
+        <p:txBody>
+          <a:bodyPr vert="horz" lIns="91440" tIns="45720" rIns="91440" bIns="45720" rtlCol="0">
+            <a:normAutofit/>
+          </a:bodyPr>
+          <a:lstStyle>
+            <a:lvl1pPr marL="0" indent="0" algn="ctr" defTabSz="914400" rtl="0" eaLnBrk="1" latinLnBrk="0" hangingPunct="1">
+              <a:lnSpc>
+                <a:spcPct val="90000"/>
+              </a:lnSpc>
+              <a:spcBef>
+                <a:spcPts val="1000"/>
+              </a:spcBef>
+              <a:buFont typeface="Arial" panose="020B0604020202020204" pitchFamily="34" charset="0"/>
+              <a:buNone/>
+              <a:defRPr sz="2400" kern="1200">
+                <a:solidFill>
+                  <a:schemeClr val="tx1"/>
+                </a:solidFill>
+                <a:latin typeface="+mn-lt"/>
+                <a:ea typeface="+mn-ea"/>
+                <a:cs typeface="+mn-cs"/>
+              </a:defRPr>
+            </a:lvl1pPr>
+            <a:lvl2pPr marL="457200" indent="0" algn="ctr" defTabSz="914400" rtl="0" eaLnBrk="1" latinLnBrk="0" hangingPunct="1">
+              <a:lnSpc>
+                <a:spcPct val="90000"/>
+              </a:lnSpc>
+              <a:spcBef>
+                <a:spcPts val="500"/>
+              </a:spcBef>
+              <a:buFont typeface="Arial" panose="020B0604020202020204" pitchFamily="34" charset="0"/>
+              <a:buNone/>
+              <a:defRPr sz="2000" kern="1200">
+                <a:solidFill>
+                  <a:schemeClr val="tx1"/>
+                </a:solidFill>
+                <a:latin typeface="+mn-lt"/>
+                <a:ea typeface="+mn-ea"/>
+                <a:cs typeface="+mn-cs"/>
+              </a:defRPr>
+            </a:lvl2pPr>
+            <a:lvl3pPr marL="914400" indent="0" algn="ctr" defTabSz="914400" rtl="0" eaLnBrk="1" latinLnBrk="0" hangingPunct="1">
+              <a:lnSpc>
+                <a:spcPct val="90000"/>
+              </a:lnSpc>
+              <a:spcBef>
+                <a:spcPts val="500"/>
+              </a:spcBef>
+              <a:buFont typeface="Arial" panose="020B0604020202020204" pitchFamily="34" charset="0"/>
+              <a:buNone/>
+              <a:defRPr sz="1800" kern="1200">
+                <a:solidFill>
+                  <a:schemeClr val="tx1"/>
+                </a:solidFill>
+                <a:latin typeface="+mn-lt"/>
+                <a:ea typeface="+mn-ea"/>
+                <a:cs typeface="+mn-cs"/>
+              </a:defRPr>
+            </a:lvl3pPr>
+            <a:lvl4pPr marL="1371600" indent="0" algn="ctr" defTabSz="914400" rtl="0" eaLnBrk="1" latinLnBrk="0" hangingPunct="1">
+              <a:lnSpc>
+                <a:spcPct val="90000"/>
+              </a:lnSpc>
+              <a:spcBef>
+                <a:spcPts val="500"/>
+              </a:spcBef>
+              <a:buFont typeface="Arial" panose="020B0604020202020204" pitchFamily="34" charset="0"/>
+              <a:buNone/>
+              <a:defRPr sz="1600" kern="1200">
+                <a:solidFill>
+                  <a:schemeClr val="tx1"/>
+                </a:solidFill>
+                <a:latin typeface="+mn-lt"/>
+                <a:ea typeface="+mn-ea"/>
+                <a:cs typeface="+mn-cs"/>
+              </a:defRPr>
+            </a:lvl4pPr>
+            <a:lvl5pPr marL="1828800" indent="0" algn="ctr" defTabSz="914400" rtl="0" eaLnBrk="1" latinLnBrk="0" hangingPunct="1">
+              <a:lnSpc>
+                <a:spcPct val="90000"/>
+              </a:lnSpc>
+              <a:spcBef>
+                <a:spcPts val="500"/>
+              </a:spcBef>
+              <a:buFont typeface="Arial" panose="020B0604020202020204" pitchFamily="34" charset="0"/>
+              <a:buNone/>
+              <a:defRPr sz="1600" kern="1200">
+                <a:solidFill>
+                  <a:schemeClr val="tx1"/>
+                </a:solidFill>
+                <a:latin typeface="+mn-lt"/>
+                <a:ea typeface="+mn-ea"/>
+                <a:cs typeface="+mn-cs"/>
+              </a:defRPr>
+            </a:lvl5pPr>
+            <a:lvl6pPr marL="2286000" indent="0" algn="ctr" defTabSz="914400" rtl="0" eaLnBrk="1" latinLnBrk="0" hangingPunct="1">
+              <a:lnSpc>
+                <a:spcPct val="90000"/>
+              </a:lnSpc>
+              <a:spcBef>
+                <a:spcPts val="500"/>
+              </a:spcBef>
+              <a:buFont typeface="Arial" panose="020B0604020202020204" pitchFamily="34" charset="0"/>
+              <a:buNone/>
+              <a:defRPr sz="1600" kern="1200">
+                <a:solidFill>
+                  <a:schemeClr val="tx1"/>
+                </a:solidFill>
+                <a:latin typeface="+mn-lt"/>
+                <a:ea typeface="+mn-ea"/>
+                <a:cs typeface="+mn-cs"/>
+              </a:defRPr>
+            </a:lvl6pPr>
+            <a:lvl7pPr marL="2743200" indent="0" algn="ctr" defTabSz="914400" rtl="0" eaLnBrk="1" latinLnBrk="0" hangingPunct="1">
+              <a:lnSpc>
+                <a:spcPct val="90000"/>
+              </a:lnSpc>
+              <a:spcBef>
+                <a:spcPts val="500"/>
+              </a:spcBef>
+              <a:buFont typeface="Arial" panose="020B0604020202020204" pitchFamily="34" charset="0"/>
+              <a:buNone/>
+              <a:defRPr sz="1600" kern="1200">
+                <a:solidFill>
+                  <a:schemeClr val="tx1"/>
+                </a:solidFill>
+                <a:latin typeface="+mn-lt"/>
+                <a:ea typeface="+mn-ea"/>
+                <a:cs typeface="+mn-cs"/>
+              </a:defRPr>
+            </a:lvl7pPr>
+            <a:lvl8pPr marL="3200400" indent="0" algn="ctr" defTabSz="914400" rtl="0" eaLnBrk="1" latinLnBrk="0" hangingPunct="1">
+              <a:lnSpc>
+                <a:spcPct val="90000"/>
+              </a:lnSpc>
+              <a:spcBef>
+                <a:spcPts val="500"/>
+              </a:spcBef>
+              <a:buFont typeface="Arial" panose="020B0604020202020204" pitchFamily="34" charset="0"/>
+              <a:buNone/>
+              <a:defRPr sz="1600" kern="1200">
+                <a:solidFill>
+                  <a:schemeClr val="tx1"/>
+                </a:solidFill>
+                <a:latin typeface="+mn-lt"/>
+                <a:ea typeface="+mn-ea"/>
+                <a:cs typeface="+mn-cs"/>
+              </a:defRPr>
+            </a:lvl8pPr>
+            <a:lvl9pPr marL="3657600" indent="0" algn="ctr" defTabSz="914400" rtl="0" eaLnBrk="1" latinLnBrk="0" hangingPunct="1">
+              <a:lnSpc>
+                <a:spcPct val="90000"/>
+              </a:lnSpc>
+              <a:spcBef>
+                <a:spcPts val="500"/>
+              </a:spcBef>
+              <a:buFont typeface="Arial" panose="020B0604020202020204" pitchFamily="34" charset="0"/>
+              <a:buNone/>
+              <a:defRPr sz="1600" kern="1200">
+                <a:solidFill>
+                  <a:schemeClr val="tx1"/>
+                </a:solidFill>
+                <a:latin typeface="+mn-lt"/>
+                <a:ea typeface="+mn-ea"/>
+                <a:cs typeface="+mn-cs"/>
+              </a:defRPr>
+            </a:lvl9pPr>
+          </a:lstStyle>
+          <a:p>
+            <a:r>
+              <a:rPr lang="en-US" sz="1200" b="1" dirty="0"/>
+              <a:t>input</a:t>
+            </a:r>
+            <a:endParaRPr lang="LID4096" sz="1400" b="1" dirty="0"/>
+          </a:p>
+        </p:txBody>
+      </p:sp>
+      <p:sp>
+        <p:nvSpPr>
+          <p:cNvPr id="59" name="Subtitle 13">
+            <a:extLst>
+              <a:ext uri="{FF2B5EF4-FFF2-40B4-BE49-F238E27FC236}">
+                <a16:creationId xmlns:a16="http://schemas.microsoft.com/office/drawing/2014/main" id="{E647AE02-079E-D1F1-1861-0A73A26F5491}"/>
+              </a:ext>
+            </a:extLst>
+          </p:cNvPr>
+          <p:cNvSpPr txBox="1">
+            <a:spLocks/>
+          </p:cNvSpPr>
+          <p:nvPr/>
+        </p:nvSpPr>
+        <p:spPr>
+          <a:xfrm>
+            <a:off x="791440" y="3104133"/>
+            <a:ext cx="619855" cy="305920"/>
+          </a:xfrm>
+          <a:prstGeom prst="rect">
+            <a:avLst/>
+          </a:prstGeom>
+          <a:ln w="28575">
+            <a:noFill/>
+          </a:ln>
+        </p:spPr>
+        <p:txBody>
+          <a:bodyPr vert="horz" lIns="91440" tIns="45720" rIns="91440" bIns="45720" rtlCol="0">
+            <a:normAutofit/>
+          </a:bodyPr>
+          <a:lstStyle>
+            <a:lvl1pPr marL="0" indent="0" algn="ctr" defTabSz="914400" rtl="0" eaLnBrk="1" latinLnBrk="0" hangingPunct="1">
+              <a:lnSpc>
+                <a:spcPct val="90000"/>
+              </a:lnSpc>
+              <a:spcBef>
+                <a:spcPts val="1000"/>
+              </a:spcBef>
+              <a:buFont typeface="Arial" panose="020B0604020202020204" pitchFamily="34" charset="0"/>
+              <a:buNone/>
+              <a:defRPr sz="2400" kern="1200">
+                <a:solidFill>
+                  <a:schemeClr val="tx1"/>
+                </a:solidFill>
+                <a:latin typeface="+mn-lt"/>
+                <a:ea typeface="+mn-ea"/>
+                <a:cs typeface="+mn-cs"/>
+              </a:defRPr>
+            </a:lvl1pPr>
+            <a:lvl2pPr marL="457200" indent="0" algn="ctr" defTabSz="914400" rtl="0" eaLnBrk="1" latinLnBrk="0" hangingPunct="1">
+              <a:lnSpc>
+                <a:spcPct val="90000"/>
+              </a:lnSpc>
+              <a:spcBef>
+                <a:spcPts val="500"/>
+              </a:spcBef>
+              <a:buFont typeface="Arial" panose="020B0604020202020204" pitchFamily="34" charset="0"/>
+              <a:buNone/>
+              <a:defRPr sz="2000" kern="1200">
+                <a:solidFill>
+                  <a:schemeClr val="tx1"/>
+                </a:solidFill>
+                <a:latin typeface="+mn-lt"/>
+                <a:ea typeface="+mn-ea"/>
+                <a:cs typeface="+mn-cs"/>
+              </a:defRPr>
+            </a:lvl2pPr>
+            <a:lvl3pPr marL="914400" indent="0" algn="ctr" defTabSz="914400" rtl="0" eaLnBrk="1" latinLnBrk="0" hangingPunct="1">
+              <a:lnSpc>
+                <a:spcPct val="90000"/>
+              </a:lnSpc>
+              <a:spcBef>
+                <a:spcPts val="500"/>
+              </a:spcBef>
+              <a:buFont typeface="Arial" panose="020B0604020202020204" pitchFamily="34" charset="0"/>
+              <a:buNone/>
+              <a:defRPr sz="1800" kern="1200">
+                <a:solidFill>
+                  <a:schemeClr val="tx1"/>
+                </a:solidFill>
+                <a:latin typeface="+mn-lt"/>
+                <a:ea typeface="+mn-ea"/>
+                <a:cs typeface="+mn-cs"/>
+              </a:defRPr>
+            </a:lvl3pPr>
+            <a:lvl4pPr marL="1371600" indent="0" algn="ctr" defTabSz="914400" rtl="0" eaLnBrk="1" latinLnBrk="0" hangingPunct="1">
+              <a:lnSpc>
+                <a:spcPct val="90000"/>
+              </a:lnSpc>
+              <a:spcBef>
+                <a:spcPts val="500"/>
+              </a:spcBef>
+              <a:buFont typeface="Arial" panose="020B0604020202020204" pitchFamily="34" charset="0"/>
+              <a:buNone/>
+              <a:defRPr sz="1600" kern="1200">
+                <a:solidFill>
+                  <a:schemeClr val="tx1"/>
+                </a:solidFill>
+                <a:latin typeface="+mn-lt"/>
+                <a:ea typeface="+mn-ea"/>
+                <a:cs typeface="+mn-cs"/>
+              </a:defRPr>
+            </a:lvl4pPr>
+            <a:lvl5pPr marL="1828800" indent="0" algn="ctr" defTabSz="914400" rtl="0" eaLnBrk="1" latinLnBrk="0" hangingPunct="1">
+              <a:lnSpc>
+                <a:spcPct val="90000"/>
+              </a:lnSpc>
+              <a:spcBef>
+                <a:spcPts val="500"/>
+              </a:spcBef>
+              <a:buFont typeface="Arial" panose="020B0604020202020204" pitchFamily="34" charset="0"/>
+              <a:buNone/>
+              <a:defRPr sz="1600" kern="1200">
+                <a:solidFill>
+                  <a:schemeClr val="tx1"/>
+                </a:solidFill>
+                <a:latin typeface="+mn-lt"/>
+                <a:ea typeface="+mn-ea"/>
+                <a:cs typeface="+mn-cs"/>
+              </a:defRPr>
+            </a:lvl5pPr>
+            <a:lvl6pPr marL="2286000" indent="0" algn="ctr" defTabSz="914400" rtl="0" eaLnBrk="1" latinLnBrk="0" hangingPunct="1">
+              <a:lnSpc>
+                <a:spcPct val="90000"/>
+              </a:lnSpc>
+              <a:spcBef>
+                <a:spcPts val="500"/>
+              </a:spcBef>
+              <a:buFont typeface="Arial" panose="020B0604020202020204" pitchFamily="34" charset="0"/>
+              <a:buNone/>
+              <a:defRPr sz="1600" kern="1200">
+                <a:solidFill>
+                  <a:schemeClr val="tx1"/>
+                </a:solidFill>
+                <a:latin typeface="+mn-lt"/>
+                <a:ea typeface="+mn-ea"/>
+                <a:cs typeface="+mn-cs"/>
+              </a:defRPr>
+            </a:lvl6pPr>
+            <a:lvl7pPr marL="2743200" indent="0" algn="ctr" defTabSz="914400" rtl="0" eaLnBrk="1" latinLnBrk="0" hangingPunct="1">
+              <a:lnSpc>
+                <a:spcPct val="90000"/>
+              </a:lnSpc>
+              <a:spcBef>
+                <a:spcPts val="500"/>
+              </a:spcBef>
+              <a:buFont typeface="Arial" panose="020B0604020202020204" pitchFamily="34" charset="0"/>
+              <a:buNone/>
+              <a:defRPr sz="1600" kern="1200">
+                <a:solidFill>
+                  <a:schemeClr val="tx1"/>
+                </a:solidFill>
+                <a:latin typeface="+mn-lt"/>
+                <a:ea typeface="+mn-ea"/>
+                <a:cs typeface="+mn-cs"/>
+              </a:defRPr>
+            </a:lvl7pPr>
+            <a:lvl8pPr marL="3200400" indent="0" algn="ctr" defTabSz="914400" rtl="0" eaLnBrk="1" latinLnBrk="0" hangingPunct="1">
+              <a:lnSpc>
+                <a:spcPct val="90000"/>
+              </a:lnSpc>
+              <a:spcBef>
+                <a:spcPts val="500"/>
+              </a:spcBef>
+              <a:buFont typeface="Arial" panose="020B0604020202020204" pitchFamily="34" charset="0"/>
+              <a:buNone/>
+              <a:defRPr sz="1600" kern="1200">
+                <a:solidFill>
+                  <a:schemeClr val="tx1"/>
+                </a:solidFill>
+                <a:latin typeface="+mn-lt"/>
+                <a:ea typeface="+mn-ea"/>
+                <a:cs typeface="+mn-cs"/>
+              </a:defRPr>
+            </a:lvl8pPr>
+            <a:lvl9pPr marL="3657600" indent="0" algn="ctr" defTabSz="914400" rtl="0" eaLnBrk="1" latinLnBrk="0" hangingPunct="1">
+              <a:lnSpc>
+                <a:spcPct val="90000"/>
+              </a:lnSpc>
+              <a:spcBef>
+                <a:spcPts val="500"/>
+              </a:spcBef>
+              <a:buFont typeface="Arial" panose="020B0604020202020204" pitchFamily="34" charset="0"/>
+              <a:buNone/>
+              <a:defRPr sz="1600" kern="1200">
+                <a:solidFill>
+                  <a:schemeClr val="tx1"/>
+                </a:solidFill>
+                <a:latin typeface="+mn-lt"/>
+                <a:ea typeface="+mn-ea"/>
+                <a:cs typeface="+mn-cs"/>
+              </a:defRPr>
+            </a:lvl9pPr>
+          </a:lstStyle>
+          <a:p>
+            <a:r>
+              <a:rPr lang="en-US" sz="1200" b="1" dirty="0"/>
+              <a:t>input</a:t>
+            </a:r>
+            <a:endParaRPr lang="LID4096" sz="1400" b="1" dirty="0"/>
+          </a:p>
+        </p:txBody>
+      </p:sp>
+      <p:sp>
+        <p:nvSpPr>
+          <p:cNvPr id="60" name="Subtitle 13">
+            <a:extLst>
+              <a:ext uri="{FF2B5EF4-FFF2-40B4-BE49-F238E27FC236}">
+                <a16:creationId xmlns:a16="http://schemas.microsoft.com/office/drawing/2014/main" id="{C1B5E209-0513-4434-C058-79482124BF53}"/>
+              </a:ext>
+            </a:extLst>
+          </p:cNvPr>
+          <p:cNvSpPr txBox="1">
+            <a:spLocks/>
+          </p:cNvSpPr>
+          <p:nvPr/>
+        </p:nvSpPr>
+        <p:spPr>
+          <a:xfrm>
+            <a:off x="803447" y="4293546"/>
+            <a:ext cx="619855" cy="305920"/>
+          </a:xfrm>
+          <a:prstGeom prst="rect">
+            <a:avLst/>
+          </a:prstGeom>
+          <a:ln w="28575">
+            <a:noFill/>
+          </a:ln>
+        </p:spPr>
+        <p:txBody>
+          <a:bodyPr vert="horz" lIns="91440" tIns="45720" rIns="91440" bIns="45720" rtlCol="0">
+            <a:normAutofit/>
+          </a:bodyPr>
+          <a:lstStyle>
+            <a:lvl1pPr marL="0" indent="0" algn="ctr" defTabSz="914400" rtl="0" eaLnBrk="1" latinLnBrk="0" hangingPunct="1">
+              <a:lnSpc>
+                <a:spcPct val="90000"/>
+              </a:lnSpc>
+              <a:spcBef>
+                <a:spcPts val="1000"/>
+              </a:spcBef>
+              <a:buFont typeface="Arial" panose="020B0604020202020204" pitchFamily="34" charset="0"/>
+              <a:buNone/>
+              <a:defRPr sz="2400" kern="1200">
+                <a:solidFill>
+                  <a:schemeClr val="tx1"/>
+                </a:solidFill>
+                <a:latin typeface="+mn-lt"/>
+                <a:ea typeface="+mn-ea"/>
+                <a:cs typeface="+mn-cs"/>
+              </a:defRPr>
+            </a:lvl1pPr>
+            <a:lvl2pPr marL="457200" indent="0" algn="ctr" defTabSz="914400" rtl="0" eaLnBrk="1" latinLnBrk="0" hangingPunct="1">
+              <a:lnSpc>
+                <a:spcPct val="90000"/>
+              </a:lnSpc>
+              <a:spcBef>
+                <a:spcPts val="500"/>
+              </a:spcBef>
+              <a:buFont typeface="Arial" panose="020B0604020202020204" pitchFamily="34" charset="0"/>
+              <a:buNone/>
+              <a:defRPr sz="2000" kern="1200">
+                <a:solidFill>
+                  <a:schemeClr val="tx1"/>
+                </a:solidFill>
+                <a:latin typeface="+mn-lt"/>
+                <a:ea typeface="+mn-ea"/>
+                <a:cs typeface="+mn-cs"/>
+              </a:defRPr>
+            </a:lvl2pPr>
+            <a:lvl3pPr marL="914400" indent="0" algn="ctr" defTabSz="914400" rtl="0" eaLnBrk="1" latinLnBrk="0" hangingPunct="1">
+              <a:lnSpc>
+                <a:spcPct val="90000"/>
+              </a:lnSpc>
+              <a:spcBef>
+                <a:spcPts val="500"/>
+              </a:spcBef>
+              <a:buFont typeface="Arial" panose="020B0604020202020204" pitchFamily="34" charset="0"/>
+              <a:buNone/>
+              <a:defRPr sz="1800" kern="1200">
+                <a:solidFill>
+                  <a:schemeClr val="tx1"/>
+                </a:solidFill>
+                <a:latin typeface="+mn-lt"/>
+                <a:ea typeface="+mn-ea"/>
+                <a:cs typeface="+mn-cs"/>
+              </a:defRPr>
+            </a:lvl3pPr>
+            <a:lvl4pPr marL="1371600" indent="0" algn="ctr" defTabSz="914400" rtl="0" eaLnBrk="1" latinLnBrk="0" hangingPunct="1">
+              <a:lnSpc>
+                <a:spcPct val="90000"/>
+              </a:lnSpc>
+              <a:spcBef>
+                <a:spcPts val="500"/>
+              </a:spcBef>
+              <a:buFont typeface="Arial" panose="020B0604020202020204" pitchFamily="34" charset="0"/>
+              <a:buNone/>
+              <a:defRPr sz="1600" kern="1200">
+                <a:solidFill>
+                  <a:schemeClr val="tx1"/>
+                </a:solidFill>
+                <a:latin typeface="+mn-lt"/>
+                <a:ea typeface="+mn-ea"/>
+                <a:cs typeface="+mn-cs"/>
+              </a:defRPr>
+            </a:lvl4pPr>
+            <a:lvl5pPr marL="1828800" indent="0" algn="ctr" defTabSz="914400" rtl="0" eaLnBrk="1" latinLnBrk="0" hangingPunct="1">
+              <a:lnSpc>
+                <a:spcPct val="90000"/>
+              </a:lnSpc>
+              <a:spcBef>
+                <a:spcPts val="500"/>
+              </a:spcBef>
+              <a:buFont typeface="Arial" panose="020B0604020202020204" pitchFamily="34" charset="0"/>
+              <a:buNone/>
+              <a:defRPr sz="1600" kern="1200">
+                <a:solidFill>
+                  <a:schemeClr val="tx1"/>
+                </a:solidFill>
+                <a:latin typeface="+mn-lt"/>
+                <a:ea typeface="+mn-ea"/>
+                <a:cs typeface="+mn-cs"/>
+              </a:defRPr>
+            </a:lvl5pPr>
+            <a:lvl6pPr marL="2286000" indent="0" algn="ctr" defTabSz="914400" rtl="0" eaLnBrk="1" latinLnBrk="0" hangingPunct="1">
+              <a:lnSpc>
+                <a:spcPct val="90000"/>
+              </a:lnSpc>
+              <a:spcBef>
+                <a:spcPts val="500"/>
+              </a:spcBef>
+              <a:buFont typeface="Arial" panose="020B0604020202020204" pitchFamily="34" charset="0"/>
+              <a:buNone/>
+              <a:defRPr sz="1600" kern="1200">
+                <a:solidFill>
+                  <a:schemeClr val="tx1"/>
+                </a:solidFill>
+                <a:latin typeface="+mn-lt"/>
+                <a:ea typeface="+mn-ea"/>
+                <a:cs typeface="+mn-cs"/>
+              </a:defRPr>
+            </a:lvl6pPr>
+            <a:lvl7pPr marL="2743200" indent="0" algn="ctr" defTabSz="914400" rtl="0" eaLnBrk="1" latinLnBrk="0" hangingPunct="1">
+              <a:lnSpc>
+                <a:spcPct val="90000"/>
+              </a:lnSpc>
+              <a:spcBef>
+                <a:spcPts val="500"/>
+              </a:spcBef>
+              <a:buFont typeface="Arial" panose="020B0604020202020204" pitchFamily="34" charset="0"/>
+              <a:buNone/>
+              <a:defRPr sz="1600" kern="1200">
+                <a:solidFill>
+                  <a:schemeClr val="tx1"/>
+                </a:solidFill>
+                <a:latin typeface="+mn-lt"/>
+                <a:ea typeface="+mn-ea"/>
+                <a:cs typeface="+mn-cs"/>
+              </a:defRPr>
+            </a:lvl7pPr>
+            <a:lvl8pPr marL="3200400" indent="0" algn="ctr" defTabSz="914400" rtl="0" eaLnBrk="1" latinLnBrk="0" hangingPunct="1">
+              <a:lnSpc>
+                <a:spcPct val="90000"/>
+              </a:lnSpc>
+              <a:spcBef>
+                <a:spcPts val="500"/>
+              </a:spcBef>
+              <a:buFont typeface="Arial" panose="020B0604020202020204" pitchFamily="34" charset="0"/>
+              <a:buNone/>
+              <a:defRPr sz="1600" kern="1200">
+                <a:solidFill>
+                  <a:schemeClr val="tx1"/>
+                </a:solidFill>
+                <a:latin typeface="+mn-lt"/>
+                <a:ea typeface="+mn-ea"/>
+                <a:cs typeface="+mn-cs"/>
+              </a:defRPr>
+            </a:lvl8pPr>
+            <a:lvl9pPr marL="3657600" indent="0" algn="ctr" defTabSz="914400" rtl="0" eaLnBrk="1" latinLnBrk="0" hangingPunct="1">
+              <a:lnSpc>
+                <a:spcPct val="90000"/>
+              </a:lnSpc>
+              <a:spcBef>
+                <a:spcPts val="500"/>
+              </a:spcBef>
+              <a:buFont typeface="Arial" panose="020B0604020202020204" pitchFamily="34" charset="0"/>
+              <a:buNone/>
+              <a:defRPr sz="1600" kern="1200">
+                <a:solidFill>
+                  <a:schemeClr val="tx1"/>
+                </a:solidFill>
+                <a:latin typeface="+mn-lt"/>
+                <a:ea typeface="+mn-ea"/>
+                <a:cs typeface="+mn-cs"/>
+              </a:defRPr>
+            </a:lvl9pPr>
+          </a:lstStyle>
+          <a:p>
+            <a:r>
+              <a:rPr lang="en-US" sz="1200" b="1" dirty="0"/>
+              <a:t>input</a:t>
+            </a:r>
+            <a:endParaRPr lang="LID4096" sz="1400" b="1" dirty="0"/>
+          </a:p>
+        </p:txBody>
+      </p:sp>
+      <p:sp>
+        <p:nvSpPr>
+          <p:cNvPr id="63" name="Subtitle 13">
+            <a:extLst>
+              <a:ext uri="{FF2B5EF4-FFF2-40B4-BE49-F238E27FC236}">
+                <a16:creationId xmlns:a16="http://schemas.microsoft.com/office/drawing/2014/main" id="{DD5CDD97-13E9-B332-B590-A9D768B8938A}"/>
+              </a:ext>
+            </a:extLst>
+          </p:cNvPr>
+          <p:cNvSpPr txBox="1">
+            <a:spLocks/>
+          </p:cNvSpPr>
+          <p:nvPr/>
+        </p:nvSpPr>
+        <p:spPr>
+          <a:xfrm rot="16200000">
+            <a:off x="7025362" y="5040708"/>
+            <a:ext cx="656559" cy="332551"/>
+          </a:xfrm>
+          <a:prstGeom prst="rect">
+            <a:avLst/>
+          </a:prstGeom>
+        </p:spPr>
+        <p:txBody>
+          <a:bodyPr vert="horz" lIns="91440" tIns="45720" rIns="91440" bIns="45720" rtlCol="0">
+            <a:normAutofit fontScale="92500"/>
+          </a:bodyPr>
+          <a:lstStyle>
+            <a:lvl1pPr marL="0" indent="0" algn="ctr" defTabSz="914400" rtl="0" eaLnBrk="1" latinLnBrk="0" hangingPunct="1">
+              <a:lnSpc>
+                <a:spcPct val="90000"/>
+              </a:lnSpc>
+              <a:spcBef>
+                <a:spcPts val="1000"/>
+              </a:spcBef>
+              <a:buFont typeface="Arial" panose="020B0604020202020204" pitchFamily="34" charset="0"/>
+              <a:buNone/>
+              <a:defRPr sz="2400" kern="1200">
+                <a:solidFill>
+                  <a:schemeClr val="tx1"/>
+                </a:solidFill>
+                <a:latin typeface="+mn-lt"/>
+                <a:ea typeface="+mn-ea"/>
+                <a:cs typeface="+mn-cs"/>
+              </a:defRPr>
+            </a:lvl1pPr>
+            <a:lvl2pPr marL="457200" indent="0" algn="ctr" defTabSz="914400" rtl="0" eaLnBrk="1" latinLnBrk="0" hangingPunct="1">
+              <a:lnSpc>
+                <a:spcPct val="90000"/>
+              </a:lnSpc>
+              <a:spcBef>
+                <a:spcPts val="500"/>
+              </a:spcBef>
+              <a:buFont typeface="Arial" panose="020B0604020202020204" pitchFamily="34" charset="0"/>
+              <a:buNone/>
+              <a:defRPr sz="2000" kern="1200">
+                <a:solidFill>
+                  <a:schemeClr val="tx1"/>
+                </a:solidFill>
+                <a:latin typeface="+mn-lt"/>
+                <a:ea typeface="+mn-ea"/>
+                <a:cs typeface="+mn-cs"/>
+              </a:defRPr>
+            </a:lvl2pPr>
+            <a:lvl3pPr marL="914400" indent="0" algn="ctr" defTabSz="914400" rtl="0" eaLnBrk="1" latinLnBrk="0" hangingPunct="1">
+              <a:lnSpc>
+                <a:spcPct val="90000"/>
+              </a:lnSpc>
+              <a:spcBef>
+                <a:spcPts val="500"/>
+              </a:spcBef>
+              <a:buFont typeface="Arial" panose="020B0604020202020204" pitchFamily="34" charset="0"/>
+              <a:buNone/>
+              <a:defRPr sz="1800" kern="1200">
+                <a:solidFill>
+                  <a:schemeClr val="tx1"/>
+                </a:solidFill>
+                <a:latin typeface="+mn-lt"/>
+                <a:ea typeface="+mn-ea"/>
+                <a:cs typeface="+mn-cs"/>
+              </a:defRPr>
+            </a:lvl3pPr>
+            <a:lvl4pPr marL="1371600" indent="0" algn="ctr" defTabSz="914400" rtl="0" eaLnBrk="1" latinLnBrk="0" hangingPunct="1">
+              <a:lnSpc>
+                <a:spcPct val="90000"/>
+              </a:lnSpc>
+              <a:spcBef>
+                <a:spcPts val="500"/>
+              </a:spcBef>
+              <a:buFont typeface="Arial" panose="020B0604020202020204" pitchFamily="34" charset="0"/>
+              <a:buNone/>
+              <a:defRPr sz="1600" kern="1200">
+                <a:solidFill>
+                  <a:schemeClr val="tx1"/>
+                </a:solidFill>
+                <a:latin typeface="+mn-lt"/>
+                <a:ea typeface="+mn-ea"/>
+                <a:cs typeface="+mn-cs"/>
+              </a:defRPr>
+            </a:lvl4pPr>
+            <a:lvl5pPr marL="1828800" indent="0" algn="ctr" defTabSz="914400" rtl="0" eaLnBrk="1" latinLnBrk="0" hangingPunct="1">
+              <a:lnSpc>
+                <a:spcPct val="90000"/>
+              </a:lnSpc>
+              <a:spcBef>
+                <a:spcPts val="500"/>
+              </a:spcBef>
+              <a:buFont typeface="Arial" panose="020B0604020202020204" pitchFamily="34" charset="0"/>
+              <a:buNone/>
+              <a:defRPr sz="1600" kern="1200">
+                <a:solidFill>
+                  <a:schemeClr val="tx1"/>
+                </a:solidFill>
+                <a:latin typeface="+mn-lt"/>
+                <a:ea typeface="+mn-ea"/>
+                <a:cs typeface="+mn-cs"/>
+              </a:defRPr>
+            </a:lvl5pPr>
+            <a:lvl6pPr marL="2286000" indent="0" algn="ctr" defTabSz="914400" rtl="0" eaLnBrk="1" latinLnBrk="0" hangingPunct="1">
+              <a:lnSpc>
+                <a:spcPct val="90000"/>
+              </a:lnSpc>
+              <a:spcBef>
+                <a:spcPts val="500"/>
+              </a:spcBef>
+              <a:buFont typeface="Arial" panose="020B0604020202020204" pitchFamily="34" charset="0"/>
+              <a:buNone/>
+              <a:defRPr sz="1600" kern="1200">
+                <a:solidFill>
+                  <a:schemeClr val="tx1"/>
+                </a:solidFill>
+                <a:latin typeface="+mn-lt"/>
+                <a:ea typeface="+mn-ea"/>
+                <a:cs typeface="+mn-cs"/>
+              </a:defRPr>
+            </a:lvl6pPr>
+            <a:lvl7pPr marL="2743200" indent="0" algn="ctr" defTabSz="914400" rtl="0" eaLnBrk="1" latinLnBrk="0" hangingPunct="1">
+              <a:lnSpc>
+                <a:spcPct val="90000"/>
+              </a:lnSpc>
+              <a:spcBef>
+                <a:spcPts val="500"/>
+              </a:spcBef>
+              <a:buFont typeface="Arial" panose="020B0604020202020204" pitchFamily="34" charset="0"/>
+              <a:buNone/>
+              <a:defRPr sz="1600" kern="1200">
+                <a:solidFill>
+                  <a:schemeClr val="tx1"/>
+                </a:solidFill>
+                <a:latin typeface="+mn-lt"/>
+                <a:ea typeface="+mn-ea"/>
+                <a:cs typeface="+mn-cs"/>
+              </a:defRPr>
+            </a:lvl7pPr>
+            <a:lvl8pPr marL="3200400" indent="0" algn="ctr" defTabSz="914400" rtl="0" eaLnBrk="1" latinLnBrk="0" hangingPunct="1">
+              <a:lnSpc>
+                <a:spcPct val="90000"/>
+              </a:lnSpc>
+              <a:spcBef>
+                <a:spcPts val="500"/>
+              </a:spcBef>
+              <a:buFont typeface="Arial" panose="020B0604020202020204" pitchFamily="34" charset="0"/>
+              <a:buNone/>
+              <a:defRPr sz="1600" kern="1200">
+                <a:solidFill>
+                  <a:schemeClr val="tx1"/>
+                </a:solidFill>
+                <a:latin typeface="+mn-lt"/>
+                <a:ea typeface="+mn-ea"/>
+                <a:cs typeface="+mn-cs"/>
+              </a:defRPr>
+            </a:lvl8pPr>
+            <a:lvl9pPr marL="3657600" indent="0" algn="ctr" defTabSz="914400" rtl="0" eaLnBrk="1" latinLnBrk="0" hangingPunct="1">
+              <a:lnSpc>
+                <a:spcPct val="90000"/>
+              </a:lnSpc>
+              <a:spcBef>
+                <a:spcPts val="500"/>
+              </a:spcBef>
+              <a:buFont typeface="Arial" panose="020B0604020202020204" pitchFamily="34" charset="0"/>
+              <a:buNone/>
+              <a:defRPr sz="1600" kern="1200">
+                <a:solidFill>
+                  <a:schemeClr val="tx1"/>
+                </a:solidFill>
+                <a:latin typeface="+mn-lt"/>
+                <a:ea typeface="+mn-ea"/>
+                <a:cs typeface="+mn-cs"/>
+              </a:defRPr>
+            </a:lvl9pPr>
+          </a:lstStyle>
+          <a:p>
+            <a:r>
+              <a:rPr lang="en-US" sz="1200" dirty="0" err="1"/>
+              <a:t>regs_en</a:t>
+            </a:r>
+            <a:endParaRPr lang="LID4096" sz="1400" dirty="0"/>
+          </a:p>
+        </p:txBody>
+      </p:sp>
+      <p:cxnSp>
+        <p:nvCxnSpPr>
+          <p:cNvPr id="66" name="Connector: Elbow 65">
+            <a:extLst>
+              <a:ext uri="{FF2B5EF4-FFF2-40B4-BE49-F238E27FC236}">
+                <a16:creationId xmlns:a16="http://schemas.microsoft.com/office/drawing/2014/main" id="{84FA9C5A-C905-CCE5-4F2A-C7161C2F8F90}"/>
+              </a:ext>
+            </a:extLst>
+          </p:cNvPr>
+          <p:cNvCxnSpPr/>
+          <p:nvPr/>
+        </p:nvCxnSpPr>
+        <p:spPr>
+          <a:xfrm rot="10800000">
+            <a:off x="5143501" y="4918711"/>
+            <a:ext cx="2315457" cy="605123"/>
+          </a:xfrm>
+          <a:prstGeom prst="bentConnector3">
+            <a:avLst>
+              <a:gd name="adj1" fmla="val -186"/>
+            </a:avLst>
+          </a:prstGeom>
+          <a:ln>
+            <a:prstDash val="sysDash"/>
+            <a:tailEnd type="triangle"/>
+          </a:ln>
+        </p:spPr>
+        <p:style>
+          <a:lnRef idx="1">
+            <a:schemeClr val="accent1"/>
+          </a:lnRef>
+          <a:fillRef idx="0">
+            <a:schemeClr val="accent1"/>
+          </a:fillRef>
+          <a:effectRef idx="0">
+            <a:schemeClr val="accent1"/>
+          </a:effectRef>
+          <a:fontRef idx="minor">
+            <a:schemeClr val="tx1"/>
+          </a:fontRef>
+        </p:style>
+      </p:cxnSp>
+      <p:cxnSp>
+        <p:nvCxnSpPr>
+          <p:cNvPr id="17" name="Connector: Elbow 16">
+            <a:extLst>
+              <a:ext uri="{FF2B5EF4-FFF2-40B4-BE49-F238E27FC236}">
+                <a16:creationId xmlns:a16="http://schemas.microsoft.com/office/drawing/2014/main" id="{5776E43A-4708-AFD2-1D93-68EB87DCA30F}"/>
+              </a:ext>
+            </a:extLst>
+          </p:cNvPr>
+          <p:cNvCxnSpPr>
+            <a:cxnSpLocks/>
+            <a:stCxn id="7" idx="3"/>
+          </p:cNvCxnSpPr>
+          <p:nvPr/>
+        </p:nvCxnSpPr>
+        <p:spPr>
+          <a:xfrm flipH="1" flipV="1">
+            <a:off x="849932" y="794784"/>
+            <a:ext cx="960261" cy="299484"/>
+          </a:xfrm>
+          <a:prstGeom prst="bentConnector5">
+            <a:avLst>
+              <a:gd name="adj1" fmla="val -23806"/>
+              <a:gd name="adj2" fmla="val 243503"/>
+              <a:gd name="adj3" fmla="val 127938"/>
+            </a:avLst>
+          </a:prstGeom>
+          <a:ln w="28575">
+            <a:tailEnd type="triangle"/>
+          </a:ln>
+        </p:spPr>
+        <p:style>
+          <a:lnRef idx="1">
+            <a:schemeClr val="accent1"/>
+          </a:lnRef>
+          <a:fillRef idx="0">
+            <a:schemeClr val="accent1"/>
+          </a:fillRef>
+          <a:effectRef idx="0">
+            <a:schemeClr val="accent1"/>
+          </a:effectRef>
+          <a:fontRef idx="minor">
+            <a:schemeClr val="tx1"/>
+          </a:fontRef>
+        </p:style>
+      </p:cxnSp>
+      <p:sp>
+        <p:nvSpPr>
+          <p:cNvPr id="25" name="Subtitle 13">
+            <a:extLst>
+              <a:ext uri="{FF2B5EF4-FFF2-40B4-BE49-F238E27FC236}">
+                <a16:creationId xmlns:a16="http://schemas.microsoft.com/office/drawing/2014/main" id="{28C310FA-470F-A757-FA94-C0428003457A}"/>
+              </a:ext>
+            </a:extLst>
+          </p:cNvPr>
+          <p:cNvSpPr txBox="1">
+            <a:spLocks/>
+          </p:cNvSpPr>
+          <p:nvPr/>
+        </p:nvSpPr>
+        <p:spPr>
+          <a:xfrm rot="16200000">
+            <a:off x="1620570" y="567928"/>
+            <a:ext cx="1136605" cy="305920"/>
+          </a:xfrm>
+          <a:prstGeom prst="rect">
+            <a:avLst/>
+          </a:prstGeom>
+        </p:spPr>
+        <p:txBody>
+          <a:bodyPr vert="horz" lIns="91440" tIns="45720" rIns="91440" bIns="45720" rtlCol="0">
+            <a:normAutofit/>
+          </a:bodyPr>
+          <a:lstStyle>
+            <a:lvl1pPr marL="0" indent="0" algn="ctr" defTabSz="914400" rtl="0" eaLnBrk="1" latinLnBrk="0" hangingPunct="1">
+              <a:lnSpc>
+                <a:spcPct val="90000"/>
+              </a:lnSpc>
+              <a:spcBef>
+                <a:spcPts val="1000"/>
+              </a:spcBef>
+              <a:buFont typeface="Arial" panose="020B0604020202020204" pitchFamily="34" charset="0"/>
+              <a:buNone/>
+              <a:defRPr sz="2400" kern="1200">
+                <a:solidFill>
+                  <a:schemeClr val="tx1"/>
+                </a:solidFill>
+                <a:latin typeface="+mn-lt"/>
+                <a:ea typeface="+mn-ea"/>
+                <a:cs typeface="+mn-cs"/>
+              </a:defRPr>
+            </a:lvl1pPr>
+            <a:lvl2pPr marL="457200" indent="0" algn="ctr" defTabSz="914400" rtl="0" eaLnBrk="1" latinLnBrk="0" hangingPunct="1">
+              <a:lnSpc>
+                <a:spcPct val="90000"/>
+              </a:lnSpc>
+              <a:spcBef>
+                <a:spcPts val="500"/>
+              </a:spcBef>
+              <a:buFont typeface="Arial" panose="020B0604020202020204" pitchFamily="34" charset="0"/>
+              <a:buNone/>
+              <a:defRPr sz="2000" kern="1200">
+                <a:solidFill>
+                  <a:schemeClr val="tx1"/>
+                </a:solidFill>
+                <a:latin typeface="+mn-lt"/>
+                <a:ea typeface="+mn-ea"/>
+                <a:cs typeface="+mn-cs"/>
+              </a:defRPr>
+            </a:lvl2pPr>
+            <a:lvl3pPr marL="914400" indent="0" algn="ctr" defTabSz="914400" rtl="0" eaLnBrk="1" latinLnBrk="0" hangingPunct="1">
+              <a:lnSpc>
+                <a:spcPct val="90000"/>
+              </a:lnSpc>
+              <a:spcBef>
+                <a:spcPts val="500"/>
+              </a:spcBef>
+              <a:buFont typeface="Arial" panose="020B0604020202020204" pitchFamily="34" charset="0"/>
+              <a:buNone/>
+              <a:defRPr sz="1800" kern="1200">
+                <a:solidFill>
+                  <a:schemeClr val="tx1"/>
+                </a:solidFill>
+                <a:latin typeface="+mn-lt"/>
+                <a:ea typeface="+mn-ea"/>
+                <a:cs typeface="+mn-cs"/>
+              </a:defRPr>
+            </a:lvl3pPr>
+            <a:lvl4pPr marL="1371600" indent="0" algn="ctr" defTabSz="914400" rtl="0" eaLnBrk="1" latinLnBrk="0" hangingPunct="1">
+              <a:lnSpc>
+                <a:spcPct val="90000"/>
+              </a:lnSpc>
+              <a:spcBef>
+                <a:spcPts val="500"/>
+              </a:spcBef>
+              <a:buFont typeface="Arial" panose="020B0604020202020204" pitchFamily="34" charset="0"/>
+              <a:buNone/>
+              <a:defRPr sz="1600" kern="1200">
+                <a:solidFill>
+                  <a:schemeClr val="tx1"/>
+                </a:solidFill>
+                <a:latin typeface="+mn-lt"/>
+                <a:ea typeface="+mn-ea"/>
+                <a:cs typeface="+mn-cs"/>
+              </a:defRPr>
+            </a:lvl4pPr>
+            <a:lvl5pPr marL="1828800" indent="0" algn="ctr" defTabSz="914400" rtl="0" eaLnBrk="1" latinLnBrk="0" hangingPunct="1">
+              <a:lnSpc>
+                <a:spcPct val="90000"/>
+              </a:lnSpc>
+              <a:spcBef>
+                <a:spcPts val="500"/>
+              </a:spcBef>
+              <a:buFont typeface="Arial" panose="020B0604020202020204" pitchFamily="34" charset="0"/>
+              <a:buNone/>
+              <a:defRPr sz="1600" kern="1200">
+                <a:solidFill>
+                  <a:schemeClr val="tx1"/>
+                </a:solidFill>
+                <a:latin typeface="+mn-lt"/>
+                <a:ea typeface="+mn-ea"/>
+                <a:cs typeface="+mn-cs"/>
+              </a:defRPr>
+            </a:lvl5pPr>
+            <a:lvl6pPr marL="2286000" indent="0" algn="ctr" defTabSz="914400" rtl="0" eaLnBrk="1" latinLnBrk="0" hangingPunct="1">
+              <a:lnSpc>
+                <a:spcPct val="90000"/>
+              </a:lnSpc>
+              <a:spcBef>
+                <a:spcPts val="500"/>
+              </a:spcBef>
+              <a:buFont typeface="Arial" panose="020B0604020202020204" pitchFamily="34" charset="0"/>
+              <a:buNone/>
+              <a:defRPr sz="1600" kern="1200">
+                <a:solidFill>
+                  <a:schemeClr val="tx1"/>
+                </a:solidFill>
+                <a:latin typeface="+mn-lt"/>
+                <a:ea typeface="+mn-ea"/>
+                <a:cs typeface="+mn-cs"/>
+              </a:defRPr>
+            </a:lvl6pPr>
+            <a:lvl7pPr marL="2743200" indent="0" algn="ctr" defTabSz="914400" rtl="0" eaLnBrk="1" latinLnBrk="0" hangingPunct="1">
+              <a:lnSpc>
+                <a:spcPct val="90000"/>
+              </a:lnSpc>
+              <a:spcBef>
+                <a:spcPts val="500"/>
+              </a:spcBef>
+              <a:buFont typeface="Arial" panose="020B0604020202020204" pitchFamily="34" charset="0"/>
+              <a:buNone/>
+              <a:defRPr sz="1600" kern="1200">
+                <a:solidFill>
+                  <a:schemeClr val="tx1"/>
+                </a:solidFill>
+                <a:latin typeface="+mn-lt"/>
+                <a:ea typeface="+mn-ea"/>
+                <a:cs typeface="+mn-cs"/>
+              </a:defRPr>
+            </a:lvl7pPr>
+            <a:lvl8pPr marL="3200400" indent="0" algn="ctr" defTabSz="914400" rtl="0" eaLnBrk="1" latinLnBrk="0" hangingPunct="1">
+              <a:lnSpc>
+                <a:spcPct val="90000"/>
+              </a:lnSpc>
+              <a:spcBef>
+                <a:spcPts val="500"/>
+              </a:spcBef>
+              <a:buFont typeface="Arial" panose="020B0604020202020204" pitchFamily="34" charset="0"/>
+              <a:buNone/>
+              <a:defRPr sz="1600" kern="1200">
+                <a:solidFill>
+                  <a:schemeClr val="tx1"/>
+                </a:solidFill>
+                <a:latin typeface="+mn-lt"/>
+                <a:ea typeface="+mn-ea"/>
+                <a:cs typeface="+mn-cs"/>
+              </a:defRPr>
+            </a:lvl8pPr>
+            <a:lvl9pPr marL="3657600" indent="0" algn="ctr" defTabSz="914400" rtl="0" eaLnBrk="1" latinLnBrk="0" hangingPunct="1">
+              <a:lnSpc>
+                <a:spcPct val="90000"/>
+              </a:lnSpc>
+              <a:spcBef>
+                <a:spcPts val="500"/>
+              </a:spcBef>
+              <a:buFont typeface="Arial" panose="020B0604020202020204" pitchFamily="34" charset="0"/>
+              <a:buNone/>
+              <a:defRPr sz="1600" kern="1200">
+                <a:solidFill>
+                  <a:schemeClr val="tx1"/>
+                </a:solidFill>
+                <a:latin typeface="+mn-lt"/>
+                <a:ea typeface="+mn-ea"/>
+                <a:cs typeface="+mn-cs"/>
+              </a:defRPr>
+            </a:lvl9pPr>
+          </a:lstStyle>
+          <a:p>
+            <a:r>
+              <a:rPr lang="en-US" sz="1050" dirty="0"/>
+              <a:t>U[255:1]</a:t>
+            </a:r>
+            <a:endParaRPr lang="LID4096" sz="1100" dirty="0"/>
+          </a:p>
+        </p:txBody>
+      </p:sp>
+      <p:cxnSp>
+        <p:nvCxnSpPr>
+          <p:cNvPr id="12" name="Connector: Elbow 11">
+            <a:extLst>
+              <a:ext uri="{FF2B5EF4-FFF2-40B4-BE49-F238E27FC236}">
+                <a16:creationId xmlns:a16="http://schemas.microsoft.com/office/drawing/2014/main" id="{EA7316D5-0270-DCA1-EC77-85AD3618DD0A}"/>
+              </a:ext>
+            </a:extLst>
+          </p:cNvPr>
+          <p:cNvCxnSpPr>
+            <a:stCxn id="7" idx="3"/>
+          </p:cNvCxnSpPr>
+          <p:nvPr/>
+        </p:nvCxnSpPr>
+        <p:spPr>
+          <a:xfrm flipV="1">
+            <a:off x="1810193" y="1094266"/>
+            <a:ext cx="9843091" cy="2"/>
+          </a:xfrm>
+          <a:prstGeom prst="bentConnector3">
+            <a:avLst/>
+          </a:prstGeom>
+          <a:ln w="28575">
+            <a:tailEnd type="triangle"/>
+          </a:ln>
+        </p:spPr>
+        <p:style>
+          <a:lnRef idx="1">
+            <a:schemeClr val="accent1"/>
+          </a:lnRef>
+          <a:fillRef idx="0">
+            <a:schemeClr val="accent1"/>
+          </a:fillRef>
+          <a:effectRef idx="0">
+            <a:schemeClr val="accent1"/>
+          </a:effectRef>
+          <a:fontRef idx="minor">
+            <a:schemeClr val="tx1"/>
+          </a:fontRef>
+        </p:style>
+      </p:cxnSp>
+      <p:sp>
+        <p:nvSpPr>
+          <p:cNvPr id="15" name="Subtitle 13">
+            <a:extLst>
+              <a:ext uri="{FF2B5EF4-FFF2-40B4-BE49-F238E27FC236}">
+                <a16:creationId xmlns:a16="http://schemas.microsoft.com/office/drawing/2014/main" id="{46808B50-3993-38A6-023B-210399351BEA}"/>
+              </a:ext>
+            </a:extLst>
+          </p:cNvPr>
+          <p:cNvSpPr txBox="1">
+            <a:spLocks/>
+          </p:cNvSpPr>
+          <p:nvPr/>
+        </p:nvSpPr>
+        <p:spPr>
+          <a:xfrm>
+            <a:off x="10827811" y="825003"/>
+            <a:ext cx="737045" cy="212824"/>
+          </a:xfrm>
+          <a:prstGeom prst="rect">
+            <a:avLst/>
+          </a:prstGeom>
+        </p:spPr>
+        <p:txBody>
+          <a:bodyPr vert="horz" lIns="91440" tIns="45720" rIns="91440" bIns="45720" rtlCol="0">
+            <a:noAutofit/>
+          </a:bodyPr>
+          <a:lstStyle>
+            <a:lvl1pPr marL="0" indent="0" algn="ctr" defTabSz="914400" rtl="0" eaLnBrk="1" latinLnBrk="0" hangingPunct="1">
+              <a:lnSpc>
+                <a:spcPct val="90000"/>
+              </a:lnSpc>
+              <a:spcBef>
+                <a:spcPts val="1000"/>
+              </a:spcBef>
+              <a:buFont typeface="Arial" panose="020B0604020202020204" pitchFamily="34" charset="0"/>
+              <a:buNone/>
+              <a:defRPr sz="2400" kern="1200">
+                <a:solidFill>
+                  <a:schemeClr val="tx1"/>
+                </a:solidFill>
+                <a:latin typeface="+mn-lt"/>
+                <a:ea typeface="+mn-ea"/>
+                <a:cs typeface="+mn-cs"/>
+              </a:defRPr>
+            </a:lvl1pPr>
+            <a:lvl2pPr marL="457200" indent="0" algn="ctr" defTabSz="914400" rtl="0" eaLnBrk="1" latinLnBrk="0" hangingPunct="1">
+              <a:lnSpc>
+                <a:spcPct val="90000"/>
+              </a:lnSpc>
+              <a:spcBef>
+                <a:spcPts val="500"/>
+              </a:spcBef>
+              <a:buFont typeface="Arial" panose="020B0604020202020204" pitchFamily="34" charset="0"/>
+              <a:buNone/>
+              <a:defRPr sz="2000" kern="1200">
+                <a:solidFill>
+                  <a:schemeClr val="tx1"/>
+                </a:solidFill>
+                <a:latin typeface="+mn-lt"/>
+                <a:ea typeface="+mn-ea"/>
+                <a:cs typeface="+mn-cs"/>
+              </a:defRPr>
+            </a:lvl2pPr>
+            <a:lvl3pPr marL="914400" indent="0" algn="ctr" defTabSz="914400" rtl="0" eaLnBrk="1" latinLnBrk="0" hangingPunct="1">
+              <a:lnSpc>
+                <a:spcPct val="90000"/>
+              </a:lnSpc>
+              <a:spcBef>
+                <a:spcPts val="500"/>
+              </a:spcBef>
+              <a:buFont typeface="Arial" panose="020B0604020202020204" pitchFamily="34" charset="0"/>
+              <a:buNone/>
+              <a:defRPr sz="1800" kern="1200">
+                <a:solidFill>
+                  <a:schemeClr val="tx1"/>
+                </a:solidFill>
+                <a:latin typeface="+mn-lt"/>
+                <a:ea typeface="+mn-ea"/>
+                <a:cs typeface="+mn-cs"/>
+              </a:defRPr>
+            </a:lvl3pPr>
+            <a:lvl4pPr marL="1371600" indent="0" algn="ctr" defTabSz="914400" rtl="0" eaLnBrk="1" latinLnBrk="0" hangingPunct="1">
+              <a:lnSpc>
+                <a:spcPct val="90000"/>
+              </a:lnSpc>
+              <a:spcBef>
+                <a:spcPts val="500"/>
+              </a:spcBef>
+              <a:buFont typeface="Arial" panose="020B0604020202020204" pitchFamily="34" charset="0"/>
+              <a:buNone/>
+              <a:defRPr sz="1600" kern="1200">
+                <a:solidFill>
+                  <a:schemeClr val="tx1"/>
+                </a:solidFill>
+                <a:latin typeface="+mn-lt"/>
+                <a:ea typeface="+mn-ea"/>
+                <a:cs typeface="+mn-cs"/>
+              </a:defRPr>
+            </a:lvl4pPr>
+            <a:lvl5pPr marL="1828800" indent="0" algn="ctr" defTabSz="914400" rtl="0" eaLnBrk="1" latinLnBrk="0" hangingPunct="1">
+              <a:lnSpc>
+                <a:spcPct val="90000"/>
+              </a:lnSpc>
+              <a:spcBef>
+                <a:spcPts val="500"/>
+              </a:spcBef>
+              <a:buFont typeface="Arial" panose="020B0604020202020204" pitchFamily="34" charset="0"/>
+              <a:buNone/>
+              <a:defRPr sz="1600" kern="1200">
+                <a:solidFill>
+                  <a:schemeClr val="tx1"/>
+                </a:solidFill>
+                <a:latin typeface="+mn-lt"/>
+                <a:ea typeface="+mn-ea"/>
+                <a:cs typeface="+mn-cs"/>
+              </a:defRPr>
+            </a:lvl5pPr>
+            <a:lvl6pPr marL="2286000" indent="0" algn="ctr" defTabSz="914400" rtl="0" eaLnBrk="1" latinLnBrk="0" hangingPunct="1">
+              <a:lnSpc>
+                <a:spcPct val="90000"/>
+              </a:lnSpc>
+              <a:spcBef>
+                <a:spcPts val="500"/>
+              </a:spcBef>
+              <a:buFont typeface="Arial" panose="020B0604020202020204" pitchFamily="34" charset="0"/>
+              <a:buNone/>
+              <a:defRPr sz="1600" kern="1200">
+                <a:solidFill>
+                  <a:schemeClr val="tx1"/>
+                </a:solidFill>
+                <a:latin typeface="+mn-lt"/>
+                <a:ea typeface="+mn-ea"/>
+                <a:cs typeface="+mn-cs"/>
+              </a:defRPr>
+            </a:lvl6pPr>
+            <a:lvl7pPr marL="2743200" indent="0" algn="ctr" defTabSz="914400" rtl="0" eaLnBrk="1" latinLnBrk="0" hangingPunct="1">
+              <a:lnSpc>
+                <a:spcPct val="90000"/>
+              </a:lnSpc>
+              <a:spcBef>
+                <a:spcPts val="500"/>
+              </a:spcBef>
+              <a:buFont typeface="Arial" panose="020B0604020202020204" pitchFamily="34" charset="0"/>
+              <a:buNone/>
+              <a:defRPr sz="1600" kern="1200">
+                <a:solidFill>
+                  <a:schemeClr val="tx1"/>
+                </a:solidFill>
+                <a:latin typeface="+mn-lt"/>
+                <a:ea typeface="+mn-ea"/>
+                <a:cs typeface="+mn-cs"/>
+              </a:defRPr>
+            </a:lvl7pPr>
+            <a:lvl8pPr marL="3200400" indent="0" algn="ctr" defTabSz="914400" rtl="0" eaLnBrk="1" latinLnBrk="0" hangingPunct="1">
+              <a:lnSpc>
+                <a:spcPct val="90000"/>
+              </a:lnSpc>
+              <a:spcBef>
+                <a:spcPts val="500"/>
+              </a:spcBef>
+              <a:buFont typeface="Arial" panose="020B0604020202020204" pitchFamily="34" charset="0"/>
+              <a:buNone/>
+              <a:defRPr sz="1600" kern="1200">
+                <a:solidFill>
+                  <a:schemeClr val="tx1"/>
+                </a:solidFill>
+                <a:latin typeface="+mn-lt"/>
+                <a:ea typeface="+mn-ea"/>
+                <a:cs typeface="+mn-cs"/>
+              </a:defRPr>
+            </a:lvl8pPr>
+            <a:lvl9pPr marL="3657600" indent="0" algn="ctr" defTabSz="914400" rtl="0" eaLnBrk="1" latinLnBrk="0" hangingPunct="1">
+              <a:lnSpc>
+                <a:spcPct val="90000"/>
+              </a:lnSpc>
+              <a:spcBef>
+                <a:spcPts val="500"/>
+              </a:spcBef>
+              <a:buFont typeface="Arial" panose="020B0604020202020204" pitchFamily="34" charset="0"/>
+              <a:buNone/>
+              <a:defRPr sz="1600" kern="1200">
+                <a:solidFill>
+                  <a:schemeClr val="tx1"/>
+                </a:solidFill>
+                <a:latin typeface="+mn-lt"/>
+                <a:ea typeface="+mn-ea"/>
+                <a:cs typeface="+mn-cs"/>
+              </a:defRPr>
+            </a:lvl9pPr>
+          </a:lstStyle>
+          <a:p>
+            <a:r>
+              <a:rPr lang="en-US" sz="1200" b="1" dirty="0"/>
+              <a:t>Result</a:t>
+            </a:r>
+            <a:endParaRPr lang="LID4096" sz="1200" b="1" dirty="0"/>
+          </a:p>
+        </p:txBody>
+      </p:sp>
+    </p:spTree>
+    <p:extLst>
+      <p:ext uri="{BB962C8B-B14F-4D97-AF65-F5344CB8AC3E}">
+        <p14:creationId xmlns:p14="http://schemas.microsoft.com/office/powerpoint/2010/main" val="2509844215"/>
       </p:ext>
     </p:extLst>
   </p:cSld>
